--- a/assignments/HR Database/project submission.pptx
+++ b/assignments/HR Database/project submission.pptx
@@ -304,6 +304,11 @@
       </a:defRPr>
     </a:lvl9pPr>
   </p:defaultTextStyle>
+  <p:extLst>
+    <p:ext uri="{EFAFB233-063F-42B5-8137-9DF3F51BA10A}">
+      <p15:sldGuideLst xmlns:p15="http://schemas.microsoft.com/office/powerpoint/2012/main"/>
+    </p:ext>
+  </p:extLst>
 </p:presentation>
 </file>
 
@@ -1093,8 +1098,8 @@
         </p:nvSpPr>
         <p:spPr>
           <a:xfrm>
-            <a:off x="2104459" y="685800"/>
-            <a:ext cx="2649600" cy="3429000"/>
+            <a:off x="2105025" y="685800"/>
+            <a:ext cx="2649538" cy="3429000"/>
           </a:xfrm>
           <a:custGeom>
             <a:avLst/>
@@ -1197,8 +1202,8 @@
         </p:nvSpPr>
         <p:spPr>
           <a:xfrm>
-            <a:off x="2104459" y="685800"/>
-            <a:ext cx="2649600" cy="3429000"/>
+            <a:off x="2105025" y="685800"/>
+            <a:ext cx="2649538" cy="3429000"/>
           </a:xfrm>
           <a:custGeom>
             <a:avLst/>
@@ -1301,8 +1306,8 @@
         </p:nvSpPr>
         <p:spPr>
           <a:xfrm>
-            <a:off x="2104459" y="685800"/>
-            <a:ext cx="2649600" cy="3429000"/>
+            <a:off x="2105025" y="685800"/>
+            <a:ext cx="2649538" cy="3429000"/>
           </a:xfrm>
           <a:custGeom>
             <a:avLst/>
@@ -28873,36 +28878,49 @@
       </p:sp>
       <p:pic>
         <p:nvPicPr>
-          <p:cNvPr id="250" name="Google Shape;250;p62"/>
-          <p:cNvPicPr preferRelativeResize="0"/>
+          <p:cNvPr id="1026" name="Picture 2">
+            <a:extLst>
+              <a:ext uri="{FF2B5EF4-FFF2-40B4-BE49-F238E27FC236}">
+                <a16:creationId xmlns:a16="http://schemas.microsoft.com/office/drawing/2014/main" id="{F8CE6B85-5441-4ED1-975E-A3D96EC407DE}"/>
+              </a:ext>
+            </a:extLst>
+          </p:cNvPr>
+          <p:cNvPicPr>
+            <a:picLocks noChangeAspect="1" noChangeArrowheads="1"/>
+          </p:cNvPicPr>
           <p:nvPr/>
         </p:nvPicPr>
         <p:blipFill>
           <a:blip r:embed="rId3">
-            <a:alphaModFix/>
+            <a:extLst>
+              <a:ext uri="{28A0092B-C50C-407E-A947-70E740481C1C}">
+                <a14:useLocalDpi xmlns:a14="http://schemas.microsoft.com/office/drawing/2010/main" val="0"/>
+              </a:ext>
+            </a:extLst>
           </a:blip>
+          <a:srcRect/>
           <a:stretch>
             <a:fillRect/>
           </a:stretch>
         </p:blipFill>
-        <p:spPr>
+        <p:spPr bwMode="auto">
           <a:xfrm>
-            <a:off x="755850" y="5786403"/>
-            <a:ext cx="6085425" cy="2570274"/>
+            <a:off x="0" y="5287629"/>
+            <a:ext cx="7772400" cy="2465387"/>
           </a:xfrm>
           <a:prstGeom prst="rect">
             <a:avLst/>
           </a:prstGeom>
           <a:noFill/>
-          <a:ln w="9525" cap="flat" cmpd="sng">
-            <a:solidFill>
-              <a:schemeClr val="dk2"/>
-            </a:solidFill>
-            <a:prstDash val="solid"/>
-            <a:round/>
-            <a:headEnd type="none" w="sm" len="sm"/>
-            <a:tailEnd type="none" w="sm" len="sm"/>
-          </a:ln>
+          <a:extLst>
+            <a:ext uri="{909E8E84-426E-40DD-AFC4-6F175D3DCCD1}">
+              <a14:hiddenFill xmlns:a14="http://schemas.microsoft.com/office/drawing/2010/main">
+                <a:solidFill>
+                  <a:srgbClr val="FFFFFF"/>
+                </a:solidFill>
+              </a14:hiddenFill>
+            </a:ext>
+          </a:extLst>
         </p:spPr>
       </p:pic>
     </p:spTree>
@@ -29009,7 +29027,7 @@
               <a:buChar char="●"/>
             </a:pPr>
             <a:r>
-              <a:rPr lang="en" sz="1900" b="1">
+              <a:rPr lang="en" sz="1900" b="1" dirty="0">
                 <a:latin typeface="Open Sans"/>
                 <a:ea typeface="Open Sans"/>
                 <a:cs typeface="Open Sans"/>
@@ -29017,7 +29035,7 @@
               </a:rPr>
               <a:t>Logical</a:t>
             </a:r>
-            <a:endParaRPr sz="1900" b="1">
+            <a:endParaRPr sz="1900" b="1" dirty="0">
               <a:latin typeface="Open Sans"/>
               <a:ea typeface="Open Sans"/>
               <a:cs typeface="Open Sans"/>
@@ -29038,7 +29056,7 @@
               <a:buNone/>
             </a:pPr>
             <a:r>
-              <a:rPr lang="en" sz="1400">
+              <a:rPr lang="en" sz="1400" dirty="0">
                 <a:solidFill>
                   <a:srgbClr val="525C65"/>
                 </a:solidFill>
@@ -29052,7 +29070,7 @@
               </a:rPr>
               <a:t>The logical model is the next level of refinement from the conceptual ERD. At this point, you should have normalized the data to the 3NF. Attributes should also be listed now in the ERD. You can still use human-friendly entity and attribute names in the logical model, and while relationship lines are required, Crow's foot notation is still not needed at this point.</a:t>
             </a:r>
-            <a:endParaRPr sz="1400">
+            <a:endParaRPr sz="1400" dirty="0">
               <a:solidFill>
                 <a:srgbClr val="525C65"/>
               </a:solidFill>
@@ -29079,7 +29097,7 @@
               <a:buNone/>
             </a:pPr>
             <a:r>
-              <a:rPr lang="en" sz="1400">
+              <a:rPr lang="en" sz="1400" dirty="0">
                 <a:solidFill>
                   <a:srgbClr val="525C65"/>
                 </a:solidFill>
@@ -29093,7 +29111,7 @@
               </a:rPr>
               <a:t>Use Lucidchart’s built-in template for DBMS ER Diagram UML.</a:t>
             </a:r>
-            <a:endParaRPr sz="1400">
+            <a:endParaRPr sz="1400" dirty="0">
               <a:solidFill>
                 <a:srgbClr val="525C65"/>
               </a:solidFill>
@@ -29124,7 +29142,7 @@
               <a:buFont typeface="Arial"/>
               <a:buNone/>
             </a:pPr>
-            <a:endParaRPr sz="1200">
+            <a:endParaRPr sz="1200" dirty="0">
               <a:solidFill>
                 <a:srgbClr val="525C65"/>
               </a:solidFill>
@@ -29138,62 +29156,40 @@
             </a:endParaRPr>
           </a:p>
           <a:p>
+            <a:pPr marL="457200" lvl="0" indent="0" algn="l" rtl="0">
+              <a:spcBef>
+                <a:spcPts val="0"/>
+              </a:spcBef>
+              <a:spcAft>
+                <a:spcPts val="0"/>
+              </a:spcAft>
+              <a:buNone/>
+            </a:pPr>
+            <a:endParaRPr sz="1900" dirty="0"/>
+          </a:p>
+          <a:p>
             <a:pPr marL="0" lvl="0" indent="0" algn="l" rtl="0">
-              <a:lnSpc>
-                <a:spcPct val="170000"/>
-              </a:lnSpc>
-              <a:spcBef>
-                <a:spcPts val="0"/>
-              </a:spcBef>
-              <a:spcAft>
-                <a:spcPts val="0"/>
-              </a:spcAft>
-              <a:buClr>
-                <a:schemeClr val="dk1"/>
-              </a:buClr>
-              <a:buSzPts val="1100"/>
-              <a:buFont typeface="Arial"/>
+              <a:spcBef>
+                <a:spcPts val="1600"/>
+              </a:spcBef>
+              <a:spcAft>
+                <a:spcPts val="0"/>
+              </a:spcAft>
               <a:buNone/>
             </a:pPr>
-            <a:r>
-              <a:rPr lang="en" sz="1200">
-                <a:solidFill>
-                  <a:srgbClr val="FF0000"/>
-                </a:solidFill>
-                <a:highlight>
-                  <a:schemeClr val="lt1"/>
-                </a:highlight>
-                <a:latin typeface="Open Sans"/>
-                <a:ea typeface="Open Sans"/>
-                <a:cs typeface="Open Sans"/>
-                <a:sym typeface="Open Sans"/>
-              </a:rPr>
-              <a:t>** Replace example screenshot below with your response</a:t>
-            </a:r>
-            <a:endParaRPr sz="1400">
-              <a:solidFill>
-                <a:srgbClr val="525C65"/>
-              </a:solidFill>
-              <a:highlight>
-                <a:srgbClr val="FFFFFF"/>
-              </a:highlight>
-              <a:latin typeface="Open Sans"/>
-              <a:ea typeface="Open Sans"/>
-              <a:cs typeface="Open Sans"/>
-              <a:sym typeface="Open Sans"/>
-            </a:endParaRPr>
-          </a:p>
-          <a:p>
-            <a:pPr marL="457200" lvl="0" indent="0" algn="l" rtl="0">
-              <a:spcBef>
-                <a:spcPts val="0"/>
+            <a:endParaRPr sz="1900" dirty="0"/>
+          </a:p>
+          <a:p>
+            <a:pPr marL="0" lvl="0" indent="0" algn="l" rtl="0">
+              <a:spcBef>
+                <a:spcPts val="1600"/>
               </a:spcBef>
               <a:spcAft>
                 <a:spcPts val="0"/>
               </a:spcAft>
               <a:buNone/>
             </a:pPr>
-            <a:endParaRPr sz="1900"/>
+            <a:endParaRPr sz="1900" dirty="0"/>
           </a:p>
           <a:p>
             <a:pPr marL="0" lvl="0" indent="0" algn="l" rtl="0">
@@ -29205,7 +29201,7 @@
               </a:spcAft>
               <a:buNone/>
             </a:pPr>
-            <a:endParaRPr sz="1900"/>
+            <a:endParaRPr sz="1900" dirty="0"/>
           </a:p>
           <a:p>
             <a:pPr marL="0" lvl="0" indent="0" algn="l" rtl="0">
@@ -29213,70 +29209,57 @@
                 <a:spcPts val="1600"/>
               </a:spcBef>
               <a:spcAft>
-                <a:spcPts val="0"/>
+                <a:spcPts val="1600"/>
               </a:spcAft>
               <a:buNone/>
             </a:pPr>
-            <a:endParaRPr sz="1900"/>
-          </a:p>
-          <a:p>
-            <a:pPr marL="0" lvl="0" indent="0" algn="l" rtl="0">
-              <a:spcBef>
-                <a:spcPts val="1600"/>
-              </a:spcBef>
-              <a:spcAft>
-                <a:spcPts val="0"/>
-              </a:spcAft>
-              <a:buNone/>
-            </a:pPr>
-            <a:endParaRPr sz="1900"/>
-          </a:p>
-          <a:p>
-            <a:pPr marL="0" lvl="0" indent="0" algn="l" rtl="0">
-              <a:spcBef>
-                <a:spcPts val="1600"/>
-              </a:spcBef>
-              <a:spcAft>
-                <a:spcPts val="1600"/>
-              </a:spcAft>
-              <a:buNone/>
-            </a:pPr>
-            <a:endParaRPr sz="1900"/>
+            <a:endParaRPr sz="1900" dirty="0"/>
           </a:p>
         </p:txBody>
       </p:sp>
       <p:pic>
         <p:nvPicPr>
-          <p:cNvPr id="257" name="Google Shape;257;p63"/>
-          <p:cNvPicPr preferRelativeResize="0"/>
+          <p:cNvPr id="2050" name="Picture 2">
+            <a:extLst>
+              <a:ext uri="{FF2B5EF4-FFF2-40B4-BE49-F238E27FC236}">
+                <a16:creationId xmlns:a16="http://schemas.microsoft.com/office/drawing/2014/main" id="{2DA113A5-540D-45EE-90CC-FB177F572ABC}"/>
+              </a:ext>
+            </a:extLst>
+          </p:cNvPr>
+          <p:cNvPicPr>
+            <a:picLocks noChangeAspect="1" noChangeArrowheads="1"/>
+          </p:cNvPicPr>
           <p:nvPr/>
         </p:nvPicPr>
-        <p:blipFill>
+        <p:blipFill rotWithShape="1">
           <a:blip r:embed="rId3">
-            <a:alphaModFix/>
+            <a:extLst>
+              <a:ext uri="{28A0092B-C50C-407E-A947-70E740481C1C}">
+                <a14:useLocalDpi xmlns:a14="http://schemas.microsoft.com/office/drawing/2010/main" val="0"/>
+              </a:ext>
+            </a:extLst>
           </a:blip>
-          <a:stretch>
-            <a:fillRect/>
-          </a:stretch>
+          <a:srcRect t="7603" b="3833"/>
+          <a:stretch/>
         </p:blipFill>
-        <p:spPr>
+        <p:spPr bwMode="auto">
           <a:xfrm>
-            <a:off x="484950" y="5969175"/>
-            <a:ext cx="6802502" cy="3038826"/>
+            <a:off x="0" y="5570622"/>
+            <a:ext cx="7772400" cy="3617507"/>
           </a:xfrm>
           <a:prstGeom prst="rect">
             <a:avLst/>
           </a:prstGeom>
           <a:noFill/>
-          <a:ln w="9525" cap="flat" cmpd="sng">
-            <a:solidFill>
-              <a:schemeClr val="dk2"/>
-            </a:solidFill>
-            <a:prstDash val="solid"/>
-            <a:round/>
-            <a:headEnd type="none" w="sm" len="sm"/>
-            <a:tailEnd type="none" w="sm" len="sm"/>
-          </a:ln>
+          <a:extLst>
+            <a:ext uri="{909E8E84-426E-40DD-AFC4-6F175D3DCCD1}">
+              <a14:hiddenFill xmlns:a14="http://schemas.microsoft.com/office/drawing/2010/main">
+                <a:solidFill>
+                  <a:srgbClr val="FFFFFF"/>
+                </a:solidFill>
+              </a14:hiddenFill>
+            </a:ext>
+          </a:extLst>
         </p:spPr>
       </p:pic>
     </p:spTree>
@@ -29383,7 +29366,7 @@
               <a:buChar char="●"/>
             </a:pPr>
             <a:r>
-              <a:rPr lang="en" sz="1900" b="1">
+              <a:rPr lang="en" sz="1900" b="1" dirty="0">
                 <a:latin typeface="Open Sans"/>
                 <a:ea typeface="Open Sans"/>
                 <a:cs typeface="Open Sans"/>
@@ -29391,7 +29374,7 @@
               </a:rPr>
               <a:t>Physical</a:t>
             </a:r>
-            <a:endParaRPr sz="1900" b="1">
+            <a:endParaRPr sz="1900" b="1" dirty="0">
               <a:latin typeface="Open Sans"/>
               <a:ea typeface="Open Sans"/>
               <a:cs typeface="Open Sans"/>
@@ -29412,7 +29395,7 @@
               <a:buNone/>
             </a:pPr>
             <a:r>
-              <a:rPr lang="en" sz="1400">
+              <a:rPr lang="en" sz="1400" dirty="0">
                 <a:solidFill>
                   <a:srgbClr val="525C65"/>
                 </a:solidFill>
@@ -29426,7 +29409,7 @@
               </a:rPr>
               <a:t>The physical model is what will be built in the database. Each entity should represent a database table, complete with column names and data types. Primary keys and foreign keys should also be represented here. Primary keys should be in bold type with the (PK) designation following the field name. Foreign keys should be in normal type face, but have the designation (FK) after the column name. Finally, in the physical model, Crow's foot notation is important.</a:t>
             </a:r>
-            <a:endParaRPr sz="1200">
+            <a:endParaRPr sz="1200" dirty="0">
               <a:solidFill>
                 <a:srgbClr val="525C65"/>
               </a:solidFill>
@@ -29440,39 +29423,16 @@
             </a:endParaRPr>
           </a:p>
           <a:p>
-            <a:pPr marL="0" lvl="0" indent="0" algn="l" rtl="0">
-              <a:lnSpc>
-                <a:spcPct val="170000"/>
-              </a:lnSpc>
-              <a:spcBef>
+            <a:pPr marL="457200" lvl="0" indent="0" algn="l" rtl="0">
+              <a:spcBef>
+                <a:spcPts val="0"/>
+              </a:spcBef>
+              <a:spcAft>
                 <a:spcPts val="1600"/>
-              </a:spcBef>
-              <a:spcAft>
-                <a:spcPts val="0"/>
-              </a:spcAft>
-              <a:buClr>
-                <a:schemeClr val="dk1"/>
-              </a:buClr>
-              <a:buSzPts val="1100"/>
-              <a:buFont typeface="Arial"/>
+              </a:spcAft>
               <a:buNone/>
             </a:pPr>
-            <a:r>
-              <a:rPr lang="en" sz="1200">
-                <a:solidFill>
-                  <a:srgbClr val="FF0000"/>
-                </a:solidFill>
-                <a:highlight>
-                  <a:schemeClr val="lt1"/>
-                </a:highlight>
-                <a:latin typeface="Open Sans"/>
-                <a:ea typeface="Open Sans"/>
-                <a:cs typeface="Open Sans"/>
-                <a:sym typeface="Open Sans"/>
-              </a:rPr>
-              <a:t>** Replace example screenshot below with your response</a:t>
-            </a:r>
-            <a:endParaRPr sz="1500">
+            <a:endParaRPr sz="1500" dirty="0">
               <a:solidFill>
                 <a:srgbClr val="525C65"/>
               </a:solidFill>
@@ -29485,63 +29445,51 @@
               <a:sym typeface="Open Sans"/>
             </a:endParaRPr>
           </a:p>
-          <a:p>
-            <a:pPr marL="457200" lvl="0" indent="0" algn="l" rtl="0">
-              <a:spcBef>
-                <a:spcPts val="0"/>
-              </a:spcBef>
-              <a:spcAft>
-                <a:spcPts val="1600"/>
-              </a:spcAft>
-              <a:buNone/>
-            </a:pPr>
-            <a:endParaRPr sz="1500">
-              <a:solidFill>
-                <a:srgbClr val="525C65"/>
-              </a:solidFill>
-              <a:highlight>
-                <a:srgbClr val="FFFFFF"/>
-              </a:highlight>
-              <a:latin typeface="Open Sans"/>
-              <a:ea typeface="Open Sans"/>
-              <a:cs typeface="Open Sans"/>
-              <a:sym typeface="Open Sans"/>
-            </a:endParaRPr>
-          </a:p>
         </p:txBody>
       </p:sp>
       <p:pic>
         <p:nvPicPr>
-          <p:cNvPr id="264" name="Google Shape;264;p64"/>
-          <p:cNvPicPr preferRelativeResize="0"/>
+          <p:cNvPr id="3076" name="Picture 4">
+            <a:extLst>
+              <a:ext uri="{FF2B5EF4-FFF2-40B4-BE49-F238E27FC236}">
+                <a16:creationId xmlns:a16="http://schemas.microsoft.com/office/drawing/2014/main" id="{06D58763-C949-4875-A73C-964F06E7AF78}"/>
+              </a:ext>
+            </a:extLst>
+          </p:cNvPr>
+          <p:cNvPicPr>
+            <a:picLocks noChangeAspect="1" noChangeArrowheads="1"/>
+          </p:cNvPicPr>
           <p:nvPr/>
         </p:nvPicPr>
-        <p:blipFill>
+        <p:blipFill rotWithShape="1">
           <a:blip r:embed="rId3">
-            <a:alphaModFix/>
+            <a:extLst>
+              <a:ext uri="{28A0092B-C50C-407E-A947-70E740481C1C}">
+                <a14:useLocalDpi xmlns:a14="http://schemas.microsoft.com/office/drawing/2010/main" val="0"/>
+              </a:ext>
+            </a:extLst>
           </a:blip>
-          <a:stretch>
-            <a:fillRect/>
-          </a:stretch>
+          <a:srcRect t="3846"/>
+          <a:stretch/>
         </p:blipFill>
-        <p:spPr>
+        <p:spPr bwMode="auto">
           <a:xfrm>
-            <a:off x="832174" y="5859975"/>
-            <a:ext cx="6108049" cy="3630424"/>
+            <a:off x="0" y="6130089"/>
+            <a:ext cx="7772400" cy="2743033"/>
           </a:xfrm>
           <a:prstGeom prst="rect">
             <a:avLst/>
           </a:prstGeom>
           <a:noFill/>
-          <a:ln w="9525" cap="flat" cmpd="sng">
-            <a:solidFill>
-              <a:schemeClr val="dk2"/>
-            </a:solidFill>
-            <a:prstDash val="solid"/>
-            <a:round/>
-            <a:headEnd type="none" w="sm" len="sm"/>
-            <a:tailEnd type="none" w="sm" len="sm"/>
-          </a:ln>
+          <a:extLst>
+            <a:ext uri="{909E8E84-426E-40DD-AFC4-6F175D3DCCD1}">
+              <a14:hiddenFill xmlns:a14="http://schemas.microsoft.com/office/drawing/2010/main">
+                <a:solidFill>
+                  <a:srgbClr val="FFFFFF"/>
+                </a:solidFill>
+              </a14:hiddenFill>
+            </a:ext>
+          </a:extLst>
         </p:spPr>
       </p:pic>
     </p:spTree>

--- a/assignments/HR Database/project submission.pptx
+++ b/assignments/HR Database/project submission.pptx
@@ -1622,8 +1622,8 @@
         </p:nvSpPr>
         <p:spPr>
           <a:xfrm>
-            <a:off x="2104480" y="685800"/>
-            <a:ext cx="2649600" cy="3429000"/>
+            <a:off x="2105025" y="685800"/>
+            <a:ext cx="2649538" cy="3429000"/>
           </a:xfrm>
           <a:custGeom>
             <a:avLst/>
@@ -29449,47 +29449,32 @@
       </p:sp>
       <p:pic>
         <p:nvPicPr>
-          <p:cNvPr id="3076" name="Picture 4">
+          <p:cNvPr id="9" name="Picture 8" descr="Diagram&#10;&#10;Description automatically generated">
             <a:extLst>
               <a:ext uri="{FF2B5EF4-FFF2-40B4-BE49-F238E27FC236}">
-                <a16:creationId xmlns:a16="http://schemas.microsoft.com/office/drawing/2014/main" id="{06D58763-C949-4875-A73C-964F06E7AF78}"/>
+                <a16:creationId xmlns:a16="http://schemas.microsoft.com/office/drawing/2014/main" id="{B83D55DA-334D-4AA4-8E3C-46C82C8FECE0}"/>
               </a:ext>
             </a:extLst>
           </p:cNvPr>
           <p:cNvPicPr>
-            <a:picLocks noChangeAspect="1" noChangeArrowheads="1"/>
+            <a:picLocks noChangeAspect="1"/>
           </p:cNvPicPr>
           <p:nvPr/>
         </p:nvPicPr>
-        <p:blipFill rotWithShape="1">
-          <a:blip r:embed="rId3">
-            <a:extLst>
-              <a:ext uri="{28A0092B-C50C-407E-A947-70E740481C1C}">
-                <a14:useLocalDpi xmlns:a14="http://schemas.microsoft.com/office/drawing/2010/main" val="0"/>
-              </a:ext>
-            </a:extLst>
-          </a:blip>
-          <a:srcRect t="3846"/>
-          <a:stretch/>
+        <p:blipFill>
+          <a:blip r:embed="rId3"/>
+          <a:stretch>
+            <a:fillRect/>
+          </a:stretch>
         </p:blipFill>
-        <p:spPr bwMode="auto">
+        <p:spPr>
           <a:xfrm>
-            <a:off x="0" y="6130089"/>
-            <a:ext cx="7772400" cy="2743033"/>
+            <a:off x="0" y="6288967"/>
+            <a:ext cx="7772400" cy="2810455"/>
           </a:xfrm>
           <a:prstGeom prst="rect">
             <a:avLst/>
           </a:prstGeom>
-          <a:noFill/>
-          <a:extLst>
-            <a:ext uri="{909E8E84-426E-40DD-AFC4-6F175D3DCCD1}">
-              <a14:hiddenFill xmlns:a14="http://schemas.microsoft.com/office/drawing/2010/main">
-                <a:solidFill>
-                  <a:srgbClr val="FFFFFF"/>
-                </a:solidFill>
-              </a14:hiddenFill>
-            </a:ext>
-          </a:extLst>
         </p:spPr>
       </p:pic>
     </p:spTree>
@@ -29794,7 +29779,7 @@
               <a:buNone/>
             </a:pPr>
             <a:r>
-              <a:rPr lang="en" sz="1550">
+              <a:rPr lang="en" sz="1550" dirty="0">
                 <a:solidFill>
                   <a:srgbClr val="525C65"/>
                 </a:solidFill>
@@ -29808,7 +29793,7 @@
               </a:rPr>
               <a:t>In this step, you will be turning your database model into a physical database.</a:t>
             </a:r>
-            <a:endParaRPr sz="1550">
+            <a:endParaRPr sz="1550" dirty="0">
               <a:solidFill>
                 <a:srgbClr val="525C65"/>
               </a:solidFill>
@@ -29840,7 +29825,7 @@
               <a:buNone/>
             </a:pPr>
             <a:r>
-              <a:rPr lang="en" sz="1550" b="1">
+              <a:rPr lang="en" sz="1550" b="1" dirty="0">
                 <a:solidFill>
                   <a:srgbClr val="525C65"/>
                 </a:solidFill>
@@ -29854,7 +29839,7 @@
               </a:rPr>
               <a:t>You will:</a:t>
             </a:r>
-            <a:endParaRPr sz="1550" b="1">
+            <a:endParaRPr sz="1550" b="1" dirty="0">
               <a:solidFill>
                 <a:srgbClr val="525C65"/>
               </a:solidFill>
@@ -29886,7 +29871,7 @@
               <a:buChar char="●"/>
             </a:pPr>
             <a:r>
-              <a:rPr lang="en" sz="1550">
+              <a:rPr lang="en" sz="1550" dirty="0">
                 <a:solidFill>
                   <a:srgbClr val="525C65"/>
                 </a:solidFill>
@@ -29900,7 +29885,7 @@
               </a:rPr>
               <a:t>Create the database using SQL DDL commands</a:t>
             </a:r>
-            <a:endParaRPr sz="1550">
+            <a:endParaRPr sz="1550" dirty="0">
               <a:solidFill>
                 <a:srgbClr val="525C65"/>
               </a:solidFill>
@@ -29932,7 +29917,7 @@
               <a:buChar char="●"/>
             </a:pPr>
             <a:r>
-              <a:rPr lang="en" sz="1550">
+              <a:rPr lang="en" sz="1550" dirty="0">
                 <a:solidFill>
                   <a:srgbClr val="525C65"/>
                 </a:solidFill>
@@ -29946,7 +29931,7 @@
               </a:rPr>
               <a:t>Load the data into your database, utilizing flat file ETL</a:t>
             </a:r>
-            <a:endParaRPr sz="1550">
+            <a:endParaRPr sz="1550" dirty="0">
               <a:solidFill>
                 <a:srgbClr val="525C65"/>
               </a:solidFill>
@@ -29978,7 +29963,7 @@
               <a:buChar char="●"/>
             </a:pPr>
             <a:r>
-              <a:rPr lang="en" sz="1550">
+              <a:rPr lang="en" sz="1550" dirty="0">
                 <a:solidFill>
                   <a:srgbClr val="525C65"/>
                 </a:solidFill>
@@ -29992,7 +29977,7 @@
               </a:rPr>
               <a:t>Answer a series of questions using CRUD SQL commands to demonstrate your database was created and populated correctly</a:t>
             </a:r>
-            <a:endParaRPr sz="1550">
+            <a:endParaRPr sz="1550" dirty="0">
               <a:solidFill>
                 <a:srgbClr val="525C65"/>
               </a:solidFill>
@@ -30023,7 +30008,7 @@
               <a:buFont typeface="Arial"/>
               <a:buNone/>
             </a:pPr>
-            <a:endParaRPr sz="1350" b="1">
+            <a:endParaRPr sz="1350" b="1" dirty="0">
               <a:solidFill>
                 <a:srgbClr val="525C65"/>
               </a:solidFill>
@@ -30055,7 +30040,7 @@
               <a:buNone/>
             </a:pPr>
             <a:r>
-              <a:rPr lang="en" sz="1550" b="1">
+              <a:rPr lang="en" sz="1550" b="1" dirty="0">
                 <a:solidFill>
                   <a:srgbClr val="525C65"/>
                 </a:solidFill>
@@ -30069,7 +30054,7 @@
               </a:rPr>
               <a:t>Submission</a:t>
             </a:r>
-            <a:endParaRPr sz="1550" b="1">
+            <a:endParaRPr sz="1550" b="1" dirty="0">
               <a:solidFill>
                 <a:srgbClr val="525C65"/>
               </a:solidFill>
@@ -30101,7 +30086,7 @@
               <a:buNone/>
             </a:pPr>
             <a:r>
-              <a:rPr lang="en" sz="1550">
+              <a:rPr lang="en" sz="1550" dirty="0">
                 <a:solidFill>
                   <a:srgbClr val="525C65"/>
                 </a:solidFill>
@@ -30115,7 +30100,7 @@
               </a:rPr>
               <a:t>For this step, you will need to submit SQL files containing all DDL SQL scripts used to create the database.</a:t>
             </a:r>
-            <a:endParaRPr sz="1550">
+            <a:endParaRPr sz="1550" dirty="0">
               <a:solidFill>
                 <a:srgbClr val="525C65"/>
               </a:solidFill>
@@ -30146,7 +30131,7 @@
               <a:buFont typeface="Arial"/>
               <a:buNone/>
             </a:pPr>
-            <a:endParaRPr sz="1550">
+            <a:endParaRPr sz="1550" dirty="0">
               <a:solidFill>
                 <a:srgbClr val="525C65"/>
               </a:solidFill>
@@ -30178,7 +30163,7 @@
               <a:buNone/>
             </a:pPr>
             <a:r>
-              <a:rPr lang="en" sz="1550">
+              <a:rPr lang="en" sz="1550" dirty="0">
                 <a:solidFill>
                   <a:srgbClr val="525C65"/>
                 </a:solidFill>
@@ -30192,7 +30177,7 @@
               </a:rPr>
               <a:t>You will also have to submit screenshots showing CRUD commands, along with results for each of the questions found in the starter template.</a:t>
             </a:r>
-            <a:endParaRPr sz="1550">
+            <a:endParaRPr sz="1550" dirty="0">
               <a:solidFill>
                 <a:srgbClr val="525C65"/>
               </a:solidFill>
@@ -30223,7 +30208,7 @@
               <a:buFont typeface="Arial"/>
               <a:buNone/>
             </a:pPr>
-            <a:endParaRPr sz="1350">
+            <a:endParaRPr sz="1350" dirty="0">
               <a:solidFill>
                 <a:srgbClr val="525C65"/>
               </a:solidFill>
@@ -30254,7 +30239,7 @@
               <a:buFont typeface="Arial"/>
               <a:buNone/>
             </a:pPr>
-            <a:endParaRPr sz="1350">
+            <a:endParaRPr sz="1350" dirty="0">
               <a:solidFill>
                 <a:srgbClr val="525C65"/>
               </a:solidFill>
@@ -30286,7 +30271,7 @@
               <a:buNone/>
             </a:pPr>
             <a:r>
-              <a:rPr lang="en" sz="1550" b="1">
+              <a:rPr lang="en" sz="1550" b="1" dirty="0">
                 <a:solidFill>
                   <a:srgbClr val="525C65"/>
                 </a:solidFill>
@@ -30300,7 +30285,7 @@
               </a:rPr>
               <a:t>Hints</a:t>
             </a:r>
-            <a:endParaRPr sz="1550" b="1">
+            <a:endParaRPr sz="1550" b="1" dirty="0">
               <a:solidFill>
                 <a:srgbClr val="525C65"/>
               </a:solidFill>
@@ -30332,7 +30317,7 @@
               <a:buNone/>
             </a:pPr>
             <a:r>
-              <a:rPr lang="en" sz="1550">
+              <a:rPr lang="en" sz="1550" dirty="0">
                 <a:solidFill>
                   <a:srgbClr val="525C65"/>
                 </a:solidFill>
@@ -30346,7 +30331,7 @@
               </a:rPr>
               <a:t>Your DDL script will be graded by running the code you submit. Please ensure your SQL code runs properly!</a:t>
             </a:r>
-            <a:endParaRPr sz="1550">
+            <a:endParaRPr sz="1550" dirty="0">
               <a:solidFill>
                 <a:srgbClr val="525C65"/>
               </a:solidFill>
@@ -30377,7 +30362,7 @@
               <a:buFont typeface="Arial"/>
               <a:buNone/>
             </a:pPr>
-            <a:endParaRPr sz="1550">
+            <a:endParaRPr sz="1550" dirty="0">
               <a:solidFill>
                 <a:srgbClr val="525C65"/>
               </a:solidFill>
@@ -30409,7 +30394,7 @@
               <a:buNone/>
             </a:pPr>
             <a:r>
-              <a:rPr lang="en" sz="1550">
+              <a:rPr lang="en" sz="1550" dirty="0">
                 <a:solidFill>
                   <a:srgbClr val="525C65"/>
                 </a:solidFill>
@@ -30423,7 +30408,7 @@
               </a:rPr>
               <a:t>Foreign keys cannot be created on tables that do not exist yet, so it may be easier to create all tables in the database, then to go back and run modify statements on the tables to create foreign key constraints.</a:t>
             </a:r>
-            <a:endParaRPr sz="1550">
+            <a:endParaRPr sz="1550" dirty="0">
               <a:solidFill>
                 <a:srgbClr val="525C65"/>
               </a:solidFill>
@@ -30454,7 +30439,7 @@
               <a:buFont typeface="Arial"/>
               <a:buNone/>
             </a:pPr>
-            <a:endParaRPr sz="1550">
+            <a:endParaRPr sz="1550" dirty="0">
               <a:solidFill>
                 <a:srgbClr val="525C65"/>
               </a:solidFill>
@@ -30486,7 +30471,7 @@
               <a:buNone/>
             </a:pPr>
             <a:r>
-              <a:rPr lang="en" sz="1550">
+              <a:rPr lang="en" sz="1550" dirty="0">
                 <a:solidFill>
                   <a:srgbClr val="525C65"/>
                 </a:solidFill>
@@ -30501,7 +30486,7 @@
               <a:t>After running CRUD commands like update, insert, or delete, run a </a:t>
             </a:r>
             <a:r>
-              <a:rPr lang="en" sz="1550">
+              <a:rPr lang="en" sz="1550" dirty="0">
                 <a:solidFill>
                   <a:srgbClr val="525C65"/>
                 </a:solidFill>
@@ -30516,7 +30501,7 @@
               <a:t>SELECT*</a:t>
             </a:r>
             <a:r>
-              <a:rPr lang="en" sz="1550">
+              <a:rPr lang="en" sz="1550" dirty="0">
                 <a:solidFill>
                   <a:srgbClr val="525C65"/>
                 </a:solidFill>
@@ -30530,7 +30515,7 @@
               </a:rPr>
               <a:t> command on the affected table, so the reviewer can see the results of the command.</a:t>
             </a:r>
-            <a:endParaRPr sz="1050">
+            <a:endParaRPr sz="1050" dirty="0">
               <a:solidFill>
                 <a:srgbClr val="525C65"/>
               </a:solidFill>
@@ -30553,7 +30538,7 @@
               </a:spcAft>
               <a:buNone/>
             </a:pPr>
-            <a:endParaRPr sz="2200">
+            <a:endParaRPr sz="2200" dirty="0">
               <a:solidFill>
                 <a:srgbClr val="525C65"/>
               </a:solidFill>
@@ -30663,10 +30648,10 @@
               <a:buNone/>
             </a:pPr>
             <a:r>
-              <a:rPr lang="en" sz="1900"/>
+              <a:rPr lang="en" sz="1900" dirty="0"/>
               <a:t>Create a DDL SQL script capable of building the database you designed in Step 2</a:t>
             </a:r>
-            <a:endParaRPr sz="1900"/>
+            <a:endParaRPr sz="1900" dirty="0"/>
           </a:p>
           <a:p>
             <a:pPr marL="241300" marR="241300" lvl="0" indent="0" algn="l" rtl="0">
@@ -30687,7 +30672,7 @@
               <a:buNone/>
             </a:pPr>
             <a:r>
-              <a:rPr lang="en" sz="1350" b="1">
+              <a:rPr lang="en" sz="1350" b="1" dirty="0">
                 <a:solidFill>
                   <a:srgbClr val="2E3D49"/>
                 </a:solidFill>
@@ -30701,7 +30686,7 @@
               </a:rPr>
               <a:t>Hints</a:t>
             </a:r>
-            <a:endParaRPr sz="1350" b="1">
+            <a:endParaRPr sz="1350" b="1" dirty="0">
               <a:solidFill>
                 <a:srgbClr val="2E3D49"/>
               </a:solidFill>
@@ -30733,7 +30718,7 @@
               <a:buNone/>
             </a:pPr>
             <a:r>
-              <a:rPr lang="en" sz="1350">
+              <a:rPr lang="en" sz="1350" dirty="0">
                 <a:solidFill>
                   <a:srgbClr val="525C65"/>
                 </a:solidFill>
@@ -30747,7 +30732,7 @@
               </a:rPr>
               <a:t>The DDL script will be graded by running the code you submit. Please ensure your SQL code runs properly.</a:t>
             </a:r>
-            <a:endParaRPr sz="1350">
+            <a:endParaRPr sz="1350" dirty="0">
               <a:solidFill>
                 <a:srgbClr val="525C65"/>
               </a:solidFill>
@@ -30778,7 +30763,7 @@
               <a:buFont typeface="Arial"/>
               <a:buNone/>
             </a:pPr>
-            <a:endParaRPr sz="1350">
+            <a:endParaRPr sz="1350" dirty="0">
               <a:solidFill>
                 <a:srgbClr val="525C65"/>
               </a:solidFill>
@@ -30805,7 +30790,7 @@
               <a:buNone/>
             </a:pPr>
             <a:r>
-              <a:rPr lang="en" sz="1350">
+              <a:rPr lang="en" sz="1350" dirty="0">
                 <a:solidFill>
                   <a:srgbClr val="525C65"/>
                 </a:solidFill>
@@ -30819,7 +30804,7 @@
               </a:rPr>
               <a:t>Foreign keys cannot be created on tables that do not exist yet, so it may be easier to create all tables in the database, then to go back and run modify statements on the tables to create foreign key constraints.</a:t>
             </a:r>
-            <a:endParaRPr sz="1350">
+            <a:endParaRPr sz="1350" dirty="0">
               <a:solidFill>
                 <a:srgbClr val="525C65"/>
               </a:solidFill>
@@ -30845,7 +30830,7 @@
               </a:spcAft>
               <a:buNone/>
             </a:pPr>
-            <a:endParaRPr sz="1350">
+            <a:endParaRPr sz="1350" dirty="0">
               <a:solidFill>
                 <a:srgbClr val="2E3D49"/>
               </a:solidFill>
@@ -30877,7 +30862,7 @@
               <a:buNone/>
             </a:pPr>
             <a:r>
-              <a:rPr lang="en" sz="1350">
+              <a:rPr lang="en" sz="1350" dirty="0">
                 <a:solidFill>
                   <a:srgbClr val="FF0000"/>
                 </a:solidFill>
@@ -30891,7 +30876,7 @@
               </a:rPr>
               <a:t>Remember to submit the related SQL file as well, not just a screenshot (replace the below screenshot).</a:t>
             </a:r>
-            <a:endParaRPr sz="1350">
+            <a:endParaRPr sz="1350" dirty="0">
               <a:solidFill>
                 <a:srgbClr val="FF0000"/>
               </a:solidFill>
@@ -30914,7 +30899,7 @@
               </a:spcAft>
               <a:buNone/>
             </a:pPr>
-            <a:endParaRPr sz="1900"/>
+            <a:endParaRPr sz="1900" dirty="0"/>
           </a:p>
           <a:p>
             <a:pPr marL="457200" lvl="0" indent="0" algn="l" rtl="0">
@@ -30926,7 +30911,7 @@
               </a:spcAft>
               <a:buNone/>
             </a:pPr>
-            <a:endParaRPr sz="1900"/>
+            <a:endParaRPr sz="1900" dirty="0"/>
           </a:p>
           <a:p>
             <a:pPr marL="457200" lvl="0" indent="0" algn="l" rtl="0">
@@ -30938,7 +30923,7 @@
               </a:spcAft>
               <a:buNone/>
             </a:pPr>
-            <a:endParaRPr sz="1900"/>
+            <a:endParaRPr sz="1900" dirty="0"/>
           </a:p>
           <a:p>
             <a:pPr marL="457200" lvl="0" indent="0" algn="l" rtl="0">
@@ -30950,41 +30935,38 @@
               </a:spcAft>
               <a:buNone/>
             </a:pPr>
-            <a:endParaRPr sz="1900"/>
+            <a:endParaRPr sz="1900" dirty="0"/>
           </a:p>
         </p:txBody>
       </p:sp>
       <p:pic>
         <p:nvPicPr>
-          <p:cNvPr id="283" name="Google Shape;283;p67"/>
-          <p:cNvPicPr preferRelativeResize="0"/>
+          <p:cNvPr id="3" name="Picture 2" descr="Text&#10;&#10;Description automatically generated">
+            <a:extLst>
+              <a:ext uri="{FF2B5EF4-FFF2-40B4-BE49-F238E27FC236}">
+                <a16:creationId xmlns:a16="http://schemas.microsoft.com/office/drawing/2014/main" id="{0E11D84C-BA15-4022-B631-BFC4ECE3FACE}"/>
+              </a:ext>
+            </a:extLst>
+          </p:cNvPr>
+          <p:cNvPicPr>
+            <a:picLocks noChangeAspect="1"/>
+          </p:cNvPicPr>
           <p:nvPr/>
         </p:nvPicPr>
-        <p:blipFill rotWithShape="1">
-          <a:blip r:embed="rId3">
-            <a:alphaModFix/>
-          </a:blip>
-          <a:srcRect l="2818" t="2391"/>
-          <a:stretch/>
+        <p:blipFill>
+          <a:blip r:embed="rId3"/>
+          <a:stretch>
+            <a:fillRect/>
+          </a:stretch>
         </p:blipFill>
         <p:spPr>
           <a:xfrm>
-            <a:off x="1641775" y="5527975"/>
-            <a:ext cx="3823475" cy="3971125"/>
+            <a:off x="698603" y="5399362"/>
+            <a:ext cx="2952982" cy="4659038"/>
           </a:xfrm>
           <a:prstGeom prst="rect">
             <a:avLst/>
           </a:prstGeom>
-          <a:noFill/>
-          <a:ln w="9525" cap="flat" cmpd="sng">
-            <a:solidFill>
-              <a:schemeClr val="dk2"/>
-            </a:solidFill>
-            <a:prstDash val="solid"/>
-            <a:round/>
-            <a:headEnd type="none" w="sm" len="sm"/>
-            <a:tailEnd type="none" w="sm" len="sm"/>
-          </a:ln>
         </p:spPr>
       </p:pic>
     </p:spTree>
@@ -37540,22 +37522,16 @@
             </a:r>
           </a:p>
           <a:p>
-            <a:pPr marL="457200" lvl="0" indent="-349250" algn="l" rtl="0">
+            <a:pPr indent="-349250">
               <a:spcBef>
                 <a:spcPts val="1600"/>
               </a:spcBef>
-              <a:spcAft>
-                <a:spcPts val="0"/>
-              </a:spcAft>
               <a:buSzPts val="1900"/>
               <a:buFont typeface="Open Sans"/>
               <a:buChar char="●"/>
             </a:pPr>
             <a:r>
               <a:rPr lang="en" sz="1900" b="1" dirty="0">
-                <a:highlight>
-                  <a:srgbClr val="FFFF00"/>
-                </a:highlight>
                 <a:latin typeface="Open Sans"/>
                 <a:ea typeface="Open Sans"/>
                 <a:cs typeface="Open Sans"/>
@@ -37563,10 +37539,20 @@
               </a:rPr>
               <a:t>Database objects</a:t>
             </a:r>
-            <a:endParaRPr sz="1900" b="1" dirty="0">
-              <a:highlight>
-                <a:srgbClr val="FFFF00"/>
-              </a:highlight>
+          </a:p>
+          <a:p>
+            <a:pPr marL="107950" indent="0">
+              <a:spcBef>
+                <a:spcPts val="1600"/>
+              </a:spcBef>
+              <a:buSzPts val="1900"/>
+              <a:buNone/>
+            </a:pPr>
+            <a:r>
+              <a:rPr lang="en-NZ" sz="2000" dirty="0"/>
+              <a:t>List the database objects (tables, views, special procedures)  that will be created for the database. </a:t>
+            </a:r>
+            <a:endParaRPr lang="en" sz="1900" b="1" dirty="0">
               <a:latin typeface="Open Sans"/>
               <a:ea typeface="Open Sans"/>
               <a:cs typeface="Open Sans"/>
@@ -37574,7 +37560,7 @@
             </a:endParaRPr>
           </a:p>
           <a:p>
-            <a:pPr marL="457200" lvl="0" indent="0" algn="l" rtl="0">
+            <a:pPr marL="107950" lvl="0" indent="0" algn="l" rtl="0">
               <a:lnSpc>
                 <a:spcPct val="100000"/>
               </a:lnSpc>
@@ -37584,78 +37570,141 @@
               <a:spcAft>
                 <a:spcPts val="0"/>
               </a:spcAft>
+              <a:buSzPts val="1900"/>
               <a:buNone/>
             </a:pPr>
             <a:r>
-              <a:rPr lang="en" sz="1700" dirty="0">
-                <a:highlight>
-                  <a:srgbClr val="FFFF00"/>
-                </a:highlight>
+              <a:rPr lang="en-NZ" sz="1200" dirty="0">
+                <a:sym typeface="Open Sans"/>
               </a:rPr>
-              <a:t>List the database objects (tables, views, special procedures)  that will be created for the database. </a:t>
+              <a:t>Employee History</a:t>
             </a:r>
-            <a:endParaRPr sz="1700" dirty="0">
-              <a:highlight>
-                <a:srgbClr val="FFFF00"/>
-              </a:highlight>
-            </a:endParaRPr>
-          </a:p>
-          <a:p>
-            <a:pPr marL="457200" lvl="0" indent="0" algn="l" rtl="0">
-              <a:lnSpc>
-                <a:spcPct val="100000"/>
-              </a:lnSpc>
-              <a:spcBef>
-                <a:spcPts val="0"/>
-              </a:spcBef>
-              <a:spcAft>
-                <a:spcPts val="0"/>
-              </a:spcAft>
-              <a:buNone/>
-            </a:pPr>
-            <a:endParaRPr sz="1700" dirty="0">
-              <a:highlight>
-                <a:srgbClr val="FFFF00"/>
-              </a:highlight>
-            </a:endParaRPr>
-          </a:p>
-          <a:p>
-            <a:pPr marL="457200" lvl="0" indent="0" algn="l" rtl="0">
-              <a:lnSpc>
-                <a:spcPct val="100000"/>
-              </a:lnSpc>
-              <a:spcBef>
-                <a:spcPts val="0"/>
-              </a:spcBef>
-              <a:spcAft>
-                <a:spcPts val="0"/>
-              </a:spcAft>
+          </a:p>
+          <a:p>
+            <a:pPr marL="107950" lvl="0" indent="0" algn="l" rtl="0">
+              <a:lnSpc>
+                <a:spcPct val="100000"/>
+              </a:lnSpc>
+              <a:spcBef>
+                <a:spcPts val="1600"/>
+              </a:spcBef>
+              <a:spcAft>
+                <a:spcPts val="0"/>
+              </a:spcAft>
+              <a:buSzPts val="1900"/>
               <a:buNone/>
             </a:pPr>
             <a:r>
-              <a:rPr lang="en" sz="1700" dirty="0">
-                <a:highlight>
-                  <a:srgbClr val="FFFF00"/>
-                </a:highlight>
+              <a:rPr lang="en-NZ" sz="1200" dirty="0">
+                <a:sym typeface="Open Sans"/>
               </a:rPr>
-              <a:t>Hint - you may want to circle back to this answer after completing the logical ERD in step 2.</a:t>
+              <a:t>Education Level</a:t>
             </a:r>
-            <a:endParaRPr sz="1700" dirty="0">
-              <a:highlight>
-                <a:srgbClr val="FFFF00"/>
-              </a:highlight>
-            </a:endParaRPr>
-          </a:p>
-          <a:p>
-            <a:pPr marL="457200" lvl="0" indent="0" algn="l" rtl="0">
-              <a:spcBef>
-                <a:spcPts val="0"/>
-              </a:spcBef>
-              <a:spcAft>
-                <a:spcPts val="0"/>
-              </a:spcAft>
+          </a:p>
+          <a:p>
+            <a:pPr marL="107950" lvl="0" indent="0" algn="l" rtl="0">
+              <a:lnSpc>
+                <a:spcPct val="100000"/>
+              </a:lnSpc>
+              <a:spcBef>
+                <a:spcPts val="1600"/>
+              </a:spcBef>
+              <a:spcAft>
+                <a:spcPts val="0"/>
+              </a:spcAft>
+              <a:buSzPts val="1900"/>
               <a:buNone/>
             </a:pPr>
+            <a:r>
+              <a:rPr lang="en-NZ" sz="1200" dirty="0">
+                <a:sym typeface="Open Sans"/>
+              </a:rPr>
+              <a:t>Employee</a:t>
+            </a:r>
+          </a:p>
+          <a:p>
+            <a:pPr marL="107950" lvl="0" indent="0" algn="l" rtl="0">
+              <a:lnSpc>
+                <a:spcPct val="100000"/>
+              </a:lnSpc>
+              <a:spcBef>
+                <a:spcPts val="1600"/>
+              </a:spcBef>
+              <a:spcAft>
+                <a:spcPts val="0"/>
+              </a:spcAft>
+              <a:buSzPts val="1900"/>
+              <a:buNone/>
+            </a:pPr>
+            <a:r>
+              <a:rPr lang="en-NZ" sz="1200" dirty="0">
+                <a:sym typeface="Open Sans"/>
+              </a:rPr>
+              <a:t>Salary</a:t>
+            </a:r>
+          </a:p>
+          <a:p>
+            <a:pPr marL="107950" lvl="0" indent="0" algn="l" rtl="0">
+              <a:lnSpc>
+                <a:spcPct val="100000"/>
+              </a:lnSpc>
+              <a:spcBef>
+                <a:spcPts val="1600"/>
+              </a:spcBef>
+              <a:spcAft>
+                <a:spcPts val="0"/>
+              </a:spcAft>
+              <a:buSzPts val="1900"/>
+              <a:buNone/>
+            </a:pPr>
+            <a:r>
+              <a:rPr lang="en-NZ" sz="1200" dirty="0">
+                <a:sym typeface="Open Sans"/>
+              </a:rPr>
+              <a:t>Job</a:t>
+            </a:r>
+          </a:p>
+          <a:p>
+            <a:pPr marL="107950" lvl="0" indent="0" algn="l" rtl="0">
+              <a:lnSpc>
+                <a:spcPct val="100000"/>
+              </a:lnSpc>
+              <a:spcBef>
+                <a:spcPts val="1600"/>
+              </a:spcBef>
+              <a:spcAft>
+                <a:spcPts val="0"/>
+              </a:spcAft>
+              <a:buSzPts val="1900"/>
+              <a:buNone/>
+            </a:pPr>
+            <a:r>
+              <a:rPr lang="en-NZ" sz="1200" dirty="0">
+                <a:sym typeface="Open Sans"/>
+              </a:rPr>
+              <a:t>Department</a:t>
+            </a:r>
+          </a:p>
+          <a:p>
+            <a:pPr marL="107950" lvl="0" indent="0" algn="l" rtl="0">
+              <a:lnSpc>
+                <a:spcPct val="100000"/>
+              </a:lnSpc>
+              <a:spcBef>
+                <a:spcPts val="1600"/>
+              </a:spcBef>
+              <a:spcAft>
+                <a:spcPts val="0"/>
+              </a:spcAft>
+              <a:buSzPts val="1900"/>
+              <a:buNone/>
+            </a:pPr>
+            <a:r>
+              <a:rPr lang="en-NZ" sz="1200" dirty="0">
+                <a:sym typeface="Open Sans"/>
+              </a:rPr>
+              <a:t>Location</a:t>
+            </a:r>
             <a:endParaRPr sz="1900" dirty="0"/>
           </a:p>
           <a:p>
@@ -38014,18 +38063,6 @@
             <a:endParaRPr sz="1900" dirty="0"/>
           </a:p>
           <a:p>
-            <a:pPr marL="0" lvl="0" indent="0" algn="l" rtl="0">
-              <a:spcBef>
-                <a:spcPts val="1600"/>
-              </a:spcBef>
-              <a:spcAft>
-                <a:spcPts val="0"/>
-              </a:spcAft>
-              <a:buNone/>
-            </a:pPr>
-            <a:endParaRPr sz="1900" dirty="0"/>
-          </a:p>
-          <a:p>
             <a:pPr marL="457200" lvl="0" indent="-349250" algn="l" rtl="0">
               <a:spcBef>
                 <a:spcPts val="1600"/>
@@ -38122,36 +38159,6 @@
               <a:rPr lang="en" sz="1700" dirty="0"/>
               <a:t>how long does the data have to be kept for? 7 years</a:t>
             </a:r>
-            <a:endParaRPr sz="1700" dirty="0"/>
-          </a:p>
-          <a:p>
-            <a:pPr marL="457200" lvl="0" indent="0" algn="l" rtl="0">
-              <a:lnSpc>
-                <a:spcPct val="100000"/>
-              </a:lnSpc>
-              <a:spcBef>
-                <a:spcPts val="0"/>
-              </a:spcBef>
-              <a:spcAft>
-                <a:spcPts val="0"/>
-              </a:spcAft>
-              <a:buNone/>
-            </a:pPr>
-            <a:endParaRPr sz="1700" dirty="0"/>
-          </a:p>
-          <a:p>
-            <a:pPr marL="457200" lvl="0" indent="0" algn="l" rtl="0">
-              <a:lnSpc>
-                <a:spcPct val="100000"/>
-              </a:lnSpc>
-              <a:spcBef>
-                <a:spcPts val="0"/>
-              </a:spcBef>
-              <a:spcAft>
-                <a:spcPts val="0"/>
-              </a:spcAft>
-              <a:buNone/>
-            </a:pPr>
             <a:endParaRPr sz="1700" dirty="0"/>
           </a:p>
           <a:p>

--- a/assignments/HR Database/project submission.pptx
+++ b/assignments/HR Database/project submission.pptx
@@ -1685,7 +1685,7 @@
               </a:spcAft>
               <a:buNone/>
             </a:pPr>
-            <a:endParaRPr/>
+            <a:endParaRPr dirty="0"/>
           </a:p>
         </p:txBody>
       </p:sp>
@@ -1726,8 +1726,8 @@
         </p:nvSpPr>
         <p:spPr>
           <a:xfrm>
-            <a:off x="2104459" y="685800"/>
-            <a:ext cx="2649600" cy="3429000"/>
+            <a:off x="2105025" y="685800"/>
+            <a:ext cx="2649538" cy="3429000"/>
           </a:xfrm>
           <a:custGeom>
             <a:avLst/>
@@ -1830,8 +1830,8 @@
         </p:nvSpPr>
         <p:spPr>
           <a:xfrm>
-            <a:off x="2104459" y="685800"/>
-            <a:ext cx="2649600" cy="3429000"/>
+            <a:off x="2105025" y="685800"/>
+            <a:ext cx="2649538" cy="3429000"/>
           </a:xfrm>
           <a:custGeom>
             <a:avLst/>
@@ -2038,8 +2038,8 @@
         </p:nvSpPr>
         <p:spPr>
           <a:xfrm>
-            <a:off x="2104459" y="685800"/>
-            <a:ext cx="2649600" cy="3429000"/>
+            <a:off x="2105025" y="685800"/>
+            <a:ext cx="2649538" cy="3429000"/>
           </a:xfrm>
           <a:custGeom>
             <a:avLst/>
@@ -2142,8 +2142,8 @@
         </p:nvSpPr>
         <p:spPr>
           <a:xfrm>
-            <a:off x="2104459" y="685800"/>
-            <a:ext cx="2649600" cy="3429000"/>
+            <a:off x="2105025" y="685800"/>
+            <a:ext cx="2649538" cy="3429000"/>
           </a:xfrm>
           <a:custGeom>
             <a:avLst/>
@@ -2246,8 +2246,8 @@
         </p:nvSpPr>
         <p:spPr>
           <a:xfrm>
-            <a:off x="2104459" y="685800"/>
-            <a:ext cx="2649600" cy="3429000"/>
+            <a:off x="2105025" y="685800"/>
+            <a:ext cx="2649538" cy="3429000"/>
           </a:xfrm>
           <a:custGeom>
             <a:avLst/>
@@ -2350,8 +2350,8 @@
         </p:nvSpPr>
         <p:spPr>
           <a:xfrm>
-            <a:off x="2104459" y="685800"/>
-            <a:ext cx="2649600" cy="3429000"/>
+            <a:off x="2105025" y="685800"/>
+            <a:ext cx="2649538" cy="3429000"/>
           </a:xfrm>
           <a:custGeom>
             <a:avLst/>
@@ -28667,7 +28667,7 @@
               <a:buChar char="●"/>
             </a:pPr>
             <a:r>
-              <a:rPr lang="en" sz="1900" b="1">
+              <a:rPr lang="en" sz="1900" b="1" dirty="0">
                 <a:latin typeface="Open Sans"/>
                 <a:ea typeface="Open Sans"/>
                 <a:cs typeface="Open Sans"/>
@@ -28675,7 +28675,7 @@
               </a:rPr>
               <a:t>Conceptual</a:t>
             </a:r>
-            <a:endParaRPr sz="1900" b="1">
+            <a:endParaRPr sz="1900" b="1" dirty="0">
               <a:latin typeface="Open Sans"/>
               <a:ea typeface="Open Sans"/>
               <a:cs typeface="Open Sans"/>
@@ -28696,7 +28696,7 @@
               <a:buNone/>
             </a:pPr>
             <a:r>
-              <a:rPr lang="en" sz="1200">
+              <a:rPr lang="en" sz="1200" dirty="0">
                 <a:solidFill>
                   <a:srgbClr val="525C65"/>
                 </a:solidFill>
@@ -28710,7 +28710,7 @@
               </a:rPr>
               <a:t>This is the most general level of data modeling. At the conceptual level, you should be thinking about creating entities that represent business objects for the database. Think broadly here. Attributes (or column names) are not required at this point, but relationship lines are required (although Crow's foot notation is not needed at this level). Create at least three entities for this model; thinking about the 3NF will aid you in deciding the type of entities to create.</a:t>
             </a:r>
-            <a:endParaRPr sz="1200">
+            <a:endParaRPr sz="1200" dirty="0">
               <a:solidFill>
                 <a:srgbClr val="525C65"/>
               </a:solidFill>
@@ -28737,7 +28737,7 @@
               <a:buNone/>
             </a:pPr>
             <a:r>
-              <a:rPr lang="en" sz="1200">
+              <a:rPr lang="en" sz="1200" dirty="0">
                 <a:solidFill>
                   <a:srgbClr val="525C65"/>
                 </a:solidFill>
@@ -28751,7 +28751,7 @@
               </a:rPr>
               <a:t>Use Lucidchart’s built-in template for DBMS ER Diagram UML.</a:t>
             </a:r>
-            <a:endParaRPr sz="1200">
+            <a:endParaRPr sz="1200" dirty="0">
               <a:solidFill>
                 <a:srgbClr val="525C65"/>
               </a:solidFill>
@@ -28777,7 +28777,7 @@
               </a:spcAft>
               <a:buNone/>
             </a:pPr>
-            <a:endParaRPr sz="1200">
+            <a:endParaRPr sz="1200" dirty="0">
               <a:solidFill>
                 <a:srgbClr val="525C65"/>
               </a:solidFill>
@@ -28803,48 +28803,7 @@
               </a:spcAft>
               <a:buNone/>
             </a:pPr>
-            <a:r>
-              <a:rPr lang="en" sz="1200">
-                <a:solidFill>
-                  <a:srgbClr val="FF0000"/>
-                </a:solidFill>
-                <a:highlight>
-                  <a:srgbClr val="FFFFFF"/>
-                </a:highlight>
-                <a:latin typeface="Open Sans"/>
-                <a:ea typeface="Open Sans"/>
-                <a:cs typeface="Open Sans"/>
-                <a:sym typeface="Open Sans"/>
-              </a:rPr>
-              <a:t>** Replace example screenshot below with your response</a:t>
-            </a:r>
-            <a:endParaRPr sz="1200">
-              <a:solidFill>
-                <a:srgbClr val="FF0000"/>
-              </a:solidFill>
-              <a:highlight>
-                <a:srgbClr val="FFFFFF"/>
-              </a:highlight>
-              <a:latin typeface="Open Sans"/>
-              <a:ea typeface="Open Sans"/>
-              <a:cs typeface="Open Sans"/>
-              <a:sym typeface="Open Sans"/>
-            </a:endParaRPr>
-          </a:p>
-          <a:p>
-            <a:pPr marL="0" lvl="0" indent="0" algn="l" rtl="0">
-              <a:lnSpc>
-                <a:spcPct val="170000"/>
-              </a:lnSpc>
-              <a:spcBef>
-                <a:spcPts val="0"/>
-              </a:spcBef>
-              <a:spcAft>
-                <a:spcPts val="0"/>
-              </a:spcAft>
-              <a:buNone/>
-            </a:pPr>
-            <a:endParaRPr sz="1200">
+            <a:endParaRPr sz="1200" dirty="0">
               <a:solidFill>
                 <a:srgbClr val="525C65"/>
               </a:solidFill>
@@ -28872,55 +28831,38 @@
               <a:buFont typeface="Arial"/>
               <a:buNone/>
             </a:pPr>
-            <a:endParaRPr sz="1900"/>
+            <a:endParaRPr sz="1900" dirty="0"/>
           </a:p>
         </p:txBody>
       </p:sp>
       <p:pic>
         <p:nvPicPr>
-          <p:cNvPr id="1026" name="Picture 2">
+          <p:cNvPr id="3" name="Picture 2" descr="Diagram&#10;&#10;Description automatically generated">
             <a:extLst>
               <a:ext uri="{FF2B5EF4-FFF2-40B4-BE49-F238E27FC236}">
-                <a16:creationId xmlns:a16="http://schemas.microsoft.com/office/drawing/2014/main" id="{F8CE6B85-5441-4ED1-975E-A3D96EC407DE}"/>
+                <a16:creationId xmlns:a16="http://schemas.microsoft.com/office/drawing/2014/main" id="{3DBD2E98-07B5-4F75-BEDD-3C7401B2FFA2}"/>
               </a:ext>
             </a:extLst>
           </p:cNvPr>
           <p:cNvPicPr>
-            <a:picLocks noChangeAspect="1" noChangeArrowheads="1"/>
+            <a:picLocks noChangeAspect="1"/>
           </p:cNvPicPr>
           <p:nvPr/>
         </p:nvPicPr>
         <p:blipFill>
-          <a:blip r:embed="rId3">
-            <a:extLst>
-              <a:ext uri="{28A0092B-C50C-407E-A947-70E740481C1C}">
-                <a14:useLocalDpi xmlns:a14="http://schemas.microsoft.com/office/drawing/2010/main" val="0"/>
-              </a:ext>
-            </a:extLst>
-          </a:blip>
-          <a:srcRect/>
+          <a:blip r:embed="rId3"/>
           <a:stretch>
             <a:fillRect/>
           </a:stretch>
         </p:blipFill>
-        <p:spPr bwMode="auto">
+        <p:spPr>
           <a:xfrm>
-            <a:off x="0" y="5287629"/>
-            <a:ext cx="7772400" cy="2465387"/>
+            <a:off x="941843" y="6029100"/>
+            <a:ext cx="5010407" cy="2235315"/>
           </a:xfrm>
           <a:prstGeom prst="rect">
             <a:avLst/>
           </a:prstGeom>
-          <a:noFill/>
-          <a:extLst>
-            <a:ext uri="{909E8E84-426E-40DD-AFC4-6F175D3DCCD1}">
-              <a14:hiddenFill xmlns:a14="http://schemas.microsoft.com/office/drawing/2010/main">
-                <a:solidFill>
-                  <a:srgbClr val="FFFFFF"/>
-                </a:solidFill>
-              </a14:hiddenFill>
-            </a:ext>
-          </a:extLst>
         </p:spPr>
       </p:pic>
     </p:spTree>
@@ -28983,10 +28925,10 @@
               <a:buNone/>
             </a:pPr>
             <a:r>
-              <a:rPr lang="en"/>
+              <a:rPr lang="en" dirty="0"/>
               <a:t>ERD</a:t>
             </a:r>
-            <a:endParaRPr/>
+            <a:endParaRPr dirty="0"/>
           </a:p>
         </p:txBody>
       </p:sp>
@@ -29219,10 +29161,10 @@
       </p:sp>
       <p:pic>
         <p:nvPicPr>
-          <p:cNvPr id="2050" name="Picture 2">
+          <p:cNvPr id="1026" name="Picture 2">
             <a:extLst>
               <a:ext uri="{FF2B5EF4-FFF2-40B4-BE49-F238E27FC236}">
-                <a16:creationId xmlns:a16="http://schemas.microsoft.com/office/drawing/2014/main" id="{2DA113A5-540D-45EE-90CC-FB177F572ABC}"/>
+                <a16:creationId xmlns:a16="http://schemas.microsoft.com/office/drawing/2014/main" id="{7B3549B9-A17D-48B5-9B32-1865FA04D484}"/>
               </a:ext>
             </a:extLst>
           </p:cNvPr>
@@ -29231,7 +29173,7 @@
           </p:cNvPicPr>
           <p:nvPr/>
         </p:nvPicPr>
-        <p:blipFill rotWithShape="1">
+        <p:blipFill>
           <a:blip r:embed="rId3">
             <a:extLst>
               <a:ext uri="{28A0092B-C50C-407E-A947-70E740481C1C}">
@@ -29239,13 +29181,15 @@
               </a:ext>
             </a:extLst>
           </a:blip>
-          <a:srcRect t="7603" b="3833"/>
-          <a:stretch/>
+          <a:srcRect/>
+          <a:stretch>
+            <a:fillRect/>
+          </a:stretch>
         </p:blipFill>
         <p:spPr bwMode="auto">
           <a:xfrm>
-            <a:off x="0" y="5570622"/>
-            <a:ext cx="7772400" cy="3617507"/>
+            <a:off x="0" y="5863473"/>
+            <a:ext cx="7772400" cy="3214687"/>
           </a:xfrm>
           <a:prstGeom prst="rect">
             <a:avLst/>
@@ -29449,10 +29393,10 @@
       </p:sp>
       <p:pic>
         <p:nvPicPr>
-          <p:cNvPr id="9" name="Picture 8" descr="Diagram&#10;&#10;Description automatically generated">
+          <p:cNvPr id="3" name="Picture 2" descr="Diagram&#10;&#10;Description automatically generated with low confidence">
             <a:extLst>
               <a:ext uri="{FF2B5EF4-FFF2-40B4-BE49-F238E27FC236}">
-                <a16:creationId xmlns:a16="http://schemas.microsoft.com/office/drawing/2014/main" id="{B83D55DA-334D-4AA4-8E3C-46C82C8FECE0}"/>
+                <a16:creationId xmlns:a16="http://schemas.microsoft.com/office/drawing/2014/main" id="{8EAFCDB7-73A0-49B6-A624-4E5CA2FCC3C8}"/>
               </a:ext>
             </a:extLst>
           </p:cNvPr>
@@ -29469,8 +29413,8 @@
         </p:blipFill>
         <p:spPr>
           <a:xfrm>
-            <a:off x="0" y="6288967"/>
-            <a:ext cx="7772400" cy="2810455"/>
+            <a:off x="0" y="5769691"/>
+            <a:ext cx="7772400" cy="2754134"/>
           </a:xfrm>
           <a:prstGeom prst="rect">
             <a:avLst/>
@@ -30941,10 +30885,10 @@
       </p:sp>
       <p:pic>
         <p:nvPicPr>
-          <p:cNvPr id="3" name="Picture 2" descr="Text&#10;&#10;Description automatically generated">
+          <p:cNvPr id="6" name="Picture 5" descr="Text&#10;&#10;Description automatically generated">
             <a:extLst>
               <a:ext uri="{FF2B5EF4-FFF2-40B4-BE49-F238E27FC236}">
-                <a16:creationId xmlns:a16="http://schemas.microsoft.com/office/drawing/2014/main" id="{0E11D84C-BA15-4022-B631-BFC4ECE3FACE}"/>
+                <a16:creationId xmlns:a16="http://schemas.microsoft.com/office/drawing/2014/main" id="{DB5F6249-9D7E-452C-9973-6FBD70D27669}"/>
               </a:ext>
             </a:extLst>
           </p:cNvPr>
@@ -30961,8 +30905,8 @@
         </p:blipFill>
         <p:spPr>
           <a:xfrm>
-            <a:off x="698603" y="5399362"/>
-            <a:ext cx="2952982" cy="4659038"/>
+            <a:off x="505327" y="4799475"/>
+            <a:ext cx="4217068" cy="4921478"/>
           </a:xfrm>
           <a:prstGeom prst="rect">
             <a:avLst/>
@@ -31070,7 +31014,7 @@
               </a:spcAft>
               <a:buNone/>
             </a:pPr>
-            <a:endParaRPr sz="1900"/>
+            <a:endParaRPr sz="1900" dirty="0"/>
           </a:p>
           <a:p>
             <a:pPr marL="457200" lvl="0" indent="-349250" algn="l" rtl="0">
@@ -31085,7 +31029,7 @@
               <a:buChar char="●"/>
             </a:pPr>
             <a:r>
-              <a:rPr lang="en" sz="1900" b="1">
+              <a:rPr lang="en" sz="1900" b="1" dirty="0">
                 <a:latin typeface="Open Sans"/>
                 <a:ea typeface="Open Sans"/>
                 <a:cs typeface="Open Sans"/>
@@ -31093,7 +31037,7 @@
               </a:rPr>
               <a:t>Question 1: Return a list of employees with Job Titles and Department Names</a:t>
             </a:r>
-            <a:endParaRPr sz="1900" b="1">
+            <a:endParaRPr sz="1900" b="1" dirty="0">
               <a:latin typeface="Open Sans"/>
               <a:ea typeface="Open Sans"/>
               <a:cs typeface="Open Sans"/>
@@ -31110,7 +31054,7 @@
               </a:spcAft>
               <a:buNone/>
             </a:pPr>
-            <a:endParaRPr sz="1900" b="1">
+            <a:endParaRPr sz="1900" b="1" dirty="0">
               <a:latin typeface="Open Sans"/>
               <a:ea typeface="Open Sans"/>
               <a:cs typeface="Open Sans"/>
@@ -31136,7 +31080,7 @@
               <a:buNone/>
             </a:pPr>
             <a:r>
-              <a:rPr lang="en" sz="1200">
+              <a:rPr lang="en" sz="1200" dirty="0">
                 <a:solidFill>
                   <a:srgbClr val="525C65"/>
                 </a:solidFill>
@@ -31151,7 +31095,7 @@
               <a:t>     </a:t>
             </a:r>
             <a:r>
-              <a:rPr lang="en" sz="1200">
+              <a:rPr lang="en" sz="1200" dirty="0">
                 <a:solidFill>
                   <a:srgbClr val="FF0000"/>
                 </a:solidFill>
@@ -31165,7 +31109,7 @@
               </a:rPr>
               <a:t>** Replace example screenshot below with your response, and include the query in a SQL file</a:t>
             </a:r>
-            <a:endParaRPr sz="1900" b="1">
+            <a:endParaRPr sz="1900" b="1" dirty="0">
               <a:latin typeface="Open Sans"/>
               <a:ea typeface="Open Sans"/>
               <a:cs typeface="Open Sans"/>
@@ -31182,7 +31126,7 @@
               </a:spcAft>
               <a:buNone/>
             </a:pPr>
-            <a:endParaRPr sz="1900" b="1">
+            <a:endParaRPr sz="1900" b="1" dirty="0">
               <a:latin typeface="Open Sans"/>
               <a:ea typeface="Open Sans"/>
               <a:cs typeface="Open Sans"/>
@@ -31199,7 +31143,7 @@
               </a:spcAft>
               <a:buNone/>
             </a:pPr>
-            <a:endParaRPr sz="1900" b="1">
+            <a:endParaRPr sz="1900" b="1" dirty="0">
               <a:latin typeface="Open Sans"/>
               <a:ea typeface="Open Sans"/>
               <a:cs typeface="Open Sans"/>
@@ -31216,7 +31160,7 @@
               </a:spcAft>
               <a:buNone/>
             </a:pPr>
-            <a:endParaRPr sz="1900" b="1">
+            <a:endParaRPr sz="1900" b="1" dirty="0">
               <a:latin typeface="Open Sans"/>
               <a:ea typeface="Open Sans"/>
               <a:cs typeface="Open Sans"/>
@@ -31233,7 +31177,7 @@
               </a:spcAft>
               <a:buNone/>
             </a:pPr>
-            <a:endParaRPr sz="1900" b="1">
+            <a:endParaRPr sz="1900" b="1" dirty="0">
               <a:latin typeface="Open Sans"/>
               <a:ea typeface="Open Sans"/>
               <a:cs typeface="Open Sans"/>
@@ -31250,7 +31194,7 @@
               </a:spcAft>
               <a:buNone/>
             </a:pPr>
-            <a:endParaRPr sz="1900" b="1">
+            <a:endParaRPr sz="1900" b="1" dirty="0">
               <a:latin typeface="Open Sans"/>
               <a:ea typeface="Open Sans"/>
               <a:cs typeface="Open Sans"/>
@@ -31267,7 +31211,7 @@
               </a:spcAft>
               <a:buNone/>
             </a:pPr>
-            <a:endParaRPr sz="1900"/>
+            <a:endParaRPr sz="1900" dirty="0"/>
           </a:p>
           <a:p>
             <a:pPr marL="457200" lvl="0" indent="0" algn="l" rtl="0">
@@ -31279,7 +31223,7 @@
               </a:spcAft>
               <a:buNone/>
             </a:pPr>
-            <a:endParaRPr sz="1900"/>
+            <a:endParaRPr sz="1900" dirty="0"/>
           </a:p>
           <a:p>
             <a:pPr marL="457200" lvl="0" indent="0" algn="l" rtl="0">
@@ -31291,7 +31235,7 @@
               </a:spcAft>
               <a:buNone/>
             </a:pPr>
-            <a:endParaRPr sz="1900"/>
+            <a:endParaRPr sz="1900" dirty="0"/>
           </a:p>
           <a:p>
             <a:pPr marL="457200" lvl="0" indent="0" algn="l" rtl="0">
@@ -31303,42 +31247,38 @@
               </a:spcAft>
               <a:buNone/>
             </a:pPr>
-            <a:endParaRPr sz="1900"/>
+            <a:endParaRPr sz="1900" dirty="0"/>
           </a:p>
         </p:txBody>
       </p:sp>
       <p:pic>
         <p:nvPicPr>
-          <p:cNvPr id="290" name="Google Shape;290;p68"/>
-          <p:cNvPicPr preferRelativeResize="0"/>
+          <p:cNvPr id="3" name="Picture 2" descr="A picture containing text, black, screenshot, plaque&#10;&#10;Description automatically generated">
+            <a:extLst>
+              <a:ext uri="{FF2B5EF4-FFF2-40B4-BE49-F238E27FC236}">
+                <a16:creationId xmlns:a16="http://schemas.microsoft.com/office/drawing/2014/main" id="{352AB7E9-3E90-4482-ADF9-CFA5CB123C87}"/>
+              </a:ext>
+            </a:extLst>
+          </p:cNvPr>
+          <p:cNvPicPr>
+            <a:picLocks noChangeAspect="1"/>
+          </p:cNvPicPr>
           <p:nvPr/>
         </p:nvPicPr>
         <p:blipFill>
-          <a:blip r:embed="rId3">
-            <a:alphaModFix/>
-          </a:blip>
+          <a:blip r:embed="rId3"/>
           <a:stretch>
             <a:fillRect/>
           </a:stretch>
         </p:blipFill>
         <p:spPr>
           <a:xfrm>
-            <a:off x="1088175" y="4781750"/>
-            <a:ext cx="5036025" cy="3241700"/>
+            <a:off x="1332206" y="4880049"/>
+            <a:ext cx="4807197" cy="3606985"/>
           </a:xfrm>
           <a:prstGeom prst="rect">
             <a:avLst/>
           </a:prstGeom>
-          <a:noFill/>
-          <a:ln w="9525" cap="flat" cmpd="sng">
-            <a:solidFill>
-              <a:schemeClr val="dk2"/>
-            </a:solidFill>
-            <a:prstDash val="solid"/>
-            <a:round/>
-            <a:headEnd type="none" w="sm" len="sm"/>
-            <a:tailEnd type="none" w="sm" len="sm"/>
-          </a:ln>
         </p:spPr>
       </p:pic>
     </p:spTree>
@@ -31442,7 +31382,7 @@
               </a:spcAft>
               <a:buNone/>
             </a:pPr>
-            <a:endParaRPr sz="1900"/>
+            <a:endParaRPr sz="1900" dirty="0"/>
           </a:p>
           <a:p>
             <a:pPr marL="457200" lvl="0" indent="-349250" algn="l" rtl="0">
@@ -31457,7 +31397,7 @@
               <a:buChar char="●"/>
             </a:pPr>
             <a:r>
-              <a:rPr lang="en" sz="1900" b="1">
+              <a:rPr lang="en" sz="1900" b="1" dirty="0">
                 <a:latin typeface="Open Sans"/>
                 <a:ea typeface="Open Sans"/>
                 <a:cs typeface="Open Sans"/>
@@ -31465,7 +31405,7 @@
               </a:rPr>
               <a:t>Question 2: Insert Web Programmer as a new job title</a:t>
             </a:r>
-            <a:endParaRPr sz="1900" b="1">
+            <a:endParaRPr sz="1900" b="1" dirty="0">
               <a:latin typeface="Open Sans"/>
               <a:ea typeface="Open Sans"/>
               <a:cs typeface="Open Sans"/>
@@ -31482,7 +31422,7 @@
               </a:spcAft>
               <a:buNone/>
             </a:pPr>
-            <a:endParaRPr sz="1900" b="1">
+            <a:endParaRPr sz="1900" b="1" dirty="0">
               <a:latin typeface="Open Sans"/>
               <a:ea typeface="Open Sans"/>
               <a:cs typeface="Open Sans"/>
@@ -31508,7 +31448,7 @@
               <a:buNone/>
             </a:pPr>
             <a:r>
-              <a:rPr lang="en" sz="1200">
+              <a:rPr lang="en" sz="1200" dirty="0">
                 <a:solidFill>
                   <a:srgbClr val="525C65"/>
                 </a:solidFill>
@@ -31523,7 +31463,7 @@
               <a:t>    </a:t>
             </a:r>
             <a:r>
-              <a:rPr lang="en" sz="1200">
+              <a:rPr lang="en" sz="1200" dirty="0">
                 <a:solidFill>
                   <a:srgbClr val="FF0000"/>
                 </a:solidFill>
@@ -31537,7 +31477,7 @@
               </a:rPr>
               <a:t>** Replace example screenshot below with your response, and include the query in a SQL file</a:t>
             </a:r>
-            <a:endParaRPr sz="1900" b="1">
+            <a:endParaRPr sz="1900" b="1" dirty="0">
               <a:latin typeface="Open Sans"/>
               <a:ea typeface="Open Sans"/>
               <a:cs typeface="Open Sans"/>
@@ -31554,7 +31494,7 @@
               </a:spcAft>
               <a:buNone/>
             </a:pPr>
-            <a:endParaRPr sz="1900" b="1">
+            <a:endParaRPr sz="1900" b="1" dirty="0">
               <a:latin typeface="Open Sans"/>
               <a:ea typeface="Open Sans"/>
               <a:cs typeface="Open Sans"/>
@@ -31571,7 +31511,7 @@
               </a:spcAft>
               <a:buNone/>
             </a:pPr>
-            <a:endParaRPr sz="1900" b="1">
+            <a:endParaRPr sz="1900" b="1" dirty="0">
               <a:latin typeface="Open Sans"/>
               <a:ea typeface="Open Sans"/>
               <a:cs typeface="Open Sans"/>
@@ -31588,7 +31528,7 @@
               </a:spcAft>
               <a:buNone/>
             </a:pPr>
-            <a:endParaRPr sz="1900" b="1">
+            <a:endParaRPr sz="1900" b="1" dirty="0">
               <a:latin typeface="Open Sans"/>
               <a:ea typeface="Open Sans"/>
               <a:cs typeface="Open Sans"/>
@@ -31605,7 +31545,7 @@
               </a:spcAft>
               <a:buNone/>
             </a:pPr>
-            <a:endParaRPr sz="1900" b="1">
+            <a:endParaRPr sz="1900" b="1" dirty="0">
               <a:latin typeface="Open Sans"/>
               <a:ea typeface="Open Sans"/>
               <a:cs typeface="Open Sans"/>
@@ -31622,7 +31562,7 @@
               </a:spcAft>
               <a:buNone/>
             </a:pPr>
-            <a:endParaRPr sz="1900" b="1">
+            <a:endParaRPr sz="1900" b="1" dirty="0">
               <a:latin typeface="Open Sans"/>
               <a:ea typeface="Open Sans"/>
               <a:cs typeface="Open Sans"/>
@@ -31639,7 +31579,7 @@
               </a:spcAft>
               <a:buNone/>
             </a:pPr>
-            <a:endParaRPr sz="1900" b="1">
+            <a:endParaRPr sz="1900" b="1" dirty="0">
               <a:latin typeface="Open Sans"/>
               <a:ea typeface="Open Sans"/>
               <a:cs typeface="Open Sans"/>
@@ -31656,7 +31596,7 @@
               </a:spcAft>
               <a:buNone/>
             </a:pPr>
-            <a:endParaRPr sz="1900" b="1">
+            <a:endParaRPr sz="1900" b="1" dirty="0">
               <a:latin typeface="Open Sans"/>
               <a:ea typeface="Open Sans"/>
               <a:cs typeface="Open Sans"/>
@@ -31673,7 +31613,7 @@
               </a:spcAft>
               <a:buNone/>
             </a:pPr>
-            <a:endParaRPr sz="1900"/>
+            <a:endParaRPr sz="1900" dirty="0"/>
           </a:p>
           <a:p>
             <a:pPr marL="457200" lvl="0" indent="0" algn="l" rtl="0">
@@ -31685,7 +31625,7 @@
               </a:spcAft>
               <a:buNone/>
             </a:pPr>
-            <a:endParaRPr sz="1900"/>
+            <a:endParaRPr sz="1900" dirty="0"/>
           </a:p>
           <a:p>
             <a:pPr marL="457200" lvl="0" indent="0" algn="l" rtl="0">
@@ -31697,7 +31637,7 @@
               </a:spcAft>
               <a:buNone/>
             </a:pPr>
-            <a:endParaRPr sz="1900"/>
+            <a:endParaRPr sz="1900" dirty="0"/>
           </a:p>
           <a:p>
             <a:pPr marL="457200" lvl="0" indent="0" algn="l" rtl="0">
@@ -31709,42 +31649,38 @@
               </a:spcAft>
               <a:buNone/>
             </a:pPr>
-            <a:endParaRPr sz="1900"/>
+            <a:endParaRPr sz="1900" dirty="0"/>
           </a:p>
         </p:txBody>
       </p:sp>
       <p:pic>
         <p:nvPicPr>
-          <p:cNvPr id="297" name="Google Shape;297;p69"/>
-          <p:cNvPicPr preferRelativeResize="0"/>
+          <p:cNvPr id="3" name="Picture 2" descr="Text&#10;&#10;Description automatically generated">
+            <a:extLst>
+              <a:ext uri="{FF2B5EF4-FFF2-40B4-BE49-F238E27FC236}">
+                <a16:creationId xmlns:a16="http://schemas.microsoft.com/office/drawing/2014/main" id="{76C091B3-4E4B-4E2E-9908-83FDB7DD9C3D}"/>
+              </a:ext>
+            </a:extLst>
+          </p:cNvPr>
+          <p:cNvPicPr>
+            <a:picLocks noChangeAspect="1"/>
+          </p:cNvPicPr>
           <p:nvPr/>
         </p:nvPicPr>
         <p:blipFill>
-          <a:blip r:embed="rId3">
-            <a:alphaModFix/>
-          </a:blip>
+          <a:blip r:embed="rId3"/>
           <a:stretch>
             <a:fillRect/>
           </a:stretch>
         </p:blipFill>
         <p:spPr>
           <a:xfrm>
-            <a:off x="1088175" y="4781750"/>
-            <a:ext cx="5036025" cy="3241700"/>
+            <a:off x="2597083" y="4759311"/>
+            <a:ext cx="2578233" cy="539778"/>
           </a:xfrm>
           <a:prstGeom prst="rect">
             <a:avLst/>
           </a:prstGeom>
-          <a:noFill/>
-          <a:ln w="9525" cap="flat" cmpd="sng">
-            <a:solidFill>
-              <a:schemeClr val="dk2"/>
-            </a:solidFill>
-            <a:prstDash val="solid"/>
-            <a:round/>
-            <a:headEnd type="none" w="sm" len="sm"/>
-            <a:tailEnd type="none" w="sm" len="sm"/>
-          </a:ln>
         </p:spPr>
       </p:pic>
     </p:spTree>
@@ -31850,10 +31786,10 @@
               <a:buChar char="●"/>
             </a:pPr>
             <a:r>
-              <a:rPr lang="en" sz="2200"/>
+              <a:rPr lang="en" sz="2200" dirty="0"/>
               <a:t>Make a copy of this Google Slide deck.</a:t>
             </a:r>
-            <a:endParaRPr sz="2200"/>
+            <a:endParaRPr sz="2200" dirty="0"/>
           </a:p>
           <a:p>
             <a:pPr marL="457200" lvl="0" indent="-368300" algn="l" rtl="0">
@@ -31867,10 +31803,10 @@
               <a:buChar char="●"/>
             </a:pPr>
             <a:r>
-              <a:rPr lang="en" sz="2200"/>
+              <a:rPr lang="en" sz="2200" dirty="0"/>
               <a:t>We have provided these slides as a guide to ensure that you submit all the required components to successfully complete your project. </a:t>
             </a:r>
-            <a:endParaRPr sz="2200"/>
+            <a:endParaRPr sz="2200" dirty="0"/>
           </a:p>
           <a:p>
             <a:pPr marL="457200" lvl="0" indent="-368300" algn="l" rtl="0">
@@ -31884,10 +31820,10 @@
               <a:buChar char="●"/>
             </a:pPr>
             <a:r>
-              <a:rPr lang="en" sz="2200"/>
+              <a:rPr lang="en" sz="2200" dirty="0"/>
               <a:t>When presenting your project, please only think of this as a guide. We encourage you to use creative freedom when making changes, as long as the required information is present. </a:t>
             </a:r>
-            <a:endParaRPr sz="2200"/>
+            <a:endParaRPr sz="2200" dirty="0"/>
           </a:p>
           <a:p>
             <a:pPr marL="457200" lvl="0" indent="-368300" algn="l" rtl="0">
@@ -31901,7 +31837,7 @@
               <a:buChar char="●"/>
             </a:pPr>
             <a:r>
-              <a:rPr lang="en" sz="2200" b="1">
+              <a:rPr lang="en" sz="2200" b="1" dirty="0">
                 <a:latin typeface="Open Sans"/>
                 <a:ea typeface="Open Sans"/>
                 <a:cs typeface="Open Sans"/>
@@ -31910,10 +31846,10 @@
               <a:t>Remember to delete this and all</a:t>
             </a:r>
             <a:r>
-              <a:rPr lang="en" sz="2200"/>
+              <a:rPr lang="en" sz="2200" dirty="0"/>
               <a:t> of the other example slides before you submit your project.</a:t>
             </a:r>
-            <a:endParaRPr sz="2200"/>
+            <a:endParaRPr sz="2200" dirty="0"/>
           </a:p>
           <a:p>
             <a:pPr marL="457200" lvl="0" indent="-368300" algn="l" rtl="0">
@@ -31927,7 +31863,7 @@
               <a:buChar char="●"/>
             </a:pPr>
             <a:r>
-              <a:rPr lang="en" sz="2200" b="1">
+              <a:rPr lang="en" sz="2200" b="1" dirty="0">
                 <a:latin typeface="Open Sans"/>
                 <a:ea typeface="Open Sans"/>
                 <a:cs typeface="Open Sans"/>
@@ -31936,10 +31872,10 @@
               <a:t>Remember to add your name and the date</a:t>
             </a:r>
             <a:r>
-              <a:rPr lang="en" sz="2200"/>
+              <a:rPr lang="en" sz="2200" dirty="0"/>
               <a:t> to the cover slide</a:t>
             </a:r>
-            <a:endParaRPr sz="2200"/>
+            <a:endParaRPr sz="2200" dirty="0"/>
           </a:p>
           <a:p>
             <a:pPr marL="457200" lvl="0" indent="0" algn="l" rtl="0">
@@ -31951,7 +31887,7 @@
               </a:spcAft>
               <a:buNone/>
             </a:pPr>
-            <a:endParaRPr sz="2200"/>
+            <a:endParaRPr sz="2200" dirty="0"/>
           </a:p>
         </p:txBody>
       </p:sp>
@@ -32141,7 +32077,7 @@
               </a:spcAft>
               <a:buNone/>
             </a:pPr>
-            <a:endParaRPr sz="1900"/>
+            <a:endParaRPr sz="1900" dirty="0"/>
           </a:p>
           <a:p>
             <a:pPr marL="457200" lvl="0" indent="-349250" algn="l" rtl="0">
@@ -32156,7 +32092,7 @@
               <a:buChar char="●"/>
             </a:pPr>
             <a:r>
-              <a:rPr lang="en" sz="1900" b="1">
+              <a:rPr lang="en" sz="1900" b="1" dirty="0">
                 <a:latin typeface="Open Sans"/>
                 <a:ea typeface="Open Sans"/>
                 <a:cs typeface="Open Sans"/>
@@ -32164,7 +32100,7 @@
               </a:rPr>
               <a:t>Question 3: Correct the job title from web programmer to web developer</a:t>
             </a:r>
-            <a:endParaRPr sz="1900" b="1">
+            <a:endParaRPr sz="1900" b="1" dirty="0">
               <a:latin typeface="Open Sans"/>
               <a:ea typeface="Open Sans"/>
               <a:cs typeface="Open Sans"/>
@@ -32185,7 +32121,7 @@
               <a:buNone/>
             </a:pPr>
             <a:r>
-              <a:rPr lang="en" sz="1200">
+              <a:rPr lang="en" sz="1200" dirty="0">
                 <a:solidFill>
                   <a:srgbClr val="525C65"/>
                 </a:solidFill>
@@ -32199,7 +32135,7 @@
               </a:rPr>
               <a:t>     </a:t>
             </a:r>
-            <a:endParaRPr sz="1200">
+            <a:endParaRPr sz="1200" dirty="0">
               <a:solidFill>
                 <a:srgbClr val="525C65"/>
               </a:solidFill>
@@ -32226,7 +32162,7 @@
               <a:buNone/>
             </a:pPr>
             <a:r>
-              <a:rPr lang="en" sz="1200">
+              <a:rPr lang="en" sz="1200" dirty="0">
                 <a:solidFill>
                   <a:srgbClr val="525C65"/>
                 </a:solidFill>
@@ -32241,7 +32177,7 @@
               <a:t>  </a:t>
             </a:r>
             <a:r>
-              <a:rPr lang="en" sz="1200">
+              <a:rPr lang="en" sz="1200" dirty="0">
                 <a:solidFill>
                   <a:srgbClr val="FF0000"/>
                 </a:solidFill>
@@ -32255,7 +32191,7 @@
               </a:rPr>
               <a:t>** Replace example screenshot below with your response, and include the query in a SQL file</a:t>
             </a:r>
-            <a:endParaRPr sz="1900" b="1">
+            <a:endParaRPr sz="1900" b="1" dirty="0">
               <a:latin typeface="Open Sans"/>
               <a:ea typeface="Open Sans"/>
               <a:cs typeface="Open Sans"/>
@@ -32272,7 +32208,7 @@
               </a:spcAft>
               <a:buNone/>
             </a:pPr>
-            <a:endParaRPr sz="1900" b="1">
+            <a:endParaRPr sz="1900" b="1" dirty="0">
               <a:latin typeface="Open Sans"/>
               <a:ea typeface="Open Sans"/>
               <a:cs typeface="Open Sans"/>
@@ -32289,7 +32225,7 @@
               </a:spcAft>
               <a:buNone/>
             </a:pPr>
-            <a:endParaRPr sz="1900" b="1">
+            <a:endParaRPr sz="1900" b="1" dirty="0">
               <a:latin typeface="Open Sans"/>
               <a:ea typeface="Open Sans"/>
               <a:cs typeface="Open Sans"/>
@@ -32306,7 +32242,7 @@
               </a:spcAft>
               <a:buNone/>
             </a:pPr>
-            <a:endParaRPr sz="1900" b="1">
+            <a:endParaRPr sz="1900" b="1" dirty="0">
               <a:latin typeface="Open Sans"/>
               <a:ea typeface="Open Sans"/>
               <a:cs typeface="Open Sans"/>
@@ -32323,7 +32259,7 @@
               </a:spcAft>
               <a:buNone/>
             </a:pPr>
-            <a:endParaRPr sz="1900" b="1">
+            <a:endParaRPr sz="1900" b="1" dirty="0">
               <a:latin typeface="Open Sans"/>
               <a:ea typeface="Open Sans"/>
               <a:cs typeface="Open Sans"/>
@@ -32340,7 +32276,7 @@
               </a:spcAft>
               <a:buNone/>
             </a:pPr>
-            <a:endParaRPr sz="1900" b="1">
+            <a:endParaRPr sz="1900" b="1" dirty="0">
               <a:latin typeface="Open Sans"/>
               <a:ea typeface="Open Sans"/>
               <a:cs typeface="Open Sans"/>
@@ -32357,7 +32293,7 @@
               </a:spcAft>
               <a:buNone/>
             </a:pPr>
-            <a:endParaRPr sz="1900" b="1">
+            <a:endParaRPr sz="1900" b="1" dirty="0">
               <a:latin typeface="Open Sans"/>
               <a:ea typeface="Open Sans"/>
               <a:cs typeface="Open Sans"/>
@@ -32374,7 +32310,7 @@
               </a:spcAft>
               <a:buNone/>
             </a:pPr>
-            <a:endParaRPr sz="1900" b="1">
+            <a:endParaRPr sz="1900" b="1" dirty="0">
               <a:latin typeface="Open Sans"/>
               <a:ea typeface="Open Sans"/>
               <a:cs typeface="Open Sans"/>
@@ -32391,7 +32327,7 @@
               </a:spcAft>
               <a:buNone/>
             </a:pPr>
-            <a:endParaRPr sz="1900"/>
+            <a:endParaRPr sz="1900" dirty="0"/>
           </a:p>
           <a:p>
             <a:pPr marL="457200" lvl="0" indent="0" algn="l" rtl="0">
@@ -32403,7 +32339,7 @@
               </a:spcAft>
               <a:buNone/>
             </a:pPr>
-            <a:endParaRPr sz="1900"/>
+            <a:endParaRPr sz="1900" dirty="0"/>
           </a:p>
           <a:p>
             <a:pPr marL="457200" lvl="0" indent="0" algn="l" rtl="0">
@@ -32415,7 +32351,7 @@
               </a:spcAft>
               <a:buNone/>
             </a:pPr>
-            <a:endParaRPr sz="1900"/>
+            <a:endParaRPr sz="1900" dirty="0"/>
           </a:p>
           <a:p>
             <a:pPr marL="457200" lvl="0" indent="0" algn="l" rtl="0">
@@ -32427,42 +32363,38 @@
               </a:spcAft>
               <a:buNone/>
             </a:pPr>
-            <a:endParaRPr sz="1900"/>
+            <a:endParaRPr sz="1900" dirty="0"/>
           </a:p>
         </p:txBody>
       </p:sp>
       <p:pic>
         <p:nvPicPr>
-          <p:cNvPr id="304" name="Google Shape;304;p70"/>
-          <p:cNvPicPr preferRelativeResize="0"/>
+          <p:cNvPr id="3" name="Picture 2" descr="A picture containing text, black, dark, screenshot&#10;&#10;Description automatically generated">
+            <a:extLst>
+              <a:ext uri="{FF2B5EF4-FFF2-40B4-BE49-F238E27FC236}">
+                <a16:creationId xmlns:a16="http://schemas.microsoft.com/office/drawing/2014/main" id="{4305AD2E-28DF-4C19-B984-760EA2B14D98}"/>
+              </a:ext>
+            </a:extLst>
+          </p:cNvPr>
+          <p:cNvPicPr>
+            <a:picLocks noChangeAspect="1"/>
+          </p:cNvPicPr>
           <p:nvPr/>
         </p:nvPicPr>
         <p:blipFill>
-          <a:blip r:embed="rId3">
-            <a:alphaModFix/>
-          </a:blip>
+          <a:blip r:embed="rId3"/>
           <a:stretch>
             <a:fillRect/>
           </a:stretch>
         </p:blipFill>
         <p:spPr>
           <a:xfrm>
-            <a:off x="1088175" y="4781750"/>
-            <a:ext cx="5036025" cy="3241700"/>
+            <a:off x="2539931" y="4724384"/>
+            <a:ext cx="2692538" cy="609631"/>
           </a:xfrm>
           <a:prstGeom prst="rect">
             <a:avLst/>
           </a:prstGeom>
-          <a:noFill/>
-          <a:ln w="9525" cap="flat" cmpd="sng">
-            <a:solidFill>
-              <a:schemeClr val="dk2"/>
-            </a:solidFill>
-            <a:prstDash val="solid"/>
-            <a:round/>
-            <a:headEnd type="none" w="sm" len="sm"/>
-            <a:tailEnd type="none" w="sm" len="sm"/>
-          </a:ln>
         </p:spPr>
       </p:pic>
     </p:spTree>
@@ -32566,7 +32498,7 @@
               </a:spcAft>
               <a:buNone/>
             </a:pPr>
-            <a:endParaRPr sz="1900"/>
+            <a:endParaRPr sz="1900" dirty="0"/>
           </a:p>
           <a:p>
             <a:pPr marL="457200" lvl="0" indent="-349250" algn="l" rtl="0">
@@ -32581,7 +32513,7 @@
               <a:buChar char="●"/>
             </a:pPr>
             <a:r>
-              <a:rPr lang="en" sz="1900" b="1">
+              <a:rPr lang="en" sz="1900" b="1" dirty="0">
                 <a:latin typeface="Open Sans"/>
                 <a:ea typeface="Open Sans"/>
                 <a:cs typeface="Open Sans"/>
@@ -32589,7 +32521,7 @@
               </a:rPr>
               <a:t>Question 4: Delete the job title Web Developer from the database</a:t>
             </a:r>
-            <a:endParaRPr sz="1900" b="1">
+            <a:endParaRPr sz="1900" b="1" dirty="0">
               <a:latin typeface="Open Sans"/>
               <a:ea typeface="Open Sans"/>
               <a:cs typeface="Open Sans"/>
@@ -32610,7 +32542,7 @@
               <a:buNone/>
             </a:pPr>
             <a:r>
-              <a:rPr lang="en" sz="1200">
+              <a:rPr lang="en" sz="1200" dirty="0">
                 <a:solidFill>
                   <a:srgbClr val="525C65"/>
                 </a:solidFill>
@@ -32624,7 +32556,7 @@
               </a:rPr>
               <a:t>         </a:t>
             </a:r>
-            <a:endParaRPr sz="1200">
+            <a:endParaRPr sz="1200" dirty="0">
               <a:solidFill>
                 <a:srgbClr val="525C65"/>
               </a:solidFill>
@@ -32651,7 +32583,7 @@
               <a:buNone/>
             </a:pPr>
             <a:r>
-              <a:rPr lang="en" sz="1200">
+              <a:rPr lang="en" sz="1200" dirty="0">
                 <a:solidFill>
                   <a:srgbClr val="525C65"/>
                 </a:solidFill>
@@ -32666,7 +32598,7 @@
               <a:t> </a:t>
             </a:r>
             <a:r>
-              <a:rPr lang="en" sz="1200">
+              <a:rPr lang="en" sz="1200" dirty="0">
                 <a:solidFill>
                   <a:srgbClr val="FF0000"/>
                 </a:solidFill>
@@ -32680,7 +32612,7 @@
               </a:rPr>
               <a:t>** Replace example screenshot below with your response, and include the query in a SQL file</a:t>
             </a:r>
-            <a:endParaRPr sz="1900" b="1">
+            <a:endParaRPr sz="1900" b="1" dirty="0">
               <a:latin typeface="Open Sans"/>
               <a:ea typeface="Open Sans"/>
               <a:cs typeface="Open Sans"/>
@@ -32697,7 +32629,7 @@
               </a:spcAft>
               <a:buNone/>
             </a:pPr>
-            <a:endParaRPr sz="1900" b="1">
+            <a:endParaRPr sz="1900" b="1" dirty="0">
               <a:latin typeface="Open Sans"/>
               <a:ea typeface="Open Sans"/>
               <a:cs typeface="Open Sans"/>
@@ -32714,7 +32646,7 @@
               </a:spcAft>
               <a:buNone/>
             </a:pPr>
-            <a:endParaRPr sz="1900" b="1">
+            <a:endParaRPr sz="1900" b="1" dirty="0">
               <a:latin typeface="Open Sans"/>
               <a:ea typeface="Open Sans"/>
               <a:cs typeface="Open Sans"/>
@@ -32731,7 +32663,7 @@
               </a:spcAft>
               <a:buNone/>
             </a:pPr>
-            <a:endParaRPr sz="1900" b="1">
+            <a:endParaRPr sz="1900" b="1" dirty="0">
               <a:latin typeface="Open Sans"/>
               <a:ea typeface="Open Sans"/>
               <a:cs typeface="Open Sans"/>
@@ -32748,7 +32680,7 @@
               </a:spcAft>
               <a:buNone/>
             </a:pPr>
-            <a:endParaRPr sz="1900" b="1">
+            <a:endParaRPr sz="1900" b="1" dirty="0">
               <a:latin typeface="Open Sans"/>
               <a:ea typeface="Open Sans"/>
               <a:cs typeface="Open Sans"/>
@@ -32765,7 +32697,7 @@
               </a:spcAft>
               <a:buNone/>
             </a:pPr>
-            <a:endParaRPr sz="1900" b="1">
+            <a:endParaRPr sz="1900" b="1" dirty="0">
               <a:latin typeface="Open Sans"/>
               <a:ea typeface="Open Sans"/>
               <a:cs typeface="Open Sans"/>
@@ -32782,7 +32714,7 @@
               </a:spcAft>
               <a:buNone/>
             </a:pPr>
-            <a:endParaRPr sz="1900" b="1">
+            <a:endParaRPr sz="1900" b="1" dirty="0">
               <a:latin typeface="Open Sans"/>
               <a:ea typeface="Open Sans"/>
               <a:cs typeface="Open Sans"/>
@@ -32799,7 +32731,7 @@
               </a:spcAft>
               <a:buNone/>
             </a:pPr>
-            <a:endParaRPr sz="1900" b="1">
+            <a:endParaRPr sz="1900" b="1" dirty="0">
               <a:latin typeface="Open Sans"/>
               <a:ea typeface="Open Sans"/>
               <a:cs typeface="Open Sans"/>
@@ -32816,7 +32748,7 @@
               </a:spcAft>
               <a:buNone/>
             </a:pPr>
-            <a:endParaRPr sz="1900"/>
+            <a:endParaRPr sz="1900" dirty="0"/>
           </a:p>
           <a:p>
             <a:pPr marL="457200" lvl="0" indent="0" algn="l" rtl="0">
@@ -32828,7 +32760,7 @@
               </a:spcAft>
               <a:buNone/>
             </a:pPr>
-            <a:endParaRPr sz="1900"/>
+            <a:endParaRPr sz="1900" dirty="0"/>
           </a:p>
           <a:p>
             <a:pPr marL="457200" lvl="0" indent="0" algn="l" rtl="0">
@@ -32840,7 +32772,7 @@
               </a:spcAft>
               <a:buNone/>
             </a:pPr>
-            <a:endParaRPr sz="1900"/>
+            <a:endParaRPr sz="1900" dirty="0"/>
           </a:p>
           <a:p>
             <a:pPr marL="457200" lvl="0" indent="0" algn="l" rtl="0">
@@ -32852,42 +32784,38 @@
               </a:spcAft>
               <a:buNone/>
             </a:pPr>
-            <a:endParaRPr sz="1900"/>
+            <a:endParaRPr sz="1900" dirty="0"/>
           </a:p>
         </p:txBody>
       </p:sp>
       <p:pic>
         <p:nvPicPr>
-          <p:cNvPr id="311" name="Google Shape;311;p71"/>
-          <p:cNvPicPr preferRelativeResize="0"/>
+          <p:cNvPr id="3" name="Picture 2" descr="A screenshot of a computer&#10;&#10;Description automatically generated with low confidence">
+            <a:extLst>
+              <a:ext uri="{FF2B5EF4-FFF2-40B4-BE49-F238E27FC236}">
+                <a16:creationId xmlns:a16="http://schemas.microsoft.com/office/drawing/2014/main" id="{BD6B8C20-A399-43BA-B78C-41CC0E39F96E}"/>
+              </a:ext>
+            </a:extLst>
+          </p:cNvPr>
+          <p:cNvPicPr>
+            <a:picLocks noChangeAspect="1"/>
+          </p:cNvPicPr>
           <p:nvPr/>
         </p:nvPicPr>
         <p:blipFill>
-          <a:blip r:embed="rId3">
-            <a:alphaModFix/>
-          </a:blip>
+          <a:blip r:embed="rId3"/>
           <a:stretch>
             <a:fillRect/>
           </a:stretch>
         </p:blipFill>
         <p:spPr>
           <a:xfrm>
-            <a:off x="1088175" y="4781750"/>
-            <a:ext cx="5036025" cy="3241700"/>
+            <a:off x="2539931" y="4810113"/>
+            <a:ext cx="2692538" cy="438173"/>
           </a:xfrm>
           <a:prstGeom prst="rect">
             <a:avLst/>
           </a:prstGeom>
-          <a:noFill/>
-          <a:ln w="9525" cap="flat" cmpd="sng">
-            <a:solidFill>
-              <a:schemeClr val="dk2"/>
-            </a:solidFill>
-            <a:prstDash val="solid"/>
-            <a:round/>
-            <a:headEnd type="none" w="sm" len="sm"/>
-            <a:tailEnd type="none" w="sm" len="sm"/>
-          </a:ln>
         </p:spPr>
       </p:pic>
     </p:spTree>
@@ -32991,7 +32919,7 @@
               </a:spcAft>
               <a:buNone/>
             </a:pPr>
-            <a:endParaRPr sz="1900"/>
+            <a:endParaRPr sz="1900" dirty="0"/>
           </a:p>
           <a:p>
             <a:pPr marL="457200" lvl="0" indent="-349250" algn="l" rtl="0">
@@ -33006,7 +32934,7 @@
               <a:buChar char="●"/>
             </a:pPr>
             <a:r>
-              <a:rPr lang="en" sz="1900" b="1">
+              <a:rPr lang="en" sz="1900" b="1" dirty="0">
                 <a:latin typeface="Open Sans"/>
                 <a:ea typeface="Open Sans"/>
                 <a:cs typeface="Open Sans"/>
@@ -33014,7 +32942,7 @@
               </a:rPr>
               <a:t>Question 5: How many employees are in each department?</a:t>
             </a:r>
-            <a:endParaRPr sz="1900" b="1">
+            <a:endParaRPr sz="1900" b="1" dirty="0">
               <a:latin typeface="Open Sans"/>
               <a:ea typeface="Open Sans"/>
               <a:cs typeface="Open Sans"/>
@@ -33031,7 +32959,7 @@
               </a:spcAft>
               <a:buNone/>
             </a:pPr>
-            <a:endParaRPr sz="1900" b="1">
+            <a:endParaRPr sz="1900" b="1" dirty="0">
               <a:latin typeface="Open Sans"/>
               <a:ea typeface="Open Sans"/>
               <a:cs typeface="Open Sans"/>
@@ -33052,7 +32980,7 @@
               <a:buNone/>
             </a:pPr>
             <a:r>
-              <a:rPr lang="en" sz="1200">
+              <a:rPr lang="en" sz="1200" dirty="0">
                 <a:solidFill>
                   <a:srgbClr val="525C65"/>
                 </a:solidFill>
@@ -33067,7 +32995,7 @@
               <a:t>      </a:t>
             </a:r>
             <a:r>
-              <a:rPr lang="en" sz="1200">
+              <a:rPr lang="en" sz="1200" dirty="0">
                 <a:solidFill>
                   <a:srgbClr val="FF0000"/>
                 </a:solidFill>
@@ -33081,7 +33009,7 @@
               </a:rPr>
               <a:t>** Replace example screenshot below with your response, and include the query in a SQL file</a:t>
             </a:r>
-            <a:endParaRPr sz="1900" b="1">
+            <a:endParaRPr sz="1900" b="1" dirty="0">
               <a:latin typeface="Open Sans"/>
               <a:ea typeface="Open Sans"/>
               <a:cs typeface="Open Sans"/>
@@ -33098,7 +33026,7 @@
               </a:spcAft>
               <a:buNone/>
             </a:pPr>
-            <a:endParaRPr sz="1900" b="1">
+            <a:endParaRPr sz="1900" b="1" dirty="0">
               <a:latin typeface="Open Sans"/>
               <a:ea typeface="Open Sans"/>
               <a:cs typeface="Open Sans"/>
@@ -33115,7 +33043,7 @@
               </a:spcAft>
               <a:buNone/>
             </a:pPr>
-            <a:endParaRPr sz="1900" b="1">
+            <a:endParaRPr sz="1900" b="1" dirty="0">
               <a:latin typeface="Open Sans"/>
               <a:ea typeface="Open Sans"/>
               <a:cs typeface="Open Sans"/>
@@ -33132,7 +33060,7 @@
               </a:spcAft>
               <a:buNone/>
             </a:pPr>
-            <a:endParaRPr sz="1900" b="1">
+            <a:endParaRPr sz="1900" b="1" dirty="0">
               <a:latin typeface="Open Sans"/>
               <a:ea typeface="Open Sans"/>
               <a:cs typeface="Open Sans"/>
@@ -33149,7 +33077,7 @@
               </a:spcAft>
               <a:buNone/>
             </a:pPr>
-            <a:endParaRPr sz="1900" b="1">
+            <a:endParaRPr sz="1900" b="1" dirty="0">
               <a:latin typeface="Open Sans"/>
               <a:ea typeface="Open Sans"/>
               <a:cs typeface="Open Sans"/>
@@ -33166,7 +33094,7 @@
               </a:spcAft>
               <a:buNone/>
             </a:pPr>
-            <a:endParaRPr sz="1900" b="1">
+            <a:endParaRPr sz="1900" b="1" dirty="0">
               <a:latin typeface="Open Sans"/>
               <a:ea typeface="Open Sans"/>
               <a:cs typeface="Open Sans"/>
@@ -33183,7 +33111,7 @@
               </a:spcAft>
               <a:buNone/>
             </a:pPr>
-            <a:endParaRPr sz="1900" b="1">
+            <a:endParaRPr sz="1900" b="1" dirty="0">
               <a:latin typeface="Open Sans"/>
               <a:ea typeface="Open Sans"/>
               <a:cs typeface="Open Sans"/>
@@ -33200,7 +33128,7 @@
               </a:spcAft>
               <a:buNone/>
             </a:pPr>
-            <a:endParaRPr sz="1900" b="1">
+            <a:endParaRPr sz="1900" b="1" dirty="0">
               <a:latin typeface="Open Sans"/>
               <a:ea typeface="Open Sans"/>
               <a:cs typeface="Open Sans"/>
@@ -33217,7 +33145,7 @@
               </a:spcAft>
               <a:buNone/>
             </a:pPr>
-            <a:endParaRPr sz="1900"/>
+            <a:endParaRPr sz="1900" dirty="0"/>
           </a:p>
           <a:p>
             <a:pPr marL="457200" lvl="0" indent="0" algn="l" rtl="0">
@@ -33229,7 +33157,7 @@
               </a:spcAft>
               <a:buNone/>
             </a:pPr>
-            <a:endParaRPr sz="1900"/>
+            <a:endParaRPr sz="1900" dirty="0"/>
           </a:p>
           <a:p>
             <a:pPr marL="457200" lvl="0" indent="0" algn="l" rtl="0">
@@ -33241,7 +33169,7 @@
               </a:spcAft>
               <a:buNone/>
             </a:pPr>
-            <a:endParaRPr sz="1900"/>
+            <a:endParaRPr sz="1900" dirty="0"/>
           </a:p>
           <a:p>
             <a:pPr marL="457200" lvl="0" indent="0" algn="l" rtl="0">
@@ -33253,42 +33181,38 @@
               </a:spcAft>
               <a:buNone/>
             </a:pPr>
-            <a:endParaRPr sz="1900"/>
+            <a:endParaRPr sz="1900" dirty="0"/>
           </a:p>
         </p:txBody>
       </p:sp>
       <p:pic>
         <p:nvPicPr>
-          <p:cNvPr id="318" name="Google Shape;318;p72"/>
-          <p:cNvPicPr preferRelativeResize="0"/>
+          <p:cNvPr id="3" name="Picture 2" descr="Text&#10;&#10;Description automatically generated">
+            <a:extLst>
+              <a:ext uri="{FF2B5EF4-FFF2-40B4-BE49-F238E27FC236}">
+                <a16:creationId xmlns:a16="http://schemas.microsoft.com/office/drawing/2014/main" id="{FA09B8B5-68BD-4346-BF5C-F1DB19E5B089}"/>
+              </a:ext>
+            </a:extLst>
+          </p:cNvPr>
+          <p:cNvPicPr>
+            <a:picLocks noChangeAspect="1"/>
+          </p:cNvPicPr>
           <p:nvPr/>
         </p:nvPicPr>
         <p:blipFill>
-          <a:blip r:embed="rId3">
-            <a:alphaModFix/>
-          </a:blip>
+          <a:blip r:embed="rId3"/>
           <a:stretch>
             <a:fillRect/>
           </a:stretch>
         </p:blipFill>
         <p:spPr>
           <a:xfrm>
-            <a:off x="1088175" y="4781750"/>
-            <a:ext cx="5036025" cy="3241700"/>
+            <a:off x="1794947" y="5112693"/>
+            <a:ext cx="3797495" cy="2311519"/>
           </a:xfrm>
           <a:prstGeom prst="rect">
             <a:avLst/>
           </a:prstGeom>
-          <a:noFill/>
-          <a:ln w="9525" cap="flat" cmpd="sng">
-            <a:solidFill>
-              <a:schemeClr val="dk2"/>
-            </a:solidFill>
-            <a:prstDash val="solid"/>
-            <a:round/>
-            <a:headEnd type="none" w="sm" len="sm"/>
-            <a:tailEnd type="none" w="sm" len="sm"/>
-          </a:ln>
         </p:spPr>
       </p:pic>
     </p:spTree>
@@ -33392,7 +33316,7 @@
               </a:spcAft>
               <a:buNone/>
             </a:pPr>
-            <a:endParaRPr sz="1900"/>
+            <a:endParaRPr sz="1900" dirty="0"/>
           </a:p>
           <a:p>
             <a:pPr marL="457200" lvl="0" indent="-349250" algn="l" rtl="0">
@@ -33407,7 +33331,7 @@
               <a:buChar char="●"/>
             </a:pPr>
             <a:r>
-              <a:rPr lang="en" sz="1900" b="1">
+              <a:rPr lang="en" sz="1900" b="1" dirty="0">
                 <a:latin typeface="Open Sans"/>
                 <a:ea typeface="Open Sans"/>
                 <a:cs typeface="Open Sans"/>
@@ -33415,7 +33339,7 @@
               </a:rPr>
               <a:t>Question 6: Write a query that returns current and past jobs (include employee name, job title, department, manager name, start and end date for position) for employee Toni Lembeck.</a:t>
             </a:r>
-            <a:endParaRPr sz="1900" b="1">
+            <a:endParaRPr sz="1900" b="1" dirty="0">
               <a:latin typeface="Open Sans"/>
               <a:ea typeface="Open Sans"/>
               <a:cs typeface="Open Sans"/>
@@ -33436,7 +33360,7 @@
               <a:buNone/>
             </a:pPr>
             <a:r>
-              <a:rPr lang="en" sz="1200">
+              <a:rPr lang="en" sz="1200" dirty="0">
                 <a:solidFill>
                   <a:srgbClr val="525C65"/>
                 </a:solidFill>
@@ -33451,7 +33375,7 @@
               <a:t>          </a:t>
             </a:r>
             <a:r>
-              <a:rPr lang="en" sz="1200">
+              <a:rPr lang="en" sz="1200" dirty="0">
                 <a:solidFill>
                   <a:srgbClr val="FF0000"/>
                 </a:solidFill>
@@ -33465,7 +33389,7 @@
               </a:rPr>
               <a:t>** Replace example screenshot below with your response, and include the query in a SQL file</a:t>
             </a:r>
-            <a:endParaRPr sz="1900" b="1">
+            <a:endParaRPr sz="1900" b="1" dirty="0">
               <a:latin typeface="Open Sans"/>
               <a:ea typeface="Open Sans"/>
               <a:cs typeface="Open Sans"/>
@@ -33482,7 +33406,7 @@
               </a:spcAft>
               <a:buNone/>
             </a:pPr>
-            <a:endParaRPr sz="1900" b="1">
+            <a:endParaRPr sz="1900" b="1" dirty="0">
               <a:latin typeface="Open Sans"/>
               <a:ea typeface="Open Sans"/>
               <a:cs typeface="Open Sans"/>
@@ -33499,7 +33423,7 @@
               </a:spcAft>
               <a:buNone/>
             </a:pPr>
-            <a:endParaRPr sz="1900" b="1">
+            <a:endParaRPr sz="1900" b="1" dirty="0">
               <a:latin typeface="Open Sans"/>
               <a:ea typeface="Open Sans"/>
               <a:cs typeface="Open Sans"/>
@@ -33516,7 +33440,7 @@
               </a:spcAft>
               <a:buNone/>
             </a:pPr>
-            <a:endParaRPr sz="1900" b="1">
+            <a:endParaRPr sz="1900" b="1" dirty="0">
               <a:latin typeface="Open Sans"/>
               <a:ea typeface="Open Sans"/>
               <a:cs typeface="Open Sans"/>
@@ -33533,7 +33457,7 @@
               </a:spcAft>
               <a:buNone/>
             </a:pPr>
-            <a:endParaRPr sz="1900" b="1">
+            <a:endParaRPr sz="1900" b="1" dirty="0">
               <a:latin typeface="Open Sans"/>
               <a:ea typeface="Open Sans"/>
               <a:cs typeface="Open Sans"/>
@@ -33550,7 +33474,7 @@
               </a:spcAft>
               <a:buNone/>
             </a:pPr>
-            <a:endParaRPr sz="1900" b="1">
+            <a:endParaRPr sz="1900" b="1" dirty="0">
               <a:latin typeface="Open Sans"/>
               <a:ea typeface="Open Sans"/>
               <a:cs typeface="Open Sans"/>
@@ -33567,7 +33491,7 @@
               </a:spcAft>
               <a:buNone/>
             </a:pPr>
-            <a:endParaRPr sz="1900" b="1">
+            <a:endParaRPr sz="1900" b="1" dirty="0">
               <a:latin typeface="Open Sans"/>
               <a:ea typeface="Open Sans"/>
               <a:cs typeface="Open Sans"/>
@@ -33584,7 +33508,7 @@
               </a:spcAft>
               <a:buNone/>
             </a:pPr>
-            <a:endParaRPr sz="1900" b="1">
+            <a:endParaRPr sz="1900" b="1" dirty="0">
               <a:latin typeface="Open Sans"/>
               <a:ea typeface="Open Sans"/>
               <a:cs typeface="Open Sans"/>
@@ -33601,7 +33525,7 @@
               </a:spcAft>
               <a:buNone/>
             </a:pPr>
-            <a:endParaRPr sz="1900"/>
+            <a:endParaRPr sz="1900" dirty="0"/>
           </a:p>
           <a:p>
             <a:pPr marL="457200" lvl="0" indent="0" algn="l" rtl="0">
@@ -33613,7 +33537,7 @@
               </a:spcAft>
               <a:buNone/>
             </a:pPr>
-            <a:endParaRPr sz="1900"/>
+            <a:endParaRPr sz="1900" dirty="0"/>
           </a:p>
           <a:p>
             <a:pPr marL="457200" lvl="0" indent="0" algn="l" rtl="0">
@@ -33625,7 +33549,7 @@
               </a:spcAft>
               <a:buNone/>
             </a:pPr>
-            <a:endParaRPr sz="1900"/>
+            <a:endParaRPr sz="1900" dirty="0"/>
           </a:p>
           <a:p>
             <a:pPr marL="457200" lvl="0" indent="0" algn="l" rtl="0">
@@ -33637,42 +33561,38 @@
               </a:spcAft>
               <a:buNone/>
             </a:pPr>
-            <a:endParaRPr sz="1900"/>
+            <a:endParaRPr sz="1900" dirty="0"/>
           </a:p>
         </p:txBody>
       </p:sp>
       <p:pic>
         <p:nvPicPr>
-          <p:cNvPr id="325" name="Google Shape;325;p73"/>
-          <p:cNvPicPr preferRelativeResize="0"/>
+          <p:cNvPr id="3" name="Picture 2" descr="A picture containing text, indoor, black, screen&#10;&#10;Description automatically generated">
+            <a:extLst>
+              <a:ext uri="{FF2B5EF4-FFF2-40B4-BE49-F238E27FC236}">
+                <a16:creationId xmlns:a16="http://schemas.microsoft.com/office/drawing/2014/main" id="{D9397539-7BF4-49DA-AF25-7D722E3E8BDC}"/>
+              </a:ext>
+            </a:extLst>
+          </p:cNvPr>
+          <p:cNvPicPr>
+            <a:picLocks noChangeAspect="1"/>
+          </p:cNvPicPr>
           <p:nvPr/>
         </p:nvPicPr>
         <p:blipFill>
-          <a:blip r:embed="rId3">
-            <a:alphaModFix/>
-          </a:blip>
+          <a:blip r:embed="rId3"/>
           <a:stretch>
             <a:fillRect/>
           </a:stretch>
         </p:blipFill>
         <p:spPr>
           <a:xfrm>
-            <a:off x="1088175" y="4781750"/>
-            <a:ext cx="5036025" cy="3241700"/>
+            <a:off x="555624" y="5197577"/>
+            <a:ext cx="6540836" cy="2514729"/>
           </a:xfrm>
           <a:prstGeom prst="rect">
             <a:avLst/>
           </a:prstGeom>
-          <a:noFill/>
-          <a:ln w="9525" cap="flat" cmpd="sng">
-            <a:solidFill>
-              <a:schemeClr val="dk2"/>
-            </a:solidFill>
-            <a:prstDash val="solid"/>
-            <a:round/>
-            <a:headEnd type="none" w="sm" len="sm"/>
-            <a:tailEnd type="none" w="sm" len="sm"/>
-          </a:ln>
         </p:spPr>
       </p:pic>
     </p:spTree>
@@ -33779,7 +33699,7 @@
               <a:buChar char="●"/>
             </a:pPr>
             <a:r>
-              <a:rPr lang="en" sz="1900" b="1">
+              <a:rPr lang="en" sz="1900" b="1" dirty="0">
                 <a:latin typeface="Open Sans"/>
                 <a:ea typeface="Open Sans"/>
                 <a:cs typeface="Open Sans"/>
@@ -33787,7 +33707,7 @@
               </a:rPr>
               <a:t>Question 7: Describe how you would apply table security to restrict access to employee salaries using an SQL server.</a:t>
             </a:r>
-            <a:endParaRPr sz="1900" b="1">
+            <a:endParaRPr sz="1900" b="1" dirty="0">
               <a:latin typeface="Open Sans"/>
               <a:ea typeface="Open Sans"/>
               <a:cs typeface="Open Sans"/>
@@ -33805,7 +33725,7 @@
               <a:buNone/>
             </a:pPr>
             <a:r>
-              <a:rPr lang="en" sz="1900" b="1">
+              <a:rPr lang="en" sz="1900" b="1" dirty="0">
                 <a:solidFill>
                   <a:srgbClr val="FF0000"/>
                 </a:solidFill>
@@ -33816,7 +33736,7 @@
               </a:rPr>
               <a:t>** answer in a short paragraph, how you would apply table security to restrict access to employee salaries</a:t>
             </a:r>
-            <a:endParaRPr sz="1900" b="1">
+            <a:endParaRPr sz="1900" b="1" dirty="0">
               <a:solidFill>
                 <a:srgbClr val="FF0000"/>
               </a:solidFill>
@@ -33836,7 +33756,7 @@
               </a:spcAft>
               <a:buNone/>
             </a:pPr>
-            <a:endParaRPr sz="1900" b="1">
+            <a:endParaRPr sz="1900" b="1" dirty="0">
               <a:latin typeface="Open Sans"/>
               <a:ea typeface="Open Sans"/>
               <a:cs typeface="Open Sans"/>
@@ -33853,7 +33773,7 @@
               </a:spcAft>
               <a:buNone/>
             </a:pPr>
-            <a:endParaRPr sz="1900"/>
+            <a:endParaRPr sz="1900" dirty="0"/>
           </a:p>
           <a:p>
             <a:pPr marL="457200" lvl="0" indent="0" algn="l" rtl="0">
@@ -33865,7 +33785,7 @@
               </a:spcAft>
               <a:buNone/>
             </a:pPr>
-            <a:endParaRPr sz="1900"/>
+            <a:endParaRPr sz="1900" dirty="0"/>
           </a:p>
           <a:p>
             <a:pPr marL="457200" lvl="0" indent="0" algn="l" rtl="0">
@@ -33877,7 +33797,7 @@
               </a:spcAft>
               <a:buNone/>
             </a:pPr>
-            <a:endParaRPr sz="1900"/>
+            <a:endParaRPr sz="1900" dirty="0"/>
           </a:p>
           <a:p>
             <a:pPr marL="457200" lvl="0" indent="0" algn="l" rtl="0">
@@ -33889,7 +33809,7 @@
               </a:spcAft>
               <a:buNone/>
             </a:pPr>
-            <a:endParaRPr sz="1900"/>
+            <a:endParaRPr sz="1900" dirty="0"/>
           </a:p>
         </p:txBody>
       </p:sp>
@@ -37577,27 +37497,6 @@
               <a:rPr lang="en-NZ" sz="1200" dirty="0">
                 <a:sym typeface="Open Sans"/>
               </a:rPr>
-              <a:t>Employee History</a:t>
-            </a:r>
-          </a:p>
-          <a:p>
-            <a:pPr marL="107950" lvl="0" indent="0" algn="l" rtl="0">
-              <a:lnSpc>
-                <a:spcPct val="100000"/>
-              </a:lnSpc>
-              <a:spcBef>
-                <a:spcPts val="1600"/>
-              </a:spcBef>
-              <a:spcAft>
-                <a:spcPts val="0"/>
-              </a:spcAft>
-              <a:buSzPts val="1900"/>
-              <a:buNone/>
-            </a:pPr>
-            <a:r>
-              <a:rPr lang="en-NZ" sz="1200" dirty="0">
-                <a:sym typeface="Open Sans"/>
-              </a:rPr>
               <a:t>Education Level</a:t>
             </a:r>
           </a:p>
@@ -37658,10 +37557,34 @@
               <a:buNone/>
             </a:pPr>
             <a:r>
+              <a:rPr lang="en-NZ" sz="1200" dirty="0" err="1">
+                <a:sym typeface="Open Sans"/>
+              </a:rPr>
+              <a:t>Job_History</a:t>
+            </a:r>
+            <a:endParaRPr lang="en-NZ" sz="1200" dirty="0">
+              <a:sym typeface="Open Sans"/>
+            </a:endParaRPr>
+          </a:p>
+          <a:p>
+            <a:pPr marL="107950" lvl="0" indent="0" algn="l" rtl="0">
+              <a:lnSpc>
+                <a:spcPct val="100000"/>
+              </a:lnSpc>
+              <a:spcBef>
+                <a:spcPts val="1600"/>
+              </a:spcBef>
+              <a:spcAft>
+                <a:spcPts val="0"/>
+              </a:spcAft>
+              <a:buSzPts val="1900"/>
+              <a:buNone/>
+            </a:pPr>
+            <a:r>
               <a:rPr lang="en-NZ" sz="1200" dirty="0">
                 <a:sym typeface="Open Sans"/>
               </a:rPr>
-              <a:t>Job</a:t>
+              <a:t>Title</a:t>
             </a:r>
           </a:p>
           <a:p>

--- a/assignments/HR Database/project submission.pptx
+++ b/assignments/HR Database/project submission.pptx
@@ -8,71 +8,77 @@
     <p:sldMasterId id="2147483697" r:id="rId4"/>
   </p:sldMasterIdLst>
   <p:notesMasterIdLst>
-    <p:notesMasterId r:id="rId36"/>
+    <p:notesMasterId r:id="rId35"/>
   </p:notesMasterIdLst>
   <p:sldIdLst>
     <p:sldId id="256" r:id="rId5"/>
-    <p:sldId id="257" r:id="rId6"/>
-    <p:sldId id="258" r:id="rId7"/>
-    <p:sldId id="259" r:id="rId8"/>
-    <p:sldId id="260" r:id="rId9"/>
-    <p:sldId id="261" r:id="rId10"/>
-    <p:sldId id="262" r:id="rId11"/>
-    <p:sldId id="263" r:id="rId12"/>
-    <p:sldId id="264" r:id="rId13"/>
-    <p:sldId id="265" r:id="rId14"/>
-    <p:sldId id="266" r:id="rId15"/>
-    <p:sldId id="267" r:id="rId16"/>
-    <p:sldId id="268" r:id="rId17"/>
-    <p:sldId id="269" r:id="rId18"/>
-    <p:sldId id="270" r:id="rId19"/>
-    <p:sldId id="271" r:id="rId20"/>
-    <p:sldId id="272" r:id="rId21"/>
-    <p:sldId id="273" r:id="rId22"/>
-    <p:sldId id="274" r:id="rId23"/>
-    <p:sldId id="275" r:id="rId24"/>
-    <p:sldId id="276" r:id="rId25"/>
-    <p:sldId id="277" r:id="rId26"/>
-    <p:sldId id="278" r:id="rId27"/>
-    <p:sldId id="279" r:id="rId28"/>
-    <p:sldId id="280" r:id="rId29"/>
-    <p:sldId id="281" r:id="rId30"/>
-    <p:sldId id="282" r:id="rId31"/>
-    <p:sldId id="283" r:id="rId32"/>
-    <p:sldId id="284" r:id="rId33"/>
-    <p:sldId id="285" r:id="rId34"/>
-    <p:sldId id="286" r:id="rId35"/>
+    <p:sldId id="258" r:id="rId6"/>
+    <p:sldId id="259" r:id="rId7"/>
+    <p:sldId id="260" r:id="rId8"/>
+    <p:sldId id="261" r:id="rId9"/>
+    <p:sldId id="262" r:id="rId10"/>
+    <p:sldId id="263" r:id="rId11"/>
+    <p:sldId id="264" r:id="rId12"/>
+    <p:sldId id="265" r:id="rId13"/>
+    <p:sldId id="266" r:id="rId14"/>
+    <p:sldId id="267" r:id="rId15"/>
+    <p:sldId id="268" r:id="rId16"/>
+    <p:sldId id="269" r:id="rId17"/>
+    <p:sldId id="270" r:id="rId18"/>
+    <p:sldId id="271" r:id="rId19"/>
+    <p:sldId id="272" r:id="rId20"/>
+    <p:sldId id="273" r:id="rId21"/>
+    <p:sldId id="274" r:id="rId22"/>
+    <p:sldId id="275" r:id="rId23"/>
+    <p:sldId id="276" r:id="rId24"/>
+    <p:sldId id="277" r:id="rId25"/>
+    <p:sldId id="278" r:id="rId26"/>
+    <p:sldId id="279" r:id="rId27"/>
+    <p:sldId id="280" r:id="rId28"/>
+    <p:sldId id="281" r:id="rId29"/>
+    <p:sldId id="282" r:id="rId30"/>
+    <p:sldId id="283" r:id="rId31"/>
+    <p:sldId id="284" r:id="rId32"/>
+    <p:sldId id="285" r:id="rId33"/>
+    <p:sldId id="286" r:id="rId34"/>
   </p:sldIdLst>
   <p:sldSz cx="7772400" cy="10058400"/>
   <p:notesSz cx="6858000" cy="9144000"/>
   <p:embeddedFontLst>
     <p:embeddedFont>
+      <p:font typeface="Consolas" panose="020B0609020204030204" pitchFamily="49" charset="0"/>
+      <p:regular r:id="rId36"/>
+      <p:bold r:id="rId37"/>
+      <p:italic r:id="rId38"/>
+      <p:boldItalic r:id="rId39"/>
+    </p:embeddedFont>
+    <p:embeddedFont>
       <p:font typeface="Helvetica Neue" panose="020B0604020202020204" charset="0"/>
-      <p:regular r:id="rId37"/>
-      <p:bold r:id="rId38"/>
-      <p:italic r:id="rId39"/>
-      <p:boldItalic r:id="rId40"/>
+      <p:regular r:id="rId40"/>
+      <p:bold r:id="rId41"/>
+      <p:italic r:id="rId42"/>
+      <p:boldItalic r:id="rId43"/>
     </p:embeddedFont>
     <p:embeddedFont>
       <p:font typeface="Open Sans" panose="020B0606030504020204" pitchFamily="34" charset="0"/>
-      <p:regular r:id="rId41"/>
-      <p:bold r:id="rId42"/>
-      <p:italic r:id="rId43"/>
-      <p:boldItalic r:id="rId44"/>
+      <p:regular r:id="rId44"/>
+      <p:bold r:id="rId45"/>
+      <p:italic r:id="rId46"/>
+      <p:boldItalic r:id="rId47"/>
     </p:embeddedFont>
     <p:embeddedFont>
       <p:font typeface="Open Sans Light" panose="020B0306030504020204" pitchFamily="34" charset="0"/>
-      <p:regular r:id="rId45"/>
-      <p:bold r:id="rId46"/>
-      <p:italic r:id="rId47"/>
-      <p:boldItalic r:id="rId48"/>
+      <p:regular r:id="rId48"/>
+      <p:bold r:id="rId49"/>
+      <p:italic r:id="rId50"/>
+      <p:boldItalic r:id="rId51"/>
     </p:embeddedFont>
     <p:embeddedFont>
       <p:font typeface="Source Code Pro" panose="020B0509030403020204" pitchFamily="49" charset="0"/>
-      <p:regular r:id="rId49"/>
-      <p:bold r:id="rId50"/>
-      <p:italic r:id="rId51"/>
-      <p:boldItalic r:id="rId52"/>
+      <p:regular r:id="rId52"/>
+      <p:bold r:id="rId53"/>
+      <p:italic r:id="rId54"/>
+      <p:boldItalic r:id="rId55"/>
     </p:embeddedFont>
   </p:embeddedFontLst>
   <p:defaultTextStyle>
@@ -862,114 +868,6 @@
   <p:cSld>
     <p:spTree>
       <p:nvGrpSpPr>
-        <p:cNvPr id="1" name="Shape 232"/>
-        <p:cNvGrpSpPr/>
-        <p:nvPr/>
-      </p:nvGrpSpPr>
-      <p:grpSpPr>
-        <a:xfrm>
-          <a:off x="0" y="0"/>
-          <a:ext cx="0" cy="0"/>
-          <a:chOff x="0" y="0"/>
-          <a:chExt cx="0" cy="0"/>
-        </a:xfrm>
-      </p:grpSpPr>
-      <p:sp>
-        <p:nvSpPr>
-          <p:cNvPr id="233" name="Google Shape;233;g62fb0d8af8_0_0:notes"/>
-          <p:cNvSpPr txBox="1">
-            <a:spLocks noGrp="1"/>
-          </p:cNvSpPr>
-          <p:nvPr>
-            <p:ph type="body" idx="1"/>
-          </p:nvPr>
-        </p:nvSpPr>
-        <p:spPr>
-          <a:xfrm>
-            <a:off x="914400" y="4343400"/>
-            <a:ext cx="5029200" cy="4114800"/>
-          </a:xfrm>
-          <a:prstGeom prst="rect">
-            <a:avLst/>
-          </a:prstGeom>
-          <a:noFill/>
-          <a:ln>
-            <a:noFill/>
-          </a:ln>
-        </p:spPr>
-        <p:txBody>
-          <a:bodyPr spcFirstLastPara="1" wrap="square" lIns="91425" tIns="91425" rIns="91425" bIns="91425" anchor="ctr" anchorCtr="0">
-            <a:noAutofit/>
-          </a:bodyPr>
-          <a:lstStyle/>
-          <a:p>
-            <a:pPr marL="0" lvl="0" indent="0" algn="l" rtl="0">
-              <a:spcBef>
-                <a:spcPts val="0"/>
-              </a:spcBef>
-              <a:spcAft>
-                <a:spcPts val="0"/>
-              </a:spcAft>
-              <a:buNone/>
-            </a:pPr>
-            <a:endParaRPr/>
-          </a:p>
-        </p:txBody>
-      </p:sp>
-      <p:sp>
-        <p:nvSpPr>
-          <p:cNvPr id="234" name="Google Shape;234;g62fb0d8af8_0_0:notes"/>
-          <p:cNvSpPr>
-            <a:spLocks noGrp="1" noRot="1" noChangeAspect="1"/>
-          </p:cNvSpPr>
-          <p:nvPr>
-            <p:ph type="sldImg" idx="2"/>
-          </p:nvPr>
-        </p:nvSpPr>
-        <p:spPr>
-          <a:xfrm>
-            <a:off x="2435369" y="685800"/>
-            <a:ext cx="1987200" cy="3429000"/>
-          </a:xfrm>
-          <a:custGeom>
-            <a:avLst/>
-            <a:gdLst/>
-            <a:ahLst/>
-            <a:cxnLst/>
-            <a:rect l="l" t="t" r="r" b="b"/>
-            <a:pathLst>
-              <a:path w="120000" h="120000" extrusionOk="0">
-                <a:moveTo>
-                  <a:pt x="0" y="0"/>
-                </a:moveTo>
-                <a:lnTo>
-                  <a:pt x="120000" y="0"/>
-                </a:lnTo>
-                <a:lnTo>
-                  <a:pt x="120000" y="120000"/>
-                </a:lnTo>
-                <a:lnTo>
-                  <a:pt x="0" y="120000"/>
-                </a:lnTo>
-                <a:close/>
-              </a:path>
-            </a:pathLst>
-          </a:custGeom>
-        </p:spPr>
-      </p:sp>
-    </p:spTree>
-  </p:cSld>
-  <p:clrMapOvr>
-    <a:masterClrMapping/>
-  </p:clrMapOvr>
-</p:notes>
-</file>
-
-<file path=ppt/notesSlides/notesSlide11.xml><?xml version="1.0" encoding="utf-8"?>
-<p:notes xmlns:a="http://schemas.openxmlformats.org/drawingml/2006/main" xmlns:r="http://schemas.openxmlformats.org/officeDocument/2006/relationships" xmlns:p="http://schemas.openxmlformats.org/presentationml/2006/main" showMasterSp="0" showMasterPhAnim="0">
-  <p:cSld>
-    <p:spTree>
-      <p:nvGrpSpPr>
         <p:cNvPr id="1" name="Shape 238"/>
         <p:cNvGrpSpPr/>
         <p:nvPr/>
@@ -1069,7 +967,7 @@
 </p:notes>
 </file>
 
-<file path=ppt/notesSlides/notesSlide12.xml><?xml version="1.0" encoding="utf-8"?>
+<file path=ppt/notesSlides/notesSlide11.xml><?xml version="1.0" encoding="utf-8"?>
 <p:notes xmlns:a="http://schemas.openxmlformats.org/drawingml/2006/main" xmlns:r="http://schemas.openxmlformats.org/officeDocument/2006/relationships" xmlns:p="http://schemas.openxmlformats.org/presentationml/2006/main" showMasterSp="0" showMasterPhAnim="0">
   <p:cSld>
     <p:spTree>
@@ -1173,7 +1071,7 @@
 </p:notes>
 </file>
 
-<file path=ppt/notesSlides/notesSlide13.xml><?xml version="1.0" encoding="utf-8"?>
+<file path=ppt/notesSlides/notesSlide12.xml><?xml version="1.0" encoding="utf-8"?>
 <p:notes xmlns:a="http://schemas.openxmlformats.org/drawingml/2006/main" xmlns:r="http://schemas.openxmlformats.org/officeDocument/2006/relationships" xmlns:p="http://schemas.openxmlformats.org/presentationml/2006/main" showMasterSp="0" showMasterPhAnim="0">
   <p:cSld>
     <p:spTree>
@@ -1277,7 +1175,7 @@
 </p:notes>
 </file>
 
-<file path=ppt/notesSlides/notesSlide14.xml><?xml version="1.0" encoding="utf-8"?>
+<file path=ppt/notesSlides/notesSlide13.xml><?xml version="1.0" encoding="utf-8"?>
 <p:notes xmlns:a="http://schemas.openxmlformats.org/drawingml/2006/main" xmlns:r="http://schemas.openxmlformats.org/officeDocument/2006/relationships" xmlns:p="http://schemas.openxmlformats.org/presentationml/2006/main" showMasterSp="0" showMasterPhAnim="0">
   <p:cSld>
     <p:spTree>
@@ -1381,7 +1279,7 @@
 </p:notes>
 </file>
 
-<file path=ppt/notesSlides/notesSlide15.xml><?xml version="1.0" encoding="utf-8"?>
+<file path=ppt/notesSlides/notesSlide14.xml><?xml version="1.0" encoding="utf-8"?>
 <p:notes xmlns:a="http://schemas.openxmlformats.org/drawingml/2006/main" xmlns:r="http://schemas.openxmlformats.org/officeDocument/2006/relationships" xmlns:p="http://schemas.openxmlformats.org/presentationml/2006/main" showMasterSp="0" showMasterPhAnim="0">
   <p:cSld>
     <p:spTree>
@@ -1489,7 +1387,7 @@
 </p:notes>
 </file>
 
-<file path=ppt/notesSlides/notesSlide16.xml><?xml version="1.0" encoding="utf-8"?>
+<file path=ppt/notesSlides/notesSlide15.xml><?xml version="1.0" encoding="utf-8"?>
 <p:notes xmlns:a="http://schemas.openxmlformats.org/drawingml/2006/main" xmlns:r="http://schemas.openxmlformats.org/officeDocument/2006/relationships" xmlns:p="http://schemas.openxmlformats.org/presentationml/2006/main" showMasterSp="0" showMasterPhAnim="0">
   <p:cSld>
     <p:spTree>
@@ -1593,7 +1491,7 @@
 </p:notes>
 </file>
 
-<file path=ppt/notesSlides/notesSlide17.xml><?xml version="1.0" encoding="utf-8"?>
+<file path=ppt/notesSlides/notesSlide16.xml><?xml version="1.0" encoding="utf-8"?>
 <p:notes xmlns:a="http://schemas.openxmlformats.org/drawingml/2006/main" xmlns:r="http://schemas.openxmlformats.org/officeDocument/2006/relationships" xmlns:p="http://schemas.openxmlformats.org/presentationml/2006/main" showMasterSp="0" showMasterPhAnim="0">
   <p:cSld>
     <p:spTree>
@@ -1697,7 +1595,7 @@
 </p:notes>
 </file>
 
-<file path=ppt/notesSlides/notesSlide18.xml><?xml version="1.0" encoding="utf-8"?>
+<file path=ppt/notesSlides/notesSlide17.xml><?xml version="1.0" encoding="utf-8"?>
 <p:notes xmlns:a="http://schemas.openxmlformats.org/drawingml/2006/main" xmlns:r="http://schemas.openxmlformats.org/officeDocument/2006/relationships" xmlns:p="http://schemas.openxmlformats.org/presentationml/2006/main" showMasterSp="0" showMasterPhAnim="0">
   <p:cSld>
     <p:spTree>
@@ -1801,7 +1699,7 @@
 </p:notes>
 </file>
 
-<file path=ppt/notesSlides/notesSlide19.xml><?xml version="1.0" encoding="utf-8"?>
+<file path=ppt/notesSlides/notesSlide18.xml><?xml version="1.0" encoding="utf-8"?>
 <p:notes xmlns:a="http://schemas.openxmlformats.org/drawingml/2006/main" xmlns:r="http://schemas.openxmlformats.org/officeDocument/2006/relationships" xmlns:p="http://schemas.openxmlformats.org/presentationml/2006/main" showMasterSp="0" showMasterPhAnim="0">
   <p:cSld>
     <p:spTree>
@@ -1905,111 +1803,7 @@
 </p:notes>
 </file>
 
-<file path=ppt/notesSlides/notesSlide2.xml><?xml version="1.0" encoding="utf-8"?>
-<p:notes xmlns:a="http://schemas.openxmlformats.org/drawingml/2006/main" xmlns:r="http://schemas.openxmlformats.org/officeDocument/2006/relationships" xmlns:p="http://schemas.openxmlformats.org/presentationml/2006/main" showMasterSp="0" showMasterPhAnim="0">
-  <p:cSld>
-    <p:spTree>
-      <p:nvGrpSpPr>
-        <p:cNvPr id="1" name="Shape 181"/>
-        <p:cNvGrpSpPr/>
-        <p:nvPr/>
-      </p:nvGrpSpPr>
-      <p:grpSpPr>
-        <a:xfrm>
-          <a:off x="0" y="0"/>
-          <a:ext cx="0" cy="0"/>
-          <a:chOff x="0" y="0"/>
-          <a:chExt cx="0" cy="0"/>
-        </a:xfrm>
-      </p:grpSpPr>
-      <p:sp>
-        <p:nvSpPr>
-          <p:cNvPr id="182" name="Google Shape;182;g3bbfcd4c3a_0_0:notes"/>
-          <p:cNvSpPr>
-            <a:spLocks noGrp="1" noRot="1" noChangeAspect="1"/>
-          </p:cNvSpPr>
-          <p:nvPr>
-            <p:ph type="sldImg" idx="2"/>
-          </p:nvPr>
-        </p:nvSpPr>
-        <p:spPr>
-          <a:xfrm>
-            <a:off x="2104459" y="685800"/>
-            <a:ext cx="2649600" cy="3429000"/>
-          </a:xfrm>
-          <a:custGeom>
-            <a:avLst/>
-            <a:gdLst/>
-            <a:ahLst/>
-            <a:cxnLst/>
-            <a:rect l="l" t="t" r="r" b="b"/>
-            <a:pathLst>
-              <a:path w="120000" h="120000" extrusionOk="0">
-                <a:moveTo>
-                  <a:pt x="0" y="0"/>
-                </a:moveTo>
-                <a:lnTo>
-                  <a:pt x="120000" y="0"/>
-                </a:lnTo>
-                <a:lnTo>
-                  <a:pt x="120000" y="120000"/>
-                </a:lnTo>
-                <a:lnTo>
-                  <a:pt x="0" y="120000"/>
-                </a:lnTo>
-                <a:close/>
-              </a:path>
-            </a:pathLst>
-          </a:custGeom>
-        </p:spPr>
-      </p:sp>
-      <p:sp>
-        <p:nvSpPr>
-          <p:cNvPr id="183" name="Google Shape;183;g3bbfcd4c3a_0_0:notes"/>
-          <p:cNvSpPr txBox="1">
-            <a:spLocks noGrp="1"/>
-          </p:cNvSpPr>
-          <p:nvPr>
-            <p:ph type="body" idx="1"/>
-          </p:nvPr>
-        </p:nvSpPr>
-        <p:spPr>
-          <a:xfrm>
-            <a:off x="685800" y="4343400"/>
-            <a:ext cx="5486400" cy="4114800"/>
-          </a:xfrm>
-          <a:prstGeom prst="rect">
-            <a:avLst/>
-          </a:prstGeom>
-        </p:spPr>
-        <p:txBody>
-          <a:bodyPr spcFirstLastPara="1" wrap="square" lIns="91425" tIns="91425" rIns="91425" bIns="91425" anchor="t" anchorCtr="0">
-            <a:noAutofit/>
-          </a:bodyPr>
-          <a:lstStyle/>
-          <a:p>
-            <a:pPr marL="0" lvl="0" indent="0" algn="l" rtl="0">
-              <a:spcBef>
-                <a:spcPts val="0"/>
-              </a:spcBef>
-              <a:spcAft>
-                <a:spcPts val="0"/>
-              </a:spcAft>
-              <a:buNone/>
-            </a:pPr>
-            <a:endParaRPr/>
-          </a:p>
-        </p:txBody>
-      </p:sp>
-    </p:spTree>
-  </p:cSld>
-  <p:clrMapOvr>
-    <a:masterClrMapping/>
-  </p:clrMapOvr>
-</p:notes>
-</file>
-
-<file path=ppt/notesSlides/notesSlide20.xml><?xml version="1.0" encoding="utf-8"?>
+<file path=ppt/notesSlides/notesSlide19.xml><?xml version="1.0" encoding="utf-8"?>
 <p:notes xmlns:a="http://schemas.openxmlformats.org/drawingml/2006/main" xmlns:r="http://schemas.openxmlformats.org/officeDocument/2006/relationships" xmlns:p="http://schemas.openxmlformats.org/presentationml/2006/main" showMasterSp="0" showMasterPhAnim="0">
   <p:cSld>
     <p:spTree>
@@ -2113,7 +1907,111 @@
 </p:notes>
 </file>
 
-<file path=ppt/notesSlides/notesSlide21.xml><?xml version="1.0" encoding="utf-8"?>
+<file path=ppt/notesSlides/notesSlide2.xml><?xml version="1.0" encoding="utf-8"?>
+<p:notes xmlns:a="http://schemas.openxmlformats.org/drawingml/2006/main" xmlns:r="http://schemas.openxmlformats.org/officeDocument/2006/relationships" xmlns:p="http://schemas.openxmlformats.org/presentationml/2006/main" showMasterSp="0" showMasterPhAnim="0">
+  <p:cSld>
+    <p:spTree>
+      <p:nvGrpSpPr>
+        <p:cNvPr id="1" name="Shape 189"/>
+        <p:cNvGrpSpPr/>
+        <p:nvPr/>
+      </p:nvGrpSpPr>
+      <p:grpSpPr>
+        <a:xfrm>
+          <a:off x="0" y="0"/>
+          <a:ext cx="0" cy="0"/>
+          <a:chOff x="0" y="0"/>
+          <a:chExt cx="0" cy="0"/>
+        </a:xfrm>
+      </p:grpSpPr>
+      <p:sp>
+        <p:nvSpPr>
+          <p:cNvPr id="190" name="Google Shape;190;g8d8c850c25_0_38:notes"/>
+          <p:cNvSpPr>
+            <a:spLocks noGrp="1" noRot="1" noChangeAspect="1"/>
+          </p:cNvSpPr>
+          <p:nvPr>
+            <p:ph type="sldImg" idx="2"/>
+          </p:nvPr>
+        </p:nvSpPr>
+        <p:spPr>
+          <a:xfrm>
+            <a:off x="2104459" y="685800"/>
+            <a:ext cx="2649600" cy="3429000"/>
+          </a:xfrm>
+          <a:custGeom>
+            <a:avLst/>
+            <a:gdLst/>
+            <a:ahLst/>
+            <a:cxnLst/>
+            <a:rect l="l" t="t" r="r" b="b"/>
+            <a:pathLst>
+              <a:path w="120000" h="120000" extrusionOk="0">
+                <a:moveTo>
+                  <a:pt x="0" y="0"/>
+                </a:moveTo>
+                <a:lnTo>
+                  <a:pt x="120000" y="0"/>
+                </a:lnTo>
+                <a:lnTo>
+                  <a:pt x="120000" y="120000"/>
+                </a:lnTo>
+                <a:lnTo>
+                  <a:pt x="0" y="120000"/>
+                </a:lnTo>
+                <a:close/>
+              </a:path>
+            </a:pathLst>
+          </a:custGeom>
+        </p:spPr>
+      </p:sp>
+      <p:sp>
+        <p:nvSpPr>
+          <p:cNvPr id="191" name="Google Shape;191;g8d8c850c25_0_38:notes"/>
+          <p:cNvSpPr txBox="1">
+            <a:spLocks noGrp="1"/>
+          </p:cNvSpPr>
+          <p:nvPr>
+            <p:ph type="body" idx="1"/>
+          </p:nvPr>
+        </p:nvSpPr>
+        <p:spPr>
+          <a:xfrm>
+            <a:off x="685800" y="4343400"/>
+            <a:ext cx="5486400" cy="4114800"/>
+          </a:xfrm>
+          <a:prstGeom prst="rect">
+            <a:avLst/>
+          </a:prstGeom>
+        </p:spPr>
+        <p:txBody>
+          <a:bodyPr spcFirstLastPara="1" wrap="square" lIns="91425" tIns="91425" rIns="91425" bIns="91425" anchor="t" anchorCtr="0">
+            <a:noAutofit/>
+          </a:bodyPr>
+          <a:lstStyle/>
+          <a:p>
+            <a:pPr marL="0" lvl="0" indent="0" algn="l" rtl="0">
+              <a:spcBef>
+                <a:spcPts val="0"/>
+              </a:spcBef>
+              <a:spcAft>
+                <a:spcPts val="0"/>
+              </a:spcAft>
+              <a:buNone/>
+            </a:pPr>
+            <a:endParaRPr/>
+          </a:p>
+        </p:txBody>
+      </p:sp>
+    </p:spTree>
+  </p:cSld>
+  <p:clrMapOvr>
+    <a:masterClrMapping/>
+  </p:clrMapOvr>
+</p:notes>
+</file>
+
+<file path=ppt/notesSlides/notesSlide20.xml><?xml version="1.0" encoding="utf-8"?>
 <p:notes xmlns:a="http://schemas.openxmlformats.org/drawingml/2006/main" xmlns:r="http://schemas.openxmlformats.org/officeDocument/2006/relationships" xmlns:p="http://schemas.openxmlformats.org/presentationml/2006/main" showMasterSp="0" showMasterPhAnim="0">
   <p:cSld>
     <p:spTree>
@@ -2217,7 +2115,7 @@
 </p:notes>
 </file>
 
-<file path=ppt/notesSlides/notesSlide22.xml><?xml version="1.0" encoding="utf-8"?>
+<file path=ppt/notesSlides/notesSlide21.xml><?xml version="1.0" encoding="utf-8"?>
 <p:notes xmlns:a="http://schemas.openxmlformats.org/drawingml/2006/main" xmlns:r="http://schemas.openxmlformats.org/officeDocument/2006/relationships" xmlns:p="http://schemas.openxmlformats.org/presentationml/2006/main" showMasterSp="0" showMasterPhAnim="0">
   <p:cSld>
     <p:spTree>
@@ -2321,7 +2219,7 @@
 </p:notes>
 </file>
 
-<file path=ppt/notesSlides/notesSlide23.xml><?xml version="1.0" encoding="utf-8"?>
+<file path=ppt/notesSlides/notesSlide22.xml><?xml version="1.0" encoding="utf-8"?>
 <p:notes xmlns:a="http://schemas.openxmlformats.org/drawingml/2006/main" xmlns:r="http://schemas.openxmlformats.org/officeDocument/2006/relationships" xmlns:p="http://schemas.openxmlformats.org/presentationml/2006/main" showMasterSp="0" showMasterPhAnim="0">
   <p:cSld>
     <p:spTree>
@@ -2425,7 +2323,7 @@
 </p:notes>
 </file>
 
-<file path=ppt/notesSlides/notesSlide24.xml><?xml version="1.0" encoding="utf-8"?>
+<file path=ppt/notesSlides/notesSlide23.xml><?xml version="1.0" encoding="utf-8"?>
 <p:notes xmlns:a="http://schemas.openxmlformats.org/drawingml/2006/main" xmlns:r="http://schemas.openxmlformats.org/officeDocument/2006/relationships" xmlns:p="http://schemas.openxmlformats.org/presentationml/2006/main" showMasterSp="0" showMasterPhAnim="0">
   <p:cSld>
     <p:spTree>
@@ -2454,8 +2352,8 @@
         </p:nvSpPr>
         <p:spPr>
           <a:xfrm>
-            <a:off x="2104459" y="685800"/>
-            <a:ext cx="2649600" cy="3429000"/>
+            <a:off x="2105025" y="685800"/>
+            <a:ext cx="2649538" cy="3429000"/>
           </a:xfrm>
           <a:custGeom>
             <a:avLst/>
@@ -2529,7 +2427,7 @@
 </p:notes>
 </file>
 
-<file path=ppt/notesSlides/notesSlide25.xml><?xml version="1.0" encoding="utf-8"?>
+<file path=ppt/notesSlides/notesSlide24.xml><?xml version="1.0" encoding="utf-8"?>
 <p:notes xmlns:a="http://schemas.openxmlformats.org/drawingml/2006/main" xmlns:r="http://schemas.openxmlformats.org/officeDocument/2006/relationships" xmlns:p="http://schemas.openxmlformats.org/presentationml/2006/main" showMasterSp="0" showMasterPhAnim="0">
   <p:cSld>
     <p:spTree>
@@ -2637,7 +2535,7 @@
 </p:notes>
 </file>
 
-<file path=ppt/notesSlides/notesSlide26.xml><?xml version="1.0" encoding="utf-8"?>
+<file path=ppt/notesSlides/notesSlide25.xml><?xml version="1.0" encoding="utf-8"?>
 <p:notes xmlns:a="http://schemas.openxmlformats.org/drawingml/2006/main" xmlns:r="http://schemas.openxmlformats.org/officeDocument/2006/relationships" xmlns:p="http://schemas.openxmlformats.org/presentationml/2006/main" showMasterSp="0" showMasterPhAnim="0">
   <p:cSld>
     <p:spTree>
@@ -2741,7 +2639,7 @@
 </p:notes>
 </file>
 
-<file path=ppt/notesSlides/notesSlide27.xml><?xml version="1.0" encoding="utf-8"?>
+<file path=ppt/notesSlides/notesSlide26.xml><?xml version="1.0" encoding="utf-8"?>
 <p:notes xmlns:a="http://schemas.openxmlformats.org/drawingml/2006/main" xmlns:r="http://schemas.openxmlformats.org/officeDocument/2006/relationships" xmlns:p="http://schemas.openxmlformats.org/presentationml/2006/main" showMasterSp="0" showMasterPhAnim="0">
   <p:cSld>
     <p:spTree>
@@ -2845,7 +2743,7 @@
 </p:notes>
 </file>
 
-<file path=ppt/notesSlides/notesSlide28.xml><?xml version="1.0" encoding="utf-8"?>
+<file path=ppt/notesSlides/notesSlide27.xml><?xml version="1.0" encoding="utf-8"?>
 <p:notes xmlns:a="http://schemas.openxmlformats.org/drawingml/2006/main" xmlns:r="http://schemas.openxmlformats.org/officeDocument/2006/relationships" xmlns:p="http://schemas.openxmlformats.org/presentationml/2006/main" showMasterSp="0" showMasterPhAnim="0">
   <p:cSld>
     <p:spTree>
@@ -2949,7 +2847,7 @@
 </p:notes>
 </file>
 
-<file path=ppt/notesSlides/notesSlide29.xml><?xml version="1.0" encoding="utf-8"?>
+<file path=ppt/notesSlides/notesSlide28.xml><?xml version="1.0" encoding="utf-8"?>
 <p:notes xmlns:a="http://schemas.openxmlformats.org/drawingml/2006/main" xmlns:r="http://schemas.openxmlformats.org/officeDocument/2006/relationships" xmlns:p="http://schemas.openxmlformats.org/presentationml/2006/main" showMasterSp="0" showMasterPhAnim="0">
   <p:cSld>
     <p:spTree>
@@ -3053,111 +2951,7 @@
 </p:notes>
 </file>
 
-<file path=ppt/notesSlides/notesSlide3.xml><?xml version="1.0" encoding="utf-8"?>
-<p:notes xmlns:a="http://schemas.openxmlformats.org/drawingml/2006/main" xmlns:r="http://schemas.openxmlformats.org/officeDocument/2006/relationships" xmlns:p="http://schemas.openxmlformats.org/presentationml/2006/main" showMasterSp="0" showMasterPhAnim="0">
-  <p:cSld>
-    <p:spTree>
-      <p:nvGrpSpPr>
-        <p:cNvPr id="1" name="Shape 189"/>
-        <p:cNvGrpSpPr/>
-        <p:nvPr/>
-      </p:nvGrpSpPr>
-      <p:grpSpPr>
-        <a:xfrm>
-          <a:off x="0" y="0"/>
-          <a:ext cx="0" cy="0"/>
-          <a:chOff x="0" y="0"/>
-          <a:chExt cx="0" cy="0"/>
-        </a:xfrm>
-      </p:grpSpPr>
-      <p:sp>
-        <p:nvSpPr>
-          <p:cNvPr id="190" name="Google Shape;190;g8d8c850c25_0_38:notes"/>
-          <p:cNvSpPr>
-            <a:spLocks noGrp="1" noRot="1" noChangeAspect="1"/>
-          </p:cNvSpPr>
-          <p:nvPr>
-            <p:ph type="sldImg" idx="2"/>
-          </p:nvPr>
-        </p:nvSpPr>
-        <p:spPr>
-          <a:xfrm>
-            <a:off x="2104459" y="685800"/>
-            <a:ext cx="2649600" cy="3429000"/>
-          </a:xfrm>
-          <a:custGeom>
-            <a:avLst/>
-            <a:gdLst/>
-            <a:ahLst/>
-            <a:cxnLst/>
-            <a:rect l="l" t="t" r="r" b="b"/>
-            <a:pathLst>
-              <a:path w="120000" h="120000" extrusionOk="0">
-                <a:moveTo>
-                  <a:pt x="0" y="0"/>
-                </a:moveTo>
-                <a:lnTo>
-                  <a:pt x="120000" y="0"/>
-                </a:lnTo>
-                <a:lnTo>
-                  <a:pt x="120000" y="120000"/>
-                </a:lnTo>
-                <a:lnTo>
-                  <a:pt x="0" y="120000"/>
-                </a:lnTo>
-                <a:close/>
-              </a:path>
-            </a:pathLst>
-          </a:custGeom>
-        </p:spPr>
-      </p:sp>
-      <p:sp>
-        <p:nvSpPr>
-          <p:cNvPr id="191" name="Google Shape;191;g8d8c850c25_0_38:notes"/>
-          <p:cNvSpPr txBox="1">
-            <a:spLocks noGrp="1"/>
-          </p:cNvSpPr>
-          <p:nvPr>
-            <p:ph type="body" idx="1"/>
-          </p:nvPr>
-        </p:nvSpPr>
-        <p:spPr>
-          <a:xfrm>
-            <a:off x="685800" y="4343400"/>
-            <a:ext cx="5486400" cy="4114800"/>
-          </a:xfrm>
-          <a:prstGeom prst="rect">
-            <a:avLst/>
-          </a:prstGeom>
-        </p:spPr>
-        <p:txBody>
-          <a:bodyPr spcFirstLastPara="1" wrap="square" lIns="91425" tIns="91425" rIns="91425" bIns="91425" anchor="t" anchorCtr="0">
-            <a:noAutofit/>
-          </a:bodyPr>
-          <a:lstStyle/>
-          <a:p>
-            <a:pPr marL="0" lvl="0" indent="0" algn="l" rtl="0">
-              <a:spcBef>
-                <a:spcPts val="0"/>
-              </a:spcBef>
-              <a:spcAft>
-                <a:spcPts val="0"/>
-              </a:spcAft>
-              <a:buNone/>
-            </a:pPr>
-            <a:endParaRPr/>
-          </a:p>
-        </p:txBody>
-      </p:sp>
-    </p:spTree>
-  </p:cSld>
-  <p:clrMapOvr>
-    <a:masterClrMapping/>
-  </p:clrMapOvr>
-</p:notes>
-</file>
-
-<file path=ppt/notesSlides/notesSlide30.xml><?xml version="1.0" encoding="utf-8"?>
+<file path=ppt/notesSlides/notesSlide29.xml><?xml version="1.0" encoding="utf-8"?>
 <p:notes xmlns:a="http://schemas.openxmlformats.org/drawingml/2006/main" xmlns:r="http://schemas.openxmlformats.org/officeDocument/2006/relationships" xmlns:p="http://schemas.openxmlformats.org/presentationml/2006/main" showMasterSp="0" showMasterPhAnim="0">
   <p:cSld>
     <p:spTree>
@@ -3265,7 +3059,115 @@
 </p:notes>
 </file>
 
-<file path=ppt/notesSlides/notesSlide31.xml><?xml version="1.0" encoding="utf-8"?>
+<file path=ppt/notesSlides/notesSlide3.xml><?xml version="1.0" encoding="utf-8"?>
+<p:notes xmlns:a="http://schemas.openxmlformats.org/drawingml/2006/main" xmlns:r="http://schemas.openxmlformats.org/officeDocument/2006/relationships" xmlns:p="http://schemas.openxmlformats.org/presentationml/2006/main" showMasterSp="0" showMasterPhAnim="0">
+  <p:cSld>
+    <p:spTree>
+      <p:nvGrpSpPr>
+        <p:cNvPr id="1" name="Shape 195"/>
+        <p:cNvGrpSpPr/>
+        <p:nvPr/>
+      </p:nvGrpSpPr>
+      <p:grpSpPr>
+        <a:xfrm>
+          <a:off x="0" y="0"/>
+          <a:ext cx="0" cy="0"/>
+          <a:chOff x="0" y="0"/>
+          <a:chExt cx="0" cy="0"/>
+        </a:xfrm>
+      </p:grpSpPr>
+      <p:sp>
+        <p:nvSpPr>
+          <p:cNvPr id="196" name="Google Shape;196;g8d8c850c25_0_33:notes"/>
+          <p:cNvSpPr txBox="1">
+            <a:spLocks noGrp="1"/>
+          </p:cNvSpPr>
+          <p:nvPr>
+            <p:ph type="body" idx="1"/>
+          </p:nvPr>
+        </p:nvSpPr>
+        <p:spPr>
+          <a:xfrm>
+            <a:off x="914400" y="4343400"/>
+            <a:ext cx="5029200" cy="4114800"/>
+          </a:xfrm>
+          <a:prstGeom prst="rect">
+            <a:avLst/>
+          </a:prstGeom>
+          <a:noFill/>
+          <a:ln>
+            <a:noFill/>
+          </a:ln>
+        </p:spPr>
+        <p:txBody>
+          <a:bodyPr spcFirstLastPara="1" wrap="square" lIns="91425" tIns="91425" rIns="91425" bIns="91425" anchor="ctr" anchorCtr="0">
+            <a:noAutofit/>
+          </a:bodyPr>
+          <a:lstStyle/>
+          <a:p>
+            <a:pPr marL="0" lvl="0" indent="0" algn="l" rtl="0">
+              <a:spcBef>
+                <a:spcPts val="0"/>
+              </a:spcBef>
+              <a:spcAft>
+                <a:spcPts val="0"/>
+              </a:spcAft>
+              <a:buNone/>
+            </a:pPr>
+            <a:endParaRPr/>
+          </a:p>
+        </p:txBody>
+      </p:sp>
+      <p:sp>
+        <p:nvSpPr>
+          <p:cNvPr id="197" name="Google Shape;197;g8d8c850c25_0_33:notes"/>
+          <p:cNvSpPr>
+            <a:spLocks noGrp="1" noRot="1" noChangeAspect="1"/>
+          </p:cNvSpPr>
+          <p:nvPr>
+            <p:ph type="sldImg" idx="2"/>
+          </p:nvPr>
+        </p:nvSpPr>
+        <p:spPr>
+          <a:xfrm>
+            <a:off x="2435369" y="685800"/>
+            <a:ext cx="1987200" cy="3429000"/>
+          </a:xfrm>
+          <a:custGeom>
+            <a:avLst/>
+            <a:gdLst/>
+            <a:ahLst/>
+            <a:cxnLst/>
+            <a:rect l="l" t="t" r="r" b="b"/>
+            <a:pathLst>
+              <a:path w="120000" h="120000" extrusionOk="0">
+                <a:moveTo>
+                  <a:pt x="0" y="0"/>
+                </a:moveTo>
+                <a:lnTo>
+                  <a:pt x="120000" y="0"/>
+                </a:lnTo>
+                <a:lnTo>
+                  <a:pt x="120000" y="120000"/>
+                </a:lnTo>
+                <a:lnTo>
+                  <a:pt x="0" y="120000"/>
+                </a:lnTo>
+                <a:close/>
+              </a:path>
+            </a:pathLst>
+          </a:custGeom>
+        </p:spPr>
+      </p:sp>
+    </p:spTree>
+  </p:cSld>
+  <p:clrMapOvr>
+    <a:masterClrMapping/>
+  </p:clrMapOvr>
+</p:notes>
+</file>
+
+<file path=ppt/notesSlides/notesSlide30.xml><?xml version="1.0" encoding="utf-8"?>
 <p:notes xmlns:a="http://schemas.openxmlformats.org/drawingml/2006/main" xmlns:r="http://schemas.openxmlformats.org/officeDocument/2006/relationships" xmlns:p="http://schemas.openxmlformats.org/presentationml/2006/main" showMasterSp="0" showMasterPhAnim="0">
   <p:cSld>
     <p:spTree>
@@ -3374,114 +3276,6 @@
   <p:cSld>
     <p:spTree>
       <p:nvGrpSpPr>
-        <p:cNvPr id="1" name="Shape 195"/>
-        <p:cNvGrpSpPr/>
-        <p:nvPr/>
-      </p:nvGrpSpPr>
-      <p:grpSpPr>
-        <a:xfrm>
-          <a:off x="0" y="0"/>
-          <a:ext cx="0" cy="0"/>
-          <a:chOff x="0" y="0"/>
-          <a:chExt cx="0" cy="0"/>
-        </a:xfrm>
-      </p:grpSpPr>
-      <p:sp>
-        <p:nvSpPr>
-          <p:cNvPr id="196" name="Google Shape;196;g8d8c850c25_0_33:notes"/>
-          <p:cNvSpPr txBox="1">
-            <a:spLocks noGrp="1"/>
-          </p:cNvSpPr>
-          <p:nvPr>
-            <p:ph type="body" idx="1"/>
-          </p:nvPr>
-        </p:nvSpPr>
-        <p:spPr>
-          <a:xfrm>
-            <a:off x="914400" y="4343400"/>
-            <a:ext cx="5029200" cy="4114800"/>
-          </a:xfrm>
-          <a:prstGeom prst="rect">
-            <a:avLst/>
-          </a:prstGeom>
-          <a:noFill/>
-          <a:ln>
-            <a:noFill/>
-          </a:ln>
-        </p:spPr>
-        <p:txBody>
-          <a:bodyPr spcFirstLastPara="1" wrap="square" lIns="91425" tIns="91425" rIns="91425" bIns="91425" anchor="ctr" anchorCtr="0">
-            <a:noAutofit/>
-          </a:bodyPr>
-          <a:lstStyle/>
-          <a:p>
-            <a:pPr marL="0" lvl="0" indent="0" algn="l" rtl="0">
-              <a:spcBef>
-                <a:spcPts val="0"/>
-              </a:spcBef>
-              <a:spcAft>
-                <a:spcPts val="0"/>
-              </a:spcAft>
-              <a:buNone/>
-            </a:pPr>
-            <a:endParaRPr/>
-          </a:p>
-        </p:txBody>
-      </p:sp>
-      <p:sp>
-        <p:nvSpPr>
-          <p:cNvPr id="197" name="Google Shape;197;g8d8c850c25_0_33:notes"/>
-          <p:cNvSpPr>
-            <a:spLocks noGrp="1" noRot="1" noChangeAspect="1"/>
-          </p:cNvSpPr>
-          <p:nvPr>
-            <p:ph type="sldImg" idx="2"/>
-          </p:nvPr>
-        </p:nvSpPr>
-        <p:spPr>
-          <a:xfrm>
-            <a:off x="2435369" y="685800"/>
-            <a:ext cx="1987200" cy="3429000"/>
-          </a:xfrm>
-          <a:custGeom>
-            <a:avLst/>
-            <a:gdLst/>
-            <a:ahLst/>
-            <a:cxnLst/>
-            <a:rect l="l" t="t" r="r" b="b"/>
-            <a:pathLst>
-              <a:path w="120000" h="120000" extrusionOk="0">
-                <a:moveTo>
-                  <a:pt x="0" y="0"/>
-                </a:moveTo>
-                <a:lnTo>
-                  <a:pt x="120000" y="0"/>
-                </a:lnTo>
-                <a:lnTo>
-                  <a:pt x="120000" y="120000"/>
-                </a:lnTo>
-                <a:lnTo>
-                  <a:pt x="0" y="120000"/>
-                </a:lnTo>
-                <a:close/>
-              </a:path>
-            </a:pathLst>
-          </a:custGeom>
-        </p:spPr>
-      </p:sp>
-    </p:spTree>
-  </p:cSld>
-  <p:clrMapOvr>
-    <a:masterClrMapping/>
-  </p:clrMapOvr>
-</p:notes>
-</file>
-
-<file path=ppt/notesSlides/notesSlide5.xml><?xml version="1.0" encoding="utf-8"?>
-<p:notes xmlns:a="http://schemas.openxmlformats.org/drawingml/2006/main" xmlns:r="http://schemas.openxmlformats.org/officeDocument/2006/relationships" xmlns:p="http://schemas.openxmlformats.org/presentationml/2006/main" showMasterSp="0" showMasterPhAnim="0">
-  <p:cSld>
-    <p:spTree>
-      <p:nvGrpSpPr>
         <p:cNvPr id="1" name="Shape 202"/>
         <p:cNvGrpSpPr/>
         <p:nvPr/>
@@ -3581,7 +3375,7 @@
 </p:notes>
 </file>
 
-<file path=ppt/notesSlides/notesSlide6.xml><?xml version="1.0" encoding="utf-8"?>
+<file path=ppt/notesSlides/notesSlide5.xml><?xml version="1.0" encoding="utf-8"?>
 <p:notes xmlns:a="http://schemas.openxmlformats.org/drawingml/2006/main" xmlns:r="http://schemas.openxmlformats.org/officeDocument/2006/relationships" xmlns:p="http://schemas.openxmlformats.org/presentationml/2006/main" showMasterSp="0" showMasterPhAnim="0">
   <p:cSld>
     <p:spTree>
@@ -3685,7 +3479,7 @@
 </p:notes>
 </file>
 
-<file path=ppt/notesSlides/notesSlide7.xml><?xml version="1.0" encoding="utf-8"?>
+<file path=ppt/notesSlides/notesSlide6.xml><?xml version="1.0" encoding="utf-8"?>
 <p:notes xmlns:a="http://schemas.openxmlformats.org/drawingml/2006/main" xmlns:r="http://schemas.openxmlformats.org/officeDocument/2006/relationships" xmlns:p="http://schemas.openxmlformats.org/presentationml/2006/main" showMasterSp="0" showMasterPhAnim="0">
   <p:cSld>
     <p:spTree>
@@ -3789,7 +3583,7 @@
 </p:notes>
 </file>
 
-<file path=ppt/notesSlides/notesSlide8.xml><?xml version="1.0" encoding="utf-8"?>
+<file path=ppt/notesSlides/notesSlide7.xml><?xml version="1.0" encoding="utf-8"?>
 <p:notes xmlns:a="http://schemas.openxmlformats.org/drawingml/2006/main" xmlns:r="http://schemas.openxmlformats.org/officeDocument/2006/relationships" xmlns:p="http://schemas.openxmlformats.org/presentationml/2006/main" showMasterSp="0" showMasterPhAnim="0">
   <p:cSld>
     <p:spTree>
@@ -3893,7 +3687,7 @@
 </p:notes>
 </file>
 
-<file path=ppt/notesSlides/notesSlide9.xml><?xml version="1.0" encoding="utf-8"?>
+<file path=ppt/notesSlides/notesSlide8.xml><?xml version="1.0" encoding="utf-8"?>
 <p:notes xmlns:a="http://schemas.openxmlformats.org/drawingml/2006/main" xmlns:r="http://schemas.openxmlformats.org/officeDocument/2006/relationships" xmlns:p="http://schemas.openxmlformats.org/presentationml/2006/main" showMasterSp="0" showMasterPhAnim="0">
   <p:cSld>
     <p:spTree>
@@ -3988,6 +3782,114 @@
             <a:endParaRPr/>
           </a:p>
         </p:txBody>
+      </p:sp>
+    </p:spTree>
+  </p:cSld>
+  <p:clrMapOvr>
+    <a:masterClrMapping/>
+  </p:clrMapOvr>
+</p:notes>
+</file>
+
+<file path=ppt/notesSlides/notesSlide9.xml><?xml version="1.0" encoding="utf-8"?>
+<p:notes xmlns:a="http://schemas.openxmlformats.org/drawingml/2006/main" xmlns:r="http://schemas.openxmlformats.org/officeDocument/2006/relationships" xmlns:p="http://schemas.openxmlformats.org/presentationml/2006/main" showMasterSp="0" showMasterPhAnim="0">
+  <p:cSld>
+    <p:spTree>
+      <p:nvGrpSpPr>
+        <p:cNvPr id="1" name="Shape 232"/>
+        <p:cNvGrpSpPr/>
+        <p:nvPr/>
+      </p:nvGrpSpPr>
+      <p:grpSpPr>
+        <a:xfrm>
+          <a:off x="0" y="0"/>
+          <a:ext cx="0" cy="0"/>
+          <a:chOff x="0" y="0"/>
+          <a:chExt cx="0" cy="0"/>
+        </a:xfrm>
+      </p:grpSpPr>
+      <p:sp>
+        <p:nvSpPr>
+          <p:cNvPr id="233" name="Google Shape;233;g62fb0d8af8_0_0:notes"/>
+          <p:cNvSpPr txBox="1">
+            <a:spLocks noGrp="1"/>
+          </p:cNvSpPr>
+          <p:nvPr>
+            <p:ph type="body" idx="1"/>
+          </p:nvPr>
+        </p:nvSpPr>
+        <p:spPr>
+          <a:xfrm>
+            <a:off x="914400" y="4343400"/>
+            <a:ext cx="5029200" cy="4114800"/>
+          </a:xfrm>
+          <a:prstGeom prst="rect">
+            <a:avLst/>
+          </a:prstGeom>
+          <a:noFill/>
+          <a:ln>
+            <a:noFill/>
+          </a:ln>
+        </p:spPr>
+        <p:txBody>
+          <a:bodyPr spcFirstLastPara="1" wrap="square" lIns="91425" tIns="91425" rIns="91425" bIns="91425" anchor="ctr" anchorCtr="0">
+            <a:noAutofit/>
+          </a:bodyPr>
+          <a:lstStyle/>
+          <a:p>
+            <a:pPr marL="0" lvl="0" indent="0" algn="l" rtl="0">
+              <a:spcBef>
+                <a:spcPts val="0"/>
+              </a:spcBef>
+              <a:spcAft>
+                <a:spcPts val="0"/>
+              </a:spcAft>
+              <a:buNone/>
+            </a:pPr>
+            <a:endParaRPr/>
+          </a:p>
+        </p:txBody>
+      </p:sp>
+      <p:sp>
+        <p:nvSpPr>
+          <p:cNvPr id="234" name="Google Shape;234;g62fb0d8af8_0_0:notes"/>
+          <p:cNvSpPr>
+            <a:spLocks noGrp="1" noRot="1" noChangeAspect="1"/>
+          </p:cNvSpPr>
+          <p:nvPr>
+            <p:ph type="sldImg" idx="2"/>
+          </p:nvPr>
+        </p:nvSpPr>
+        <p:spPr>
+          <a:xfrm>
+            <a:off x="2435369" y="685800"/>
+            <a:ext cx="1987200" cy="3429000"/>
+          </a:xfrm>
+          <a:custGeom>
+            <a:avLst/>
+            <a:gdLst/>
+            <a:ahLst/>
+            <a:cxnLst/>
+            <a:rect l="l" t="t" r="r" b="b"/>
+            <a:pathLst>
+              <a:path w="120000" h="120000" extrusionOk="0">
+                <a:moveTo>
+                  <a:pt x="0" y="0"/>
+                </a:moveTo>
+                <a:lnTo>
+                  <a:pt x="120000" y="0"/>
+                </a:lnTo>
+                <a:lnTo>
+                  <a:pt x="120000" y="120000"/>
+                </a:lnTo>
+                <a:lnTo>
+                  <a:pt x="0" y="120000"/>
+                </a:lnTo>
+                <a:close/>
+              </a:path>
+            </a:pathLst>
+          </a:custGeom>
+        </p:spPr>
       </p:sp>
     </p:spTree>
   </p:cSld>
@@ -28066,198 +27968,6 @@
 <file path=ppt/slides/slide10.xml><?xml version="1.0" encoding="utf-8"?>
 <p:sld xmlns:a="http://schemas.openxmlformats.org/drawingml/2006/main" xmlns:r="http://schemas.openxmlformats.org/officeDocument/2006/relationships" xmlns:p="http://schemas.openxmlformats.org/presentationml/2006/main">
   <p:cSld>
-    <p:bg>
-      <p:bgPr>
-        <a:solidFill>
-          <a:srgbClr val="02B4E5"/>
-        </a:solidFill>
-        <a:effectLst/>
-      </p:bgPr>
-    </p:bg>
-    <p:spTree>
-      <p:nvGrpSpPr>
-        <p:cNvPr id="1" name="Shape 235"/>
-        <p:cNvGrpSpPr/>
-        <p:nvPr/>
-      </p:nvGrpSpPr>
-      <p:grpSpPr>
-        <a:xfrm>
-          <a:off x="0" y="0"/>
-          <a:ext cx="0" cy="0"/>
-          <a:chOff x="0" y="0"/>
-          <a:chExt cx="0" cy="0"/>
-        </a:xfrm>
-      </p:grpSpPr>
-      <p:sp>
-        <p:nvSpPr>
-          <p:cNvPr id="236" name="Google Shape;236;p60"/>
-          <p:cNvSpPr/>
-          <p:nvPr/>
-        </p:nvSpPr>
-        <p:spPr>
-          <a:xfrm>
-            <a:off x="1807121" y="4003549"/>
-            <a:ext cx="4158000" cy="2460000"/>
-          </a:xfrm>
-          <a:prstGeom prst="rect">
-            <a:avLst/>
-          </a:prstGeom>
-          <a:noFill/>
-          <a:ln>
-            <a:noFill/>
-          </a:ln>
-        </p:spPr>
-        <p:txBody>
-          <a:bodyPr spcFirstLastPara="1" wrap="square" lIns="26775" tIns="26775" rIns="26775" bIns="26775" anchor="t" anchorCtr="0">
-            <a:noAutofit/>
-          </a:bodyPr>
-          <a:lstStyle/>
-          <a:p>
-            <a:pPr marL="0" marR="0" lvl="0" indent="0" algn="ctr" rtl="0">
-              <a:lnSpc>
-                <a:spcPct val="150000"/>
-              </a:lnSpc>
-              <a:spcBef>
-                <a:spcPts val="0"/>
-              </a:spcBef>
-              <a:spcAft>
-                <a:spcPts val="0"/>
-              </a:spcAft>
-              <a:buClr>
-                <a:srgbClr val="FFFFFF"/>
-              </a:buClr>
-              <a:buFont typeface="Open Sans"/>
-              <a:buNone/>
-            </a:pPr>
-            <a:r>
-              <a:rPr lang="en" sz="3000" b="1">
-                <a:solidFill>
-                  <a:srgbClr val="FFFFFF"/>
-                </a:solidFill>
-                <a:latin typeface="Open Sans"/>
-                <a:ea typeface="Open Sans"/>
-                <a:cs typeface="Open Sans"/>
-                <a:sym typeface="Open Sans"/>
-              </a:rPr>
-              <a:t>Step 2</a:t>
-            </a:r>
-            <a:endParaRPr sz="3000" b="1">
-              <a:solidFill>
-                <a:srgbClr val="FFFFFF"/>
-              </a:solidFill>
-              <a:latin typeface="Open Sans"/>
-              <a:ea typeface="Open Sans"/>
-              <a:cs typeface="Open Sans"/>
-              <a:sym typeface="Open Sans"/>
-            </a:endParaRPr>
-          </a:p>
-          <a:p>
-            <a:pPr marL="0" marR="0" lvl="0" indent="0" algn="ctr" rtl="0">
-              <a:lnSpc>
-                <a:spcPct val="150000"/>
-              </a:lnSpc>
-              <a:spcBef>
-                <a:spcPts val="0"/>
-              </a:spcBef>
-              <a:spcAft>
-                <a:spcPts val="0"/>
-              </a:spcAft>
-              <a:buClr>
-                <a:srgbClr val="FFFFFF"/>
-              </a:buClr>
-              <a:buFont typeface="Open Sans"/>
-              <a:buNone/>
-            </a:pPr>
-            <a:r>
-              <a:rPr lang="en" sz="3000">
-                <a:solidFill>
-                  <a:srgbClr val="FFFFFF"/>
-                </a:solidFill>
-                <a:latin typeface="Open Sans"/>
-                <a:ea typeface="Open Sans"/>
-                <a:cs typeface="Open Sans"/>
-                <a:sym typeface="Open Sans"/>
-              </a:rPr>
-              <a:t>Relational Database Design</a:t>
-            </a:r>
-            <a:endParaRPr sz="3000">
-              <a:solidFill>
-                <a:srgbClr val="FFFFFF"/>
-              </a:solidFill>
-              <a:latin typeface="Open Sans"/>
-              <a:ea typeface="Open Sans"/>
-              <a:cs typeface="Open Sans"/>
-              <a:sym typeface="Open Sans"/>
-            </a:endParaRPr>
-          </a:p>
-        </p:txBody>
-      </p:sp>
-      <p:sp>
-        <p:nvSpPr>
-          <p:cNvPr id="237" name="Google Shape;237;p60"/>
-          <p:cNvSpPr/>
-          <p:nvPr/>
-        </p:nvSpPr>
-        <p:spPr>
-          <a:xfrm>
-            <a:off x="3582591" y="3663029"/>
-            <a:ext cx="607200" cy="74400"/>
-          </a:xfrm>
-          <a:prstGeom prst="rect">
-            <a:avLst/>
-          </a:prstGeom>
-          <a:solidFill>
-            <a:schemeClr val="lt1"/>
-          </a:solidFill>
-          <a:ln>
-            <a:noFill/>
-          </a:ln>
-        </p:spPr>
-        <p:txBody>
-          <a:bodyPr spcFirstLastPara="1" wrap="square" lIns="26775" tIns="26775" rIns="26775" bIns="26775" anchor="ctr" anchorCtr="0">
-            <a:noAutofit/>
-          </a:bodyPr>
-          <a:lstStyle/>
-          <a:p>
-            <a:pPr marL="0" marR="0" lvl="0" indent="0" algn="ctr" rtl="0">
-              <a:lnSpc>
-                <a:spcPct val="100000"/>
-              </a:lnSpc>
-              <a:spcBef>
-                <a:spcPts val="0"/>
-              </a:spcBef>
-              <a:spcAft>
-                <a:spcPts val="0"/>
-              </a:spcAft>
-              <a:buClr>
-                <a:srgbClr val="FFFFFF"/>
-              </a:buClr>
-              <a:buFont typeface="Helvetica Neue"/>
-              <a:buNone/>
-            </a:pPr>
-            <a:endParaRPr sz="1200" b="0" i="0" u="none" strike="noStrike" cap="none">
-              <a:solidFill>
-                <a:srgbClr val="02B4E5"/>
-              </a:solidFill>
-              <a:latin typeface="Helvetica Neue"/>
-              <a:ea typeface="Helvetica Neue"/>
-              <a:cs typeface="Helvetica Neue"/>
-              <a:sym typeface="Helvetica Neue"/>
-            </a:endParaRPr>
-          </a:p>
-        </p:txBody>
-      </p:sp>
-    </p:spTree>
-  </p:cSld>
-  <p:clrMapOvr>
-    <a:masterClrMapping/>
-  </p:clrMapOvr>
-</p:sld>
-</file>
-
-<file path=ppt/slides/slide11.xml><?xml version="1.0" encoding="utf-8"?>
-<p:sld xmlns:a="http://schemas.openxmlformats.org/drawingml/2006/main" xmlns:r="http://schemas.openxmlformats.org/officeDocument/2006/relationships" xmlns:p="http://schemas.openxmlformats.org/presentationml/2006/main">
-  <p:cSld>
     <p:spTree>
       <p:nvGrpSpPr>
         <p:cNvPr id="1" name="Shape 241"/>
@@ -28571,7 +28281,7 @@
 </p:sld>
 </file>
 
-<file path=ppt/slides/slide12.xml><?xml version="1.0" encoding="utf-8"?>
+<file path=ppt/slides/slide11.xml><?xml version="1.0" encoding="utf-8"?>
 <p:sld xmlns:a="http://schemas.openxmlformats.org/drawingml/2006/main" xmlns:r="http://schemas.openxmlformats.org/officeDocument/2006/relationships" xmlns:p="http://schemas.openxmlformats.org/presentationml/2006/main">
   <p:cSld>
     <p:spTree>
@@ -28873,7 +28583,7 @@
 </p:sld>
 </file>
 
-<file path=ppt/slides/slide13.xml><?xml version="1.0" encoding="utf-8"?>
+<file path=ppt/slides/slide12.xml><?xml version="1.0" encoding="utf-8"?>
 <p:sld xmlns:a="http://schemas.openxmlformats.org/drawingml/2006/main" xmlns:r="http://schemas.openxmlformats.org/officeDocument/2006/relationships" xmlns:p="http://schemas.openxmlformats.org/presentationml/2006/main">
   <p:cSld>
     <p:spTree>
@@ -29214,7 +28924,7 @@
 </p:sld>
 </file>
 
-<file path=ppt/slides/slide14.xml><?xml version="1.0" encoding="utf-8"?>
+<file path=ppt/slides/slide13.xml><?xml version="1.0" encoding="utf-8"?>
 <p:sld xmlns:a="http://schemas.openxmlformats.org/drawingml/2006/main" xmlns:r="http://schemas.openxmlformats.org/officeDocument/2006/relationships" xmlns:p="http://schemas.openxmlformats.org/presentationml/2006/main">
   <p:cSld>
     <p:spTree>
@@ -29429,7 +29139,7 @@
 </p:sld>
 </file>
 
-<file path=ppt/slides/slide15.xml><?xml version="1.0" encoding="utf-8"?>
+<file path=ppt/slides/slide14.xml><?xml version="1.0" encoding="utf-8"?>
 <p:sld xmlns:a="http://schemas.openxmlformats.org/drawingml/2006/main" xmlns:r="http://schemas.openxmlformats.org/officeDocument/2006/relationships" xmlns:p="http://schemas.openxmlformats.org/presentationml/2006/main">
   <p:cSld>
     <p:bg>
@@ -29621,7 +29331,7 @@
 </p:sld>
 </file>
 
-<file path=ppt/slides/slide16.xml><?xml version="1.0" encoding="utf-8"?>
+<file path=ppt/slides/slide15.xml><?xml version="1.0" encoding="utf-8"?>
 <p:sld xmlns:a="http://schemas.openxmlformats.org/drawingml/2006/main" xmlns:r="http://schemas.openxmlformats.org/officeDocument/2006/relationships" xmlns:p="http://schemas.openxmlformats.org/presentationml/2006/main">
   <p:cSld>
     <p:spTree>
@@ -30498,7 +30208,7 @@
 </p:sld>
 </file>
 
-<file path=ppt/slides/slide17.xml><?xml version="1.0" encoding="utf-8"?>
+<file path=ppt/slides/slide16.xml><?xml version="1.0" encoding="utf-8"?>
 <p:sld xmlns:a="http://schemas.openxmlformats.org/drawingml/2006/main" xmlns:r="http://schemas.openxmlformats.org/officeDocument/2006/relationships" xmlns:p="http://schemas.openxmlformats.org/presentationml/2006/main">
   <p:cSld>
     <p:spTree>
@@ -30818,7 +30528,7 @@
                 <a:cs typeface="Open Sans"/>
                 <a:sym typeface="Open Sans"/>
               </a:rPr>
-              <a:t>Remember to submit the related SQL file as well, not just a screenshot (replace the below screenshot).</a:t>
+              <a:t> the below screenshot).</a:t>
             </a:r>
             <a:endParaRPr sz="1350" dirty="0">
               <a:solidFill>
@@ -30921,7 +30631,7 @@
 </p:sld>
 </file>
 
-<file path=ppt/slides/slide18.xml><?xml version="1.0" encoding="utf-8"?>
+<file path=ppt/slides/slide17.xml><?xml version="1.0" encoding="utf-8"?>
 <p:sld xmlns:a="http://schemas.openxmlformats.org/drawingml/2006/main" xmlns:r="http://schemas.openxmlformats.org/officeDocument/2006/relationships" xmlns:p="http://schemas.openxmlformats.org/presentationml/2006/main">
   <p:cSld>
     <p:spTree>
@@ -31037,12 +30747,466 @@
               </a:rPr>
               <a:t>Question 1: Return a list of employees with Job Titles and Department Names</a:t>
             </a:r>
+          </a:p>
+          <a:p>
+            <a:pPr marL="107950" lvl="0" indent="0" algn="l" rtl="0">
+              <a:spcBef>
+                <a:spcPts val="1600"/>
+              </a:spcBef>
+              <a:spcAft>
+                <a:spcPts val="0"/>
+              </a:spcAft>
+              <a:buSzPts val="1900"/>
+              <a:buNone/>
+            </a:pPr>
             <a:endParaRPr sz="1900" b="1" dirty="0">
               <a:latin typeface="Open Sans"/>
               <a:ea typeface="Open Sans"/>
               <a:cs typeface="Open Sans"/>
               <a:sym typeface="Open Sans"/>
             </a:endParaRPr>
+          </a:p>
+          <a:p>
+            <a:pPr marL="38100" indent="0">
+              <a:buNone/>
+            </a:pPr>
+            <a:r>
+              <a:rPr lang="en-NZ" sz="1200" b="0" dirty="0">
+                <a:solidFill>
+                  <a:srgbClr val="569CD6"/>
+                </a:solidFill>
+                <a:effectLst/>
+                <a:highlight>
+                  <a:srgbClr val="000000"/>
+                </a:highlight>
+                <a:latin typeface="Consolas" panose="020B0609020204030204" pitchFamily="49" charset="0"/>
+              </a:rPr>
+              <a:t>SELECT</a:t>
+            </a:r>
+            <a:r>
+              <a:rPr lang="en-NZ" sz="1200" b="0" dirty="0">
+                <a:solidFill>
+                  <a:srgbClr val="D4D4D4"/>
+                </a:solidFill>
+                <a:effectLst/>
+                <a:highlight>
+                  <a:srgbClr val="000000"/>
+                </a:highlight>
+                <a:latin typeface="Consolas" panose="020B0609020204030204" pitchFamily="49" charset="0"/>
+              </a:rPr>
+              <a:t> e.name, </a:t>
+            </a:r>
+            <a:r>
+              <a:rPr lang="en-NZ" sz="1200" b="0" dirty="0" err="1">
+                <a:solidFill>
+                  <a:srgbClr val="D4D4D4"/>
+                </a:solidFill>
+                <a:effectLst/>
+                <a:highlight>
+                  <a:srgbClr val="000000"/>
+                </a:highlight>
+                <a:latin typeface="Consolas" panose="020B0609020204030204" pitchFamily="49" charset="0"/>
+              </a:rPr>
+              <a:t>t.title</a:t>
+            </a:r>
+            <a:r>
+              <a:rPr lang="en-NZ" sz="1200" b="0" dirty="0">
+                <a:solidFill>
+                  <a:srgbClr val="D4D4D4"/>
+                </a:solidFill>
+                <a:effectLst/>
+                <a:highlight>
+                  <a:srgbClr val="000000"/>
+                </a:highlight>
+                <a:latin typeface="Consolas" panose="020B0609020204030204" pitchFamily="49" charset="0"/>
+              </a:rPr>
+              <a:t>, d.name</a:t>
+            </a:r>
+          </a:p>
+          <a:p>
+            <a:pPr marL="38100" indent="0">
+              <a:buNone/>
+            </a:pPr>
+            <a:r>
+              <a:rPr lang="en-NZ" sz="1200" b="0" dirty="0">
+                <a:solidFill>
+                  <a:srgbClr val="569CD6"/>
+                </a:solidFill>
+                <a:effectLst/>
+                <a:highlight>
+                  <a:srgbClr val="000000"/>
+                </a:highlight>
+                <a:latin typeface="Consolas" panose="020B0609020204030204" pitchFamily="49" charset="0"/>
+              </a:rPr>
+              <a:t>FROM</a:t>
+            </a:r>
+            <a:r>
+              <a:rPr lang="en-NZ" sz="1200" b="0" dirty="0">
+                <a:solidFill>
+                  <a:srgbClr val="D4D4D4"/>
+                </a:solidFill>
+                <a:effectLst/>
+                <a:highlight>
+                  <a:srgbClr val="000000"/>
+                </a:highlight>
+                <a:latin typeface="Consolas" panose="020B0609020204030204" pitchFamily="49" charset="0"/>
+              </a:rPr>
+              <a:t> Employee e</a:t>
+            </a:r>
+          </a:p>
+          <a:p>
+            <a:pPr marL="38100" indent="0">
+              <a:buNone/>
+            </a:pPr>
+            <a:r>
+              <a:rPr lang="en-NZ" sz="1200" b="0" dirty="0">
+                <a:solidFill>
+                  <a:srgbClr val="569CD6"/>
+                </a:solidFill>
+                <a:effectLst/>
+                <a:highlight>
+                  <a:srgbClr val="000000"/>
+                </a:highlight>
+                <a:latin typeface="Consolas" panose="020B0609020204030204" pitchFamily="49" charset="0"/>
+              </a:rPr>
+              <a:t>LEFT JOIN</a:t>
+            </a:r>
+            <a:r>
+              <a:rPr lang="en-NZ" sz="1200" b="0" dirty="0">
+                <a:solidFill>
+                  <a:srgbClr val="D4D4D4"/>
+                </a:solidFill>
+                <a:effectLst/>
+                <a:highlight>
+                  <a:srgbClr val="000000"/>
+                </a:highlight>
+                <a:latin typeface="Consolas" panose="020B0609020204030204" pitchFamily="49" charset="0"/>
+              </a:rPr>
+              <a:t> </a:t>
+            </a:r>
+            <a:r>
+              <a:rPr lang="en-NZ" sz="1200" b="0" dirty="0" err="1">
+                <a:solidFill>
+                  <a:srgbClr val="D4D4D4"/>
+                </a:solidFill>
+                <a:effectLst/>
+                <a:highlight>
+                  <a:srgbClr val="000000"/>
+                </a:highlight>
+                <a:latin typeface="Consolas" panose="020B0609020204030204" pitchFamily="49" charset="0"/>
+              </a:rPr>
+              <a:t>Job_History</a:t>
+            </a:r>
+            <a:r>
+              <a:rPr lang="en-NZ" sz="1200" b="0" dirty="0">
+                <a:solidFill>
+                  <a:srgbClr val="D4D4D4"/>
+                </a:solidFill>
+                <a:effectLst/>
+                <a:highlight>
+                  <a:srgbClr val="000000"/>
+                </a:highlight>
+                <a:latin typeface="Consolas" panose="020B0609020204030204" pitchFamily="49" charset="0"/>
+              </a:rPr>
+              <a:t> j</a:t>
+            </a:r>
+          </a:p>
+          <a:p>
+            <a:pPr marL="38100" indent="0">
+              <a:buNone/>
+            </a:pPr>
+            <a:r>
+              <a:rPr lang="en-NZ" sz="1200" b="0" dirty="0">
+                <a:solidFill>
+                  <a:srgbClr val="D4D4D4"/>
+                </a:solidFill>
+                <a:effectLst/>
+                <a:highlight>
+                  <a:srgbClr val="000000"/>
+                </a:highlight>
+                <a:latin typeface="Consolas" panose="020B0609020204030204" pitchFamily="49" charset="0"/>
+              </a:rPr>
+              <a:t>    </a:t>
+            </a:r>
+            <a:r>
+              <a:rPr lang="en-NZ" sz="1200" b="0" dirty="0">
+                <a:solidFill>
+                  <a:srgbClr val="569CD6"/>
+                </a:solidFill>
+                <a:effectLst/>
+                <a:highlight>
+                  <a:srgbClr val="000000"/>
+                </a:highlight>
+                <a:latin typeface="Consolas" panose="020B0609020204030204" pitchFamily="49" charset="0"/>
+              </a:rPr>
+              <a:t>ON</a:t>
+            </a:r>
+            <a:r>
+              <a:rPr lang="en-NZ" sz="1200" b="0" dirty="0">
+                <a:solidFill>
+                  <a:srgbClr val="D4D4D4"/>
+                </a:solidFill>
+                <a:effectLst/>
+                <a:highlight>
+                  <a:srgbClr val="000000"/>
+                </a:highlight>
+                <a:latin typeface="Consolas" panose="020B0609020204030204" pitchFamily="49" charset="0"/>
+              </a:rPr>
+              <a:t> e.id = </a:t>
+            </a:r>
+            <a:r>
+              <a:rPr lang="en-NZ" sz="1200" b="0" dirty="0" err="1">
+                <a:solidFill>
+                  <a:srgbClr val="D4D4D4"/>
+                </a:solidFill>
+                <a:effectLst/>
+                <a:highlight>
+                  <a:srgbClr val="000000"/>
+                </a:highlight>
+                <a:latin typeface="Consolas" panose="020B0609020204030204" pitchFamily="49" charset="0"/>
+              </a:rPr>
+              <a:t>j.employee_id</a:t>
+            </a:r>
+            <a:endParaRPr lang="en-NZ" sz="1200" b="0" dirty="0">
+              <a:solidFill>
+                <a:srgbClr val="D4D4D4"/>
+              </a:solidFill>
+              <a:effectLst/>
+              <a:highlight>
+                <a:srgbClr val="000000"/>
+              </a:highlight>
+              <a:latin typeface="Consolas" panose="020B0609020204030204" pitchFamily="49" charset="0"/>
+            </a:endParaRPr>
+          </a:p>
+          <a:p>
+            <a:pPr marL="38100" indent="0">
+              <a:buNone/>
+            </a:pPr>
+            <a:r>
+              <a:rPr lang="en-NZ" sz="1200" b="0" dirty="0">
+                <a:solidFill>
+                  <a:srgbClr val="569CD6"/>
+                </a:solidFill>
+                <a:effectLst/>
+                <a:highlight>
+                  <a:srgbClr val="000000"/>
+                </a:highlight>
+                <a:latin typeface="Consolas" panose="020B0609020204030204" pitchFamily="49" charset="0"/>
+              </a:rPr>
+              <a:t>LEFT JOIN</a:t>
+            </a:r>
+            <a:r>
+              <a:rPr lang="en-NZ" sz="1200" b="0" dirty="0">
+                <a:solidFill>
+                  <a:srgbClr val="D4D4D4"/>
+                </a:solidFill>
+                <a:effectLst/>
+                <a:highlight>
+                  <a:srgbClr val="000000"/>
+                </a:highlight>
+                <a:latin typeface="Consolas" panose="020B0609020204030204" pitchFamily="49" charset="0"/>
+              </a:rPr>
+              <a:t> title t</a:t>
+            </a:r>
+          </a:p>
+          <a:p>
+            <a:pPr marL="38100" indent="0">
+              <a:buNone/>
+            </a:pPr>
+            <a:r>
+              <a:rPr lang="en-NZ" sz="1200" b="0" dirty="0">
+                <a:solidFill>
+                  <a:srgbClr val="D4D4D4"/>
+                </a:solidFill>
+                <a:effectLst/>
+                <a:highlight>
+                  <a:srgbClr val="000000"/>
+                </a:highlight>
+                <a:latin typeface="Consolas" panose="020B0609020204030204" pitchFamily="49" charset="0"/>
+              </a:rPr>
+              <a:t>    </a:t>
+            </a:r>
+            <a:r>
+              <a:rPr lang="en-NZ" sz="1200" b="0" dirty="0">
+                <a:solidFill>
+                  <a:srgbClr val="569CD6"/>
+                </a:solidFill>
+                <a:effectLst/>
+                <a:highlight>
+                  <a:srgbClr val="000000"/>
+                </a:highlight>
+                <a:latin typeface="Consolas" panose="020B0609020204030204" pitchFamily="49" charset="0"/>
+              </a:rPr>
+              <a:t>ON</a:t>
+            </a:r>
+            <a:r>
+              <a:rPr lang="en-NZ" sz="1200" b="0" dirty="0">
+                <a:solidFill>
+                  <a:srgbClr val="D4D4D4"/>
+                </a:solidFill>
+                <a:effectLst/>
+                <a:highlight>
+                  <a:srgbClr val="000000"/>
+                </a:highlight>
+                <a:latin typeface="Consolas" panose="020B0609020204030204" pitchFamily="49" charset="0"/>
+              </a:rPr>
+              <a:t> t.id = </a:t>
+            </a:r>
+            <a:r>
+              <a:rPr lang="en-NZ" sz="1200" b="0" dirty="0" err="1">
+                <a:solidFill>
+                  <a:srgbClr val="D4D4D4"/>
+                </a:solidFill>
+                <a:effectLst/>
+                <a:highlight>
+                  <a:srgbClr val="000000"/>
+                </a:highlight>
+                <a:latin typeface="Consolas" panose="020B0609020204030204" pitchFamily="49" charset="0"/>
+              </a:rPr>
+              <a:t>j.title_id</a:t>
+            </a:r>
+            <a:endParaRPr lang="en-NZ" sz="1200" b="0" dirty="0">
+              <a:solidFill>
+                <a:srgbClr val="D4D4D4"/>
+              </a:solidFill>
+              <a:effectLst/>
+              <a:highlight>
+                <a:srgbClr val="000000"/>
+              </a:highlight>
+              <a:latin typeface="Consolas" panose="020B0609020204030204" pitchFamily="49" charset="0"/>
+            </a:endParaRPr>
+          </a:p>
+          <a:p>
+            <a:pPr marL="38100" indent="0">
+              <a:buNone/>
+            </a:pPr>
+            <a:r>
+              <a:rPr lang="en-NZ" sz="1200" b="0" dirty="0">
+                <a:solidFill>
+                  <a:srgbClr val="569CD6"/>
+                </a:solidFill>
+                <a:effectLst/>
+                <a:highlight>
+                  <a:srgbClr val="000000"/>
+                </a:highlight>
+                <a:latin typeface="Consolas" panose="020B0609020204030204" pitchFamily="49" charset="0"/>
+              </a:rPr>
+              <a:t>LEFT JOIN</a:t>
+            </a:r>
+            <a:r>
+              <a:rPr lang="en-NZ" sz="1200" b="0" dirty="0">
+                <a:solidFill>
+                  <a:srgbClr val="D4D4D4"/>
+                </a:solidFill>
+                <a:effectLst/>
+                <a:highlight>
+                  <a:srgbClr val="000000"/>
+                </a:highlight>
+                <a:latin typeface="Consolas" panose="020B0609020204030204" pitchFamily="49" charset="0"/>
+              </a:rPr>
+              <a:t> Department d</a:t>
+            </a:r>
+          </a:p>
+          <a:p>
+            <a:pPr marL="38100" indent="0">
+              <a:buNone/>
+            </a:pPr>
+            <a:r>
+              <a:rPr lang="en-NZ" sz="1200" b="0" dirty="0">
+                <a:solidFill>
+                  <a:srgbClr val="D4D4D4"/>
+                </a:solidFill>
+                <a:effectLst/>
+                <a:highlight>
+                  <a:srgbClr val="000000"/>
+                </a:highlight>
+                <a:latin typeface="Consolas" panose="020B0609020204030204" pitchFamily="49" charset="0"/>
+              </a:rPr>
+              <a:t>    </a:t>
+            </a:r>
+            <a:r>
+              <a:rPr lang="en-NZ" sz="1200" b="0" dirty="0">
+                <a:solidFill>
+                  <a:srgbClr val="569CD6"/>
+                </a:solidFill>
+                <a:effectLst/>
+                <a:highlight>
+                  <a:srgbClr val="000000"/>
+                </a:highlight>
+                <a:latin typeface="Consolas" panose="020B0609020204030204" pitchFamily="49" charset="0"/>
+              </a:rPr>
+              <a:t>ON</a:t>
+            </a:r>
+            <a:r>
+              <a:rPr lang="en-NZ" sz="1200" b="0" dirty="0">
+                <a:solidFill>
+                  <a:srgbClr val="D4D4D4"/>
+                </a:solidFill>
+                <a:effectLst/>
+                <a:highlight>
+                  <a:srgbClr val="000000"/>
+                </a:highlight>
+                <a:latin typeface="Consolas" panose="020B0609020204030204" pitchFamily="49" charset="0"/>
+              </a:rPr>
+              <a:t> </a:t>
+            </a:r>
+            <a:r>
+              <a:rPr lang="en-NZ" sz="1200" b="0" dirty="0" err="1">
+                <a:solidFill>
+                  <a:srgbClr val="D4D4D4"/>
+                </a:solidFill>
+                <a:effectLst/>
+                <a:highlight>
+                  <a:srgbClr val="000000"/>
+                </a:highlight>
+                <a:latin typeface="Consolas" panose="020B0609020204030204" pitchFamily="49" charset="0"/>
+              </a:rPr>
+              <a:t>j.Department_ID</a:t>
+            </a:r>
+            <a:r>
+              <a:rPr lang="en-NZ" sz="1200" b="0" dirty="0">
+                <a:solidFill>
+                  <a:srgbClr val="D4D4D4"/>
+                </a:solidFill>
+                <a:effectLst/>
+                <a:highlight>
+                  <a:srgbClr val="000000"/>
+                </a:highlight>
+                <a:latin typeface="Consolas" panose="020B0609020204030204" pitchFamily="49" charset="0"/>
+              </a:rPr>
+              <a:t> = d.id</a:t>
+            </a:r>
+          </a:p>
+          <a:p>
+            <a:pPr marL="38100" indent="0">
+              <a:buNone/>
+            </a:pPr>
+            <a:r>
+              <a:rPr lang="en-NZ" sz="1200" b="0" dirty="0">
+                <a:solidFill>
+                  <a:srgbClr val="569CD6"/>
+                </a:solidFill>
+                <a:effectLst/>
+                <a:highlight>
+                  <a:srgbClr val="000000"/>
+                </a:highlight>
+                <a:latin typeface="Consolas" panose="020B0609020204030204" pitchFamily="49" charset="0"/>
+              </a:rPr>
+              <a:t>ORDER BY</a:t>
+            </a:r>
+            <a:r>
+              <a:rPr lang="en-NZ" sz="1200" b="0" dirty="0">
+                <a:solidFill>
+                  <a:srgbClr val="D4D4D4"/>
+                </a:solidFill>
+                <a:effectLst/>
+                <a:highlight>
+                  <a:srgbClr val="000000"/>
+                </a:highlight>
+                <a:latin typeface="Consolas" panose="020B0609020204030204" pitchFamily="49" charset="0"/>
+              </a:rPr>
+              <a:t> e.name;</a:t>
+            </a:r>
           </a:p>
           <a:p>
             <a:pPr marL="0" lvl="0" indent="0" algn="l" rtl="0">
@@ -31094,38 +31258,6 @@
               </a:rPr>
               <a:t>     </a:t>
             </a:r>
-            <a:r>
-              <a:rPr lang="en" sz="1200" dirty="0">
-                <a:solidFill>
-                  <a:srgbClr val="FF0000"/>
-                </a:solidFill>
-                <a:highlight>
-                  <a:schemeClr val="lt1"/>
-                </a:highlight>
-                <a:latin typeface="Open Sans"/>
-                <a:ea typeface="Open Sans"/>
-                <a:cs typeface="Open Sans"/>
-                <a:sym typeface="Open Sans"/>
-              </a:rPr>
-              <a:t>** Replace example screenshot below with your response, and include the query in a SQL file</a:t>
-            </a:r>
-            <a:endParaRPr sz="1900" b="1" dirty="0">
-              <a:latin typeface="Open Sans"/>
-              <a:ea typeface="Open Sans"/>
-              <a:cs typeface="Open Sans"/>
-              <a:sym typeface="Open Sans"/>
-            </a:endParaRPr>
-          </a:p>
-          <a:p>
-            <a:pPr marL="0" lvl="0" indent="0" algn="l" rtl="0">
-              <a:spcBef>
-                <a:spcPts val="0"/>
-              </a:spcBef>
-              <a:spcAft>
-                <a:spcPts val="0"/>
-              </a:spcAft>
-              <a:buNone/>
-            </a:pPr>
             <a:endParaRPr sz="1900" b="1" dirty="0">
               <a:latin typeface="Open Sans"/>
               <a:ea typeface="Open Sans"/>
@@ -31273,7 +31405,7 @@
         </p:blipFill>
         <p:spPr>
           <a:xfrm>
-            <a:off x="1332206" y="4880049"/>
+            <a:off x="1199859" y="6209538"/>
             <a:ext cx="4807197" cy="3606985"/>
           </a:xfrm>
           <a:prstGeom prst="rect">
@@ -31289,7 +31421,7 @@
 </p:sld>
 </file>
 
-<file path=ppt/slides/slide19.xml><?xml version="1.0" encoding="utf-8"?>
+<file path=ppt/slides/slide18.xml><?xml version="1.0" encoding="utf-8"?>
 <p:sld xmlns:a="http://schemas.openxmlformats.org/drawingml/2006/main" xmlns:r="http://schemas.openxmlformats.org/officeDocument/2006/relationships" xmlns:p="http://schemas.openxmlformats.org/presentationml/2006/main">
   <p:cSld>
     <p:spTree>
@@ -31431,63 +31563,8 @@
           </a:p>
           <a:p>
             <a:pPr marL="0" lvl="0" indent="0" algn="l" rtl="0">
-              <a:lnSpc>
-                <a:spcPct val="170000"/>
-              </a:lnSpc>
               <a:spcBef>
                 <a:spcPts val="1600"/>
-              </a:spcBef>
-              <a:spcAft>
-                <a:spcPts val="0"/>
-              </a:spcAft>
-              <a:buClr>
-                <a:schemeClr val="dk1"/>
-              </a:buClr>
-              <a:buSzPts val="1100"/>
-              <a:buFont typeface="Arial"/>
-              <a:buNone/>
-            </a:pPr>
-            <a:r>
-              <a:rPr lang="en" sz="1200" dirty="0">
-                <a:solidFill>
-                  <a:srgbClr val="525C65"/>
-                </a:solidFill>
-                <a:highlight>
-                  <a:schemeClr val="lt1"/>
-                </a:highlight>
-                <a:latin typeface="Open Sans"/>
-                <a:ea typeface="Open Sans"/>
-                <a:cs typeface="Open Sans"/>
-                <a:sym typeface="Open Sans"/>
-              </a:rPr>
-              <a:t>    </a:t>
-            </a:r>
-            <a:r>
-              <a:rPr lang="en" sz="1200" dirty="0">
-                <a:solidFill>
-                  <a:srgbClr val="FF0000"/>
-                </a:solidFill>
-                <a:highlight>
-                  <a:schemeClr val="lt1"/>
-                </a:highlight>
-                <a:latin typeface="Open Sans"/>
-                <a:ea typeface="Open Sans"/>
-                <a:cs typeface="Open Sans"/>
-                <a:sym typeface="Open Sans"/>
-              </a:rPr>
-              <a:t>** Replace example screenshot below with your response, and include the query in a SQL file</a:t>
-            </a:r>
-            <a:endParaRPr sz="1900" b="1" dirty="0">
-              <a:latin typeface="Open Sans"/>
-              <a:ea typeface="Open Sans"/>
-              <a:cs typeface="Open Sans"/>
-              <a:sym typeface="Open Sans"/>
-            </a:endParaRPr>
-          </a:p>
-          <a:p>
-            <a:pPr marL="0" lvl="0" indent="0" algn="l" rtl="0">
-              <a:spcBef>
-                <a:spcPts val="0"/>
               </a:spcBef>
               <a:spcAft>
                 <a:spcPts val="0"/>
@@ -31502,7 +31579,7 @@
             </a:endParaRPr>
           </a:p>
           <a:p>
-            <a:pPr marL="0" lvl="0" indent="0" algn="l" rtl="0">
+            <a:pPr marL="457200" lvl="0" indent="0" algn="l" rtl="0">
               <a:spcBef>
                 <a:spcPts val="1600"/>
               </a:spcBef>
@@ -31553,57 +31630,6 @@
             </a:endParaRPr>
           </a:p>
           <a:p>
-            <a:pPr marL="457200" lvl="0" indent="0" algn="l" rtl="0">
-              <a:spcBef>
-                <a:spcPts val="1600"/>
-              </a:spcBef>
-              <a:spcAft>
-                <a:spcPts val="0"/>
-              </a:spcAft>
-              <a:buNone/>
-            </a:pPr>
-            <a:endParaRPr sz="1900" b="1" dirty="0">
-              <a:latin typeface="Open Sans"/>
-              <a:ea typeface="Open Sans"/>
-              <a:cs typeface="Open Sans"/>
-              <a:sym typeface="Open Sans"/>
-            </a:endParaRPr>
-          </a:p>
-          <a:p>
-            <a:pPr marL="0" lvl="0" indent="0" algn="l" rtl="0">
-              <a:spcBef>
-                <a:spcPts val="1600"/>
-              </a:spcBef>
-              <a:spcAft>
-                <a:spcPts val="0"/>
-              </a:spcAft>
-              <a:buNone/>
-            </a:pPr>
-            <a:endParaRPr sz="1900" b="1" dirty="0">
-              <a:latin typeface="Open Sans"/>
-              <a:ea typeface="Open Sans"/>
-              <a:cs typeface="Open Sans"/>
-              <a:sym typeface="Open Sans"/>
-            </a:endParaRPr>
-          </a:p>
-          <a:p>
-            <a:pPr marL="0" lvl="0" indent="0" algn="l" rtl="0">
-              <a:spcBef>
-                <a:spcPts val="1600"/>
-              </a:spcBef>
-              <a:spcAft>
-                <a:spcPts val="0"/>
-              </a:spcAft>
-              <a:buNone/>
-            </a:pPr>
-            <a:endParaRPr sz="1900" b="1" dirty="0">
-              <a:latin typeface="Open Sans"/>
-              <a:ea typeface="Open Sans"/>
-              <a:cs typeface="Open Sans"/>
-              <a:sym typeface="Open Sans"/>
-            </a:endParaRPr>
-          </a:p>
-          <a:p>
             <a:pPr marL="0" lvl="0" indent="0" algn="l" rtl="0">
               <a:spcBef>
                 <a:spcPts val="1600"/>
@@ -31655,10 +31681,10 @@
       </p:sp>
       <p:pic>
         <p:nvPicPr>
-          <p:cNvPr id="3" name="Picture 2" descr="Text&#10;&#10;Description automatically generated">
+          <p:cNvPr id="4" name="Picture 3" descr="Text&#10;&#10;Description automatically generated">
             <a:extLst>
               <a:ext uri="{FF2B5EF4-FFF2-40B4-BE49-F238E27FC236}">
-                <a16:creationId xmlns:a16="http://schemas.microsoft.com/office/drawing/2014/main" id="{76C091B3-4E4B-4E2E-9908-83FDB7DD9C3D}"/>
+                <a16:creationId xmlns:a16="http://schemas.microsoft.com/office/drawing/2014/main" id="{87CE6764-A8EC-48CF-961F-D6050534570D}"/>
               </a:ext>
             </a:extLst>
           </p:cNvPr>
@@ -31675,8 +31701,8 @@
         </p:blipFill>
         <p:spPr>
           <a:xfrm>
-            <a:off x="2597083" y="4759311"/>
-            <a:ext cx="2578233" cy="539778"/>
+            <a:off x="2409092" y="4602337"/>
+            <a:ext cx="2521080" cy="2959252"/>
           </a:xfrm>
           <a:prstGeom prst="rect">
             <a:avLst/>
@@ -31691,300 +31717,7 @@
 </p:sld>
 </file>
 
-<file path=ppt/slides/slide2.xml><?xml version="1.0" encoding="utf-8"?>
-<p:sld xmlns:a="http://schemas.openxmlformats.org/drawingml/2006/main" xmlns:r="http://schemas.openxmlformats.org/officeDocument/2006/relationships" xmlns:p="http://schemas.openxmlformats.org/presentationml/2006/main">
-  <p:cSld>
-    <p:spTree>
-      <p:nvGrpSpPr>
-        <p:cNvPr id="1" name="Shape 184"/>
-        <p:cNvGrpSpPr/>
-        <p:nvPr/>
-      </p:nvGrpSpPr>
-      <p:grpSpPr>
-        <a:xfrm>
-          <a:off x="0" y="0"/>
-          <a:ext cx="0" cy="0"/>
-          <a:chOff x="0" y="0"/>
-          <a:chExt cx="0" cy="0"/>
-        </a:xfrm>
-      </p:grpSpPr>
-      <p:sp>
-        <p:nvSpPr>
-          <p:cNvPr id="185" name="Google Shape;185;p52"/>
-          <p:cNvSpPr txBox="1">
-            <a:spLocks noGrp="1"/>
-          </p:cNvSpPr>
-          <p:nvPr>
-            <p:ph type="title"/>
-          </p:nvPr>
-        </p:nvSpPr>
-        <p:spPr>
-          <a:xfrm>
-            <a:off x="264945" y="870271"/>
-            <a:ext cx="7242600" cy="1119900"/>
-          </a:xfrm>
-          <a:prstGeom prst="rect">
-            <a:avLst/>
-          </a:prstGeom>
-        </p:spPr>
-        <p:txBody>
-          <a:bodyPr spcFirstLastPara="1" wrap="square" lIns="91425" tIns="91425" rIns="91425" bIns="91425" anchor="ctr" anchorCtr="0">
-            <a:noAutofit/>
-          </a:bodyPr>
-          <a:lstStyle/>
-          <a:p>
-            <a:pPr marL="0" lvl="0" indent="0" algn="l" rtl="0">
-              <a:spcBef>
-                <a:spcPts val="0"/>
-              </a:spcBef>
-              <a:spcAft>
-                <a:spcPts val="0"/>
-              </a:spcAft>
-              <a:buNone/>
-            </a:pPr>
-            <a:r>
-              <a:rPr lang="en"/>
-              <a:t>How to use this Template</a:t>
-            </a:r>
-            <a:endParaRPr/>
-          </a:p>
-        </p:txBody>
-      </p:sp>
-      <p:sp>
-        <p:nvSpPr>
-          <p:cNvPr id="186" name="Google Shape;186;p52"/>
-          <p:cNvSpPr txBox="1">
-            <a:spLocks noGrp="1"/>
-          </p:cNvSpPr>
-          <p:nvPr>
-            <p:ph type="body" idx="1"/>
-          </p:nvPr>
-        </p:nvSpPr>
-        <p:spPr>
-          <a:xfrm>
-            <a:off x="264945" y="2253729"/>
-            <a:ext cx="7242600" cy="6239700"/>
-          </a:xfrm>
-          <a:prstGeom prst="rect">
-            <a:avLst/>
-          </a:prstGeom>
-        </p:spPr>
-        <p:txBody>
-          <a:bodyPr spcFirstLastPara="1" wrap="square" lIns="91425" tIns="91425" rIns="91425" bIns="91425" anchor="t" anchorCtr="0">
-            <a:noAutofit/>
-          </a:bodyPr>
-          <a:lstStyle/>
-          <a:p>
-            <a:pPr marL="457200" lvl="0" indent="-368300" algn="l" rtl="0">
-              <a:spcBef>
-                <a:spcPts val="0"/>
-              </a:spcBef>
-              <a:spcAft>
-                <a:spcPts val="0"/>
-              </a:spcAft>
-              <a:buSzPts val="2200"/>
-              <a:buChar char="●"/>
-            </a:pPr>
-            <a:r>
-              <a:rPr lang="en" sz="2200" dirty="0"/>
-              <a:t>Make a copy of this Google Slide deck.</a:t>
-            </a:r>
-            <a:endParaRPr sz="2200" dirty="0"/>
-          </a:p>
-          <a:p>
-            <a:pPr marL="457200" lvl="0" indent="-368300" algn="l" rtl="0">
-              <a:spcBef>
-                <a:spcPts val="0"/>
-              </a:spcBef>
-              <a:spcAft>
-                <a:spcPts val="0"/>
-              </a:spcAft>
-              <a:buSzPts val="2200"/>
-              <a:buChar char="●"/>
-            </a:pPr>
-            <a:r>
-              <a:rPr lang="en" sz="2200" dirty="0"/>
-              <a:t>We have provided these slides as a guide to ensure that you submit all the required components to successfully complete your project. </a:t>
-            </a:r>
-            <a:endParaRPr sz="2200" dirty="0"/>
-          </a:p>
-          <a:p>
-            <a:pPr marL="457200" lvl="0" indent="-368300" algn="l" rtl="0">
-              <a:spcBef>
-                <a:spcPts val="0"/>
-              </a:spcBef>
-              <a:spcAft>
-                <a:spcPts val="0"/>
-              </a:spcAft>
-              <a:buSzPts val="2200"/>
-              <a:buChar char="●"/>
-            </a:pPr>
-            <a:r>
-              <a:rPr lang="en" sz="2200" dirty="0"/>
-              <a:t>When presenting your project, please only think of this as a guide. We encourage you to use creative freedom when making changes, as long as the required information is present. </a:t>
-            </a:r>
-            <a:endParaRPr sz="2200" dirty="0"/>
-          </a:p>
-          <a:p>
-            <a:pPr marL="457200" lvl="0" indent="-368300" algn="l" rtl="0">
-              <a:spcBef>
-                <a:spcPts val="0"/>
-              </a:spcBef>
-              <a:spcAft>
-                <a:spcPts val="0"/>
-              </a:spcAft>
-              <a:buSzPts val="2200"/>
-              <a:buChar char="●"/>
-            </a:pPr>
-            <a:r>
-              <a:rPr lang="en" sz="2200" b="1" dirty="0">
-                <a:latin typeface="Open Sans"/>
-                <a:ea typeface="Open Sans"/>
-                <a:cs typeface="Open Sans"/>
-                <a:sym typeface="Open Sans"/>
-              </a:rPr>
-              <a:t>Remember to delete this and all</a:t>
-            </a:r>
-            <a:r>
-              <a:rPr lang="en" sz="2200" dirty="0"/>
-              <a:t> of the other example slides before you submit your project.</a:t>
-            </a:r>
-            <a:endParaRPr sz="2200" dirty="0"/>
-          </a:p>
-          <a:p>
-            <a:pPr marL="457200" lvl="0" indent="-368300" algn="l" rtl="0">
-              <a:spcBef>
-                <a:spcPts val="0"/>
-              </a:spcBef>
-              <a:spcAft>
-                <a:spcPts val="0"/>
-              </a:spcAft>
-              <a:buSzPts val="2200"/>
-              <a:buChar char="●"/>
-            </a:pPr>
-            <a:r>
-              <a:rPr lang="en" sz="2200" b="1" dirty="0">
-                <a:latin typeface="Open Sans"/>
-                <a:ea typeface="Open Sans"/>
-                <a:cs typeface="Open Sans"/>
-                <a:sym typeface="Open Sans"/>
-              </a:rPr>
-              <a:t>Remember to add your name and the date</a:t>
-            </a:r>
-            <a:r>
-              <a:rPr lang="en" sz="2200" dirty="0"/>
-              <a:t> to the cover slide</a:t>
-            </a:r>
-            <a:endParaRPr sz="2200" dirty="0"/>
-          </a:p>
-          <a:p>
-            <a:pPr marL="457200" lvl="0" indent="0" algn="l" rtl="0">
-              <a:spcBef>
-                <a:spcPts val="1600"/>
-              </a:spcBef>
-              <a:spcAft>
-                <a:spcPts val="1600"/>
-              </a:spcAft>
-              <a:buNone/>
-            </a:pPr>
-            <a:endParaRPr sz="2200" dirty="0"/>
-          </a:p>
-        </p:txBody>
-      </p:sp>
-      <p:sp>
-        <p:nvSpPr>
-          <p:cNvPr id="187" name="Google Shape;187;p52"/>
-          <p:cNvSpPr txBox="1"/>
-          <p:nvPr/>
-        </p:nvSpPr>
-        <p:spPr>
-          <a:xfrm>
-            <a:off x="1028425" y="7749175"/>
-            <a:ext cx="5652900" cy="1119900"/>
-          </a:xfrm>
-          <a:prstGeom prst="rect">
-            <a:avLst/>
-          </a:prstGeom>
-          <a:noFill/>
-          <a:ln>
-            <a:noFill/>
-          </a:ln>
-        </p:spPr>
-        <p:txBody>
-          <a:bodyPr spcFirstLastPara="1" wrap="square" lIns="91425" tIns="91425" rIns="91425" bIns="91425" anchor="t" anchorCtr="0">
-            <a:noAutofit/>
-          </a:bodyPr>
-          <a:lstStyle/>
-          <a:p>
-            <a:pPr marL="0" lvl="0" indent="0" algn="ctr" rtl="0">
-              <a:spcBef>
-                <a:spcPts val="0"/>
-              </a:spcBef>
-              <a:spcAft>
-                <a:spcPts val="0"/>
-              </a:spcAft>
-              <a:buNone/>
-            </a:pPr>
-            <a:r>
-              <a:rPr lang="en" sz="4500">
-                <a:solidFill>
-                  <a:srgbClr val="FFFFFF"/>
-                </a:solidFill>
-                <a:latin typeface="Open Sans"/>
-                <a:ea typeface="Open Sans"/>
-                <a:cs typeface="Open Sans"/>
-                <a:sym typeface="Open Sans"/>
-              </a:rPr>
-              <a:t>Remove this slide</a:t>
-            </a:r>
-            <a:endParaRPr sz="4500">
-              <a:solidFill>
-                <a:srgbClr val="FFFFFF"/>
-              </a:solidFill>
-              <a:latin typeface="Open Sans"/>
-              <a:ea typeface="Open Sans"/>
-              <a:cs typeface="Open Sans"/>
-              <a:sym typeface="Open Sans"/>
-            </a:endParaRPr>
-          </a:p>
-        </p:txBody>
-      </p:sp>
-      <p:pic>
-        <p:nvPicPr>
-          <p:cNvPr id="188" name="Google Shape;188;p52"/>
-          <p:cNvPicPr preferRelativeResize="0"/>
-          <p:nvPr/>
-        </p:nvPicPr>
-        <p:blipFill rotWithShape="1">
-          <a:blip r:embed="rId3">
-            <a:alphaModFix/>
-          </a:blip>
-          <a:srcRect l="18073" t="20988" r="14486" b="11824"/>
-          <a:stretch/>
-        </p:blipFill>
-        <p:spPr>
-          <a:xfrm>
-            <a:off x="374375" y="7823200"/>
-            <a:ext cx="7023750" cy="1749275"/>
-          </a:xfrm>
-          <a:prstGeom prst="rect">
-            <a:avLst/>
-          </a:prstGeom>
-          <a:noFill/>
-          <a:ln>
-            <a:noFill/>
-          </a:ln>
-        </p:spPr>
-      </p:pic>
-    </p:spTree>
-  </p:cSld>
-  <p:clrMapOvr>
-    <a:masterClrMapping/>
-  </p:clrMapOvr>
-</p:sld>
-</file>
-
-<file path=ppt/slides/slide20.xml><?xml version="1.0" encoding="utf-8"?>
+<file path=ppt/slides/slide19.xml><?xml version="1.0" encoding="utf-8"?>
 <p:sld xmlns:a="http://schemas.openxmlformats.org/drawingml/2006/main" xmlns:r="http://schemas.openxmlformats.org/officeDocument/2006/relationships" xmlns:p="http://schemas.openxmlformats.org/presentationml/2006/main">
   <p:cSld>
     <p:spTree>
@@ -32150,58 +31883,8 @@
           </a:p>
           <a:p>
             <a:pPr marL="0" lvl="0" indent="0" algn="l" rtl="0">
-              <a:lnSpc>
-                <a:spcPct val="170000"/>
-              </a:lnSpc>
-              <a:spcBef>
-                <a:spcPts val="0"/>
-              </a:spcBef>
-              <a:spcAft>
-                <a:spcPts val="0"/>
-              </a:spcAft>
-              <a:buNone/>
-            </a:pPr>
-            <a:r>
-              <a:rPr lang="en" sz="1200" dirty="0">
-                <a:solidFill>
-                  <a:srgbClr val="525C65"/>
-                </a:solidFill>
-                <a:highlight>
-                  <a:schemeClr val="lt1"/>
-                </a:highlight>
-                <a:latin typeface="Open Sans"/>
-                <a:ea typeface="Open Sans"/>
-                <a:cs typeface="Open Sans"/>
-                <a:sym typeface="Open Sans"/>
-              </a:rPr>
-              <a:t>  </a:t>
-            </a:r>
-            <a:r>
-              <a:rPr lang="en" sz="1200" dirty="0">
-                <a:solidFill>
-                  <a:srgbClr val="FF0000"/>
-                </a:solidFill>
-                <a:highlight>
-                  <a:schemeClr val="lt1"/>
-                </a:highlight>
-                <a:latin typeface="Open Sans"/>
-                <a:ea typeface="Open Sans"/>
-                <a:cs typeface="Open Sans"/>
-                <a:sym typeface="Open Sans"/>
-              </a:rPr>
-              <a:t>** Replace example screenshot below with your response, and include the query in a SQL file</a:t>
-            </a:r>
-            <a:endParaRPr sz="1900" b="1" dirty="0">
-              <a:latin typeface="Open Sans"/>
-              <a:ea typeface="Open Sans"/>
-              <a:cs typeface="Open Sans"/>
-              <a:sym typeface="Open Sans"/>
-            </a:endParaRPr>
-          </a:p>
-          <a:p>
-            <a:pPr marL="0" lvl="0" indent="0" algn="l" rtl="0">
-              <a:spcBef>
-                <a:spcPts val="0"/>
+              <a:spcBef>
+                <a:spcPts val="1600"/>
               </a:spcBef>
               <a:spcAft>
                 <a:spcPts val="0"/>
@@ -32250,7 +31933,7 @@
             </a:endParaRPr>
           </a:p>
           <a:p>
-            <a:pPr marL="0" lvl="0" indent="0" algn="l" rtl="0">
+            <a:pPr marL="457200" lvl="0" indent="0" algn="l" rtl="0">
               <a:spcBef>
                 <a:spcPts val="1600"/>
               </a:spcBef>
@@ -32267,7 +31950,7 @@
             </a:endParaRPr>
           </a:p>
           <a:p>
-            <a:pPr marL="457200" lvl="0" indent="0" algn="l" rtl="0">
+            <a:pPr marL="0" lvl="0" indent="0" algn="l" rtl="0">
               <a:spcBef>
                 <a:spcPts val="1600"/>
               </a:spcBef>
@@ -32310,23 +31993,6 @@
               </a:spcAft>
               <a:buNone/>
             </a:pPr>
-            <a:endParaRPr sz="1900" b="1" dirty="0">
-              <a:latin typeface="Open Sans"/>
-              <a:ea typeface="Open Sans"/>
-              <a:cs typeface="Open Sans"/>
-              <a:sym typeface="Open Sans"/>
-            </a:endParaRPr>
-          </a:p>
-          <a:p>
-            <a:pPr marL="0" lvl="0" indent="0" algn="l" rtl="0">
-              <a:spcBef>
-                <a:spcPts val="1600"/>
-              </a:spcBef>
-              <a:spcAft>
-                <a:spcPts val="0"/>
-              </a:spcAft>
-              <a:buNone/>
-            </a:pPr>
             <a:endParaRPr sz="1900" dirty="0"/>
           </a:p>
           <a:p>
@@ -32369,10 +32035,10 @@
       </p:sp>
       <p:pic>
         <p:nvPicPr>
-          <p:cNvPr id="3" name="Picture 2" descr="A picture containing text, black, dark, screenshot&#10;&#10;Description automatically generated">
+          <p:cNvPr id="4" name="Picture 3" descr="A picture containing text, black, plaque&#10;&#10;Description automatically generated">
             <a:extLst>
               <a:ext uri="{FF2B5EF4-FFF2-40B4-BE49-F238E27FC236}">
-                <a16:creationId xmlns:a16="http://schemas.microsoft.com/office/drawing/2014/main" id="{4305AD2E-28DF-4C19-B984-760EA2B14D98}"/>
+                <a16:creationId xmlns:a16="http://schemas.microsoft.com/office/drawing/2014/main" id="{B9973BCC-E40E-448F-81F5-A1A62D231D2E}"/>
               </a:ext>
             </a:extLst>
           </p:cNvPr>
@@ -32389,8 +32055,8 @@
         </p:blipFill>
         <p:spPr>
           <a:xfrm>
-            <a:off x="2539931" y="4724384"/>
-            <a:ext cx="2692538" cy="609631"/>
+            <a:off x="2192517" y="4755402"/>
+            <a:ext cx="2749691" cy="3086259"/>
           </a:xfrm>
           <a:prstGeom prst="rect">
             <a:avLst/>
@@ -32405,7 +32071,604 @@
 </p:sld>
 </file>
 
-<file path=ppt/slides/slide21.xml><?xml version="1.0" encoding="utf-8"?>
+<file path=ppt/slides/slide2.xml><?xml version="1.0" encoding="utf-8"?>
+<p:sld xmlns:a="http://schemas.openxmlformats.org/drawingml/2006/main" xmlns:r="http://schemas.openxmlformats.org/officeDocument/2006/relationships" xmlns:p="http://schemas.openxmlformats.org/presentationml/2006/main">
+  <p:cSld>
+    <p:spTree>
+      <p:nvGrpSpPr>
+        <p:cNvPr id="1" name="Shape 192"/>
+        <p:cNvGrpSpPr/>
+        <p:nvPr/>
+      </p:nvGrpSpPr>
+      <p:grpSpPr>
+        <a:xfrm>
+          <a:off x="0" y="0"/>
+          <a:ext cx="0" cy="0"/>
+          <a:chOff x="0" y="0"/>
+          <a:chExt cx="0" cy="0"/>
+        </a:xfrm>
+      </p:grpSpPr>
+      <p:sp>
+        <p:nvSpPr>
+          <p:cNvPr id="193" name="Google Shape;193;p53"/>
+          <p:cNvSpPr txBox="1">
+            <a:spLocks noGrp="1"/>
+          </p:cNvSpPr>
+          <p:nvPr>
+            <p:ph type="title"/>
+          </p:nvPr>
+        </p:nvSpPr>
+        <p:spPr>
+          <a:xfrm>
+            <a:off x="264945" y="870271"/>
+            <a:ext cx="7242600" cy="1119900"/>
+          </a:xfrm>
+          <a:prstGeom prst="rect">
+            <a:avLst/>
+          </a:prstGeom>
+        </p:spPr>
+        <p:txBody>
+          <a:bodyPr spcFirstLastPara="1" wrap="square" lIns="91425" tIns="91425" rIns="91425" bIns="91425" anchor="ctr" anchorCtr="0">
+            <a:noAutofit/>
+          </a:bodyPr>
+          <a:lstStyle/>
+          <a:p>
+            <a:pPr marL="0" lvl="0" indent="0" algn="l" rtl="0">
+              <a:spcBef>
+                <a:spcPts val="0"/>
+              </a:spcBef>
+              <a:spcAft>
+                <a:spcPts val="0"/>
+              </a:spcAft>
+              <a:buNone/>
+            </a:pPr>
+            <a:r>
+              <a:rPr lang="en"/>
+              <a:t>Business Scenario</a:t>
+            </a:r>
+            <a:endParaRPr/>
+          </a:p>
+        </p:txBody>
+      </p:sp>
+      <p:sp>
+        <p:nvSpPr>
+          <p:cNvPr id="194" name="Google Shape;194;p53"/>
+          <p:cNvSpPr txBox="1">
+            <a:spLocks noGrp="1"/>
+          </p:cNvSpPr>
+          <p:nvPr>
+            <p:ph type="body" idx="1"/>
+          </p:nvPr>
+        </p:nvSpPr>
+        <p:spPr>
+          <a:xfrm>
+            <a:off x="264945" y="2253729"/>
+            <a:ext cx="7242600" cy="6239700"/>
+          </a:xfrm>
+          <a:prstGeom prst="rect">
+            <a:avLst/>
+          </a:prstGeom>
+        </p:spPr>
+        <p:txBody>
+          <a:bodyPr spcFirstLastPara="1" wrap="square" lIns="91425" tIns="91425" rIns="91425" bIns="91425" anchor="t" anchorCtr="0">
+            <a:noAutofit/>
+          </a:bodyPr>
+          <a:lstStyle/>
+          <a:p>
+            <a:pPr marL="0" marR="241300" lvl="0" indent="0" algn="l" rtl="0">
+              <a:lnSpc>
+                <a:spcPct val="170000"/>
+              </a:lnSpc>
+              <a:spcBef>
+                <a:spcPts val="0"/>
+              </a:spcBef>
+              <a:spcAft>
+                <a:spcPts val="0"/>
+              </a:spcAft>
+              <a:buClr>
+                <a:schemeClr val="dk1"/>
+              </a:buClr>
+              <a:buSzPts val="1100"/>
+              <a:buFont typeface="Arial"/>
+              <a:buNone/>
+            </a:pPr>
+            <a:r>
+              <a:rPr lang="en" sz="1350" b="1" dirty="0">
+                <a:solidFill>
+                  <a:srgbClr val="2E3D49"/>
+                </a:solidFill>
+                <a:highlight>
+                  <a:srgbClr val="FFFFFF"/>
+                </a:highlight>
+                <a:latin typeface="Open Sans"/>
+                <a:ea typeface="Open Sans"/>
+                <a:cs typeface="Open Sans"/>
+                <a:sym typeface="Open Sans"/>
+              </a:rPr>
+              <a:t>  </a:t>
+            </a:r>
+            <a:r>
+              <a:rPr lang="en" sz="1500" b="1" dirty="0">
+                <a:solidFill>
+                  <a:srgbClr val="2E3D49"/>
+                </a:solidFill>
+                <a:highlight>
+                  <a:srgbClr val="FFFFFF"/>
+                </a:highlight>
+                <a:latin typeface="Open Sans"/>
+                <a:ea typeface="Open Sans"/>
+                <a:cs typeface="Open Sans"/>
+                <a:sym typeface="Open Sans"/>
+              </a:rPr>
+              <a:t>   Business requirement</a:t>
+            </a:r>
+            <a:endParaRPr sz="1500" b="1" dirty="0">
+              <a:solidFill>
+                <a:srgbClr val="2E3D49"/>
+              </a:solidFill>
+              <a:highlight>
+                <a:srgbClr val="FFFFFF"/>
+              </a:highlight>
+              <a:latin typeface="Open Sans"/>
+              <a:ea typeface="Open Sans"/>
+              <a:cs typeface="Open Sans"/>
+              <a:sym typeface="Open Sans"/>
+            </a:endParaRPr>
+          </a:p>
+          <a:p>
+            <a:pPr marL="241300" marR="241300" lvl="0" indent="0" algn="l" rtl="0">
+              <a:lnSpc>
+                <a:spcPct val="170000"/>
+              </a:lnSpc>
+              <a:spcBef>
+                <a:spcPts val="400"/>
+              </a:spcBef>
+              <a:spcAft>
+                <a:spcPts val="0"/>
+              </a:spcAft>
+              <a:buClr>
+                <a:schemeClr val="dk1"/>
+              </a:buClr>
+              <a:buSzPts val="1100"/>
+              <a:buFont typeface="Arial"/>
+              <a:buNone/>
+            </a:pPr>
+            <a:r>
+              <a:rPr lang="en" sz="1300" dirty="0">
+                <a:solidFill>
+                  <a:srgbClr val="525C65"/>
+                </a:solidFill>
+                <a:highlight>
+                  <a:srgbClr val="FFFFFF"/>
+                </a:highlight>
+                <a:latin typeface="Open Sans"/>
+                <a:ea typeface="Open Sans"/>
+                <a:cs typeface="Open Sans"/>
+                <a:sym typeface="Open Sans"/>
+              </a:rPr>
+              <a:t>Tech ABC Corp saw explosive growth with a sudden appearance onto the gaming scene with their new AI-powered video game console. As a result, they have gone from a small 10 person operation to 200 employees and 5 locations in under a year. HR is having trouble keeping up with the growth, since they are still maintaining employee information in a spreadsheet. While that worked for ten employees, it has becoming increasingly cumbersome to manage as the company expands.</a:t>
+            </a:r>
+            <a:endParaRPr sz="1300" dirty="0">
+              <a:solidFill>
+                <a:srgbClr val="525C65"/>
+              </a:solidFill>
+              <a:highlight>
+                <a:srgbClr val="FFFFFF"/>
+              </a:highlight>
+              <a:latin typeface="Open Sans"/>
+              <a:ea typeface="Open Sans"/>
+              <a:cs typeface="Open Sans"/>
+              <a:sym typeface="Open Sans"/>
+            </a:endParaRPr>
+          </a:p>
+          <a:p>
+            <a:pPr marL="241300" marR="241300" lvl="0" indent="0" algn="l" rtl="0">
+              <a:lnSpc>
+                <a:spcPct val="170000"/>
+              </a:lnSpc>
+              <a:spcBef>
+                <a:spcPts val="0"/>
+              </a:spcBef>
+              <a:spcAft>
+                <a:spcPts val="0"/>
+              </a:spcAft>
+              <a:buClr>
+                <a:schemeClr val="dk1"/>
+              </a:buClr>
+              <a:buSzPts val="1100"/>
+              <a:buFont typeface="Arial"/>
+              <a:buNone/>
+            </a:pPr>
+            <a:endParaRPr sz="1300" dirty="0">
+              <a:solidFill>
+                <a:srgbClr val="525C65"/>
+              </a:solidFill>
+              <a:highlight>
+                <a:srgbClr val="FFFFFF"/>
+              </a:highlight>
+              <a:latin typeface="Open Sans"/>
+              <a:ea typeface="Open Sans"/>
+              <a:cs typeface="Open Sans"/>
+              <a:sym typeface="Open Sans"/>
+            </a:endParaRPr>
+          </a:p>
+          <a:p>
+            <a:pPr marL="241300" marR="241300" lvl="0" indent="0" algn="l" rtl="0">
+              <a:lnSpc>
+                <a:spcPct val="170000"/>
+              </a:lnSpc>
+              <a:spcBef>
+                <a:spcPts val="0"/>
+              </a:spcBef>
+              <a:spcAft>
+                <a:spcPts val="0"/>
+              </a:spcAft>
+              <a:buClr>
+                <a:schemeClr val="dk1"/>
+              </a:buClr>
+              <a:buSzPts val="1100"/>
+              <a:buFont typeface="Arial"/>
+              <a:buNone/>
+            </a:pPr>
+            <a:r>
+              <a:rPr lang="en" sz="1300" dirty="0">
+                <a:solidFill>
+                  <a:srgbClr val="525C65"/>
+                </a:solidFill>
+                <a:highlight>
+                  <a:srgbClr val="FFFFFF"/>
+                </a:highlight>
+                <a:latin typeface="Open Sans"/>
+                <a:ea typeface="Open Sans"/>
+                <a:cs typeface="Open Sans"/>
+                <a:sym typeface="Open Sans"/>
+              </a:rPr>
+              <a:t>As such, the HR department has tasked you, as the new data architect, to design and build a database capable of managing their employee information.</a:t>
+            </a:r>
+            <a:endParaRPr sz="1300" dirty="0">
+              <a:solidFill>
+                <a:srgbClr val="525C65"/>
+              </a:solidFill>
+              <a:highlight>
+                <a:srgbClr val="FFFFFF"/>
+              </a:highlight>
+              <a:latin typeface="Open Sans"/>
+              <a:ea typeface="Open Sans"/>
+              <a:cs typeface="Open Sans"/>
+              <a:sym typeface="Open Sans"/>
+            </a:endParaRPr>
+          </a:p>
+          <a:p>
+            <a:pPr marL="241300" marR="241300" lvl="0" indent="0" algn="l" rtl="0">
+              <a:lnSpc>
+                <a:spcPct val="170000"/>
+              </a:lnSpc>
+              <a:spcBef>
+                <a:spcPts val="0"/>
+              </a:spcBef>
+              <a:spcAft>
+                <a:spcPts val="0"/>
+              </a:spcAft>
+              <a:buClr>
+                <a:schemeClr val="dk1"/>
+              </a:buClr>
+              <a:buSzPts val="1100"/>
+              <a:buFont typeface="Arial"/>
+              <a:buNone/>
+            </a:pPr>
+            <a:endParaRPr sz="1200" dirty="0">
+              <a:solidFill>
+                <a:srgbClr val="525C65"/>
+              </a:solidFill>
+              <a:highlight>
+                <a:srgbClr val="FFFFFF"/>
+              </a:highlight>
+              <a:latin typeface="Open Sans"/>
+              <a:ea typeface="Open Sans"/>
+              <a:cs typeface="Open Sans"/>
+              <a:sym typeface="Open Sans"/>
+            </a:endParaRPr>
+          </a:p>
+          <a:p>
+            <a:pPr marL="241300" marR="241300" lvl="0" indent="0" algn="l" rtl="0">
+              <a:lnSpc>
+                <a:spcPct val="170000"/>
+              </a:lnSpc>
+              <a:spcBef>
+                <a:spcPts val="0"/>
+              </a:spcBef>
+              <a:spcAft>
+                <a:spcPts val="0"/>
+              </a:spcAft>
+              <a:buClr>
+                <a:schemeClr val="dk1"/>
+              </a:buClr>
+              <a:buSzPts val="1100"/>
+              <a:buFont typeface="Arial"/>
+              <a:buNone/>
+            </a:pPr>
+            <a:r>
+              <a:rPr lang="en" sz="1500" b="1" dirty="0">
+                <a:solidFill>
+                  <a:srgbClr val="2E3D49"/>
+                </a:solidFill>
+                <a:highlight>
+                  <a:srgbClr val="FFFFFF"/>
+                </a:highlight>
+                <a:latin typeface="Open Sans"/>
+                <a:ea typeface="Open Sans"/>
+                <a:cs typeface="Open Sans"/>
+                <a:sym typeface="Open Sans"/>
+              </a:rPr>
+              <a:t>Dataset</a:t>
+            </a:r>
+            <a:endParaRPr sz="1500" b="1" dirty="0">
+              <a:solidFill>
+                <a:srgbClr val="2E3D49"/>
+              </a:solidFill>
+              <a:highlight>
+                <a:srgbClr val="FFFFFF"/>
+              </a:highlight>
+              <a:latin typeface="Open Sans"/>
+              <a:ea typeface="Open Sans"/>
+              <a:cs typeface="Open Sans"/>
+              <a:sym typeface="Open Sans"/>
+            </a:endParaRPr>
+          </a:p>
+          <a:p>
+            <a:pPr marL="241300" marR="241300" lvl="0" indent="0" algn="l" rtl="0">
+              <a:lnSpc>
+                <a:spcPct val="170000"/>
+              </a:lnSpc>
+              <a:spcBef>
+                <a:spcPts val="0"/>
+              </a:spcBef>
+              <a:spcAft>
+                <a:spcPts val="0"/>
+              </a:spcAft>
+              <a:buClr>
+                <a:schemeClr val="dk1"/>
+              </a:buClr>
+              <a:buSzPts val="1100"/>
+              <a:buFont typeface="Arial"/>
+              <a:buNone/>
+            </a:pPr>
+            <a:r>
+              <a:rPr lang="en" sz="1300" dirty="0">
+                <a:solidFill>
+                  <a:srgbClr val="525C65"/>
+                </a:solidFill>
+                <a:highlight>
+                  <a:srgbClr val="FFFFFF"/>
+                </a:highlight>
+                <a:latin typeface="Open Sans"/>
+                <a:ea typeface="Open Sans"/>
+                <a:cs typeface="Open Sans"/>
+                <a:sym typeface="Open Sans"/>
+              </a:rPr>
+              <a:t>The </a:t>
+            </a:r>
+            <a:r>
+              <a:rPr lang="en" sz="1300" u="sng" dirty="0">
+                <a:solidFill>
+                  <a:schemeClr val="hlink"/>
+                </a:solidFill>
+                <a:highlight>
+                  <a:srgbClr val="FFFFFF"/>
+                </a:highlight>
+                <a:latin typeface="Open Sans"/>
+                <a:ea typeface="Open Sans"/>
+                <a:cs typeface="Open Sans"/>
+                <a:sym typeface="Open Sans"/>
+                <a:hlinkClick r:id="rId3"/>
+              </a:rPr>
+              <a:t>HR dataset</a:t>
+            </a:r>
+            <a:r>
+              <a:rPr lang="en" sz="1300" dirty="0">
+                <a:solidFill>
+                  <a:srgbClr val="525C65"/>
+                </a:solidFill>
+                <a:highlight>
+                  <a:srgbClr val="FFFFFF"/>
+                </a:highlight>
+                <a:latin typeface="Open Sans"/>
+                <a:ea typeface="Open Sans"/>
+                <a:cs typeface="Open Sans"/>
+                <a:sym typeface="Open Sans"/>
+              </a:rPr>
+              <a:t> you will be working with is an Excel workbook which consists of 206 records, with eleven columns. The data is in human readable format, and has not been normalized at all. The data lists the names of employees at Tech ABC Corp as well as information such as job title, department, manager's name, hire date, start date, end date, work location, and salary.</a:t>
+            </a:r>
+            <a:endParaRPr sz="1300" dirty="0">
+              <a:solidFill>
+                <a:srgbClr val="525C65"/>
+              </a:solidFill>
+              <a:highlight>
+                <a:srgbClr val="FFFFFF"/>
+              </a:highlight>
+              <a:latin typeface="Open Sans"/>
+              <a:ea typeface="Open Sans"/>
+              <a:cs typeface="Open Sans"/>
+              <a:sym typeface="Open Sans"/>
+            </a:endParaRPr>
+          </a:p>
+          <a:p>
+            <a:pPr marL="241300" marR="241300" lvl="0" indent="0" algn="l" rtl="0">
+              <a:lnSpc>
+                <a:spcPct val="170000"/>
+              </a:lnSpc>
+              <a:spcBef>
+                <a:spcPts val="0"/>
+              </a:spcBef>
+              <a:spcAft>
+                <a:spcPts val="0"/>
+              </a:spcAft>
+              <a:buClr>
+                <a:schemeClr val="dk1"/>
+              </a:buClr>
+              <a:buSzPts val="1100"/>
+              <a:buFont typeface="Arial"/>
+              <a:buNone/>
+            </a:pPr>
+            <a:endParaRPr sz="1300" dirty="0">
+              <a:solidFill>
+                <a:srgbClr val="525C65"/>
+              </a:solidFill>
+              <a:highlight>
+                <a:srgbClr val="FFFFFF"/>
+              </a:highlight>
+              <a:latin typeface="Open Sans"/>
+              <a:ea typeface="Open Sans"/>
+              <a:cs typeface="Open Sans"/>
+              <a:sym typeface="Open Sans"/>
+            </a:endParaRPr>
+          </a:p>
+          <a:p>
+            <a:pPr marL="241300" marR="241300" lvl="0" indent="0" algn="l" rtl="0">
+              <a:lnSpc>
+                <a:spcPct val="170000"/>
+              </a:lnSpc>
+              <a:spcBef>
+                <a:spcPts val="0"/>
+              </a:spcBef>
+              <a:spcAft>
+                <a:spcPts val="0"/>
+              </a:spcAft>
+              <a:buClr>
+                <a:schemeClr val="dk1"/>
+              </a:buClr>
+              <a:buSzPts val="1100"/>
+              <a:buFont typeface="Arial"/>
+              <a:buNone/>
+            </a:pPr>
+            <a:r>
+              <a:rPr lang="en" sz="1500" b="1" dirty="0">
+                <a:solidFill>
+                  <a:srgbClr val="2E3D49"/>
+                </a:solidFill>
+                <a:highlight>
+                  <a:schemeClr val="lt1"/>
+                </a:highlight>
+                <a:latin typeface="Open Sans"/>
+                <a:ea typeface="Open Sans"/>
+                <a:cs typeface="Open Sans"/>
+                <a:sym typeface="Open Sans"/>
+              </a:rPr>
+              <a:t>IT Department Best Practices</a:t>
+            </a:r>
+            <a:endParaRPr sz="1500" b="1" dirty="0">
+              <a:solidFill>
+                <a:srgbClr val="2E3D49"/>
+              </a:solidFill>
+              <a:highlight>
+                <a:schemeClr val="lt1"/>
+              </a:highlight>
+              <a:latin typeface="Open Sans"/>
+              <a:ea typeface="Open Sans"/>
+              <a:cs typeface="Open Sans"/>
+              <a:sym typeface="Open Sans"/>
+            </a:endParaRPr>
+          </a:p>
+          <a:p>
+            <a:pPr marL="241300" marR="241300" lvl="0" indent="0" algn="l" rtl="0">
+              <a:lnSpc>
+                <a:spcPct val="170000"/>
+              </a:lnSpc>
+              <a:spcBef>
+                <a:spcPts val="0"/>
+              </a:spcBef>
+              <a:spcAft>
+                <a:spcPts val="0"/>
+              </a:spcAft>
+              <a:buClr>
+                <a:schemeClr val="dk1"/>
+              </a:buClr>
+              <a:buSzPts val="1100"/>
+              <a:buFont typeface="Arial"/>
+              <a:buNone/>
+            </a:pPr>
+            <a:r>
+              <a:rPr lang="en" sz="1300" dirty="0">
+                <a:solidFill>
+                  <a:srgbClr val="525C65"/>
+                </a:solidFill>
+                <a:highlight>
+                  <a:schemeClr val="lt1"/>
+                </a:highlight>
+                <a:latin typeface="Open Sans"/>
+                <a:ea typeface="Open Sans"/>
+                <a:cs typeface="Open Sans"/>
+                <a:sym typeface="Open Sans"/>
+              </a:rPr>
+              <a:t>The IT Department has certain Best Practices policies for databases you should follow, as detailed in the </a:t>
+            </a:r>
+            <a:r>
+              <a:rPr lang="en" sz="1300" u="sng" dirty="0">
+                <a:solidFill>
+                  <a:schemeClr val="hlink"/>
+                </a:solidFill>
+                <a:highlight>
+                  <a:schemeClr val="lt1"/>
+                </a:highlight>
+                <a:latin typeface="Open Sans"/>
+                <a:ea typeface="Open Sans"/>
+                <a:cs typeface="Open Sans"/>
+                <a:sym typeface="Open Sans"/>
+                <a:hlinkClick r:id="rId4"/>
+              </a:rPr>
+              <a:t>Best Practices document</a:t>
+            </a:r>
+            <a:r>
+              <a:rPr lang="en" sz="1300" dirty="0">
+                <a:solidFill>
+                  <a:srgbClr val="525C65"/>
+                </a:solidFill>
+                <a:highlight>
+                  <a:schemeClr val="lt1"/>
+                </a:highlight>
+                <a:latin typeface="Open Sans"/>
+                <a:ea typeface="Open Sans"/>
+                <a:cs typeface="Open Sans"/>
+                <a:sym typeface="Open Sans"/>
+              </a:rPr>
+              <a:t>.</a:t>
+            </a:r>
+            <a:endParaRPr sz="1300" dirty="0">
+              <a:solidFill>
+                <a:srgbClr val="525C65"/>
+              </a:solidFill>
+              <a:highlight>
+                <a:srgbClr val="FFFFFF"/>
+              </a:highlight>
+              <a:latin typeface="Open Sans"/>
+              <a:ea typeface="Open Sans"/>
+              <a:cs typeface="Open Sans"/>
+              <a:sym typeface="Open Sans"/>
+            </a:endParaRPr>
+          </a:p>
+          <a:p>
+            <a:pPr marL="0" lvl="0" indent="0" algn="l" rtl="0">
+              <a:spcBef>
+                <a:spcPts val="0"/>
+              </a:spcBef>
+              <a:spcAft>
+                <a:spcPts val="1600"/>
+              </a:spcAft>
+              <a:buNone/>
+            </a:pPr>
+            <a:endParaRPr sz="2200" dirty="0"/>
+          </a:p>
+        </p:txBody>
+      </p:sp>
+    </p:spTree>
+  </p:cSld>
+  <p:clrMapOvr>
+    <a:masterClrMapping/>
+  </p:clrMapOvr>
+</p:sld>
+</file>
+
+<file path=ppt/slides/slide20.xml><?xml version="1.0" encoding="utf-8"?>
 <p:sld xmlns:a="http://schemas.openxmlformats.org/drawingml/2006/main" xmlns:r="http://schemas.openxmlformats.org/officeDocument/2006/relationships" xmlns:p="http://schemas.openxmlformats.org/presentationml/2006/main">
   <p:cSld>
     <p:spTree>
@@ -32597,21 +32860,6 @@
               </a:rPr>
               <a:t> </a:t>
             </a:r>
-            <a:r>
-              <a:rPr lang="en" sz="1200" dirty="0">
-                <a:solidFill>
-                  <a:srgbClr val="FF0000"/>
-                </a:solidFill>
-                <a:highlight>
-                  <a:schemeClr val="lt1"/>
-                </a:highlight>
-                <a:latin typeface="Open Sans"/>
-                <a:ea typeface="Open Sans"/>
-                <a:cs typeface="Open Sans"/>
-                <a:sym typeface="Open Sans"/>
-              </a:rPr>
-              <a:t>** Replace example screenshot below with your response, and include the query in a SQL file</a:t>
-            </a:r>
             <a:endParaRPr sz="1900" b="1" dirty="0">
               <a:latin typeface="Open Sans"/>
               <a:ea typeface="Open Sans"/>
@@ -32622,7 +32870,7 @@
           <a:p>
             <a:pPr marL="0" lvl="0" indent="0" algn="l" rtl="0">
               <a:spcBef>
-                <a:spcPts val="0"/>
+                <a:spcPts val="1600"/>
               </a:spcBef>
               <a:spcAft>
                 <a:spcPts val="0"/>
@@ -32671,7 +32919,7 @@
             </a:endParaRPr>
           </a:p>
           <a:p>
-            <a:pPr marL="0" lvl="0" indent="0" algn="l" rtl="0">
+            <a:pPr marL="457200" lvl="0" indent="0" algn="l" rtl="0">
               <a:spcBef>
                 <a:spcPts val="1600"/>
               </a:spcBef>
@@ -32688,7 +32936,7 @@
             </a:endParaRPr>
           </a:p>
           <a:p>
-            <a:pPr marL="457200" lvl="0" indent="0" algn="l" rtl="0">
+            <a:pPr marL="0" lvl="0" indent="0" algn="l" rtl="0">
               <a:spcBef>
                 <a:spcPts val="1600"/>
               </a:spcBef>
@@ -32731,23 +32979,6 @@
               </a:spcAft>
               <a:buNone/>
             </a:pPr>
-            <a:endParaRPr sz="1900" b="1" dirty="0">
-              <a:latin typeface="Open Sans"/>
-              <a:ea typeface="Open Sans"/>
-              <a:cs typeface="Open Sans"/>
-              <a:sym typeface="Open Sans"/>
-            </a:endParaRPr>
-          </a:p>
-          <a:p>
-            <a:pPr marL="0" lvl="0" indent="0" algn="l" rtl="0">
-              <a:spcBef>
-                <a:spcPts val="1600"/>
-              </a:spcBef>
-              <a:spcAft>
-                <a:spcPts val="0"/>
-              </a:spcAft>
-              <a:buNone/>
-            </a:pPr>
             <a:endParaRPr sz="1900" dirty="0"/>
           </a:p>
           <a:p>
@@ -32790,10 +33021,10 @@
       </p:sp>
       <p:pic>
         <p:nvPicPr>
-          <p:cNvPr id="3" name="Picture 2" descr="A screenshot of a computer&#10;&#10;Description automatically generated with low confidence">
+          <p:cNvPr id="4" name="Picture 3" descr="Text&#10;&#10;Description automatically generated">
             <a:extLst>
               <a:ext uri="{FF2B5EF4-FFF2-40B4-BE49-F238E27FC236}">
-                <a16:creationId xmlns:a16="http://schemas.microsoft.com/office/drawing/2014/main" id="{BD6B8C20-A399-43BA-B78C-41CC0E39F96E}"/>
+                <a16:creationId xmlns:a16="http://schemas.microsoft.com/office/drawing/2014/main" id="{DADA86C1-9EAF-4383-96AE-E53F03A53FAF}"/>
               </a:ext>
             </a:extLst>
           </p:cNvPr>
@@ -32810,8 +33041,8 @@
         </p:blipFill>
         <p:spPr>
           <a:xfrm>
-            <a:off x="2539931" y="4810113"/>
-            <a:ext cx="2692538" cy="438173"/>
+            <a:off x="2161940" y="4917166"/>
+            <a:ext cx="2654436" cy="2883048"/>
           </a:xfrm>
           <a:prstGeom prst="rect">
             <a:avLst/>
@@ -32826,7 +33057,7 @@
 </p:sld>
 </file>
 
-<file path=ppt/slides/slide22.xml><?xml version="1.0" encoding="utf-8"?>
+<file path=ppt/slides/slide21.xml><?xml version="1.0" encoding="utf-8"?>
 <p:sld xmlns:a="http://schemas.openxmlformats.org/drawingml/2006/main" xmlns:r="http://schemas.openxmlformats.org/officeDocument/2006/relationships" xmlns:p="http://schemas.openxmlformats.org/presentationml/2006/main">
   <p:cSld>
     <p:spTree>
@@ -32968,56 +33199,6 @@
           </a:p>
           <a:p>
             <a:pPr marL="0" lvl="0" indent="0" algn="l" rtl="0">
-              <a:lnSpc>
-                <a:spcPct val="170000"/>
-              </a:lnSpc>
-              <a:spcBef>
-                <a:spcPts val="1600"/>
-              </a:spcBef>
-              <a:spcAft>
-                <a:spcPts val="0"/>
-              </a:spcAft>
-              <a:buNone/>
-            </a:pPr>
-            <a:r>
-              <a:rPr lang="en" sz="1200" dirty="0">
-                <a:solidFill>
-                  <a:srgbClr val="525C65"/>
-                </a:solidFill>
-                <a:highlight>
-                  <a:schemeClr val="lt1"/>
-                </a:highlight>
-                <a:latin typeface="Open Sans"/>
-                <a:ea typeface="Open Sans"/>
-                <a:cs typeface="Open Sans"/>
-                <a:sym typeface="Open Sans"/>
-              </a:rPr>
-              <a:t>      </a:t>
-            </a:r>
-            <a:r>
-              <a:rPr lang="en" sz="1200" dirty="0">
-                <a:solidFill>
-                  <a:srgbClr val="FF0000"/>
-                </a:solidFill>
-                <a:highlight>
-                  <a:schemeClr val="lt1"/>
-                </a:highlight>
-                <a:latin typeface="Open Sans"/>
-                <a:ea typeface="Open Sans"/>
-                <a:cs typeface="Open Sans"/>
-                <a:sym typeface="Open Sans"/>
-              </a:rPr>
-              <a:t>** Replace example screenshot below with your response, and include the query in a SQL file</a:t>
-            </a:r>
-            <a:endParaRPr sz="1900" b="1" dirty="0">
-              <a:latin typeface="Open Sans"/>
-              <a:ea typeface="Open Sans"/>
-              <a:cs typeface="Open Sans"/>
-              <a:sym typeface="Open Sans"/>
-            </a:endParaRPr>
-          </a:p>
-          <a:p>
-            <a:pPr marL="0" lvl="0" indent="0" algn="l" rtl="0">
               <a:spcBef>
                 <a:spcPts val="0"/>
               </a:spcBef>
@@ -33223,7 +33404,7 @@
 </p:sld>
 </file>
 
-<file path=ppt/slides/slide23.xml><?xml version="1.0" encoding="utf-8"?>
+<file path=ppt/slides/slide22.xml><?xml version="1.0" encoding="utf-8"?>
 <p:sld xmlns:a="http://schemas.openxmlformats.org/drawingml/2006/main" xmlns:r="http://schemas.openxmlformats.org/officeDocument/2006/relationships" xmlns:p="http://schemas.openxmlformats.org/presentationml/2006/main">
   <p:cSld>
     <p:spTree>
@@ -33603,7 +33784,7 @@
 </p:sld>
 </file>
 
-<file path=ppt/slides/slide24.xml><?xml version="1.0" encoding="utf-8"?>
+<file path=ppt/slides/slide23.xml><?xml version="1.0" encoding="utf-8"?>
 <p:sld xmlns:a="http://schemas.openxmlformats.org/drawingml/2006/main" xmlns:r="http://schemas.openxmlformats.org/officeDocument/2006/relationships" xmlns:p="http://schemas.openxmlformats.org/presentationml/2006/main">
   <p:cSld>
     <p:spTree>
@@ -33707,7 +33888,20 @@
               </a:rPr>
               <a:t>Question 7: Describe how you would apply table security to restrict access to employee salaries using an SQL server.</a:t>
             </a:r>
-            <a:endParaRPr sz="1900" b="1" dirty="0">
+          </a:p>
+          <a:p>
+            <a:pPr marL="457200" lvl="0" indent="-349250" algn="l" rtl="0">
+              <a:spcBef>
+                <a:spcPts val="0"/>
+              </a:spcBef>
+              <a:spcAft>
+                <a:spcPts val="0"/>
+              </a:spcAft>
+              <a:buSzPts val="1900"/>
+              <a:buFont typeface="Open Sans"/>
+              <a:buChar char="●"/>
+            </a:pPr>
+            <a:endParaRPr lang="en" sz="1900" b="1" dirty="0">
               <a:latin typeface="Open Sans"/>
               <a:ea typeface="Open Sans"/>
               <a:cs typeface="Open Sans"/>
@@ -33715,31 +33909,79 @@
             </a:endParaRPr>
           </a:p>
           <a:p>
-            <a:pPr marL="0" lvl="0" indent="0" algn="l" rtl="0">
-              <a:spcBef>
-                <a:spcPts val="1600"/>
-              </a:spcBef>
-              <a:spcAft>
-                <a:spcPts val="0"/>
-              </a:spcAft>
+            <a:pPr marL="107950" lvl="0" indent="0" algn="l" rtl="0">
+              <a:spcBef>
+                <a:spcPts val="0"/>
+              </a:spcBef>
+              <a:spcAft>
+                <a:spcPts val="0"/>
+              </a:spcAft>
+              <a:buSzPts val="1900"/>
               <a:buNone/>
             </a:pPr>
             <a:r>
               <a:rPr lang="en" sz="1900" b="1" dirty="0">
-                <a:solidFill>
-                  <a:srgbClr val="FF0000"/>
-                </a:solidFill>
                 <a:latin typeface="Open Sans"/>
                 <a:ea typeface="Open Sans"/>
                 <a:cs typeface="Open Sans"/>
                 <a:sym typeface="Open Sans"/>
               </a:rPr>
-              <a:t>** answer in a short paragraph, how you would apply table security to restrict access to employee salaries</a:t>
+              <a:t>Restricted data has been seperated into its own table to allow for restrictions to be placed at the table level.</a:t>
             </a:r>
+          </a:p>
+          <a:p>
+            <a:pPr marL="457200" lvl="0" indent="-349250" algn="l" rtl="0">
+              <a:spcBef>
+                <a:spcPts val="0"/>
+              </a:spcBef>
+              <a:spcAft>
+                <a:spcPts val="0"/>
+              </a:spcAft>
+              <a:buSzPts val="1900"/>
+              <a:buFont typeface="Open Sans"/>
+              <a:buChar char="●"/>
+            </a:pPr>
+            <a:endParaRPr lang="en" sz="1900" b="1" dirty="0">
+              <a:latin typeface="Open Sans"/>
+              <a:ea typeface="Open Sans"/>
+              <a:cs typeface="Open Sans"/>
+              <a:sym typeface="Open Sans"/>
+            </a:endParaRPr>
+          </a:p>
+          <a:p>
+            <a:pPr marL="107950" lvl="0" indent="0" algn="l" rtl="0">
+              <a:spcBef>
+                <a:spcPts val="0"/>
+              </a:spcBef>
+              <a:spcAft>
+                <a:spcPts val="0"/>
+              </a:spcAft>
+              <a:buSzPts val="1900"/>
+              <a:buNone/>
+            </a:pPr>
+            <a:r>
+              <a:rPr lang="en" sz="1900" b="1" dirty="0">
+                <a:latin typeface="Open Sans"/>
+                <a:ea typeface="Open Sans"/>
+                <a:cs typeface="Open Sans"/>
+                <a:sym typeface="Open Sans"/>
+              </a:rPr>
+              <a:t>As per the IT best practice guide, and business requirements users are given access to all tables, and then access to the salary table is removed for all users except HR and Managers.</a:t>
+            </a:r>
+          </a:p>
+          <a:p>
+            <a:pPr marL="457200" lvl="0" indent="-349250" algn="l" rtl="0">
+              <a:spcBef>
+                <a:spcPts val="0"/>
+              </a:spcBef>
+              <a:spcAft>
+                <a:spcPts val="0"/>
+              </a:spcAft>
+              <a:buSzPts val="1900"/>
+              <a:buFont typeface="Open Sans"/>
+              <a:buChar char="●"/>
+            </a:pPr>
             <a:endParaRPr sz="1900" b="1" dirty="0">
-              <a:solidFill>
-                <a:srgbClr val="FF0000"/>
-              </a:solidFill>
               <a:latin typeface="Open Sans"/>
               <a:ea typeface="Open Sans"/>
               <a:cs typeface="Open Sans"/>
@@ -33821,7 +34063,7 @@
 </p:sld>
 </file>
 
-<file path=ppt/slides/slide25.xml><?xml version="1.0" encoding="utf-8"?>
+<file path=ppt/slides/slide24.xml><?xml version="1.0" encoding="utf-8"?>
 <p:sld xmlns:a="http://schemas.openxmlformats.org/drawingml/2006/main" xmlns:r="http://schemas.openxmlformats.org/officeDocument/2006/relationships" xmlns:p="http://schemas.openxmlformats.org/presentationml/2006/main">
   <p:cSld>
     <p:bg>
@@ -34013,7 +34255,7 @@
 </p:sld>
 </file>
 
-<file path=ppt/slides/slide26.xml><?xml version="1.0" encoding="utf-8"?>
+<file path=ppt/slides/slide25.xml><?xml version="1.0" encoding="utf-8"?>
 <p:sld xmlns:a="http://schemas.openxmlformats.org/drawingml/2006/main" xmlns:r="http://schemas.openxmlformats.org/officeDocument/2006/relationships" xmlns:p="http://schemas.openxmlformats.org/presentationml/2006/main">
   <p:cSld>
     <p:spTree>
@@ -34181,7 +34423,7 @@
 </p:sld>
 </file>
 
-<file path=ppt/slides/slide27.xml><?xml version="1.0" encoding="utf-8"?>
+<file path=ppt/slides/slide26.xml><?xml version="1.0" encoding="utf-8"?>
 <p:sld xmlns:a="http://schemas.openxmlformats.org/drawingml/2006/main" xmlns:r="http://schemas.openxmlformats.org/officeDocument/2006/relationships" xmlns:p="http://schemas.openxmlformats.org/presentationml/2006/main">
   <p:cSld>
     <p:spTree>
@@ -34348,7 +34590,7 @@
 </p:sld>
 </file>
 
-<file path=ppt/slides/slide28.xml><?xml version="1.0" encoding="utf-8"?>
+<file path=ppt/slides/slide27.xml><?xml version="1.0" encoding="utf-8"?>
 <p:sld xmlns:a="http://schemas.openxmlformats.org/drawingml/2006/main" xmlns:r="http://schemas.openxmlformats.org/officeDocument/2006/relationships" xmlns:p="http://schemas.openxmlformats.org/presentationml/2006/main">
   <p:cSld>
     <p:spTree>
@@ -34515,7 +34757,7 @@
 </p:sld>
 </file>
 
-<file path=ppt/slides/slide29.xml><?xml version="1.0" encoding="utf-8"?>
+<file path=ppt/slides/slide28.xml><?xml version="1.0" encoding="utf-8"?>
 <p:sld xmlns:a="http://schemas.openxmlformats.org/drawingml/2006/main" xmlns:r="http://schemas.openxmlformats.org/officeDocument/2006/relationships" xmlns:p="http://schemas.openxmlformats.org/presentationml/2006/main">
   <p:cSld>
     <p:spTree>
@@ -34726,604 +34968,7 @@
 </p:sld>
 </file>
 
-<file path=ppt/slides/slide3.xml><?xml version="1.0" encoding="utf-8"?>
-<p:sld xmlns:a="http://schemas.openxmlformats.org/drawingml/2006/main" xmlns:r="http://schemas.openxmlformats.org/officeDocument/2006/relationships" xmlns:p="http://schemas.openxmlformats.org/presentationml/2006/main">
-  <p:cSld>
-    <p:spTree>
-      <p:nvGrpSpPr>
-        <p:cNvPr id="1" name="Shape 192"/>
-        <p:cNvGrpSpPr/>
-        <p:nvPr/>
-      </p:nvGrpSpPr>
-      <p:grpSpPr>
-        <a:xfrm>
-          <a:off x="0" y="0"/>
-          <a:ext cx="0" cy="0"/>
-          <a:chOff x="0" y="0"/>
-          <a:chExt cx="0" cy="0"/>
-        </a:xfrm>
-      </p:grpSpPr>
-      <p:sp>
-        <p:nvSpPr>
-          <p:cNvPr id="193" name="Google Shape;193;p53"/>
-          <p:cNvSpPr txBox="1">
-            <a:spLocks noGrp="1"/>
-          </p:cNvSpPr>
-          <p:nvPr>
-            <p:ph type="title"/>
-          </p:nvPr>
-        </p:nvSpPr>
-        <p:spPr>
-          <a:xfrm>
-            <a:off x="264945" y="870271"/>
-            <a:ext cx="7242600" cy="1119900"/>
-          </a:xfrm>
-          <a:prstGeom prst="rect">
-            <a:avLst/>
-          </a:prstGeom>
-        </p:spPr>
-        <p:txBody>
-          <a:bodyPr spcFirstLastPara="1" wrap="square" lIns="91425" tIns="91425" rIns="91425" bIns="91425" anchor="ctr" anchorCtr="0">
-            <a:noAutofit/>
-          </a:bodyPr>
-          <a:lstStyle/>
-          <a:p>
-            <a:pPr marL="0" lvl="0" indent="0" algn="l" rtl="0">
-              <a:spcBef>
-                <a:spcPts val="0"/>
-              </a:spcBef>
-              <a:spcAft>
-                <a:spcPts val="0"/>
-              </a:spcAft>
-              <a:buNone/>
-            </a:pPr>
-            <a:r>
-              <a:rPr lang="en"/>
-              <a:t>Business Scenario</a:t>
-            </a:r>
-            <a:endParaRPr/>
-          </a:p>
-        </p:txBody>
-      </p:sp>
-      <p:sp>
-        <p:nvSpPr>
-          <p:cNvPr id="194" name="Google Shape;194;p53"/>
-          <p:cNvSpPr txBox="1">
-            <a:spLocks noGrp="1"/>
-          </p:cNvSpPr>
-          <p:nvPr>
-            <p:ph type="body" idx="1"/>
-          </p:nvPr>
-        </p:nvSpPr>
-        <p:spPr>
-          <a:xfrm>
-            <a:off x="264945" y="2253729"/>
-            <a:ext cx="7242600" cy="6239700"/>
-          </a:xfrm>
-          <a:prstGeom prst="rect">
-            <a:avLst/>
-          </a:prstGeom>
-        </p:spPr>
-        <p:txBody>
-          <a:bodyPr spcFirstLastPara="1" wrap="square" lIns="91425" tIns="91425" rIns="91425" bIns="91425" anchor="t" anchorCtr="0">
-            <a:noAutofit/>
-          </a:bodyPr>
-          <a:lstStyle/>
-          <a:p>
-            <a:pPr marL="0" marR="241300" lvl="0" indent="0" algn="l" rtl="0">
-              <a:lnSpc>
-                <a:spcPct val="170000"/>
-              </a:lnSpc>
-              <a:spcBef>
-                <a:spcPts val="0"/>
-              </a:spcBef>
-              <a:spcAft>
-                <a:spcPts val="0"/>
-              </a:spcAft>
-              <a:buClr>
-                <a:schemeClr val="dk1"/>
-              </a:buClr>
-              <a:buSzPts val="1100"/>
-              <a:buFont typeface="Arial"/>
-              <a:buNone/>
-            </a:pPr>
-            <a:r>
-              <a:rPr lang="en" sz="1350" b="1" dirty="0">
-                <a:solidFill>
-                  <a:srgbClr val="2E3D49"/>
-                </a:solidFill>
-                <a:highlight>
-                  <a:srgbClr val="FFFFFF"/>
-                </a:highlight>
-                <a:latin typeface="Open Sans"/>
-                <a:ea typeface="Open Sans"/>
-                <a:cs typeface="Open Sans"/>
-                <a:sym typeface="Open Sans"/>
-              </a:rPr>
-              <a:t>  </a:t>
-            </a:r>
-            <a:r>
-              <a:rPr lang="en" sz="1500" b="1" dirty="0">
-                <a:solidFill>
-                  <a:srgbClr val="2E3D49"/>
-                </a:solidFill>
-                <a:highlight>
-                  <a:srgbClr val="FFFFFF"/>
-                </a:highlight>
-                <a:latin typeface="Open Sans"/>
-                <a:ea typeface="Open Sans"/>
-                <a:cs typeface="Open Sans"/>
-                <a:sym typeface="Open Sans"/>
-              </a:rPr>
-              <a:t>   Business requirement</a:t>
-            </a:r>
-            <a:endParaRPr sz="1500" b="1" dirty="0">
-              <a:solidFill>
-                <a:srgbClr val="2E3D49"/>
-              </a:solidFill>
-              <a:highlight>
-                <a:srgbClr val="FFFFFF"/>
-              </a:highlight>
-              <a:latin typeface="Open Sans"/>
-              <a:ea typeface="Open Sans"/>
-              <a:cs typeface="Open Sans"/>
-              <a:sym typeface="Open Sans"/>
-            </a:endParaRPr>
-          </a:p>
-          <a:p>
-            <a:pPr marL="241300" marR="241300" lvl="0" indent="0" algn="l" rtl="0">
-              <a:lnSpc>
-                <a:spcPct val="170000"/>
-              </a:lnSpc>
-              <a:spcBef>
-                <a:spcPts val="400"/>
-              </a:spcBef>
-              <a:spcAft>
-                <a:spcPts val="0"/>
-              </a:spcAft>
-              <a:buClr>
-                <a:schemeClr val="dk1"/>
-              </a:buClr>
-              <a:buSzPts val="1100"/>
-              <a:buFont typeface="Arial"/>
-              <a:buNone/>
-            </a:pPr>
-            <a:r>
-              <a:rPr lang="en" sz="1300" dirty="0">
-                <a:solidFill>
-                  <a:srgbClr val="525C65"/>
-                </a:solidFill>
-                <a:highlight>
-                  <a:srgbClr val="FFFFFF"/>
-                </a:highlight>
-                <a:latin typeface="Open Sans"/>
-                <a:ea typeface="Open Sans"/>
-                <a:cs typeface="Open Sans"/>
-                <a:sym typeface="Open Sans"/>
-              </a:rPr>
-              <a:t>Tech ABC Corp saw explosive growth with a sudden appearance onto the gaming scene with their new AI-powered video game console. As a result, they have gone from a small 10 person operation to 200 employees and 5 locations in under a year. HR is having trouble keeping up with the growth, since they are still maintaining employee information in a spreadsheet. While that worked for ten employees, it has becoming increasingly cumbersome to manage as the company expands.</a:t>
-            </a:r>
-            <a:endParaRPr sz="1300" dirty="0">
-              <a:solidFill>
-                <a:srgbClr val="525C65"/>
-              </a:solidFill>
-              <a:highlight>
-                <a:srgbClr val="FFFFFF"/>
-              </a:highlight>
-              <a:latin typeface="Open Sans"/>
-              <a:ea typeface="Open Sans"/>
-              <a:cs typeface="Open Sans"/>
-              <a:sym typeface="Open Sans"/>
-            </a:endParaRPr>
-          </a:p>
-          <a:p>
-            <a:pPr marL="241300" marR="241300" lvl="0" indent="0" algn="l" rtl="0">
-              <a:lnSpc>
-                <a:spcPct val="170000"/>
-              </a:lnSpc>
-              <a:spcBef>
-                <a:spcPts val="0"/>
-              </a:spcBef>
-              <a:spcAft>
-                <a:spcPts val="0"/>
-              </a:spcAft>
-              <a:buClr>
-                <a:schemeClr val="dk1"/>
-              </a:buClr>
-              <a:buSzPts val="1100"/>
-              <a:buFont typeface="Arial"/>
-              <a:buNone/>
-            </a:pPr>
-            <a:endParaRPr sz="1300" dirty="0">
-              <a:solidFill>
-                <a:srgbClr val="525C65"/>
-              </a:solidFill>
-              <a:highlight>
-                <a:srgbClr val="FFFFFF"/>
-              </a:highlight>
-              <a:latin typeface="Open Sans"/>
-              <a:ea typeface="Open Sans"/>
-              <a:cs typeface="Open Sans"/>
-              <a:sym typeface="Open Sans"/>
-            </a:endParaRPr>
-          </a:p>
-          <a:p>
-            <a:pPr marL="241300" marR="241300" lvl="0" indent="0" algn="l" rtl="0">
-              <a:lnSpc>
-                <a:spcPct val="170000"/>
-              </a:lnSpc>
-              <a:spcBef>
-                <a:spcPts val="0"/>
-              </a:spcBef>
-              <a:spcAft>
-                <a:spcPts val="0"/>
-              </a:spcAft>
-              <a:buClr>
-                <a:schemeClr val="dk1"/>
-              </a:buClr>
-              <a:buSzPts val="1100"/>
-              <a:buFont typeface="Arial"/>
-              <a:buNone/>
-            </a:pPr>
-            <a:r>
-              <a:rPr lang="en" sz="1300" dirty="0">
-                <a:solidFill>
-                  <a:srgbClr val="525C65"/>
-                </a:solidFill>
-                <a:highlight>
-                  <a:srgbClr val="FFFFFF"/>
-                </a:highlight>
-                <a:latin typeface="Open Sans"/>
-                <a:ea typeface="Open Sans"/>
-                <a:cs typeface="Open Sans"/>
-                <a:sym typeface="Open Sans"/>
-              </a:rPr>
-              <a:t>As such, the HR department has tasked you, as the new data architect, to design and build a database capable of managing their employee information.</a:t>
-            </a:r>
-            <a:endParaRPr sz="1300" dirty="0">
-              <a:solidFill>
-                <a:srgbClr val="525C65"/>
-              </a:solidFill>
-              <a:highlight>
-                <a:srgbClr val="FFFFFF"/>
-              </a:highlight>
-              <a:latin typeface="Open Sans"/>
-              <a:ea typeface="Open Sans"/>
-              <a:cs typeface="Open Sans"/>
-              <a:sym typeface="Open Sans"/>
-            </a:endParaRPr>
-          </a:p>
-          <a:p>
-            <a:pPr marL="241300" marR="241300" lvl="0" indent="0" algn="l" rtl="0">
-              <a:lnSpc>
-                <a:spcPct val="170000"/>
-              </a:lnSpc>
-              <a:spcBef>
-                <a:spcPts val="0"/>
-              </a:spcBef>
-              <a:spcAft>
-                <a:spcPts val="0"/>
-              </a:spcAft>
-              <a:buClr>
-                <a:schemeClr val="dk1"/>
-              </a:buClr>
-              <a:buSzPts val="1100"/>
-              <a:buFont typeface="Arial"/>
-              <a:buNone/>
-            </a:pPr>
-            <a:endParaRPr sz="1200" dirty="0">
-              <a:solidFill>
-                <a:srgbClr val="525C65"/>
-              </a:solidFill>
-              <a:highlight>
-                <a:srgbClr val="FFFFFF"/>
-              </a:highlight>
-              <a:latin typeface="Open Sans"/>
-              <a:ea typeface="Open Sans"/>
-              <a:cs typeface="Open Sans"/>
-              <a:sym typeface="Open Sans"/>
-            </a:endParaRPr>
-          </a:p>
-          <a:p>
-            <a:pPr marL="241300" marR="241300" lvl="0" indent="0" algn="l" rtl="0">
-              <a:lnSpc>
-                <a:spcPct val="170000"/>
-              </a:lnSpc>
-              <a:spcBef>
-                <a:spcPts val="0"/>
-              </a:spcBef>
-              <a:spcAft>
-                <a:spcPts val="0"/>
-              </a:spcAft>
-              <a:buClr>
-                <a:schemeClr val="dk1"/>
-              </a:buClr>
-              <a:buSzPts val="1100"/>
-              <a:buFont typeface="Arial"/>
-              <a:buNone/>
-            </a:pPr>
-            <a:r>
-              <a:rPr lang="en" sz="1500" b="1" dirty="0">
-                <a:solidFill>
-                  <a:srgbClr val="2E3D49"/>
-                </a:solidFill>
-                <a:highlight>
-                  <a:srgbClr val="FFFFFF"/>
-                </a:highlight>
-                <a:latin typeface="Open Sans"/>
-                <a:ea typeface="Open Sans"/>
-                <a:cs typeface="Open Sans"/>
-                <a:sym typeface="Open Sans"/>
-              </a:rPr>
-              <a:t>Dataset</a:t>
-            </a:r>
-            <a:endParaRPr sz="1500" b="1" dirty="0">
-              <a:solidFill>
-                <a:srgbClr val="2E3D49"/>
-              </a:solidFill>
-              <a:highlight>
-                <a:srgbClr val="FFFFFF"/>
-              </a:highlight>
-              <a:latin typeface="Open Sans"/>
-              <a:ea typeface="Open Sans"/>
-              <a:cs typeface="Open Sans"/>
-              <a:sym typeface="Open Sans"/>
-            </a:endParaRPr>
-          </a:p>
-          <a:p>
-            <a:pPr marL="241300" marR="241300" lvl="0" indent="0" algn="l" rtl="0">
-              <a:lnSpc>
-                <a:spcPct val="170000"/>
-              </a:lnSpc>
-              <a:spcBef>
-                <a:spcPts val="0"/>
-              </a:spcBef>
-              <a:spcAft>
-                <a:spcPts val="0"/>
-              </a:spcAft>
-              <a:buClr>
-                <a:schemeClr val="dk1"/>
-              </a:buClr>
-              <a:buSzPts val="1100"/>
-              <a:buFont typeface="Arial"/>
-              <a:buNone/>
-            </a:pPr>
-            <a:r>
-              <a:rPr lang="en" sz="1300" dirty="0">
-                <a:solidFill>
-                  <a:srgbClr val="525C65"/>
-                </a:solidFill>
-                <a:highlight>
-                  <a:srgbClr val="FFFFFF"/>
-                </a:highlight>
-                <a:latin typeface="Open Sans"/>
-                <a:ea typeface="Open Sans"/>
-                <a:cs typeface="Open Sans"/>
-                <a:sym typeface="Open Sans"/>
-              </a:rPr>
-              <a:t>The </a:t>
-            </a:r>
-            <a:r>
-              <a:rPr lang="en" sz="1300" u="sng" dirty="0">
-                <a:solidFill>
-                  <a:schemeClr val="hlink"/>
-                </a:solidFill>
-                <a:highlight>
-                  <a:srgbClr val="FFFFFF"/>
-                </a:highlight>
-                <a:latin typeface="Open Sans"/>
-                <a:ea typeface="Open Sans"/>
-                <a:cs typeface="Open Sans"/>
-                <a:sym typeface="Open Sans"/>
-                <a:hlinkClick r:id="rId3"/>
-              </a:rPr>
-              <a:t>HR dataset</a:t>
-            </a:r>
-            <a:r>
-              <a:rPr lang="en" sz="1300" dirty="0">
-                <a:solidFill>
-                  <a:srgbClr val="525C65"/>
-                </a:solidFill>
-                <a:highlight>
-                  <a:srgbClr val="FFFFFF"/>
-                </a:highlight>
-                <a:latin typeface="Open Sans"/>
-                <a:ea typeface="Open Sans"/>
-                <a:cs typeface="Open Sans"/>
-                <a:sym typeface="Open Sans"/>
-              </a:rPr>
-              <a:t> you will be working with is an Excel workbook which consists of 206 records, with eleven columns. The data is in human readable format, and has not been normalized at all. The data lists the names of employees at Tech ABC Corp as well as information such as job title, department, manager's name, hire date, start date, end date, work location, and salary.</a:t>
-            </a:r>
-            <a:endParaRPr sz="1300" dirty="0">
-              <a:solidFill>
-                <a:srgbClr val="525C65"/>
-              </a:solidFill>
-              <a:highlight>
-                <a:srgbClr val="FFFFFF"/>
-              </a:highlight>
-              <a:latin typeface="Open Sans"/>
-              <a:ea typeface="Open Sans"/>
-              <a:cs typeface="Open Sans"/>
-              <a:sym typeface="Open Sans"/>
-            </a:endParaRPr>
-          </a:p>
-          <a:p>
-            <a:pPr marL="241300" marR="241300" lvl="0" indent="0" algn="l" rtl="0">
-              <a:lnSpc>
-                <a:spcPct val="170000"/>
-              </a:lnSpc>
-              <a:spcBef>
-                <a:spcPts val="0"/>
-              </a:spcBef>
-              <a:spcAft>
-                <a:spcPts val="0"/>
-              </a:spcAft>
-              <a:buClr>
-                <a:schemeClr val="dk1"/>
-              </a:buClr>
-              <a:buSzPts val="1100"/>
-              <a:buFont typeface="Arial"/>
-              <a:buNone/>
-            </a:pPr>
-            <a:endParaRPr sz="1300" dirty="0">
-              <a:solidFill>
-                <a:srgbClr val="525C65"/>
-              </a:solidFill>
-              <a:highlight>
-                <a:srgbClr val="FFFFFF"/>
-              </a:highlight>
-              <a:latin typeface="Open Sans"/>
-              <a:ea typeface="Open Sans"/>
-              <a:cs typeface="Open Sans"/>
-              <a:sym typeface="Open Sans"/>
-            </a:endParaRPr>
-          </a:p>
-          <a:p>
-            <a:pPr marL="241300" marR="241300" lvl="0" indent="0" algn="l" rtl="0">
-              <a:lnSpc>
-                <a:spcPct val="170000"/>
-              </a:lnSpc>
-              <a:spcBef>
-                <a:spcPts val="0"/>
-              </a:spcBef>
-              <a:spcAft>
-                <a:spcPts val="0"/>
-              </a:spcAft>
-              <a:buClr>
-                <a:schemeClr val="dk1"/>
-              </a:buClr>
-              <a:buSzPts val="1100"/>
-              <a:buFont typeface="Arial"/>
-              <a:buNone/>
-            </a:pPr>
-            <a:r>
-              <a:rPr lang="en" sz="1500" b="1" dirty="0">
-                <a:solidFill>
-                  <a:srgbClr val="2E3D49"/>
-                </a:solidFill>
-                <a:highlight>
-                  <a:schemeClr val="lt1"/>
-                </a:highlight>
-                <a:latin typeface="Open Sans"/>
-                <a:ea typeface="Open Sans"/>
-                <a:cs typeface="Open Sans"/>
-                <a:sym typeface="Open Sans"/>
-              </a:rPr>
-              <a:t>IT Department Best Practices</a:t>
-            </a:r>
-            <a:endParaRPr sz="1500" b="1" dirty="0">
-              <a:solidFill>
-                <a:srgbClr val="2E3D49"/>
-              </a:solidFill>
-              <a:highlight>
-                <a:schemeClr val="lt1"/>
-              </a:highlight>
-              <a:latin typeface="Open Sans"/>
-              <a:ea typeface="Open Sans"/>
-              <a:cs typeface="Open Sans"/>
-              <a:sym typeface="Open Sans"/>
-            </a:endParaRPr>
-          </a:p>
-          <a:p>
-            <a:pPr marL="241300" marR="241300" lvl="0" indent="0" algn="l" rtl="0">
-              <a:lnSpc>
-                <a:spcPct val="170000"/>
-              </a:lnSpc>
-              <a:spcBef>
-                <a:spcPts val="0"/>
-              </a:spcBef>
-              <a:spcAft>
-                <a:spcPts val="0"/>
-              </a:spcAft>
-              <a:buClr>
-                <a:schemeClr val="dk1"/>
-              </a:buClr>
-              <a:buSzPts val="1100"/>
-              <a:buFont typeface="Arial"/>
-              <a:buNone/>
-            </a:pPr>
-            <a:r>
-              <a:rPr lang="en" sz="1300" dirty="0">
-                <a:solidFill>
-                  <a:srgbClr val="525C65"/>
-                </a:solidFill>
-                <a:highlight>
-                  <a:schemeClr val="lt1"/>
-                </a:highlight>
-                <a:latin typeface="Open Sans"/>
-                <a:ea typeface="Open Sans"/>
-                <a:cs typeface="Open Sans"/>
-                <a:sym typeface="Open Sans"/>
-              </a:rPr>
-              <a:t>The IT Department has certain Best Practices policies for databases you should follow, as detailed in the </a:t>
-            </a:r>
-            <a:r>
-              <a:rPr lang="en" sz="1300" u="sng" dirty="0">
-                <a:solidFill>
-                  <a:schemeClr val="hlink"/>
-                </a:solidFill>
-                <a:highlight>
-                  <a:schemeClr val="lt1"/>
-                </a:highlight>
-                <a:latin typeface="Open Sans"/>
-                <a:ea typeface="Open Sans"/>
-                <a:cs typeface="Open Sans"/>
-                <a:sym typeface="Open Sans"/>
-                <a:hlinkClick r:id="rId4"/>
-              </a:rPr>
-              <a:t>Best Practices document</a:t>
-            </a:r>
-            <a:r>
-              <a:rPr lang="en" sz="1300" dirty="0">
-                <a:solidFill>
-                  <a:srgbClr val="525C65"/>
-                </a:solidFill>
-                <a:highlight>
-                  <a:schemeClr val="lt1"/>
-                </a:highlight>
-                <a:latin typeface="Open Sans"/>
-                <a:ea typeface="Open Sans"/>
-                <a:cs typeface="Open Sans"/>
-                <a:sym typeface="Open Sans"/>
-              </a:rPr>
-              <a:t>.</a:t>
-            </a:r>
-            <a:endParaRPr sz="1300" dirty="0">
-              <a:solidFill>
-                <a:srgbClr val="525C65"/>
-              </a:solidFill>
-              <a:highlight>
-                <a:srgbClr val="FFFFFF"/>
-              </a:highlight>
-              <a:latin typeface="Open Sans"/>
-              <a:ea typeface="Open Sans"/>
-              <a:cs typeface="Open Sans"/>
-              <a:sym typeface="Open Sans"/>
-            </a:endParaRPr>
-          </a:p>
-          <a:p>
-            <a:pPr marL="0" lvl="0" indent="0" algn="l" rtl="0">
-              <a:spcBef>
-                <a:spcPts val="0"/>
-              </a:spcBef>
-              <a:spcAft>
-                <a:spcPts val="1600"/>
-              </a:spcAft>
-              <a:buNone/>
-            </a:pPr>
-            <a:endParaRPr sz="2200" dirty="0"/>
-          </a:p>
-        </p:txBody>
-      </p:sp>
-    </p:spTree>
-  </p:cSld>
-  <p:clrMapOvr>
-    <a:masterClrMapping/>
-  </p:clrMapOvr>
-</p:sld>
-</file>
-
-<file path=ppt/slides/slide30.xml><?xml version="1.0" encoding="utf-8"?>
+<file path=ppt/slides/slide29.xml><?xml version="1.0" encoding="utf-8"?>
 <p:sld xmlns:a="http://schemas.openxmlformats.org/drawingml/2006/main" xmlns:r="http://schemas.openxmlformats.org/officeDocument/2006/relationships" xmlns:p="http://schemas.openxmlformats.org/presentationml/2006/main">
   <p:cSld>
     <p:bg>
@@ -35503,140 +35148,7 @@
 </p:sld>
 </file>
 
-<file path=ppt/slides/slide31.xml><?xml version="1.0" encoding="utf-8"?>
-<p:sld xmlns:a="http://schemas.openxmlformats.org/drawingml/2006/main" xmlns:r="http://schemas.openxmlformats.org/officeDocument/2006/relationships" xmlns:p="http://schemas.openxmlformats.org/presentationml/2006/main">
-  <p:cSld>
-    <p:spTree>
-      <p:nvGrpSpPr>
-        <p:cNvPr id="1" name="Shape 371"/>
-        <p:cNvGrpSpPr/>
-        <p:nvPr/>
-      </p:nvGrpSpPr>
-      <p:grpSpPr>
-        <a:xfrm>
-          <a:off x="0" y="0"/>
-          <a:ext cx="0" cy="0"/>
-          <a:chOff x="0" y="0"/>
-          <a:chExt cx="0" cy="0"/>
-        </a:xfrm>
-      </p:grpSpPr>
-      <p:sp>
-        <p:nvSpPr>
-          <p:cNvPr id="372" name="Google Shape;372;p81"/>
-          <p:cNvSpPr txBox="1">
-            <a:spLocks noGrp="1"/>
-          </p:cNvSpPr>
-          <p:nvPr>
-            <p:ph type="title"/>
-          </p:nvPr>
-        </p:nvSpPr>
-        <p:spPr>
-          <a:xfrm>
-            <a:off x="264945" y="870271"/>
-            <a:ext cx="7242600" cy="1119900"/>
-          </a:xfrm>
-          <a:prstGeom prst="rect">
-            <a:avLst/>
-          </a:prstGeom>
-        </p:spPr>
-        <p:txBody>
-          <a:bodyPr spcFirstLastPara="1" wrap="square" lIns="91425" tIns="91425" rIns="91425" bIns="91425" anchor="ctr" anchorCtr="0">
-            <a:noAutofit/>
-          </a:bodyPr>
-          <a:lstStyle/>
-          <a:p>
-            <a:pPr marL="0" lvl="0" indent="0" algn="l" rtl="0">
-              <a:spcBef>
-                <a:spcPts val="0"/>
-              </a:spcBef>
-              <a:spcAft>
-                <a:spcPts val="0"/>
-              </a:spcAft>
-              <a:buNone/>
-            </a:pPr>
-            <a:r>
-              <a:rPr lang="en"/>
-              <a:t>Additional Info</a:t>
-            </a:r>
-            <a:endParaRPr/>
-          </a:p>
-        </p:txBody>
-      </p:sp>
-      <p:sp>
-        <p:nvSpPr>
-          <p:cNvPr id="373" name="Google Shape;373;p81"/>
-          <p:cNvSpPr txBox="1">
-            <a:spLocks noGrp="1"/>
-          </p:cNvSpPr>
-          <p:nvPr>
-            <p:ph type="body" idx="1"/>
-          </p:nvPr>
-        </p:nvSpPr>
-        <p:spPr>
-          <a:xfrm>
-            <a:off x="264950" y="2253724"/>
-            <a:ext cx="7242600" cy="7731900"/>
-          </a:xfrm>
-          <a:prstGeom prst="rect">
-            <a:avLst/>
-          </a:prstGeom>
-        </p:spPr>
-        <p:txBody>
-          <a:bodyPr spcFirstLastPara="1" wrap="square" lIns="91425" tIns="91425" rIns="91425" bIns="91425" anchor="t" anchorCtr="0">
-            <a:noAutofit/>
-          </a:bodyPr>
-          <a:lstStyle/>
-          <a:p>
-            <a:pPr marL="0" lvl="0" indent="0" algn="l" rtl="0">
-              <a:spcBef>
-                <a:spcPts val="0"/>
-              </a:spcBef>
-              <a:spcAft>
-                <a:spcPts val="0"/>
-              </a:spcAft>
-              <a:buNone/>
-            </a:pPr>
-            <a:r>
-              <a:rPr lang="en" sz="3100"/>
-              <a:t>You can include supporting or additional information that supports your previous slides, but isn’t necessary for every person to see that looks at your slides.</a:t>
-            </a:r>
-            <a:endParaRPr sz="3100"/>
-          </a:p>
-          <a:p>
-            <a:pPr marL="457200" lvl="0" indent="0" algn="l" rtl="0">
-              <a:spcBef>
-                <a:spcPts val="1600"/>
-              </a:spcBef>
-              <a:spcAft>
-                <a:spcPts val="0"/>
-              </a:spcAft>
-              <a:buNone/>
-            </a:pPr>
-            <a:endParaRPr sz="1900"/>
-          </a:p>
-          <a:p>
-            <a:pPr marL="457200" lvl="0" indent="0" algn="l" rtl="0">
-              <a:spcBef>
-                <a:spcPts val="1600"/>
-              </a:spcBef>
-              <a:spcAft>
-                <a:spcPts val="1600"/>
-              </a:spcAft>
-              <a:buNone/>
-            </a:pPr>
-            <a:endParaRPr sz="1900"/>
-          </a:p>
-        </p:txBody>
-      </p:sp>
-    </p:spTree>
-  </p:cSld>
-  <p:clrMapOvr>
-    <a:masterClrMapping/>
-  </p:clrMapOvr>
-</p:sld>
-</file>
-
-<file path=ppt/slides/slide4.xml><?xml version="1.0" encoding="utf-8"?>
+<file path=ppt/slides/slide3.xml><?xml version="1.0" encoding="utf-8"?>
 <p:sld xmlns:a="http://schemas.openxmlformats.org/drawingml/2006/main" xmlns:r="http://schemas.openxmlformats.org/officeDocument/2006/relationships" xmlns:p="http://schemas.openxmlformats.org/presentationml/2006/main">
   <p:cSld>
     <p:bg>
@@ -35883,7 +35395,140 @@
 </p:sld>
 </file>
 
-<file path=ppt/slides/slide5.xml><?xml version="1.0" encoding="utf-8"?>
+<file path=ppt/slides/slide30.xml><?xml version="1.0" encoding="utf-8"?>
+<p:sld xmlns:a="http://schemas.openxmlformats.org/drawingml/2006/main" xmlns:r="http://schemas.openxmlformats.org/officeDocument/2006/relationships" xmlns:p="http://schemas.openxmlformats.org/presentationml/2006/main">
+  <p:cSld>
+    <p:spTree>
+      <p:nvGrpSpPr>
+        <p:cNvPr id="1" name="Shape 371"/>
+        <p:cNvGrpSpPr/>
+        <p:nvPr/>
+      </p:nvGrpSpPr>
+      <p:grpSpPr>
+        <a:xfrm>
+          <a:off x="0" y="0"/>
+          <a:ext cx="0" cy="0"/>
+          <a:chOff x="0" y="0"/>
+          <a:chExt cx="0" cy="0"/>
+        </a:xfrm>
+      </p:grpSpPr>
+      <p:sp>
+        <p:nvSpPr>
+          <p:cNvPr id="372" name="Google Shape;372;p81"/>
+          <p:cNvSpPr txBox="1">
+            <a:spLocks noGrp="1"/>
+          </p:cNvSpPr>
+          <p:nvPr>
+            <p:ph type="title"/>
+          </p:nvPr>
+        </p:nvSpPr>
+        <p:spPr>
+          <a:xfrm>
+            <a:off x="264945" y="870271"/>
+            <a:ext cx="7242600" cy="1119900"/>
+          </a:xfrm>
+          <a:prstGeom prst="rect">
+            <a:avLst/>
+          </a:prstGeom>
+        </p:spPr>
+        <p:txBody>
+          <a:bodyPr spcFirstLastPara="1" wrap="square" lIns="91425" tIns="91425" rIns="91425" bIns="91425" anchor="ctr" anchorCtr="0">
+            <a:noAutofit/>
+          </a:bodyPr>
+          <a:lstStyle/>
+          <a:p>
+            <a:pPr marL="0" lvl="0" indent="0" algn="l" rtl="0">
+              <a:spcBef>
+                <a:spcPts val="0"/>
+              </a:spcBef>
+              <a:spcAft>
+                <a:spcPts val="0"/>
+              </a:spcAft>
+              <a:buNone/>
+            </a:pPr>
+            <a:r>
+              <a:rPr lang="en"/>
+              <a:t>Additional Info</a:t>
+            </a:r>
+            <a:endParaRPr/>
+          </a:p>
+        </p:txBody>
+      </p:sp>
+      <p:sp>
+        <p:nvSpPr>
+          <p:cNvPr id="373" name="Google Shape;373;p81"/>
+          <p:cNvSpPr txBox="1">
+            <a:spLocks noGrp="1"/>
+          </p:cNvSpPr>
+          <p:nvPr>
+            <p:ph type="body" idx="1"/>
+          </p:nvPr>
+        </p:nvSpPr>
+        <p:spPr>
+          <a:xfrm>
+            <a:off x="264950" y="2253724"/>
+            <a:ext cx="7242600" cy="7731900"/>
+          </a:xfrm>
+          <a:prstGeom prst="rect">
+            <a:avLst/>
+          </a:prstGeom>
+        </p:spPr>
+        <p:txBody>
+          <a:bodyPr spcFirstLastPara="1" wrap="square" lIns="91425" tIns="91425" rIns="91425" bIns="91425" anchor="t" anchorCtr="0">
+            <a:noAutofit/>
+          </a:bodyPr>
+          <a:lstStyle/>
+          <a:p>
+            <a:pPr marL="0" lvl="0" indent="0" algn="l" rtl="0">
+              <a:spcBef>
+                <a:spcPts val="0"/>
+              </a:spcBef>
+              <a:spcAft>
+                <a:spcPts val="0"/>
+              </a:spcAft>
+              <a:buNone/>
+            </a:pPr>
+            <a:r>
+              <a:rPr lang="en" sz="3100"/>
+              <a:t>You can include supporting or additional information that supports your previous slides, but isn’t necessary for every person to see that looks at your slides.</a:t>
+            </a:r>
+            <a:endParaRPr sz="3100"/>
+          </a:p>
+          <a:p>
+            <a:pPr marL="457200" lvl="0" indent="0" algn="l" rtl="0">
+              <a:spcBef>
+                <a:spcPts val="1600"/>
+              </a:spcBef>
+              <a:spcAft>
+                <a:spcPts val="0"/>
+              </a:spcAft>
+              <a:buNone/>
+            </a:pPr>
+            <a:endParaRPr sz="1900"/>
+          </a:p>
+          <a:p>
+            <a:pPr marL="457200" lvl="0" indent="0" algn="l" rtl="0">
+              <a:spcBef>
+                <a:spcPts val="1600"/>
+              </a:spcBef>
+              <a:spcAft>
+                <a:spcPts val="1600"/>
+              </a:spcAft>
+              <a:buNone/>
+            </a:pPr>
+            <a:endParaRPr sz="1900"/>
+          </a:p>
+        </p:txBody>
+      </p:sp>
+    </p:spTree>
+  </p:cSld>
+  <p:clrMapOvr>
+    <a:masterClrMapping/>
+  </p:clrMapOvr>
+</p:sld>
+</file>
+
+<file path=ppt/slides/slide4.xml><?xml version="1.0" encoding="utf-8"?>
 <p:sld xmlns:a="http://schemas.openxmlformats.org/drawingml/2006/main" xmlns:r="http://schemas.openxmlformats.org/officeDocument/2006/relationships" xmlns:p="http://schemas.openxmlformats.org/presentationml/2006/main">
   <p:cSld>
     <p:spTree>
@@ -36461,7 +36106,7 @@
 </p:sld>
 </file>
 
-<file path=ppt/slides/slide6.xml><?xml version="1.0" encoding="utf-8"?>
+<file path=ppt/slides/slide5.xml><?xml version="1.0" encoding="utf-8"?>
 <p:sld xmlns:a="http://schemas.openxmlformats.org/drawingml/2006/main" xmlns:r="http://schemas.openxmlformats.org/officeDocument/2006/relationships" xmlns:p="http://schemas.openxmlformats.org/presentationml/2006/main">
   <p:cSld>
     <p:spTree>
@@ -36849,7 +36494,7 @@
 </p:sld>
 </file>
 
-<file path=ppt/slides/slide7.xml><?xml version="1.0" encoding="utf-8"?>
+<file path=ppt/slides/slide6.xml><?xml version="1.0" encoding="utf-8"?>
 <p:sld xmlns:a="http://schemas.openxmlformats.org/drawingml/2006/main" xmlns:r="http://schemas.openxmlformats.org/officeDocument/2006/relationships" xmlns:p="http://schemas.openxmlformats.org/presentationml/2006/main">
   <p:cSld>
     <p:spTree>
@@ -37264,7 +36909,7 @@
 </p:sld>
 </file>
 
-<file path=ppt/slides/slide8.xml><?xml version="1.0" encoding="utf-8"?>
+<file path=ppt/slides/slide7.xml><?xml version="1.0" encoding="utf-8"?>
 <p:sld xmlns:a="http://schemas.openxmlformats.org/drawingml/2006/main" xmlns:r="http://schemas.openxmlformats.org/officeDocument/2006/relationships" xmlns:p="http://schemas.openxmlformats.org/presentationml/2006/main">
   <p:cSld>
     <p:spTree>
@@ -37692,7 +37337,7 @@
 </p:sld>
 </file>
 
-<file path=ppt/slides/slide9.xml><?xml version="1.0" encoding="utf-8"?>
+<file path=ppt/slides/slide8.xml><?xml version="1.0" encoding="utf-8"?>
 <p:sld xmlns:a="http://schemas.openxmlformats.org/drawingml/2006/main" xmlns:r="http://schemas.openxmlformats.org/officeDocument/2006/relationships" xmlns:p="http://schemas.openxmlformats.org/presentationml/2006/main">
   <p:cSld>
     <p:spTree>
@@ -38166,6 +37811,198 @@
               <a:buNone/>
             </a:pPr>
             <a:endParaRPr sz="1700" dirty="0"/>
+          </a:p>
+        </p:txBody>
+      </p:sp>
+    </p:spTree>
+  </p:cSld>
+  <p:clrMapOvr>
+    <a:masterClrMapping/>
+  </p:clrMapOvr>
+</p:sld>
+</file>
+
+<file path=ppt/slides/slide9.xml><?xml version="1.0" encoding="utf-8"?>
+<p:sld xmlns:a="http://schemas.openxmlformats.org/drawingml/2006/main" xmlns:r="http://schemas.openxmlformats.org/officeDocument/2006/relationships" xmlns:p="http://schemas.openxmlformats.org/presentationml/2006/main">
+  <p:cSld>
+    <p:bg>
+      <p:bgPr>
+        <a:solidFill>
+          <a:srgbClr val="02B4E5"/>
+        </a:solidFill>
+        <a:effectLst/>
+      </p:bgPr>
+    </p:bg>
+    <p:spTree>
+      <p:nvGrpSpPr>
+        <p:cNvPr id="1" name="Shape 235"/>
+        <p:cNvGrpSpPr/>
+        <p:nvPr/>
+      </p:nvGrpSpPr>
+      <p:grpSpPr>
+        <a:xfrm>
+          <a:off x="0" y="0"/>
+          <a:ext cx="0" cy="0"/>
+          <a:chOff x="0" y="0"/>
+          <a:chExt cx="0" cy="0"/>
+        </a:xfrm>
+      </p:grpSpPr>
+      <p:sp>
+        <p:nvSpPr>
+          <p:cNvPr id="236" name="Google Shape;236;p60"/>
+          <p:cNvSpPr/>
+          <p:nvPr/>
+        </p:nvSpPr>
+        <p:spPr>
+          <a:xfrm>
+            <a:off x="1807121" y="4003549"/>
+            <a:ext cx="4158000" cy="2460000"/>
+          </a:xfrm>
+          <a:prstGeom prst="rect">
+            <a:avLst/>
+          </a:prstGeom>
+          <a:noFill/>
+          <a:ln>
+            <a:noFill/>
+          </a:ln>
+        </p:spPr>
+        <p:txBody>
+          <a:bodyPr spcFirstLastPara="1" wrap="square" lIns="26775" tIns="26775" rIns="26775" bIns="26775" anchor="t" anchorCtr="0">
+            <a:noAutofit/>
+          </a:bodyPr>
+          <a:lstStyle/>
+          <a:p>
+            <a:pPr marL="0" marR="0" lvl="0" indent="0" algn="ctr" rtl="0">
+              <a:lnSpc>
+                <a:spcPct val="150000"/>
+              </a:lnSpc>
+              <a:spcBef>
+                <a:spcPts val="0"/>
+              </a:spcBef>
+              <a:spcAft>
+                <a:spcPts val="0"/>
+              </a:spcAft>
+              <a:buClr>
+                <a:srgbClr val="FFFFFF"/>
+              </a:buClr>
+              <a:buFont typeface="Open Sans"/>
+              <a:buNone/>
+            </a:pPr>
+            <a:r>
+              <a:rPr lang="en" sz="3000" b="1">
+                <a:solidFill>
+                  <a:srgbClr val="FFFFFF"/>
+                </a:solidFill>
+                <a:latin typeface="Open Sans"/>
+                <a:ea typeface="Open Sans"/>
+                <a:cs typeface="Open Sans"/>
+                <a:sym typeface="Open Sans"/>
+              </a:rPr>
+              <a:t>Step 2</a:t>
+            </a:r>
+            <a:endParaRPr sz="3000" b="1">
+              <a:solidFill>
+                <a:srgbClr val="FFFFFF"/>
+              </a:solidFill>
+              <a:latin typeface="Open Sans"/>
+              <a:ea typeface="Open Sans"/>
+              <a:cs typeface="Open Sans"/>
+              <a:sym typeface="Open Sans"/>
+            </a:endParaRPr>
+          </a:p>
+          <a:p>
+            <a:pPr marL="0" marR="0" lvl="0" indent="0" algn="ctr" rtl="0">
+              <a:lnSpc>
+                <a:spcPct val="150000"/>
+              </a:lnSpc>
+              <a:spcBef>
+                <a:spcPts val="0"/>
+              </a:spcBef>
+              <a:spcAft>
+                <a:spcPts val="0"/>
+              </a:spcAft>
+              <a:buClr>
+                <a:srgbClr val="FFFFFF"/>
+              </a:buClr>
+              <a:buFont typeface="Open Sans"/>
+              <a:buNone/>
+            </a:pPr>
+            <a:r>
+              <a:rPr lang="en" sz="3000">
+                <a:solidFill>
+                  <a:srgbClr val="FFFFFF"/>
+                </a:solidFill>
+                <a:latin typeface="Open Sans"/>
+                <a:ea typeface="Open Sans"/>
+                <a:cs typeface="Open Sans"/>
+                <a:sym typeface="Open Sans"/>
+              </a:rPr>
+              <a:t>Relational Database Design</a:t>
+            </a:r>
+            <a:endParaRPr sz="3000">
+              <a:solidFill>
+                <a:srgbClr val="FFFFFF"/>
+              </a:solidFill>
+              <a:latin typeface="Open Sans"/>
+              <a:ea typeface="Open Sans"/>
+              <a:cs typeface="Open Sans"/>
+              <a:sym typeface="Open Sans"/>
+            </a:endParaRPr>
+          </a:p>
+        </p:txBody>
+      </p:sp>
+      <p:sp>
+        <p:nvSpPr>
+          <p:cNvPr id="237" name="Google Shape;237;p60"/>
+          <p:cNvSpPr/>
+          <p:nvPr/>
+        </p:nvSpPr>
+        <p:spPr>
+          <a:xfrm>
+            <a:off x="3582591" y="3663029"/>
+            <a:ext cx="607200" cy="74400"/>
+          </a:xfrm>
+          <a:prstGeom prst="rect">
+            <a:avLst/>
+          </a:prstGeom>
+          <a:solidFill>
+            <a:schemeClr val="lt1"/>
+          </a:solidFill>
+          <a:ln>
+            <a:noFill/>
+          </a:ln>
+        </p:spPr>
+        <p:txBody>
+          <a:bodyPr spcFirstLastPara="1" wrap="square" lIns="26775" tIns="26775" rIns="26775" bIns="26775" anchor="ctr" anchorCtr="0">
+            <a:noAutofit/>
+          </a:bodyPr>
+          <a:lstStyle/>
+          <a:p>
+            <a:pPr marL="0" marR="0" lvl="0" indent="0" algn="ctr" rtl="0">
+              <a:lnSpc>
+                <a:spcPct val="100000"/>
+              </a:lnSpc>
+              <a:spcBef>
+                <a:spcPts val="0"/>
+              </a:spcBef>
+              <a:spcAft>
+                <a:spcPts val="0"/>
+              </a:spcAft>
+              <a:buClr>
+                <a:srgbClr val="FFFFFF"/>
+              </a:buClr>
+              <a:buFont typeface="Helvetica Neue"/>
+              <a:buNone/>
+            </a:pPr>
+            <a:endParaRPr sz="1200" b="0" i="0" u="none" strike="noStrike" cap="none">
+              <a:solidFill>
+                <a:srgbClr val="02B4E5"/>
+              </a:solidFill>
+              <a:latin typeface="Helvetica Neue"/>
+              <a:ea typeface="Helvetica Neue"/>
+              <a:cs typeface="Helvetica Neue"/>
+              <a:sym typeface="Helvetica Neue"/>
+            </a:endParaRPr>
           </a:p>
         </p:txBody>
       </p:sp>

--- a/assignments/HR Database/project submission.pptx
+++ b/assignments/HR Database/project submission.pptx
@@ -8,7 +8,7 @@
     <p:sldMasterId id="2147483697" r:id="rId4"/>
   </p:sldMasterIdLst>
   <p:notesMasterIdLst>
-    <p:notesMasterId r:id="rId35"/>
+    <p:notesMasterId r:id="rId36"/>
   </p:notesMasterIdLst>
   <p:sldIdLst>
     <p:sldId id="256" r:id="rId5"/>
@@ -19,66 +19,67 @@
     <p:sldId id="262" r:id="rId10"/>
     <p:sldId id="263" r:id="rId11"/>
     <p:sldId id="264" r:id="rId12"/>
-    <p:sldId id="265" r:id="rId13"/>
-    <p:sldId id="266" r:id="rId14"/>
-    <p:sldId id="267" r:id="rId15"/>
-    <p:sldId id="268" r:id="rId16"/>
-    <p:sldId id="269" r:id="rId17"/>
-    <p:sldId id="270" r:id="rId18"/>
-    <p:sldId id="271" r:id="rId19"/>
-    <p:sldId id="272" r:id="rId20"/>
-    <p:sldId id="273" r:id="rId21"/>
-    <p:sldId id="274" r:id="rId22"/>
-    <p:sldId id="275" r:id="rId23"/>
-    <p:sldId id="276" r:id="rId24"/>
-    <p:sldId id="277" r:id="rId25"/>
-    <p:sldId id="278" r:id="rId26"/>
-    <p:sldId id="279" r:id="rId27"/>
-    <p:sldId id="280" r:id="rId28"/>
-    <p:sldId id="281" r:id="rId29"/>
-    <p:sldId id="282" r:id="rId30"/>
-    <p:sldId id="283" r:id="rId31"/>
-    <p:sldId id="284" r:id="rId32"/>
-    <p:sldId id="285" r:id="rId33"/>
-    <p:sldId id="286" r:id="rId34"/>
+    <p:sldId id="287" r:id="rId13"/>
+    <p:sldId id="265" r:id="rId14"/>
+    <p:sldId id="266" r:id="rId15"/>
+    <p:sldId id="267" r:id="rId16"/>
+    <p:sldId id="268" r:id="rId17"/>
+    <p:sldId id="269" r:id="rId18"/>
+    <p:sldId id="270" r:id="rId19"/>
+    <p:sldId id="271" r:id="rId20"/>
+    <p:sldId id="272" r:id="rId21"/>
+    <p:sldId id="273" r:id="rId22"/>
+    <p:sldId id="274" r:id="rId23"/>
+    <p:sldId id="275" r:id="rId24"/>
+    <p:sldId id="276" r:id="rId25"/>
+    <p:sldId id="277" r:id="rId26"/>
+    <p:sldId id="278" r:id="rId27"/>
+    <p:sldId id="279" r:id="rId28"/>
+    <p:sldId id="280" r:id="rId29"/>
+    <p:sldId id="281" r:id="rId30"/>
+    <p:sldId id="282" r:id="rId31"/>
+    <p:sldId id="283" r:id="rId32"/>
+    <p:sldId id="284" r:id="rId33"/>
+    <p:sldId id="285" r:id="rId34"/>
+    <p:sldId id="286" r:id="rId35"/>
   </p:sldIdLst>
   <p:sldSz cx="7772400" cy="10058400"/>
   <p:notesSz cx="6858000" cy="9144000"/>
   <p:embeddedFontLst>
     <p:embeddedFont>
       <p:font typeface="Consolas" panose="020B0609020204030204" pitchFamily="49" charset="0"/>
-      <p:regular r:id="rId36"/>
-      <p:bold r:id="rId37"/>
-      <p:italic r:id="rId38"/>
-      <p:boldItalic r:id="rId39"/>
+      <p:regular r:id="rId37"/>
+      <p:bold r:id="rId38"/>
+      <p:italic r:id="rId39"/>
+      <p:boldItalic r:id="rId40"/>
     </p:embeddedFont>
     <p:embeddedFont>
       <p:font typeface="Helvetica Neue" panose="020B0604020202020204" charset="0"/>
-      <p:regular r:id="rId40"/>
-      <p:bold r:id="rId41"/>
-      <p:italic r:id="rId42"/>
-      <p:boldItalic r:id="rId43"/>
+      <p:regular r:id="rId41"/>
+      <p:bold r:id="rId42"/>
+      <p:italic r:id="rId43"/>
+      <p:boldItalic r:id="rId44"/>
     </p:embeddedFont>
     <p:embeddedFont>
       <p:font typeface="Open Sans" panose="020B0606030504020204" pitchFamily="34" charset="0"/>
-      <p:regular r:id="rId44"/>
-      <p:bold r:id="rId45"/>
-      <p:italic r:id="rId46"/>
-      <p:boldItalic r:id="rId47"/>
+      <p:regular r:id="rId45"/>
+      <p:bold r:id="rId46"/>
+      <p:italic r:id="rId47"/>
+      <p:boldItalic r:id="rId48"/>
     </p:embeddedFont>
     <p:embeddedFont>
       <p:font typeface="Open Sans Light" panose="020B0306030504020204" pitchFamily="34" charset="0"/>
-      <p:regular r:id="rId48"/>
-      <p:bold r:id="rId49"/>
-      <p:italic r:id="rId50"/>
-      <p:boldItalic r:id="rId51"/>
+      <p:regular r:id="rId49"/>
+      <p:bold r:id="rId50"/>
+      <p:italic r:id="rId51"/>
+      <p:boldItalic r:id="rId52"/>
     </p:embeddedFont>
     <p:embeddedFont>
       <p:font typeface="Source Code Pro" panose="020B0509030403020204" pitchFamily="49" charset="0"/>
-      <p:regular r:id="rId52"/>
-      <p:bold r:id="rId53"/>
-      <p:italic r:id="rId54"/>
-      <p:boldItalic r:id="rId55"/>
+      <p:regular r:id="rId53"/>
+      <p:bold r:id="rId54"/>
+      <p:italic r:id="rId55"/>
+      <p:boldItalic r:id="rId56"/>
     </p:embeddedFont>
   </p:embeddedFontLst>
   <p:defaultTextStyle>
@@ -868,6 +869,114 @@
   <p:cSld>
     <p:spTree>
       <p:nvGrpSpPr>
+        <p:cNvPr id="1" name="Shape 232"/>
+        <p:cNvGrpSpPr/>
+        <p:nvPr/>
+      </p:nvGrpSpPr>
+      <p:grpSpPr>
+        <a:xfrm>
+          <a:off x="0" y="0"/>
+          <a:ext cx="0" cy="0"/>
+          <a:chOff x="0" y="0"/>
+          <a:chExt cx="0" cy="0"/>
+        </a:xfrm>
+      </p:grpSpPr>
+      <p:sp>
+        <p:nvSpPr>
+          <p:cNvPr id="233" name="Google Shape;233;g62fb0d8af8_0_0:notes"/>
+          <p:cNvSpPr txBox="1">
+            <a:spLocks noGrp="1"/>
+          </p:cNvSpPr>
+          <p:nvPr>
+            <p:ph type="body" idx="1"/>
+          </p:nvPr>
+        </p:nvSpPr>
+        <p:spPr>
+          <a:xfrm>
+            <a:off x="914400" y="4343400"/>
+            <a:ext cx="5029200" cy="4114800"/>
+          </a:xfrm>
+          <a:prstGeom prst="rect">
+            <a:avLst/>
+          </a:prstGeom>
+          <a:noFill/>
+          <a:ln>
+            <a:noFill/>
+          </a:ln>
+        </p:spPr>
+        <p:txBody>
+          <a:bodyPr spcFirstLastPara="1" wrap="square" lIns="91425" tIns="91425" rIns="91425" bIns="91425" anchor="ctr" anchorCtr="0">
+            <a:noAutofit/>
+          </a:bodyPr>
+          <a:lstStyle/>
+          <a:p>
+            <a:pPr marL="0" lvl="0" indent="0" algn="l" rtl="0">
+              <a:spcBef>
+                <a:spcPts val="0"/>
+              </a:spcBef>
+              <a:spcAft>
+                <a:spcPts val="0"/>
+              </a:spcAft>
+              <a:buNone/>
+            </a:pPr>
+            <a:endParaRPr/>
+          </a:p>
+        </p:txBody>
+      </p:sp>
+      <p:sp>
+        <p:nvSpPr>
+          <p:cNvPr id="234" name="Google Shape;234;g62fb0d8af8_0_0:notes"/>
+          <p:cNvSpPr>
+            <a:spLocks noGrp="1" noRot="1" noChangeAspect="1"/>
+          </p:cNvSpPr>
+          <p:nvPr>
+            <p:ph type="sldImg" idx="2"/>
+          </p:nvPr>
+        </p:nvSpPr>
+        <p:spPr>
+          <a:xfrm>
+            <a:off x="2435369" y="685800"/>
+            <a:ext cx="1987200" cy="3429000"/>
+          </a:xfrm>
+          <a:custGeom>
+            <a:avLst/>
+            <a:gdLst/>
+            <a:ahLst/>
+            <a:cxnLst/>
+            <a:rect l="l" t="t" r="r" b="b"/>
+            <a:pathLst>
+              <a:path w="120000" h="120000" extrusionOk="0">
+                <a:moveTo>
+                  <a:pt x="0" y="0"/>
+                </a:moveTo>
+                <a:lnTo>
+                  <a:pt x="120000" y="0"/>
+                </a:lnTo>
+                <a:lnTo>
+                  <a:pt x="120000" y="120000"/>
+                </a:lnTo>
+                <a:lnTo>
+                  <a:pt x="0" y="120000"/>
+                </a:lnTo>
+                <a:close/>
+              </a:path>
+            </a:pathLst>
+          </a:custGeom>
+        </p:spPr>
+      </p:sp>
+    </p:spTree>
+  </p:cSld>
+  <p:clrMapOvr>
+    <a:masterClrMapping/>
+  </p:clrMapOvr>
+</p:notes>
+</file>
+
+<file path=ppt/notesSlides/notesSlide11.xml><?xml version="1.0" encoding="utf-8"?>
+<p:notes xmlns:a="http://schemas.openxmlformats.org/drawingml/2006/main" xmlns:r="http://schemas.openxmlformats.org/officeDocument/2006/relationships" xmlns:p="http://schemas.openxmlformats.org/presentationml/2006/main" showMasterSp="0" showMasterPhAnim="0">
+  <p:cSld>
+    <p:spTree>
+      <p:nvGrpSpPr>
         <p:cNvPr id="1" name="Shape 238"/>
         <p:cNvGrpSpPr/>
         <p:nvPr/>
@@ -967,7 +1076,7 @@
 </p:notes>
 </file>
 
-<file path=ppt/notesSlides/notesSlide11.xml><?xml version="1.0" encoding="utf-8"?>
+<file path=ppt/notesSlides/notesSlide12.xml><?xml version="1.0" encoding="utf-8"?>
 <p:notes xmlns:a="http://schemas.openxmlformats.org/drawingml/2006/main" xmlns:r="http://schemas.openxmlformats.org/officeDocument/2006/relationships" xmlns:p="http://schemas.openxmlformats.org/presentationml/2006/main" showMasterSp="0" showMasterPhAnim="0">
   <p:cSld>
     <p:spTree>
@@ -1071,7 +1180,7 @@
 </p:notes>
 </file>
 
-<file path=ppt/notesSlides/notesSlide12.xml><?xml version="1.0" encoding="utf-8"?>
+<file path=ppt/notesSlides/notesSlide13.xml><?xml version="1.0" encoding="utf-8"?>
 <p:notes xmlns:a="http://schemas.openxmlformats.org/drawingml/2006/main" xmlns:r="http://schemas.openxmlformats.org/officeDocument/2006/relationships" xmlns:p="http://schemas.openxmlformats.org/presentationml/2006/main" showMasterSp="0" showMasterPhAnim="0">
   <p:cSld>
     <p:spTree>
@@ -1175,7 +1284,7 @@
 </p:notes>
 </file>
 
-<file path=ppt/notesSlides/notesSlide13.xml><?xml version="1.0" encoding="utf-8"?>
+<file path=ppt/notesSlides/notesSlide14.xml><?xml version="1.0" encoding="utf-8"?>
 <p:notes xmlns:a="http://schemas.openxmlformats.org/drawingml/2006/main" xmlns:r="http://schemas.openxmlformats.org/officeDocument/2006/relationships" xmlns:p="http://schemas.openxmlformats.org/presentationml/2006/main" showMasterSp="0" showMasterPhAnim="0">
   <p:cSld>
     <p:spTree>
@@ -1279,7 +1388,7 @@
 </p:notes>
 </file>
 
-<file path=ppt/notesSlides/notesSlide14.xml><?xml version="1.0" encoding="utf-8"?>
+<file path=ppt/notesSlides/notesSlide15.xml><?xml version="1.0" encoding="utf-8"?>
 <p:notes xmlns:a="http://schemas.openxmlformats.org/drawingml/2006/main" xmlns:r="http://schemas.openxmlformats.org/officeDocument/2006/relationships" xmlns:p="http://schemas.openxmlformats.org/presentationml/2006/main" showMasterSp="0" showMasterPhAnim="0">
   <p:cSld>
     <p:spTree>
@@ -1387,7 +1496,7 @@
 </p:notes>
 </file>
 
-<file path=ppt/notesSlides/notesSlide15.xml><?xml version="1.0" encoding="utf-8"?>
+<file path=ppt/notesSlides/notesSlide16.xml><?xml version="1.0" encoding="utf-8"?>
 <p:notes xmlns:a="http://schemas.openxmlformats.org/drawingml/2006/main" xmlns:r="http://schemas.openxmlformats.org/officeDocument/2006/relationships" xmlns:p="http://schemas.openxmlformats.org/presentationml/2006/main" showMasterSp="0" showMasterPhAnim="0">
   <p:cSld>
     <p:spTree>
@@ -1491,7 +1600,7 @@
 </p:notes>
 </file>
 
-<file path=ppt/notesSlides/notesSlide16.xml><?xml version="1.0" encoding="utf-8"?>
+<file path=ppt/notesSlides/notesSlide17.xml><?xml version="1.0" encoding="utf-8"?>
 <p:notes xmlns:a="http://schemas.openxmlformats.org/drawingml/2006/main" xmlns:r="http://schemas.openxmlformats.org/officeDocument/2006/relationships" xmlns:p="http://schemas.openxmlformats.org/presentationml/2006/main" showMasterSp="0" showMasterPhAnim="0">
   <p:cSld>
     <p:spTree>
@@ -1595,7 +1704,7 @@
 </p:notes>
 </file>
 
-<file path=ppt/notesSlides/notesSlide17.xml><?xml version="1.0" encoding="utf-8"?>
+<file path=ppt/notesSlides/notesSlide18.xml><?xml version="1.0" encoding="utf-8"?>
 <p:notes xmlns:a="http://schemas.openxmlformats.org/drawingml/2006/main" xmlns:r="http://schemas.openxmlformats.org/officeDocument/2006/relationships" xmlns:p="http://schemas.openxmlformats.org/presentationml/2006/main" showMasterSp="0" showMasterPhAnim="0">
   <p:cSld>
     <p:spTree>
@@ -1699,7 +1808,7 @@
 </p:notes>
 </file>
 
-<file path=ppt/notesSlides/notesSlide18.xml><?xml version="1.0" encoding="utf-8"?>
+<file path=ppt/notesSlides/notesSlide19.xml><?xml version="1.0" encoding="utf-8"?>
 <p:notes xmlns:a="http://schemas.openxmlformats.org/drawingml/2006/main" xmlns:r="http://schemas.openxmlformats.org/officeDocument/2006/relationships" xmlns:p="http://schemas.openxmlformats.org/presentationml/2006/main" showMasterSp="0" showMasterPhAnim="0">
   <p:cSld>
     <p:spTree>
@@ -1760,110 +1869,6 @@
       <p:sp>
         <p:nvSpPr>
           <p:cNvPr id="293" name="Google Shape;293;g8c7a96e589_1_6:notes"/>
-          <p:cNvSpPr txBox="1">
-            <a:spLocks noGrp="1"/>
-          </p:cNvSpPr>
-          <p:nvPr>
-            <p:ph type="body" idx="1"/>
-          </p:nvPr>
-        </p:nvSpPr>
-        <p:spPr>
-          <a:xfrm>
-            <a:off x="685800" y="4343400"/>
-            <a:ext cx="5486400" cy="4114800"/>
-          </a:xfrm>
-          <a:prstGeom prst="rect">
-            <a:avLst/>
-          </a:prstGeom>
-        </p:spPr>
-        <p:txBody>
-          <a:bodyPr spcFirstLastPara="1" wrap="square" lIns="91425" tIns="91425" rIns="91425" bIns="91425" anchor="t" anchorCtr="0">
-            <a:noAutofit/>
-          </a:bodyPr>
-          <a:lstStyle/>
-          <a:p>
-            <a:pPr marL="0" lvl="0" indent="0" algn="l" rtl="0">
-              <a:spcBef>
-                <a:spcPts val="0"/>
-              </a:spcBef>
-              <a:spcAft>
-                <a:spcPts val="0"/>
-              </a:spcAft>
-              <a:buNone/>
-            </a:pPr>
-            <a:endParaRPr/>
-          </a:p>
-        </p:txBody>
-      </p:sp>
-    </p:spTree>
-  </p:cSld>
-  <p:clrMapOvr>
-    <a:masterClrMapping/>
-  </p:clrMapOvr>
-</p:notes>
-</file>
-
-<file path=ppt/notesSlides/notesSlide19.xml><?xml version="1.0" encoding="utf-8"?>
-<p:notes xmlns:a="http://schemas.openxmlformats.org/drawingml/2006/main" xmlns:r="http://schemas.openxmlformats.org/officeDocument/2006/relationships" xmlns:p="http://schemas.openxmlformats.org/presentationml/2006/main" showMasterSp="0" showMasterPhAnim="0">
-  <p:cSld>
-    <p:spTree>
-      <p:nvGrpSpPr>
-        <p:cNvPr id="1" name="Shape 298"/>
-        <p:cNvGrpSpPr/>
-        <p:nvPr/>
-      </p:nvGrpSpPr>
-      <p:grpSpPr>
-        <a:xfrm>
-          <a:off x="0" y="0"/>
-          <a:ext cx="0" cy="0"/>
-          <a:chOff x="0" y="0"/>
-          <a:chExt cx="0" cy="0"/>
-        </a:xfrm>
-      </p:grpSpPr>
-      <p:sp>
-        <p:nvSpPr>
-          <p:cNvPr id="299" name="Google Shape;299;g8c7a96e589_1_13:notes"/>
-          <p:cNvSpPr>
-            <a:spLocks noGrp="1" noRot="1" noChangeAspect="1"/>
-          </p:cNvSpPr>
-          <p:nvPr>
-            <p:ph type="sldImg" idx="2"/>
-          </p:nvPr>
-        </p:nvSpPr>
-        <p:spPr>
-          <a:xfrm>
-            <a:off x="2105025" y="685800"/>
-            <a:ext cx="2649538" cy="3429000"/>
-          </a:xfrm>
-          <a:custGeom>
-            <a:avLst/>
-            <a:gdLst/>
-            <a:ahLst/>
-            <a:cxnLst/>
-            <a:rect l="l" t="t" r="r" b="b"/>
-            <a:pathLst>
-              <a:path w="120000" h="120000" extrusionOk="0">
-                <a:moveTo>
-                  <a:pt x="0" y="0"/>
-                </a:moveTo>
-                <a:lnTo>
-                  <a:pt x="120000" y="0"/>
-                </a:lnTo>
-                <a:lnTo>
-                  <a:pt x="120000" y="120000"/>
-                </a:lnTo>
-                <a:lnTo>
-                  <a:pt x="0" y="120000"/>
-                </a:lnTo>
-                <a:close/>
-              </a:path>
-            </a:pathLst>
-          </a:custGeom>
-        </p:spPr>
-      </p:sp>
-      <p:sp>
-        <p:nvSpPr>
-          <p:cNvPr id="300" name="Google Shape;300;g8c7a96e589_1_13:notes"/>
           <p:cNvSpPr txBox="1">
             <a:spLocks noGrp="1"/>
           </p:cNvSpPr>
@@ -2016,6 +2021,110 @@
   <p:cSld>
     <p:spTree>
       <p:nvGrpSpPr>
+        <p:cNvPr id="1" name="Shape 298"/>
+        <p:cNvGrpSpPr/>
+        <p:nvPr/>
+      </p:nvGrpSpPr>
+      <p:grpSpPr>
+        <a:xfrm>
+          <a:off x="0" y="0"/>
+          <a:ext cx="0" cy="0"/>
+          <a:chOff x="0" y="0"/>
+          <a:chExt cx="0" cy="0"/>
+        </a:xfrm>
+      </p:grpSpPr>
+      <p:sp>
+        <p:nvSpPr>
+          <p:cNvPr id="299" name="Google Shape;299;g8c7a96e589_1_13:notes"/>
+          <p:cNvSpPr>
+            <a:spLocks noGrp="1" noRot="1" noChangeAspect="1"/>
+          </p:cNvSpPr>
+          <p:nvPr>
+            <p:ph type="sldImg" idx="2"/>
+          </p:nvPr>
+        </p:nvSpPr>
+        <p:spPr>
+          <a:xfrm>
+            <a:off x="2105025" y="685800"/>
+            <a:ext cx="2649538" cy="3429000"/>
+          </a:xfrm>
+          <a:custGeom>
+            <a:avLst/>
+            <a:gdLst/>
+            <a:ahLst/>
+            <a:cxnLst/>
+            <a:rect l="l" t="t" r="r" b="b"/>
+            <a:pathLst>
+              <a:path w="120000" h="120000" extrusionOk="0">
+                <a:moveTo>
+                  <a:pt x="0" y="0"/>
+                </a:moveTo>
+                <a:lnTo>
+                  <a:pt x="120000" y="0"/>
+                </a:lnTo>
+                <a:lnTo>
+                  <a:pt x="120000" y="120000"/>
+                </a:lnTo>
+                <a:lnTo>
+                  <a:pt x="0" y="120000"/>
+                </a:lnTo>
+                <a:close/>
+              </a:path>
+            </a:pathLst>
+          </a:custGeom>
+        </p:spPr>
+      </p:sp>
+      <p:sp>
+        <p:nvSpPr>
+          <p:cNvPr id="300" name="Google Shape;300;g8c7a96e589_1_13:notes"/>
+          <p:cNvSpPr txBox="1">
+            <a:spLocks noGrp="1"/>
+          </p:cNvSpPr>
+          <p:nvPr>
+            <p:ph type="body" idx="1"/>
+          </p:nvPr>
+        </p:nvSpPr>
+        <p:spPr>
+          <a:xfrm>
+            <a:off x="685800" y="4343400"/>
+            <a:ext cx="5486400" cy="4114800"/>
+          </a:xfrm>
+          <a:prstGeom prst="rect">
+            <a:avLst/>
+          </a:prstGeom>
+        </p:spPr>
+        <p:txBody>
+          <a:bodyPr spcFirstLastPara="1" wrap="square" lIns="91425" tIns="91425" rIns="91425" bIns="91425" anchor="t" anchorCtr="0">
+            <a:noAutofit/>
+          </a:bodyPr>
+          <a:lstStyle/>
+          <a:p>
+            <a:pPr marL="0" lvl="0" indent="0" algn="l" rtl="0">
+              <a:spcBef>
+                <a:spcPts val="0"/>
+              </a:spcBef>
+              <a:spcAft>
+                <a:spcPts val="0"/>
+              </a:spcAft>
+              <a:buNone/>
+            </a:pPr>
+            <a:endParaRPr/>
+          </a:p>
+        </p:txBody>
+      </p:sp>
+    </p:spTree>
+  </p:cSld>
+  <p:clrMapOvr>
+    <a:masterClrMapping/>
+  </p:clrMapOvr>
+</p:notes>
+</file>
+
+<file path=ppt/notesSlides/notesSlide21.xml><?xml version="1.0" encoding="utf-8"?>
+<p:notes xmlns:a="http://schemas.openxmlformats.org/drawingml/2006/main" xmlns:r="http://schemas.openxmlformats.org/officeDocument/2006/relationships" xmlns:p="http://schemas.openxmlformats.org/presentationml/2006/main" showMasterSp="0" showMasterPhAnim="0">
+  <p:cSld>
+    <p:spTree>
+      <p:nvGrpSpPr>
         <p:cNvPr id="1" name="Shape 305"/>
         <p:cNvGrpSpPr/>
         <p:nvPr/>
@@ -2115,7 +2224,7 @@
 </p:notes>
 </file>
 
-<file path=ppt/notesSlides/notesSlide21.xml><?xml version="1.0" encoding="utf-8"?>
+<file path=ppt/notesSlides/notesSlide22.xml><?xml version="1.0" encoding="utf-8"?>
 <p:notes xmlns:a="http://schemas.openxmlformats.org/drawingml/2006/main" xmlns:r="http://schemas.openxmlformats.org/officeDocument/2006/relationships" xmlns:p="http://schemas.openxmlformats.org/presentationml/2006/main" showMasterSp="0" showMasterPhAnim="0">
   <p:cSld>
     <p:spTree>
@@ -2219,7 +2328,7 @@
 </p:notes>
 </file>
 
-<file path=ppt/notesSlides/notesSlide22.xml><?xml version="1.0" encoding="utf-8"?>
+<file path=ppt/notesSlides/notesSlide23.xml><?xml version="1.0" encoding="utf-8"?>
 <p:notes xmlns:a="http://schemas.openxmlformats.org/drawingml/2006/main" xmlns:r="http://schemas.openxmlformats.org/officeDocument/2006/relationships" xmlns:p="http://schemas.openxmlformats.org/presentationml/2006/main" showMasterSp="0" showMasterPhAnim="0">
   <p:cSld>
     <p:spTree>
@@ -2323,7 +2432,7 @@
 </p:notes>
 </file>
 
-<file path=ppt/notesSlides/notesSlide23.xml><?xml version="1.0" encoding="utf-8"?>
+<file path=ppt/notesSlides/notesSlide24.xml><?xml version="1.0" encoding="utf-8"?>
 <p:notes xmlns:a="http://schemas.openxmlformats.org/drawingml/2006/main" xmlns:r="http://schemas.openxmlformats.org/officeDocument/2006/relationships" xmlns:p="http://schemas.openxmlformats.org/presentationml/2006/main" showMasterSp="0" showMasterPhAnim="0">
   <p:cSld>
     <p:spTree>
@@ -2427,7 +2536,7 @@
 </p:notes>
 </file>
 
-<file path=ppt/notesSlides/notesSlide24.xml><?xml version="1.0" encoding="utf-8"?>
+<file path=ppt/notesSlides/notesSlide25.xml><?xml version="1.0" encoding="utf-8"?>
 <p:notes xmlns:a="http://schemas.openxmlformats.org/drawingml/2006/main" xmlns:r="http://schemas.openxmlformats.org/officeDocument/2006/relationships" xmlns:p="http://schemas.openxmlformats.org/presentationml/2006/main" showMasterSp="0" showMasterPhAnim="0">
   <p:cSld>
     <p:spTree>
@@ -2535,7 +2644,7 @@
 </p:notes>
 </file>
 
-<file path=ppt/notesSlides/notesSlide25.xml><?xml version="1.0" encoding="utf-8"?>
+<file path=ppt/notesSlides/notesSlide26.xml><?xml version="1.0" encoding="utf-8"?>
 <p:notes xmlns:a="http://schemas.openxmlformats.org/drawingml/2006/main" xmlns:r="http://schemas.openxmlformats.org/officeDocument/2006/relationships" xmlns:p="http://schemas.openxmlformats.org/presentationml/2006/main" showMasterSp="0" showMasterPhAnim="0">
   <p:cSld>
     <p:spTree>
@@ -2639,7 +2748,7 @@
 </p:notes>
 </file>
 
-<file path=ppt/notesSlides/notesSlide26.xml><?xml version="1.0" encoding="utf-8"?>
+<file path=ppt/notesSlides/notesSlide27.xml><?xml version="1.0" encoding="utf-8"?>
 <p:notes xmlns:a="http://schemas.openxmlformats.org/drawingml/2006/main" xmlns:r="http://schemas.openxmlformats.org/officeDocument/2006/relationships" xmlns:p="http://schemas.openxmlformats.org/presentationml/2006/main" showMasterSp="0" showMasterPhAnim="0">
   <p:cSld>
     <p:spTree>
@@ -2743,7 +2852,7 @@
 </p:notes>
 </file>
 
-<file path=ppt/notesSlides/notesSlide27.xml><?xml version="1.0" encoding="utf-8"?>
+<file path=ppt/notesSlides/notesSlide28.xml><?xml version="1.0" encoding="utf-8"?>
 <p:notes xmlns:a="http://schemas.openxmlformats.org/drawingml/2006/main" xmlns:r="http://schemas.openxmlformats.org/officeDocument/2006/relationships" xmlns:p="http://schemas.openxmlformats.org/presentationml/2006/main" showMasterSp="0" showMasterPhAnim="0">
   <p:cSld>
     <p:spTree>
@@ -2847,7 +2956,7 @@
 </p:notes>
 </file>
 
-<file path=ppt/notesSlides/notesSlide28.xml><?xml version="1.0" encoding="utf-8"?>
+<file path=ppt/notesSlides/notesSlide29.xml><?xml version="1.0" encoding="utf-8"?>
 <p:notes xmlns:a="http://schemas.openxmlformats.org/drawingml/2006/main" xmlns:r="http://schemas.openxmlformats.org/officeDocument/2006/relationships" xmlns:p="http://schemas.openxmlformats.org/presentationml/2006/main" showMasterSp="0" showMasterPhAnim="0">
   <p:cSld>
     <p:spTree>
@@ -2951,114 +3060,6 @@
 </p:notes>
 </file>
 
-<file path=ppt/notesSlides/notesSlide29.xml><?xml version="1.0" encoding="utf-8"?>
-<p:notes xmlns:a="http://schemas.openxmlformats.org/drawingml/2006/main" xmlns:r="http://schemas.openxmlformats.org/officeDocument/2006/relationships" xmlns:p="http://schemas.openxmlformats.org/presentationml/2006/main" showMasterSp="0" showMasterPhAnim="0">
-  <p:cSld>
-    <p:spTree>
-      <p:nvGrpSpPr>
-        <p:cNvPr id="1" name="Shape 362"/>
-        <p:cNvGrpSpPr/>
-        <p:nvPr/>
-      </p:nvGrpSpPr>
-      <p:grpSpPr>
-        <a:xfrm>
-          <a:off x="0" y="0"/>
-          <a:ext cx="0" cy="0"/>
-          <a:chOff x="0" y="0"/>
-          <a:chExt cx="0" cy="0"/>
-        </a:xfrm>
-      </p:grpSpPr>
-      <p:sp>
-        <p:nvSpPr>
-          <p:cNvPr id="363" name="Google Shape;363;g64b864f3db_0_63:notes"/>
-          <p:cNvSpPr txBox="1">
-            <a:spLocks noGrp="1"/>
-          </p:cNvSpPr>
-          <p:nvPr>
-            <p:ph type="body" idx="1"/>
-          </p:nvPr>
-        </p:nvSpPr>
-        <p:spPr>
-          <a:xfrm>
-            <a:off x="914400" y="4343400"/>
-            <a:ext cx="5029200" cy="4114800"/>
-          </a:xfrm>
-          <a:prstGeom prst="rect">
-            <a:avLst/>
-          </a:prstGeom>
-          <a:noFill/>
-          <a:ln>
-            <a:noFill/>
-          </a:ln>
-        </p:spPr>
-        <p:txBody>
-          <a:bodyPr spcFirstLastPara="1" wrap="square" lIns="91425" tIns="91425" rIns="91425" bIns="91425" anchor="ctr" anchorCtr="0">
-            <a:noAutofit/>
-          </a:bodyPr>
-          <a:lstStyle/>
-          <a:p>
-            <a:pPr marL="0" lvl="0" indent="0" algn="l" rtl="0">
-              <a:spcBef>
-                <a:spcPts val="0"/>
-              </a:spcBef>
-              <a:spcAft>
-                <a:spcPts val="0"/>
-              </a:spcAft>
-              <a:buNone/>
-            </a:pPr>
-            <a:endParaRPr/>
-          </a:p>
-        </p:txBody>
-      </p:sp>
-      <p:sp>
-        <p:nvSpPr>
-          <p:cNvPr id="364" name="Google Shape;364;g64b864f3db_0_63:notes"/>
-          <p:cNvSpPr>
-            <a:spLocks noGrp="1" noRot="1" noChangeAspect="1"/>
-          </p:cNvSpPr>
-          <p:nvPr>
-            <p:ph type="sldImg" idx="2"/>
-          </p:nvPr>
-        </p:nvSpPr>
-        <p:spPr>
-          <a:xfrm>
-            <a:off x="2435369" y="685800"/>
-            <a:ext cx="1987200" cy="3429000"/>
-          </a:xfrm>
-          <a:custGeom>
-            <a:avLst/>
-            <a:gdLst/>
-            <a:ahLst/>
-            <a:cxnLst/>
-            <a:rect l="l" t="t" r="r" b="b"/>
-            <a:pathLst>
-              <a:path w="120000" h="120000" extrusionOk="0">
-                <a:moveTo>
-                  <a:pt x="0" y="0"/>
-                </a:moveTo>
-                <a:lnTo>
-                  <a:pt x="120000" y="0"/>
-                </a:lnTo>
-                <a:lnTo>
-                  <a:pt x="120000" y="120000"/>
-                </a:lnTo>
-                <a:lnTo>
-                  <a:pt x="0" y="120000"/>
-                </a:lnTo>
-                <a:close/>
-              </a:path>
-            </a:pathLst>
-          </a:custGeom>
-        </p:spPr>
-      </p:sp>
-    </p:spTree>
-  </p:cSld>
-  <p:clrMapOvr>
-    <a:masterClrMapping/>
-  </p:clrMapOvr>
-</p:notes>
-</file>
-
 <file path=ppt/notesSlides/notesSlide3.xml><?xml version="1.0" encoding="utf-8"?>
 <p:notes xmlns:a="http://schemas.openxmlformats.org/drawingml/2006/main" xmlns:r="http://schemas.openxmlformats.org/officeDocument/2006/relationships" xmlns:p="http://schemas.openxmlformats.org/presentationml/2006/main" showMasterSp="0" showMasterPhAnim="0">
   <p:cSld>
@@ -3168,6 +3169,114 @@
 </file>
 
 <file path=ppt/notesSlides/notesSlide30.xml><?xml version="1.0" encoding="utf-8"?>
+<p:notes xmlns:a="http://schemas.openxmlformats.org/drawingml/2006/main" xmlns:r="http://schemas.openxmlformats.org/officeDocument/2006/relationships" xmlns:p="http://schemas.openxmlformats.org/presentationml/2006/main" showMasterSp="0" showMasterPhAnim="0">
+  <p:cSld>
+    <p:spTree>
+      <p:nvGrpSpPr>
+        <p:cNvPr id="1" name="Shape 362"/>
+        <p:cNvGrpSpPr/>
+        <p:nvPr/>
+      </p:nvGrpSpPr>
+      <p:grpSpPr>
+        <a:xfrm>
+          <a:off x="0" y="0"/>
+          <a:ext cx="0" cy="0"/>
+          <a:chOff x="0" y="0"/>
+          <a:chExt cx="0" cy="0"/>
+        </a:xfrm>
+      </p:grpSpPr>
+      <p:sp>
+        <p:nvSpPr>
+          <p:cNvPr id="363" name="Google Shape;363;g64b864f3db_0_63:notes"/>
+          <p:cNvSpPr txBox="1">
+            <a:spLocks noGrp="1"/>
+          </p:cNvSpPr>
+          <p:nvPr>
+            <p:ph type="body" idx="1"/>
+          </p:nvPr>
+        </p:nvSpPr>
+        <p:spPr>
+          <a:xfrm>
+            <a:off x="914400" y="4343400"/>
+            <a:ext cx="5029200" cy="4114800"/>
+          </a:xfrm>
+          <a:prstGeom prst="rect">
+            <a:avLst/>
+          </a:prstGeom>
+          <a:noFill/>
+          <a:ln>
+            <a:noFill/>
+          </a:ln>
+        </p:spPr>
+        <p:txBody>
+          <a:bodyPr spcFirstLastPara="1" wrap="square" lIns="91425" tIns="91425" rIns="91425" bIns="91425" anchor="ctr" anchorCtr="0">
+            <a:noAutofit/>
+          </a:bodyPr>
+          <a:lstStyle/>
+          <a:p>
+            <a:pPr marL="0" lvl="0" indent="0" algn="l" rtl="0">
+              <a:spcBef>
+                <a:spcPts val="0"/>
+              </a:spcBef>
+              <a:spcAft>
+                <a:spcPts val="0"/>
+              </a:spcAft>
+              <a:buNone/>
+            </a:pPr>
+            <a:endParaRPr/>
+          </a:p>
+        </p:txBody>
+      </p:sp>
+      <p:sp>
+        <p:nvSpPr>
+          <p:cNvPr id="364" name="Google Shape;364;g64b864f3db_0_63:notes"/>
+          <p:cNvSpPr>
+            <a:spLocks noGrp="1" noRot="1" noChangeAspect="1"/>
+          </p:cNvSpPr>
+          <p:nvPr>
+            <p:ph type="sldImg" idx="2"/>
+          </p:nvPr>
+        </p:nvSpPr>
+        <p:spPr>
+          <a:xfrm>
+            <a:off x="2435369" y="685800"/>
+            <a:ext cx="1987200" cy="3429000"/>
+          </a:xfrm>
+          <a:custGeom>
+            <a:avLst/>
+            <a:gdLst/>
+            <a:ahLst/>
+            <a:cxnLst/>
+            <a:rect l="l" t="t" r="r" b="b"/>
+            <a:pathLst>
+              <a:path w="120000" h="120000" extrusionOk="0">
+                <a:moveTo>
+                  <a:pt x="0" y="0"/>
+                </a:moveTo>
+                <a:lnTo>
+                  <a:pt x="120000" y="0"/>
+                </a:lnTo>
+                <a:lnTo>
+                  <a:pt x="120000" y="120000"/>
+                </a:lnTo>
+                <a:lnTo>
+                  <a:pt x="0" y="120000"/>
+                </a:lnTo>
+                <a:close/>
+              </a:path>
+            </a:pathLst>
+          </a:custGeom>
+        </p:spPr>
+      </p:sp>
+    </p:spTree>
+  </p:cSld>
+  <p:clrMapOvr>
+    <a:masterClrMapping/>
+  </p:clrMapOvr>
+</p:notes>
+</file>
+
+<file path=ppt/notesSlides/notesSlide31.xml><?xml version="1.0" encoding="utf-8"?>
 <p:notes xmlns:a="http://schemas.openxmlformats.org/drawingml/2006/main" xmlns:r="http://schemas.openxmlformats.org/officeDocument/2006/relationships" xmlns:p="http://schemas.openxmlformats.org/presentationml/2006/main" showMasterSp="0" showMasterPhAnim="0">
   <p:cSld>
     <p:spTree>
@@ -3796,7 +3905,7 @@
   <p:cSld>
     <p:spTree>
       <p:nvGrpSpPr>
-        <p:cNvPr id="1" name="Shape 232"/>
+        <p:cNvPr id="1" name="Shape 226"/>
         <p:cNvGrpSpPr/>
         <p:nvPr/>
       </p:nvGrpSpPr>
@@ -3810,49 +3919,7 @@
       </p:grpSpPr>
       <p:sp>
         <p:nvSpPr>
-          <p:cNvPr id="233" name="Google Shape;233;g62fb0d8af8_0_0:notes"/>
-          <p:cNvSpPr txBox="1">
-            <a:spLocks noGrp="1"/>
-          </p:cNvSpPr>
-          <p:nvPr>
-            <p:ph type="body" idx="1"/>
-          </p:nvPr>
-        </p:nvSpPr>
-        <p:spPr>
-          <a:xfrm>
-            <a:off x="914400" y="4343400"/>
-            <a:ext cx="5029200" cy="4114800"/>
-          </a:xfrm>
-          <a:prstGeom prst="rect">
-            <a:avLst/>
-          </a:prstGeom>
-          <a:noFill/>
-          <a:ln>
-            <a:noFill/>
-          </a:ln>
-        </p:spPr>
-        <p:txBody>
-          <a:bodyPr spcFirstLastPara="1" wrap="square" lIns="91425" tIns="91425" rIns="91425" bIns="91425" anchor="ctr" anchorCtr="0">
-            <a:noAutofit/>
-          </a:bodyPr>
-          <a:lstStyle/>
-          <a:p>
-            <a:pPr marL="0" lvl="0" indent="0" algn="l" rtl="0">
-              <a:spcBef>
-                <a:spcPts val="0"/>
-              </a:spcBef>
-              <a:spcAft>
-                <a:spcPts val="0"/>
-              </a:spcAft>
-              <a:buNone/>
-            </a:pPr>
-            <a:endParaRPr/>
-          </a:p>
-        </p:txBody>
-      </p:sp>
-      <p:sp>
-        <p:nvSpPr>
-          <p:cNvPr id="234" name="Google Shape;234;g62fb0d8af8_0_0:notes"/>
+          <p:cNvPr id="227" name="Google Shape;227;g8d8c850c25_0_68:notes"/>
           <p:cNvSpPr>
             <a:spLocks noGrp="1" noRot="1" noChangeAspect="1"/>
           </p:cNvSpPr>
@@ -3862,8 +3929,8 @@
         </p:nvSpPr>
         <p:spPr>
           <a:xfrm>
-            <a:off x="2435369" y="685800"/>
-            <a:ext cx="1987200" cy="3429000"/>
+            <a:off x="2105025" y="685800"/>
+            <a:ext cx="2649538" cy="3429000"/>
           </a:xfrm>
           <a:custGeom>
             <a:avLst/>
@@ -3891,7 +3958,50 @@
           </a:custGeom>
         </p:spPr>
       </p:sp>
+      <p:sp>
+        <p:nvSpPr>
+          <p:cNvPr id="228" name="Google Shape;228;g8d8c850c25_0_68:notes"/>
+          <p:cNvSpPr txBox="1">
+            <a:spLocks noGrp="1"/>
+          </p:cNvSpPr>
+          <p:nvPr>
+            <p:ph type="body" idx="1"/>
+          </p:nvPr>
+        </p:nvSpPr>
+        <p:spPr>
+          <a:xfrm>
+            <a:off x="685800" y="4343400"/>
+            <a:ext cx="5486400" cy="4114800"/>
+          </a:xfrm>
+          <a:prstGeom prst="rect">
+            <a:avLst/>
+          </a:prstGeom>
+        </p:spPr>
+        <p:txBody>
+          <a:bodyPr spcFirstLastPara="1" wrap="square" lIns="91425" tIns="91425" rIns="91425" bIns="91425" anchor="t" anchorCtr="0">
+            <a:noAutofit/>
+          </a:bodyPr>
+          <a:lstStyle/>
+          <a:p>
+            <a:pPr marL="0" lvl="0" indent="0" algn="l" rtl="0">
+              <a:spcBef>
+                <a:spcPts val="0"/>
+              </a:spcBef>
+              <a:spcAft>
+                <a:spcPts val="0"/>
+              </a:spcAft>
+              <a:buNone/>
+            </a:pPr>
+            <a:endParaRPr/>
+          </a:p>
+        </p:txBody>
+      </p:sp>
     </p:spTree>
+    <p:extLst>
+      <p:ext uri="{BB962C8B-B14F-4D97-AF65-F5344CB8AC3E}">
+        <p14:creationId xmlns:p14="http://schemas.microsoft.com/office/powerpoint/2010/main" val="599234561"/>
+      </p:ext>
+    </p:extLst>
   </p:cSld>
   <p:clrMapOvr>
     <a:masterClrMapping/>
@@ -27968,6 +28078,198 @@
 <file path=ppt/slides/slide10.xml><?xml version="1.0" encoding="utf-8"?>
 <p:sld xmlns:a="http://schemas.openxmlformats.org/drawingml/2006/main" xmlns:r="http://schemas.openxmlformats.org/officeDocument/2006/relationships" xmlns:p="http://schemas.openxmlformats.org/presentationml/2006/main">
   <p:cSld>
+    <p:bg>
+      <p:bgPr>
+        <a:solidFill>
+          <a:srgbClr val="02B4E5"/>
+        </a:solidFill>
+        <a:effectLst/>
+      </p:bgPr>
+    </p:bg>
+    <p:spTree>
+      <p:nvGrpSpPr>
+        <p:cNvPr id="1" name="Shape 235"/>
+        <p:cNvGrpSpPr/>
+        <p:nvPr/>
+      </p:nvGrpSpPr>
+      <p:grpSpPr>
+        <a:xfrm>
+          <a:off x="0" y="0"/>
+          <a:ext cx="0" cy="0"/>
+          <a:chOff x="0" y="0"/>
+          <a:chExt cx="0" cy="0"/>
+        </a:xfrm>
+      </p:grpSpPr>
+      <p:sp>
+        <p:nvSpPr>
+          <p:cNvPr id="236" name="Google Shape;236;p60"/>
+          <p:cNvSpPr/>
+          <p:nvPr/>
+        </p:nvSpPr>
+        <p:spPr>
+          <a:xfrm>
+            <a:off x="1807121" y="4003549"/>
+            <a:ext cx="4158000" cy="2460000"/>
+          </a:xfrm>
+          <a:prstGeom prst="rect">
+            <a:avLst/>
+          </a:prstGeom>
+          <a:noFill/>
+          <a:ln>
+            <a:noFill/>
+          </a:ln>
+        </p:spPr>
+        <p:txBody>
+          <a:bodyPr spcFirstLastPara="1" wrap="square" lIns="26775" tIns="26775" rIns="26775" bIns="26775" anchor="t" anchorCtr="0">
+            <a:noAutofit/>
+          </a:bodyPr>
+          <a:lstStyle/>
+          <a:p>
+            <a:pPr marL="0" marR="0" lvl="0" indent="0" algn="ctr" rtl="0">
+              <a:lnSpc>
+                <a:spcPct val="150000"/>
+              </a:lnSpc>
+              <a:spcBef>
+                <a:spcPts val="0"/>
+              </a:spcBef>
+              <a:spcAft>
+                <a:spcPts val="0"/>
+              </a:spcAft>
+              <a:buClr>
+                <a:srgbClr val="FFFFFF"/>
+              </a:buClr>
+              <a:buFont typeface="Open Sans"/>
+              <a:buNone/>
+            </a:pPr>
+            <a:r>
+              <a:rPr lang="en" sz="3000" b="1">
+                <a:solidFill>
+                  <a:srgbClr val="FFFFFF"/>
+                </a:solidFill>
+                <a:latin typeface="Open Sans"/>
+                <a:ea typeface="Open Sans"/>
+                <a:cs typeface="Open Sans"/>
+                <a:sym typeface="Open Sans"/>
+              </a:rPr>
+              <a:t>Step 2</a:t>
+            </a:r>
+            <a:endParaRPr sz="3000" b="1">
+              <a:solidFill>
+                <a:srgbClr val="FFFFFF"/>
+              </a:solidFill>
+              <a:latin typeface="Open Sans"/>
+              <a:ea typeface="Open Sans"/>
+              <a:cs typeface="Open Sans"/>
+              <a:sym typeface="Open Sans"/>
+            </a:endParaRPr>
+          </a:p>
+          <a:p>
+            <a:pPr marL="0" marR="0" lvl="0" indent="0" algn="ctr" rtl="0">
+              <a:lnSpc>
+                <a:spcPct val="150000"/>
+              </a:lnSpc>
+              <a:spcBef>
+                <a:spcPts val="0"/>
+              </a:spcBef>
+              <a:spcAft>
+                <a:spcPts val="0"/>
+              </a:spcAft>
+              <a:buClr>
+                <a:srgbClr val="FFFFFF"/>
+              </a:buClr>
+              <a:buFont typeface="Open Sans"/>
+              <a:buNone/>
+            </a:pPr>
+            <a:r>
+              <a:rPr lang="en" sz="3000">
+                <a:solidFill>
+                  <a:srgbClr val="FFFFFF"/>
+                </a:solidFill>
+                <a:latin typeface="Open Sans"/>
+                <a:ea typeface="Open Sans"/>
+                <a:cs typeface="Open Sans"/>
+                <a:sym typeface="Open Sans"/>
+              </a:rPr>
+              <a:t>Relational Database Design</a:t>
+            </a:r>
+            <a:endParaRPr sz="3000">
+              <a:solidFill>
+                <a:srgbClr val="FFFFFF"/>
+              </a:solidFill>
+              <a:latin typeface="Open Sans"/>
+              <a:ea typeface="Open Sans"/>
+              <a:cs typeface="Open Sans"/>
+              <a:sym typeface="Open Sans"/>
+            </a:endParaRPr>
+          </a:p>
+        </p:txBody>
+      </p:sp>
+      <p:sp>
+        <p:nvSpPr>
+          <p:cNvPr id="237" name="Google Shape;237;p60"/>
+          <p:cNvSpPr/>
+          <p:nvPr/>
+        </p:nvSpPr>
+        <p:spPr>
+          <a:xfrm>
+            <a:off x="3582591" y="3663029"/>
+            <a:ext cx="607200" cy="74400"/>
+          </a:xfrm>
+          <a:prstGeom prst="rect">
+            <a:avLst/>
+          </a:prstGeom>
+          <a:solidFill>
+            <a:schemeClr val="lt1"/>
+          </a:solidFill>
+          <a:ln>
+            <a:noFill/>
+          </a:ln>
+        </p:spPr>
+        <p:txBody>
+          <a:bodyPr spcFirstLastPara="1" wrap="square" lIns="26775" tIns="26775" rIns="26775" bIns="26775" anchor="ctr" anchorCtr="0">
+            <a:noAutofit/>
+          </a:bodyPr>
+          <a:lstStyle/>
+          <a:p>
+            <a:pPr marL="0" marR="0" lvl="0" indent="0" algn="ctr" rtl="0">
+              <a:lnSpc>
+                <a:spcPct val="100000"/>
+              </a:lnSpc>
+              <a:spcBef>
+                <a:spcPts val="0"/>
+              </a:spcBef>
+              <a:spcAft>
+                <a:spcPts val="0"/>
+              </a:spcAft>
+              <a:buClr>
+                <a:srgbClr val="FFFFFF"/>
+              </a:buClr>
+              <a:buFont typeface="Helvetica Neue"/>
+              <a:buNone/>
+            </a:pPr>
+            <a:endParaRPr sz="1200" b="0" i="0" u="none" strike="noStrike" cap="none">
+              <a:solidFill>
+                <a:srgbClr val="02B4E5"/>
+              </a:solidFill>
+              <a:latin typeface="Helvetica Neue"/>
+              <a:ea typeface="Helvetica Neue"/>
+              <a:cs typeface="Helvetica Neue"/>
+              <a:sym typeface="Helvetica Neue"/>
+            </a:endParaRPr>
+          </a:p>
+        </p:txBody>
+      </p:sp>
+    </p:spTree>
+  </p:cSld>
+  <p:clrMapOvr>
+    <a:masterClrMapping/>
+  </p:clrMapOvr>
+</p:sld>
+</file>
+
+<file path=ppt/slides/slide11.xml><?xml version="1.0" encoding="utf-8"?>
+<p:sld xmlns:a="http://schemas.openxmlformats.org/drawingml/2006/main" xmlns:r="http://schemas.openxmlformats.org/officeDocument/2006/relationships" xmlns:p="http://schemas.openxmlformats.org/presentationml/2006/main">
+  <p:cSld>
     <p:spTree>
       <p:nvGrpSpPr>
         <p:cNvPr id="1" name="Shape 241"/>
@@ -28281,7 +28583,7 @@
 </p:sld>
 </file>
 
-<file path=ppt/slides/slide11.xml><?xml version="1.0" encoding="utf-8"?>
+<file path=ppt/slides/slide12.xml><?xml version="1.0" encoding="utf-8"?>
 <p:sld xmlns:a="http://schemas.openxmlformats.org/drawingml/2006/main" xmlns:r="http://schemas.openxmlformats.org/officeDocument/2006/relationships" xmlns:p="http://schemas.openxmlformats.org/presentationml/2006/main">
   <p:cSld>
     <p:spTree>
@@ -28583,7 +28885,7 @@
 </p:sld>
 </file>
 
-<file path=ppt/slides/slide12.xml><?xml version="1.0" encoding="utf-8"?>
+<file path=ppt/slides/slide13.xml><?xml version="1.0" encoding="utf-8"?>
 <p:sld xmlns:a="http://schemas.openxmlformats.org/drawingml/2006/main" xmlns:r="http://schemas.openxmlformats.org/officeDocument/2006/relationships" xmlns:p="http://schemas.openxmlformats.org/presentationml/2006/main">
   <p:cSld>
     <p:spTree>
@@ -28924,7 +29226,7 @@
 </p:sld>
 </file>
 
-<file path=ppt/slides/slide13.xml><?xml version="1.0" encoding="utf-8"?>
+<file path=ppt/slides/slide14.xml><?xml version="1.0" encoding="utf-8"?>
 <p:sld xmlns:a="http://schemas.openxmlformats.org/drawingml/2006/main" xmlns:r="http://schemas.openxmlformats.org/officeDocument/2006/relationships" xmlns:p="http://schemas.openxmlformats.org/presentationml/2006/main">
   <p:cSld>
     <p:spTree>
@@ -29103,10 +29405,10 @@
       </p:sp>
       <p:pic>
         <p:nvPicPr>
-          <p:cNvPr id="3" name="Picture 2" descr="Diagram&#10;&#10;Description automatically generated with low confidence">
+          <p:cNvPr id="4" name="Picture 3" descr="Diagram&#10;&#10;Description automatically generated">
             <a:extLst>
               <a:ext uri="{FF2B5EF4-FFF2-40B4-BE49-F238E27FC236}">
-                <a16:creationId xmlns:a16="http://schemas.microsoft.com/office/drawing/2014/main" id="{8EAFCDB7-73A0-49B6-A624-4E5CA2FCC3C8}"/>
+                <a16:creationId xmlns:a16="http://schemas.microsoft.com/office/drawing/2014/main" id="{CA8885D4-5C0C-4F60-9133-E26C73798808}"/>
               </a:ext>
             </a:extLst>
           </p:cNvPr>
@@ -29123,8 +29425,8 @@
         </p:blipFill>
         <p:spPr>
           <a:xfrm>
-            <a:off x="0" y="5769691"/>
-            <a:ext cx="7772400" cy="2754134"/>
+            <a:off x="0" y="5478595"/>
+            <a:ext cx="7772400" cy="2818967"/>
           </a:xfrm>
           <a:prstGeom prst="rect">
             <a:avLst/>
@@ -29139,7 +29441,7 @@
 </p:sld>
 </file>
 
-<file path=ppt/slides/slide14.xml><?xml version="1.0" encoding="utf-8"?>
+<file path=ppt/slides/slide15.xml><?xml version="1.0" encoding="utf-8"?>
 <p:sld xmlns:a="http://schemas.openxmlformats.org/drawingml/2006/main" xmlns:r="http://schemas.openxmlformats.org/officeDocument/2006/relationships" xmlns:p="http://schemas.openxmlformats.org/presentationml/2006/main">
   <p:cSld>
     <p:bg>
@@ -29331,7 +29633,7 @@
 </p:sld>
 </file>
 
-<file path=ppt/slides/slide15.xml><?xml version="1.0" encoding="utf-8"?>
+<file path=ppt/slides/slide16.xml><?xml version="1.0" encoding="utf-8"?>
 <p:sld xmlns:a="http://schemas.openxmlformats.org/drawingml/2006/main" xmlns:r="http://schemas.openxmlformats.org/officeDocument/2006/relationships" xmlns:p="http://schemas.openxmlformats.org/presentationml/2006/main">
   <p:cSld>
     <p:spTree>
@@ -30208,7 +30510,7 @@
 </p:sld>
 </file>
 
-<file path=ppt/slides/slide16.xml><?xml version="1.0" encoding="utf-8"?>
+<file path=ppt/slides/slide17.xml><?xml version="1.0" encoding="utf-8"?>
 <p:sld xmlns:a="http://schemas.openxmlformats.org/drawingml/2006/main" xmlns:r="http://schemas.openxmlformats.org/officeDocument/2006/relationships" xmlns:p="http://schemas.openxmlformats.org/presentationml/2006/main">
   <p:cSld>
     <p:spTree>
@@ -30631,7 +30933,7 @@
 </p:sld>
 </file>
 
-<file path=ppt/slides/slide17.xml><?xml version="1.0" encoding="utf-8"?>
+<file path=ppt/slides/slide18.xml><?xml version="1.0" encoding="utf-8"?>
 <p:sld xmlns:a="http://schemas.openxmlformats.org/drawingml/2006/main" xmlns:r="http://schemas.openxmlformats.org/officeDocument/2006/relationships" xmlns:p="http://schemas.openxmlformats.org/presentationml/2006/main">
   <p:cSld>
     <p:spTree>
@@ -31421,7 +31723,7 @@
 </p:sld>
 </file>
 
-<file path=ppt/slides/slide18.xml><?xml version="1.0" encoding="utf-8"?>
+<file path=ppt/slides/slide19.xml><?xml version="1.0" encoding="utf-8"?>
 <p:sld xmlns:a="http://schemas.openxmlformats.org/drawingml/2006/main" xmlns:r="http://schemas.openxmlformats.org/officeDocument/2006/relationships" xmlns:p="http://schemas.openxmlformats.org/presentationml/2006/main">
   <p:cSld>
     <p:spTree>
@@ -31703,360 +32005,6 @@
           <a:xfrm>
             <a:off x="2409092" y="4602337"/>
             <a:ext cx="2521080" cy="2959252"/>
-          </a:xfrm>
-          <a:prstGeom prst="rect">
-            <a:avLst/>
-          </a:prstGeom>
-        </p:spPr>
-      </p:pic>
-    </p:spTree>
-  </p:cSld>
-  <p:clrMapOvr>
-    <a:masterClrMapping/>
-  </p:clrMapOvr>
-</p:sld>
-</file>
-
-<file path=ppt/slides/slide19.xml><?xml version="1.0" encoding="utf-8"?>
-<p:sld xmlns:a="http://schemas.openxmlformats.org/drawingml/2006/main" xmlns:r="http://schemas.openxmlformats.org/officeDocument/2006/relationships" xmlns:p="http://schemas.openxmlformats.org/presentationml/2006/main">
-  <p:cSld>
-    <p:spTree>
-      <p:nvGrpSpPr>
-        <p:cNvPr id="1" name="Shape 301"/>
-        <p:cNvGrpSpPr/>
-        <p:nvPr/>
-      </p:nvGrpSpPr>
-      <p:grpSpPr>
-        <a:xfrm>
-          <a:off x="0" y="0"/>
-          <a:ext cx="0" cy="0"/>
-          <a:chOff x="0" y="0"/>
-          <a:chExt cx="0" cy="0"/>
-        </a:xfrm>
-      </p:grpSpPr>
-      <p:sp>
-        <p:nvSpPr>
-          <p:cNvPr id="302" name="Google Shape;302;p70"/>
-          <p:cNvSpPr txBox="1">
-            <a:spLocks noGrp="1"/>
-          </p:cNvSpPr>
-          <p:nvPr>
-            <p:ph type="title"/>
-          </p:nvPr>
-        </p:nvSpPr>
-        <p:spPr>
-          <a:xfrm>
-            <a:off x="264945" y="870271"/>
-            <a:ext cx="7242600" cy="1119900"/>
-          </a:xfrm>
-          <a:prstGeom prst="rect">
-            <a:avLst/>
-          </a:prstGeom>
-        </p:spPr>
-        <p:txBody>
-          <a:bodyPr spcFirstLastPara="1" wrap="square" lIns="91425" tIns="91425" rIns="91425" bIns="91425" anchor="ctr" anchorCtr="0">
-            <a:noAutofit/>
-          </a:bodyPr>
-          <a:lstStyle/>
-          <a:p>
-            <a:pPr marL="0" lvl="0" indent="0" algn="l" rtl="0">
-              <a:spcBef>
-                <a:spcPts val="0"/>
-              </a:spcBef>
-              <a:spcAft>
-                <a:spcPts val="0"/>
-              </a:spcAft>
-              <a:buNone/>
-            </a:pPr>
-            <a:r>
-              <a:rPr lang="en"/>
-              <a:t>CRUD</a:t>
-            </a:r>
-            <a:endParaRPr/>
-          </a:p>
-        </p:txBody>
-      </p:sp>
-      <p:sp>
-        <p:nvSpPr>
-          <p:cNvPr id="303" name="Google Shape;303;p70"/>
-          <p:cNvSpPr txBox="1">
-            <a:spLocks noGrp="1"/>
-          </p:cNvSpPr>
-          <p:nvPr>
-            <p:ph type="body" idx="1"/>
-          </p:nvPr>
-        </p:nvSpPr>
-        <p:spPr>
-          <a:xfrm>
-            <a:off x="264950" y="2118049"/>
-            <a:ext cx="7242600" cy="7731900"/>
-          </a:xfrm>
-          <a:prstGeom prst="rect">
-            <a:avLst/>
-          </a:prstGeom>
-        </p:spPr>
-        <p:txBody>
-          <a:bodyPr spcFirstLastPara="1" wrap="square" lIns="91425" tIns="91425" rIns="91425" bIns="91425" anchor="t" anchorCtr="0">
-            <a:noAutofit/>
-          </a:bodyPr>
-          <a:lstStyle/>
-          <a:p>
-            <a:pPr marL="0" lvl="0" indent="0" algn="l" rtl="0">
-              <a:spcBef>
-                <a:spcPts val="0"/>
-              </a:spcBef>
-              <a:spcAft>
-                <a:spcPts val="0"/>
-              </a:spcAft>
-              <a:buNone/>
-            </a:pPr>
-            <a:endParaRPr sz="1900" dirty="0"/>
-          </a:p>
-          <a:p>
-            <a:pPr marL="457200" lvl="0" indent="-349250" algn="l" rtl="0">
-              <a:spcBef>
-                <a:spcPts val="1600"/>
-              </a:spcBef>
-              <a:spcAft>
-                <a:spcPts val="0"/>
-              </a:spcAft>
-              <a:buSzPts val="1900"/>
-              <a:buFont typeface="Open Sans"/>
-              <a:buChar char="●"/>
-            </a:pPr>
-            <a:r>
-              <a:rPr lang="en" sz="1900" b="1" dirty="0">
-                <a:latin typeface="Open Sans"/>
-                <a:ea typeface="Open Sans"/>
-                <a:cs typeface="Open Sans"/>
-                <a:sym typeface="Open Sans"/>
-              </a:rPr>
-              <a:t>Question 3: Correct the job title from web programmer to web developer</a:t>
-            </a:r>
-            <a:endParaRPr sz="1900" b="1" dirty="0">
-              <a:latin typeface="Open Sans"/>
-              <a:ea typeface="Open Sans"/>
-              <a:cs typeface="Open Sans"/>
-              <a:sym typeface="Open Sans"/>
-            </a:endParaRPr>
-          </a:p>
-          <a:p>
-            <a:pPr marL="0" lvl="0" indent="0" algn="l" rtl="0">
-              <a:lnSpc>
-                <a:spcPct val="170000"/>
-              </a:lnSpc>
-              <a:spcBef>
-                <a:spcPts val="1600"/>
-              </a:spcBef>
-              <a:spcAft>
-                <a:spcPts val="0"/>
-              </a:spcAft>
-              <a:buNone/>
-            </a:pPr>
-            <a:r>
-              <a:rPr lang="en" sz="1200" dirty="0">
-                <a:solidFill>
-                  <a:srgbClr val="525C65"/>
-                </a:solidFill>
-                <a:highlight>
-                  <a:schemeClr val="lt1"/>
-                </a:highlight>
-                <a:latin typeface="Open Sans"/>
-                <a:ea typeface="Open Sans"/>
-                <a:cs typeface="Open Sans"/>
-                <a:sym typeface="Open Sans"/>
-              </a:rPr>
-              <a:t>     </a:t>
-            </a:r>
-            <a:endParaRPr sz="1200" dirty="0">
-              <a:solidFill>
-                <a:srgbClr val="525C65"/>
-              </a:solidFill>
-              <a:highlight>
-                <a:schemeClr val="lt1"/>
-              </a:highlight>
-              <a:latin typeface="Open Sans"/>
-              <a:ea typeface="Open Sans"/>
-              <a:cs typeface="Open Sans"/>
-              <a:sym typeface="Open Sans"/>
-            </a:endParaRPr>
-          </a:p>
-          <a:p>
-            <a:pPr marL="0" lvl="0" indent="0" algn="l" rtl="0">
-              <a:spcBef>
-                <a:spcPts val="1600"/>
-              </a:spcBef>
-              <a:spcAft>
-                <a:spcPts val="0"/>
-              </a:spcAft>
-              <a:buNone/>
-            </a:pPr>
-            <a:endParaRPr sz="1900" b="1" dirty="0">
-              <a:latin typeface="Open Sans"/>
-              <a:ea typeface="Open Sans"/>
-              <a:cs typeface="Open Sans"/>
-              <a:sym typeface="Open Sans"/>
-            </a:endParaRPr>
-          </a:p>
-          <a:p>
-            <a:pPr marL="0" lvl="0" indent="0" algn="l" rtl="0">
-              <a:spcBef>
-                <a:spcPts val="1600"/>
-              </a:spcBef>
-              <a:spcAft>
-                <a:spcPts val="0"/>
-              </a:spcAft>
-              <a:buNone/>
-            </a:pPr>
-            <a:endParaRPr sz="1900" b="1" dirty="0">
-              <a:latin typeface="Open Sans"/>
-              <a:ea typeface="Open Sans"/>
-              <a:cs typeface="Open Sans"/>
-              <a:sym typeface="Open Sans"/>
-            </a:endParaRPr>
-          </a:p>
-          <a:p>
-            <a:pPr marL="0" lvl="0" indent="0" algn="l" rtl="0">
-              <a:spcBef>
-                <a:spcPts val="1600"/>
-              </a:spcBef>
-              <a:spcAft>
-                <a:spcPts val="0"/>
-              </a:spcAft>
-              <a:buNone/>
-            </a:pPr>
-            <a:endParaRPr sz="1900" b="1" dirty="0">
-              <a:latin typeface="Open Sans"/>
-              <a:ea typeface="Open Sans"/>
-              <a:cs typeface="Open Sans"/>
-              <a:sym typeface="Open Sans"/>
-            </a:endParaRPr>
-          </a:p>
-          <a:p>
-            <a:pPr marL="457200" lvl="0" indent="0" algn="l" rtl="0">
-              <a:spcBef>
-                <a:spcPts val="1600"/>
-              </a:spcBef>
-              <a:spcAft>
-                <a:spcPts val="0"/>
-              </a:spcAft>
-              <a:buNone/>
-            </a:pPr>
-            <a:endParaRPr sz="1900" b="1" dirty="0">
-              <a:latin typeface="Open Sans"/>
-              <a:ea typeface="Open Sans"/>
-              <a:cs typeface="Open Sans"/>
-              <a:sym typeface="Open Sans"/>
-            </a:endParaRPr>
-          </a:p>
-          <a:p>
-            <a:pPr marL="0" lvl="0" indent="0" algn="l" rtl="0">
-              <a:spcBef>
-                <a:spcPts val="1600"/>
-              </a:spcBef>
-              <a:spcAft>
-                <a:spcPts val="0"/>
-              </a:spcAft>
-              <a:buNone/>
-            </a:pPr>
-            <a:endParaRPr sz="1900" b="1" dirty="0">
-              <a:latin typeface="Open Sans"/>
-              <a:ea typeface="Open Sans"/>
-              <a:cs typeface="Open Sans"/>
-              <a:sym typeface="Open Sans"/>
-            </a:endParaRPr>
-          </a:p>
-          <a:p>
-            <a:pPr marL="0" lvl="0" indent="0" algn="l" rtl="0">
-              <a:spcBef>
-                <a:spcPts val="1600"/>
-              </a:spcBef>
-              <a:spcAft>
-                <a:spcPts val="0"/>
-              </a:spcAft>
-              <a:buNone/>
-            </a:pPr>
-            <a:endParaRPr sz="1900" b="1" dirty="0">
-              <a:latin typeface="Open Sans"/>
-              <a:ea typeface="Open Sans"/>
-              <a:cs typeface="Open Sans"/>
-              <a:sym typeface="Open Sans"/>
-            </a:endParaRPr>
-          </a:p>
-          <a:p>
-            <a:pPr marL="0" lvl="0" indent="0" algn="l" rtl="0">
-              <a:spcBef>
-                <a:spcPts val="1600"/>
-              </a:spcBef>
-              <a:spcAft>
-                <a:spcPts val="0"/>
-              </a:spcAft>
-              <a:buNone/>
-            </a:pPr>
-            <a:endParaRPr sz="1900" dirty="0"/>
-          </a:p>
-          <a:p>
-            <a:pPr marL="457200" lvl="0" indent="0" algn="l" rtl="0">
-              <a:spcBef>
-                <a:spcPts val="1600"/>
-              </a:spcBef>
-              <a:spcAft>
-                <a:spcPts val="0"/>
-              </a:spcAft>
-              <a:buNone/>
-            </a:pPr>
-            <a:endParaRPr sz="1900" dirty="0"/>
-          </a:p>
-          <a:p>
-            <a:pPr marL="457200" lvl="0" indent="0" algn="l" rtl="0">
-              <a:spcBef>
-                <a:spcPts val="1600"/>
-              </a:spcBef>
-              <a:spcAft>
-                <a:spcPts val="0"/>
-              </a:spcAft>
-              <a:buNone/>
-            </a:pPr>
-            <a:endParaRPr sz="1900" dirty="0"/>
-          </a:p>
-          <a:p>
-            <a:pPr marL="457200" lvl="0" indent="0" algn="l" rtl="0">
-              <a:spcBef>
-                <a:spcPts val="1600"/>
-              </a:spcBef>
-              <a:spcAft>
-                <a:spcPts val="1600"/>
-              </a:spcAft>
-              <a:buNone/>
-            </a:pPr>
-            <a:endParaRPr sz="1900" dirty="0"/>
-          </a:p>
-        </p:txBody>
-      </p:sp>
-      <p:pic>
-        <p:nvPicPr>
-          <p:cNvPr id="4" name="Picture 3" descr="A picture containing text, black, plaque&#10;&#10;Description automatically generated">
-            <a:extLst>
-              <a:ext uri="{FF2B5EF4-FFF2-40B4-BE49-F238E27FC236}">
-                <a16:creationId xmlns:a16="http://schemas.microsoft.com/office/drawing/2014/main" id="{B9973BCC-E40E-448F-81F5-A1A62D231D2E}"/>
-              </a:ext>
-            </a:extLst>
-          </p:cNvPr>
-          <p:cNvPicPr>
-            <a:picLocks noChangeAspect="1"/>
-          </p:cNvPicPr>
-          <p:nvPr/>
-        </p:nvPicPr>
-        <p:blipFill>
-          <a:blip r:embed="rId3"/>
-          <a:stretch>
-            <a:fillRect/>
-          </a:stretch>
-        </p:blipFill>
-        <p:spPr>
-          <a:xfrm>
-            <a:off x="2192517" y="4755402"/>
-            <a:ext cx="2749691" cy="3086259"/>
           </a:xfrm>
           <a:prstGeom prst="rect">
             <a:avLst/>
@@ -32673,6 +32621,360 @@
   <p:cSld>
     <p:spTree>
       <p:nvGrpSpPr>
+        <p:cNvPr id="1" name="Shape 301"/>
+        <p:cNvGrpSpPr/>
+        <p:nvPr/>
+      </p:nvGrpSpPr>
+      <p:grpSpPr>
+        <a:xfrm>
+          <a:off x="0" y="0"/>
+          <a:ext cx="0" cy="0"/>
+          <a:chOff x="0" y="0"/>
+          <a:chExt cx="0" cy="0"/>
+        </a:xfrm>
+      </p:grpSpPr>
+      <p:sp>
+        <p:nvSpPr>
+          <p:cNvPr id="302" name="Google Shape;302;p70"/>
+          <p:cNvSpPr txBox="1">
+            <a:spLocks noGrp="1"/>
+          </p:cNvSpPr>
+          <p:nvPr>
+            <p:ph type="title"/>
+          </p:nvPr>
+        </p:nvSpPr>
+        <p:spPr>
+          <a:xfrm>
+            <a:off x="264945" y="870271"/>
+            <a:ext cx="7242600" cy="1119900"/>
+          </a:xfrm>
+          <a:prstGeom prst="rect">
+            <a:avLst/>
+          </a:prstGeom>
+        </p:spPr>
+        <p:txBody>
+          <a:bodyPr spcFirstLastPara="1" wrap="square" lIns="91425" tIns="91425" rIns="91425" bIns="91425" anchor="ctr" anchorCtr="0">
+            <a:noAutofit/>
+          </a:bodyPr>
+          <a:lstStyle/>
+          <a:p>
+            <a:pPr marL="0" lvl="0" indent="0" algn="l" rtl="0">
+              <a:spcBef>
+                <a:spcPts val="0"/>
+              </a:spcBef>
+              <a:spcAft>
+                <a:spcPts val="0"/>
+              </a:spcAft>
+              <a:buNone/>
+            </a:pPr>
+            <a:r>
+              <a:rPr lang="en"/>
+              <a:t>CRUD</a:t>
+            </a:r>
+            <a:endParaRPr/>
+          </a:p>
+        </p:txBody>
+      </p:sp>
+      <p:sp>
+        <p:nvSpPr>
+          <p:cNvPr id="303" name="Google Shape;303;p70"/>
+          <p:cNvSpPr txBox="1">
+            <a:spLocks noGrp="1"/>
+          </p:cNvSpPr>
+          <p:nvPr>
+            <p:ph type="body" idx="1"/>
+          </p:nvPr>
+        </p:nvSpPr>
+        <p:spPr>
+          <a:xfrm>
+            <a:off x="264950" y="2118049"/>
+            <a:ext cx="7242600" cy="7731900"/>
+          </a:xfrm>
+          <a:prstGeom prst="rect">
+            <a:avLst/>
+          </a:prstGeom>
+        </p:spPr>
+        <p:txBody>
+          <a:bodyPr spcFirstLastPara="1" wrap="square" lIns="91425" tIns="91425" rIns="91425" bIns="91425" anchor="t" anchorCtr="0">
+            <a:noAutofit/>
+          </a:bodyPr>
+          <a:lstStyle/>
+          <a:p>
+            <a:pPr marL="0" lvl="0" indent="0" algn="l" rtl="0">
+              <a:spcBef>
+                <a:spcPts val="0"/>
+              </a:spcBef>
+              <a:spcAft>
+                <a:spcPts val="0"/>
+              </a:spcAft>
+              <a:buNone/>
+            </a:pPr>
+            <a:endParaRPr sz="1900" dirty="0"/>
+          </a:p>
+          <a:p>
+            <a:pPr marL="457200" lvl="0" indent="-349250" algn="l" rtl="0">
+              <a:spcBef>
+                <a:spcPts val="1600"/>
+              </a:spcBef>
+              <a:spcAft>
+                <a:spcPts val="0"/>
+              </a:spcAft>
+              <a:buSzPts val="1900"/>
+              <a:buFont typeface="Open Sans"/>
+              <a:buChar char="●"/>
+            </a:pPr>
+            <a:r>
+              <a:rPr lang="en" sz="1900" b="1" dirty="0">
+                <a:latin typeface="Open Sans"/>
+                <a:ea typeface="Open Sans"/>
+                <a:cs typeface="Open Sans"/>
+                <a:sym typeface="Open Sans"/>
+              </a:rPr>
+              <a:t>Question 3: Correct the job title from web programmer to web developer</a:t>
+            </a:r>
+            <a:endParaRPr sz="1900" b="1" dirty="0">
+              <a:latin typeface="Open Sans"/>
+              <a:ea typeface="Open Sans"/>
+              <a:cs typeface="Open Sans"/>
+              <a:sym typeface="Open Sans"/>
+            </a:endParaRPr>
+          </a:p>
+          <a:p>
+            <a:pPr marL="0" lvl="0" indent="0" algn="l" rtl="0">
+              <a:lnSpc>
+                <a:spcPct val="170000"/>
+              </a:lnSpc>
+              <a:spcBef>
+                <a:spcPts val="1600"/>
+              </a:spcBef>
+              <a:spcAft>
+                <a:spcPts val="0"/>
+              </a:spcAft>
+              <a:buNone/>
+            </a:pPr>
+            <a:r>
+              <a:rPr lang="en" sz="1200" dirty="0">
+                <a:solidFill>
+                  <a:srgbClr val="525C65"/>
+                </a:solidFill>
+                <a:highlight>
+                  <a:schemeClr val="lt1"/>
+                </a:highlight>
+                <a:latin typeface="Open Sans"/>
+                <a:ea typeface="Open Sans"/>
+                <a:cs typeface="Open Sans"/>
+                <a:sym typeface="Open Sans"/>
+              </a:rPr>
+              <a:t>     </a:t>
+            </a:r>
+            <a:endParaRPr sz="1200" dirty="0">
+              <a:solidFill>
+                <a:srgbClr val="525C65"/>
+              </a:solidFill>
+              <a:highlight>
+                <a:schemeClr val="lt1"/>
+              </a:highlight>
+              <a:latin typeface="Open Sans"/>
+              <a:ea typeface="Open Sans"/>
+              <a:cs typeface="Open Sans"/>
+              <a:sym typeface="Open Sans"/>
+            </a:endParaRPr>
+          </a:p>
+          <a:p>
+            <a:pPr marL="0" lvl="0" indent="0" algn="l" rtl="0">
+              <a:spcBef>
+                <a:spcPts val="1600"/>
+              </a:spcBef>
+              <a:spcAft>
+                <a:spcPts val="0"/>
+              </a:spcAft>
+              <a:buNone/>
+            </a:pPr>
+            <a:endParaRPr sz="1900" b="1" dirty="0">
+              <a:latin typeface="Open Sans"/>
+              <a:ea typeface="Open Sans"/>
+              <a:cs typeface="Open Sans"/>
+              <a:sym typeface="Open Sans"/>
+            </a:endParaRPr>
+          </a:p>
+          <a:p>
+            <a:pPr marL="0" lvl="0" indent="0" algn="l" rtl="0">
+              <a:spcBef>
+                <a:spcPts val="1600"/>
+              </a:spcBef>
+              <a:spcAft>
+                <a:spcPts val="0"/>
+              </a:spcAft>
+              <a:buNone/>
+            </a:pPr>
+            <a:endParaRPr sz="1900" b="1" dirty="0">
+              <a:latin typeface="Open Sans"/>
+              <a:ea typeface="Open Sans"/>
+              <a:cs typeface="Open Sans"/>
+              <a:sym typeface="Open Sans"/>
+            </a:endParaRPr>
+          </a:p>
+          <a:p>
+            <a:pPr marL="0" lvl="0" indent="0" algn="l" rtl="0">
+              <a:spcBef>
+                <a:spcPts val="1600"/>
+              </a:spcBef>
+              <a:spcAft>
+                <a:spcPts val="0"/>
+              </a:spcAft>
+              <a:buNone/>
+            </a:pPr>
+            <a:endParaRPr sz="1900" b="1" dirty="0">
+              <a:latin typeface="Open Sans"/>
+              <a:ea typeface="Open Sans"/>
+              <a:cs typeface="Open Sans"/>
+              <a:sym typeface="Open Sans"/>
+            </a:endParaRPr>
+          </a:p>
+          <a:p>
+            <a:pPr marL="457200" lvl="0" indent="0" algn="l" rtl="0">
+              <a:spcBef>
+                <a:spcPts val="1600"/>
+              </a:spcBef>
+              <a:spcAft>
+                <a:spcPts val="0"/>
+              </a:spcAft>
+              <a:buNone/>
+            </a:pPr>
+            <a:endParaRPr sz="1900" b="1" dirty="0">
+              <a:latin typeface="Open Sans"/>
+              <a:ea typeface="Open Sans"/>
+              <a:cs typeface="Open Sans"/>
+              <a:sym typeface="Open Sans"/>
+            </a:endParaRPr>
+          </a:p>
+          <a:p>
+            <a:pPr marL="0" lvl="0" indent="0" algn="l" rtl="0">
+              <a:spcBef>
+                <a:spcPts val="1600"/>
+              </a:spcBef>
+              <a:spcAft>
+                <a:spcPts val="0"/>
+              </a:spcAft>
+              <a:buNone/>
+            </a:pPr>
+            <a:endParaRPr sz="1900" b="1" dirty="0">
+              <a:latin typeface="Open Sans"/>
+              <a:ea typeface="Open Sans"/>
+              <a:cs typeface="Open Sans"/>
+              <a:sym typeface="Open Sans"/>
+            </a:endParaRPr>
+          </a:p>
+          <a:p>
+            <a:pPr marL="0" lvl="0" indent="0" algn="l" rtl="0">
+              <a:spcBef>
+                <a:spcPts val="1600"/>
+              </a:spcBef>
+              <a:spcAft>
+                <a:spcPts val="0"/>
+              </a:spcAft>
+              <a:buNone/>
+            </a:pPr>
+            <a:endParaRPr sz="1900" b="1" dirty="0">
+              <a:latin typeface="Open Sans"/>
+              <a:ea typeface="Open Sans"/>
+              <a:cs typeface="Open Sans"/>
+              <a:sym typeface="Open Sans"/>
+            </a:endParaRPr>
+          </a:p>
+          <a:p>
+            <a:pPr marL="0" lvl="0" indent="0" algn="l" rtl="0">
+              <a:spcBef>
+                <a:spcPts val="1600"/>
+              </a:spcBef>
+              <a:spcAft>
+                <a:spcPts val="0"/>
+              </a:spcAft>
+              <a:buNone/>
+            </a:pPr>
+            <a:endParaRPr sz="1900" dirty="0"/>
+          </a:p>
+          <a:p>
+            <a:pPr marL="457200" lvl="0" indent="0" algn="l" rtl="0">
+              <a:spcBef>
+                <a:spcPts val="1600"/>
+              </a:spcBef>
+              <a:spcAft>
+                <a:spcPts val="0"/>
+              </a:spcAft>
+              <a:buNone/>
+            </a:pPr>
+            <a:endParaRPr sz="1900" dirty="0"/>
+          </a:p>
+          <a:p>
+            <a:pPr marL="457200" lvl="0" indent="0" algn="l" rtl="0">
+              <a:spcBef>
+                <a:spcPts val="1600"/>
+              </a:spcBef>
+              <a:spcAft>
+                <a:spcPts val="0"/>
+              </a:spcAft>
+              <a:buNone/>
+            </a:pPr>
+            <a:endParaRPr sz="1900" dirty="0"/>
+          </a:p>
+          <a:p>
+            <a:pPr marL="457200" lvl="0" indent="0" algn="l" rtl="0">
+              <a:spcBef>
+                <a:spcPts val="1600"/>
+              </a:spcBef>
+              <a:spcAft>
+                <a:spcPts val="1600"/>
+              </a:spcAft>
+              <a:buNone/>
+            </a:pPr>
+            <a:endParaRPr sz="1900" dirty="0"/>
+          </a:p>
+        </p:txBody>
+      </p:sp>
+      <p:pic>
+        <p:nvPicPr>
+          <p:cNvPr id="4" name="Picture 3" descr="A picture containing text, black, plaque&#10;&#10;Description automatically generated">
+            <a:extLst>
+              <a:ext uri="{FF2B5EF4-FFF2-40B4-BE49-F238E27FC236}">
+                <a16:creationId xmlns:a16="http://schemas.microsoft.com/office/drawing/2014/main" id="{B9973BCC-E40E-448F-81F5-A1A62D231D2E}"/>
+              </a:ext>
+            </a:extLst>
+          </p:cNvPr>
+          <p:cNvPicPr>
+            <a:picLocks noChangeAspect="1"/>
+          </p:cNvPicPr>
+          <p:nvPr/>
+        </p:nvPicPr>
+        <p:blipFill>
+          <a:blip r:embed="rId3"/>
+          <a:stretch>
+            <a:fillRect/>
+          </a:stretch>
+        </p:blipFill>
+        <p:spPr>
+          <a:xfrm>
+            <a:off x="2192517" y="4755402"/>
+            <a:ext cx="2749691" cy="3086259"/>
+          </a:xfrm>
+          <a:prstGeom prst="rect">
+            <a:avLst/>
+          </a:prstGeom>
+        </p:spPr>
+      </p:pic>
+    </p:spTree>
+  </p:cSld>
+  <p:clrMapOvr>
+    <a:masterClrMapping/>
+  </p:clrMapOvr>
+</p:sld>
+</file>
+
+<file path=ppt/slides/slide21.xml><?xml version="1.0" encoding="utf-8"?>
+<p:sld xmlns:a="http://schemas.openxmlformats.org/drawingml/2006/main" xmlns:r="http://schemas.openxmlformats.org/officeDocument/2006/relationships" xmlns:p="http://schemas.openxmlformats.org/presentationml/2006/main">
+  <p:cSld>
+    <p:spTree>
+      <p:nvGrpSpPr>
         <p:cNvPr id="1" name="Shape 308"/>
         <p:cNvGrpSpPr/>
         <p:nvPr/>
@@ -33057,7 +33359,7 @@
 </p:sld>
 </file>
 
-<file path=ppt/slides/slide21.xml><?xml version="1.0" encoding="utf-8"?>
+<file path=ppt/slides/slide22.xml><?xml version="1.0" encoding="utf-8"?>
 <p:sld xmlns:a="http://schemas.openxmlformats.org/drawingml/2006/main" xmlns:r="http://schemas.openxmlformats.org/officeDocument/2006/relationships" xmlns:p="http://schemas.openxmlformats.org/presentationml/2006/main">
   <p:cSld>
     <p:spTree>
@@ -33404,7 +33706,7 @@
 </p:sld>
 </file>
 
-<file path=ppt/slides/slide22.xml><?xml version="1.0" encoding="utf-8"?>
+<file path=ppt/slides/slide23.xml><?xml version="1.0" encoding="utf-8"?>
 <p:sld xmlns:a="http://schemas.openxmlformats.org/drawingml/2006/main" xmlns:r="http://schemas.openxmlformats.org/officeDocument/2006/relationships" xmlns:p="http://schemas.openxmlformats.org/presentationml/2006/main">
   <p:cSld>
     <p:spTree>
@@ -33784,7 +34086,7 @@
 </p:sld>
 </file>
 
-<file path=ppt/slides/slide23.xml><?xml version="1.0" encoding="utf-8"?>
+<file path=ppt/slides/slide24.xml><?xml version="1.0" encoding="utf-8"?>
 <p:sld xmlns:a="http://schemas.openxmlformats.org/drawingml/2006/main" xmlns:r="http://schemas.openxmlformats.org/officeDocument/2006/relationships" xmlns:p="http://schemas.openxmlformats.org/presentationml/2006/main">
   <p:cSld>
     <p:spTree>
@@ -34063,7 +34365,7 @@
 </p:sld>
 </file>
 
-<file path=ppt/slides/slide24.xml><?xml version="1.0" encoding="utf-8"?>
+<file path=ppt/slides/slide25.xml><?xml version="1.0" encoding="utf-8"?>
 <p:sld xmlns:a="http://schemas.openxmlformats.org/drawingml/2006/main" xmlns:r="http://schemas.openxmlformats.org/officeDocument/2006/relationships" xmlns:p="http://schemas.openxmlformats.org/presentationml/2006/main">
   <p:cSld>
     <p:bg>
@@ -34255,7 +34557,7 @@
 </p:sld>
 </file>
 
-<file path=ppt/slides/slide25.xml><?xml version="1.0" encoding="utf-8"?>
+<file path=ppt/slides/slide26.xml><?xml version="1.0" encoding="utf-8"?>
 <p:sld xmlns:a="http://schemas.openxmlformats.org/drawingml/2006/main" xmlns:r="http://schemas.openxmlformats.org/officeDocument/2006/relationships" xmlns:p="http://schemas.openxmlformats.org/presentationml/2006/main">
   <p:cSld>
     <p:spTree>
@@ -34423,7 +34725,7 @@
 </p:sld>
 </file>
 
-<file path=ppt/slides/slide26.xml><?xml version="1.0" encoding="utf-8"?>
+<file path=ppt/slides/slide27.xml><?xml version="1.0" encoding="utf-8"?>
 <p:sld xmlns:a="http://schemas.openxmlformats.org/drawingml/2006/main" xmlns:r="http://schemas.openxmlformats.org/officeDocument/2006/relationships" xmlns:p="http://schemas.openxmlformats.org/presentationml/2006/main">
   <p:cSld>
     <p:spTree>
@@ -34590,7 +34892,7 @@
 </p:sld>
 </file>
 
-<file path=ppt/slides/slide27.xml><?xml version="1.0" encoding="utf-8"?>
+<file path=ppt/slides/slide28.xml><?xml version="1.0" encoding="utf-8"?>
 <p:sld xmlns:a="http://schemas.openxmlformats.org/drawingml/2006/main" xmlns:r="http://schemas.openxmlformats.org/officeDocument/2006/relationships" xmlns:p="http://schemas.openxmlformats.org/presentationml/2006/main">
   <p:cSld>
     <p:spTree>
@@ -34757,7 +35059,7 @@
 </p:sld>
 </file>
 
-<file path=ppt/slides/slide28.xml><?xml version="1.0" encoding="utf-8"?>
+<file path=ppt/slides/slide29.xml><?xml version="1.0" encoding="utf-8"?>
 <p:sld xmlns:a="http://schemas.openxmlformats.org/drawingml/2006/main" xmlns:r="http://schemas.openxmlformats.org/officeDocument/2006/relationships" xmlns:p="http://schemas.openxmlformats.org/presentationml/2006/main">
   <p:cSld>
     <p:spTree>
@@ -34957,186 +35259,6 @@
               <a:buNone/>
             </a:pPr>
             <a:endParaRPr sz="1900"/>
-          </a:p>
-        </p:txBody>
-      </p:sp>
-    </p:spTree>
-  </p:cSld>
-  <p:clrMapOvr>
-    <a:masterClrMapping/>
-  </p:clrMapOvr>
-</p:sld>
-</file>
-
-<file path=ppt/slides/slide29.xml><?xml version="1.0" encoding="utf-8"?>
-<p:sld xmlns:a="http://schemas.openxmlformats.org/drawingml/2006/main" xmlns:r="http://schemas.openxmlformats.org/officeDocument/2006/relationships" xmlns:p="http://schemas.openxmlformats.org/presentationml/2006/main">
-  <p:cSld>
-    <p:bg>
-      <p:bgPr>
-        <a:solidFill>
-          <a:srgbClr val="02B4E5"/>
-        </a:solidFill>
-        <a:effectLst/>
-      </p:bgPr>
-    </p:bg>
-    <p:spTree>
-      <p:nvGrpSpPr>
-        <p:cNvPr id="1" name="Shape 365"/>
-        <p:cNvGrpSpPr/>
-        <p:nvPr/>
-      </p:nvGrpSpPr>
-      <p:grpSpPr>
-        <a:xfrm>
-          <a:off x="0" y="0"/>
-          <a:ext cx="0" cy="0"/>
-          <a:chOff x="0" y="0"/>
-          <a:chExt cx="0" cy="0"/>
-        </a:xfrm>
-      </p:grpSpPr>
-      <p:sp>
-        <p:nvSpPr>
-          <p:cNvPr id="366" name="Google Shape;366;p80"/>
-          <p:cNvSpPr/>
-          <p:nvPr/>
-        </p:nvSpPr>
-        <p:spPr>
-          <a:xfrm>
-            <a:off x="1807121" y="4003549"/>
-            <a:ext cx="4158000" cy="2460000"/>
-          </a:xfrm>
-          <a:prstGeom prst="rect">
-            <a:avLst/>
-          </a:prstGeom>
-          <a:noFill/>
-          <a:ln>
-            <a:noFill/>
-          </a:ln>
-        </p:spPr>
-        <p:txBody>
-          <a:bodyPr spcFirstLastPara="1" wrap="square" lIns="26775" tIns="26775" rIns="26775" bIns="26775" anchor="t" anchorCtr="0">
-            <a:noAutofit/>
-          </a:bodyPr>
-          <a:lstStyle/>
-          <a:p>
-            <a:pPr marL="0" marR="0" lvl="0" indent="0" algn="ctr" rtl="0">
-              <a:lnSpc>
-                <a:spcPct val="150000"/>
-              </a:lnSpc>
-              <a:spcBef>
-                <a:spcPts val="0"/>
-              </a:spcBef>
-              <a:spcAft>
-                <a:spcPts val="0"/>
-              </a:spcAft>
-              <a:buClr>
-                <a:srgbClr val="FFFFFF"/>
-              </a:buClr>
-              <a:buFont typeface="Open Sans"/>
-              <a:buNone/>
-            </a:pPr>
-            <a:r>
-              <a:rPr lang="en" sz="3000" b="1">
-                <a:solidFill>
-                  <a:srgbClr val="FFFFFF"/>
-                </a:solidFill>
-                <a:latin typeface="Open Sans"/>
-                <a:ea typeface="Open Sans"/>
-                <a:cs typeface="Open Sans"/>
-                <a:sym typeface="Open Sans"/>
-              </a:rPr>
-              <a:t>Appendix</a:t>
-            </a:r>
-            <a:endParaRPr sz="3000" b="1">
-              <a:solidFill>
-                <a:srgbClr val="FFFFFF"/>
-              </a:solidFill>
-              <a:latin typeface="Open Sans"/>
-              <a:ea typeface="Open Sans"/>
-              <a:cs typeface="Open Sans"/>
-              <a:sym typeface="Open Sans"/>
-            </a:endParaRPr>
-          </a:p>
-          <a:p>
-            <a:pPr marL="0" lvl="0" indent="0" algn="l" rtl="0">
-              <a:lnSpc>
-                <a:spcPct val="150000"/>
-              </a:lnSpc>
-              <a:spcBef>
-                <a:spcPts val="0"/>
-              </a:spcBef>
-              <a:spcAft>
-                <a:spcPts val="0"/>
-              </a:spcAft>
-              <a:buClr>
-                <a:schemeClr val="lt1"/>
-              </a:buClr>
-              <a:buFont typeface="Open Sans"/>
-              <a:buNone/>
-            </a:pPr>
-            <a:endParaRPr sz="3000" b="1">
-              <a:solidFill>
-                <a:srgbClr val="FFFFFF"/>
-              </a:solidFill>
-              <a:latin typeface="Open Sans"/>
-              <a:ea typeface="Open Sans"/>
-              <a:cs typeface="Open Sans"/>
-              <a:sym typeface="Open Sans"/>
-            </a:endParaRPr>
-          </a:p>
-        </p:txBody>
-      </p:sp>
-      <p:sp>
-        <p:nvSpPr>
-          <p:cNvPr id="367" name="Google Shape;367;p80"/>
-          <p:cNvSpPr/>
-          <p:nvPr/>
-        </p:nvSpPr>
-        <p:spPr>
-          <a:xfrm>
-            <a:off x="3582591" y="3663029"/>
-            <a:ext cx="607200" cy="74400"/>
-          </a:xfrm>
-          <a:prstGeom prst="rect">
-            <a:avLst/>
-          </a:prstGeom>
-          <a:solidFill>
-            <a:schemeClr val="lt1"/>
-          </a:solidFill>
-          <a:ln>
-            <a:noFill/>
-          </a:ln>
-        </p:spPr>
-        <p:txBody>
-          <a:bodyPr spcFirstLastPara="1" wrap="square" lIns="26775" tIns="26775" rIns="26775" bIns="26775" anchor="ctr" anchorCtr="0">
-            <a:noAutofit/>
-          </a:bodyPr>
-          <a:lstStyle/>
-          <a:p>
-            <a:pPr marL="0" marR="0" lvl="0" indent="0" algn="ctr" rtl="0">
-              <a:lnSpc>
-                <a:spcPct val="100000"/>
-              </a:lnSpc>
-              <a:spcBef>
-                <a:spcPts val="0"/>
-              </a:spcBef>
-              <a:spcAft>
-                <a:spcPts val="0"/>
-              </a:spcAft>
-              <a:buClr>
-                <a:srgbClr val="FFFFFF"/>
-              </a:buClr>
-              <a:buFont typeface="Helvetica Neue"/>
-              <a:buNone/>
-            </a:pPr>
-            <a:endParaRPr sz="1200" b="0" i="0" u="none" strike="noStrike" cap="none">
-              <a:solidFill>
-                <a:srgbClr val="02B4E5"/>
-              </a:solidFill>
-              <a:latin typeface="Helvetica Neue"/>
-              <a:ea typeface="Helvetica Neue"/>
-              <a:cs typeface="Helvetica Neue"/>
-              <a:sym typeface="Helvetica Neue"/>
-            </a:endParaRPr>
           </a:p>
         </p:txBody>
       </p:sp>
@@ -35398,6 +35520,186 @@
 <file path=ppt/slides/slide30.xml><?xml version="1.0" encoding="utf-8"?>
 <p:sld xmlns:a="http://schemas.openxmlformats.org/drawingml/2006/main" xmlns:r="http://schemas.openxmlformats.org/officeDocument/2006/relationships" xmlns:p="http://schemas.openxmlformats.org/presentationml/2006/main">
   <p:cSld>
+    <p:bg>
+      <p:bgPr>
+        <a:solidFill>
+          <a:srgbClr val="02B4E5"/>
+        </a:solidFill>
+        <a:effectLst/>
+      </p:bgPr>
+    </p:bg>
+    <p:spTree>
+      <p:nvGrpSpPr>
+        <p:cNvPr id="1" name="Shape 365"/>
+        <p:cNvGrpSpPr/>
+        <p:nvPr/>
+      </p:nvGrpSpPr>
+      <p:grpSpPr>
+        <a:xfrm>
+          <a:off x="0" y="0"/>
+          <a:ext cx="0" cy="0"/>
+          <a:chOff x="0" y="0"/>
+          <a:chExt cx="0" cy="0"/>
+        </a:xfrm>
+      </p:grpSpPr>
+      <p:sp>
+        <p:nvSpPr>
+          <p:cNvPr id="366" name="Google Shape;366;p80"/>
+          <p:cNvSpPr/>
+          <p:nvPr/>
+        </p:nvSpPr>
+        <p:spPr>
+          <a:xfrm>
+            <a:off x="1807121" y="4003549"/>
+            <a:ext cx="4158000" cy="2460000"/>
+          </a:xfrm>
+          <a:prstGeom prst="rect">
+            <a:avLst/>
+          </a:prstGeom>
+          <a:noFill/>
+          <a:ln>
+            <a:noFill/>
+          </a:ln>
+        </p:spPr>
+        <p:txBody>
+          <a:bodyPr spcFirstLastPara="1" wrap="square" lIns="26775" tIns="26775" rIns="26775" bIns="26775" anchor="t" anchorCtr="0">
+            <a:noAutofit/>
+          </a:bodyPr>
+          <a:lstStyle/>
+          <a:p>
+            <a:pPr marL="0" marR="0" lvl="0" indent="0" algn="ctr" rtl="0">
+              <a:lnSpc>
+                <a:spcPct val="150000"/>
+              </a:lnSpc>
+              <a:spcBef>
+                <a:spcPts val="0"/>
+              </a:spcBef>
+              <a:spcAft>
+                <a:spcPts val="0"/>
+              </a:spcAft>
+              <a:buClr>
+                <a:srgbClr val="FFFFFF"/>
+              </a:buClr>
+              <a:buFont typeface="Open Sans"/>
+              <a:buNone/>
+            </a:pPr>
+            <a:r>
+              <a:rPr lang="en" sz="3000" b="1">
+                <a:solidFill>
+                  <a:srgbClr val="FFFFFF"/>
+                </a:solidFill>
+                <a:latin typeface="Open Sans"/>
+                <a:ea typeface="Open Sans"/>
+                <a:cs typeface="Open Sans"/>
+                <a:sym typeface="Open Sans"/>
+              </a:rPr>
+              <a:t>Appendix</a:t>
+            </a:r>
+            <a:endParaRPr sz="3000" b="1">
+              <a:solidFill>
+                <a:srgbClr val="FFFFFF"/>
+              </a:solidFill>
+              <a:latin typeface="Open Sans"/>
+              <a:ea typeface="Open Sans"/>
+              <a:cs typeface="Open Sans"/>
+              <a:sym typeface="Open Sans"/>
+            </a:endParaRPr>
+          </a:p>
+          <a:p>
+            <a:pPr marL="0" lvl="0" indent="0" algn="l" rtl="0">
+              <a:lnSpc>
+                <a:spcPct val="150000"/>
+              </a:lnSpc>
+              <a:spcBef>
+                <a:spcPts val="0"/>
+              </a:spcBef>
+              <a:spcAft>
+                <a:spcPts val="0"/>
+              </a:spcAft>
+              <a:buClr>
+                <a:schemeClr val="lt1"/>
+              </a:buClr>
+              <a:buFont typeface="Open Sans"/>
+              <a:buNone/>
+            </a:pPr>
+            <a:endParaRPr sz="3000" b="1">
+              <a:solidFill>
+                <a:srgbClr val="FFFFFF"/>
+              </a:solidFill>
+              <a:latin typeface="Open Sans"/>
+              <a:ea typeface="Open Sans"/>
+              <a:cs typeface="Open Sans"/>
+              <a:sym typeface="Open Sans"/>
+            </a:endParaRPr>
+          </a:p>
+        </p:txBody>
+      </p:sp>
+      <p:sp>
+        <p:nvSpPr>
+          <p:cNvPr id="367" name="Google Shape;367;p80"/>
+          <p:cNvSpPr/>
+          <p:nvPr/>
+        </p:nvSpPr>
+        <p:spPr>
+          <a:xfrm>
+            <a:off x="3582591" y="3663029"/>
+            <a:ext cx="607200" cy="74400"/>
+          </a:xfrm>
+          <a:prstGeom prst="rect">
+            <a:avLst/>
+          </a:prstGeom>
+          <a:solidFill>
+            <a:schemeClr val="lt1"/>
+          </a:solidFill>
+          <a:ln>
+            <a:noFill/>
+          </a:ln>
+        </p:spPr>
+        <p:txBody>
+          <a:bodyPr spcFirstLastPara="1" wrap="square" lIns="26775" tIns="26775" rIns="26775" bIns="26775" anchor="ctr" anchorCtr="0">
+            <a:noAutofit/>
+          </a:bodyPr>
+          <a:lstStyle/>
+          <a:p>
+            <a:pPr marL="0" marR="0" lvl="0" indent="0" algn="ctr" rtl="0">
+              <a:lnSpc>
+                <a:spcPct val="100000"/>
+              </a:lnSpc>
+              <a:spcBef>
+                <a:spcPts val="0"/>
+              </a:spcBef>
+              <a:spcAft>
+                <a:spcPts val="0"/>
+              </a:spcAft>
+              <a:buClr>
+                <a:srgbClr val="FFFFFF"/>
+              </a:buClr>
+              <a:buFont typeface="Helvetica Neue"/>
+              <a:buNone/>
+            </a:pPr>
+            <a:endParaRPr sz="1200" b="0" i="0" u="none" strike="noStrike" cap="none">
+              <a:solidFill>
+                <a:srgbClr val="02B4E5"/>
+              </a:solidFill>
+              <a:latin typeface="Helvetica Neue"/>
+              <a:ea typeface="Helvetica Neue"/>
+              <a:cs typeface="Helvetica Neue"/>
+              <a:sym typeface="Helvetica Neue"/>
+            </a:endParaRPr>
+          </a:p>
+        </p:txBody>
+      </p:sp>
+    </p:spTree>
+  </p:cSld>
+  <p:clrMapOvr>
+    <a:masterClrMapping/>
+  </p:clrMapOvr>
+</p:sld>
+</file>
+
+<file path=ppt/slides/slide31.xml><?xml version="1.0" encoding="utf-8"?>
+<p:sld xmlns:a="http://schemas.openxmlformats.org/drawingml/2006/main" xmlns:r="http://schemas.openxmlformats.org/officeDocument/2006/relationships" xmlns:p="http://schemas.openxmlformats.org/presentationml/2006/main">
+  <p:cSld>
     <p:spTree>
       <p:nvGrpSpPr>
         <p:cNvPr id="1" name="Shape 371"/>
@@ -37389,10 +37691,10 @@
               <a:buNone/>
             </a:pPr>
             <a:r>
-              <a:rPr lang="en"/>
+              <a:rPr lang="en" dirty="0"/>
               <a:t>Data Architect Technical Requirement</a:t>
             </a:r>
-            <a:endParaRPr/>
+            <a:endParaRPr dirty="0"/>
           </a:p>
         </p:txBody>
       </p:sp>
@@ -37599,7 +37901,7 @@
               <a:buChar char="●"/>
             </a:pPr>
             <a:r>
-              <a:rPr lang="en" sz="1900" b="1" dirty="0">
+              <a:rPr lang="en-NZ" sz="1900" b="1" dirty="0">
                 <a:latin typeface="Open Sans"/>
                 <a:ea typeface="Open Sans"/>
                 <a:cs typeface="Open Sans"/>
@@ -37607,12 +37909,6 @@
               </a:rPr>
               <a:t>Scalability &amp; Flexibility considerations</a:t>
             </a:r>
-            <a:endParaRPr sz="1900" b="1" dirty="0">
-              <a:latin typeface="Open Sans"/>
-              <a:ea typeface="Open Sans"/>
-              <a:cs typeface="Open Sans"/>
-              <a:sym typeface="Open Sans"/>
-            </a:endParaRPr>
           </a:p>
           <a:p>
             <a:pPr marL="457200" lvl="0" indent="0" algn="l" rtl="0">
@@ -37625,25 +37921,180 @@
               <a:buNone/>
             </a:pPr>
             <a:r>
-              <a:rPr lang="en" sz="1900" dirty="0"/>
+              <a:rPr lang="en-NZ" sz="1600" dirty="0"/>
               <a:t>List at least 2 examples of considerations taken to ensure data scalability and flexibility, and provide an explanation</a:t>
             </a:r>
-            <a:endParaRPr sz="1900" dirty="0"/>
-          </a:p>
-          <a:p>
-            <a:pPr marL="457200" lvl="0" indent="-349250" algn="l" rtl="0">
+          </a:p>
+          <a:p>
+            <a:pPr marL="914400" lvl="0" indent="-457200" algn="l" rtl="0">
               <a:spcBef>
                 <a:spcPts val="1600"/>
               </a:spcBef>
               <a:spcAft>
                 <a:spcPts val="0"/>
               </a:spcAft>
-              <a:buSzPts val="1900"/>
-              <a:buFont typeface="Open Sans"/>
-              <a:buChar char="●"/>
+              <a:buAutoNum type="arabicPeriod"/>
             </a:pPr>
             <a:r>
-              <a:rPr lang="en" sz="1900" b="1" dirty="0">
+              <a:rPr lang="en-NZ" sz="1600" dirty="0"/>
+              <a:t>A data model that is based on 3NF will work exceptionally well for database writes and will scale easily to support the anticipated growth.</a:t>
+            </a:r>
+          </a:p>
+          <a:p>
+            <a:pPr marL="914400" lvl="0" indent="-457200" algn="l" rtl="0">
+              <a:spcBef>
+                <a:spcPts val="1600"/>
+              </a:spcBef>
+              <a:spcAft>
+                <a:spcPts val="0"/>
+              </a:spcAft>
+              <a:buAutoNum type="arabicPeriod"/>
+            </a:pPr>
+            <a:r>
+              <a:rPr lang="en-NZ" sz="1600" dirty="0"/>
+              <a:t>The data model does require many joins when it comes to reads and carrying out analysis and modelling. Because of the small number of employees this is unlikely to be a problem. The requestor has indicated that they are not interested in reporting yet either. I would design some views to support easy analysis.</a:t>
+            </a:r>
+          </a:p>
+          <a:p>
+            <a:pPr marL="914400" lvl="0" indent="-457200" algn="l" rtl="0">
+              <a:spcBef>
+                <a:spcPts val="1600"/>
+              </a:spcBef>
+              <a:spcAft>
+                <a:spcPts val="0"/>
+              </a:spcAft>
+              <a:buAutoNum type="arabicPeriod"/>
+            </a:pPr>
+            <a:r>
+              <a:rPr lang="en-NZ" sz="1600" dirty="0"/>
+              <a:t>The data model provides flexibility in that department names, title names and location details can change very easily, as this information is not duplicated in the data.</a:t>
+            </a:r>
+          </a:p>
+          <a:p>
+            <a:pPr marL="0" lvl="0" indent="0" algn="l" rtl="0">
+              <a:lnSpc>
+                <a:spcPct val="100000"/>
+              </a:lnSpc>
+              <a:spcBef>
+                <a:spcPts val="0"/>
+              </a:spcBef>
+              <a:spcAft>
+                <a:spcPts val="0"/>
+              </a:spcAft>
+              <a:buClr>
+                <a:schemeClr val="dk1"/>
+              </a:buClr>
+              <a:buSzPts val="1100"/>
+              <a:buFont typeface="Arial"/>
+              <a:buNone/>
+            </a:pPr>
+            <a:endParaRPr sz="1700" dirty="0"/>
+          </a:p>
+        </p:txBody>
+      </p:sp>
+    </p:spTree>
+  </p:cSld>
+  <p:clrMapOvr>
+    <a:masterClrMapping/>
+  </p:clrMapOvr>
+</p:sld>
+</file>
+
+<file path=ppt/slides/slide9.xml><?xml version="1.0" encoding="utf-8"?>
+<p:sld xmlns:a="http://schemas.openxmlformats.org/drawingml/2006/main" xmlns:r="http://schemas.openxmlformats.org/officeDocument/2006/relationships" xmlns:p="http://schemas.openxmlformats.org/presentationml/2006/main">
+  <p:cSld>
+    <p:spTree>
+      <p:nvGrpSpPr>
+        <p:cNvPr id="1" name="Shape 229"/>
+        <p:cNvGrpSpPr/>
+        <p:nvPr/>
+      </p:nvGrpSpPr>
+      <p:grpSpPr>
+        <a:xfrm>
+          <a:off x="0" y="0"/>
+          <a:ext cx="0" cy="0"/>
+          <a:chOff x="0" y="0"/>
+          <a:chExt cx="0" cy="0"/>
+        </a:xfrm>
+      </p:grpSpPr>
+      <p:sp>
+        <p:nvSpPr>
+          <p:cNvPr id="230" name="Google Shape;230;p59"/>
+          <p:cNvSpPr txBox="1">
+            <a:spLocks noGrp="1"/>
+          </p:cNvSpPr>
+          <p:nvPr>
+            <p:ph type="title"/>
+          </p:nvPr>
+        </p:nvSpPr>
+        <p:spPr>
+          <a:xfrm>
+            <a:off x="264945" y="870271"/>
+            <a:ext cx="7242600" cy="1119900"/>
+          </a:xfrm>
+          <a:prstGeom prst="rect">
+            <a:avLst/>
+          </a:prstGeom>
+        </p:spPr>
+        <p:txBody>
+          <a:bodyPr spcFirstLastPara="1" wrap="square" lIns="91425" tIns="91425" rIns="91425" bIns="91425" anchor="ctr" anchorCtr="0">
+            <a:noAutofit/>
+          </a:bodyPr>
+          <a:lstStyle/>
+          <a:p>
+            <a:pPr marL="0" lvl="0" indent="0" algn="l" rtl="0">
+              <a:spcBef>
+                <a:spcPts val="0"/>
+              </a:spcBef>
+              <a:spcAft>
+                <a:spcPts val="0"/>
+              </a:spcAft>
+              <a:buNone/>
+            </a:pPr>
+            <a:r>
+              <a:rPr lang="en"/>
+              <a:t>Data Architect Technical Requirement</a:t>
+            </a:r>
+            <a:endParaRPr/>
+          </a:p>
+        </p:txBody>
+      </p:sp>
+      <p:sp>
+        <p:nvSpPr>
+          <p:cNvPr id="231" name="Google Shape;231;p59"/>
+          <p:cNvSpPr txBox="1">
+            <a:spLocks noGrp="1"/>
+          </p:cNvSpPr>
+          <p:nvPr>
+            <p:ph type="body" idx="1"/>
+          </p:nvPr>
+        </p:nvSpPr>
+        <p:spPr>
+          <a:xfrm>
+            <a:off x="264950" y="2253724"/>
+            <a:ext cx="7242600" cy="7731900"/>
+          </a:xfrm>
+          <a:prstGeom prst="rect">
+            <a:avLst/>
+          </a:prstGeom>
+        </p:spPr>
+        <p:txBody>
+          <a:bodyPr spcFirstLastPara="1" wrap="square" lIns="91425" tIns="91425" rIns="91425" bIns="91425" anchor="t" anchorCtr="0">
+            <a:noAutofit/>
+          </a:bodyPr>
+          <a:lstStyle/>
+          <a:p>
+            <a:pPr lvl="0" indent="0" algn="l" rtl="0">
+              <a:spcBef>
+                <a:spcPts val="1600"/>
+              </a:spcBef>
+              <a:spcAft>
+                <a:spcPts val="0"/>
+              </a:spcAft>
+              <a:buNone/>
+            </a:pPr>
+            <a:r>
+              <a:rPr lang="en-NZ" sz="1900" b="1" dirty="0">
                 <a:latin typeface="Open Sans"/>
                 <a:ea typeface="Open Sans"/>
                 <a:cs typeface="Open Sans"/>
@@ -37651,12 +38102,6 @@
               </a:rPr>
               <a:t>Storage &amp; retention</a:t>
             </a:r>
-            <a:endParaRPr sz="1900" b="1" dirty="0">
-              <a:latin typeface="Open Sans"/>
-              <a:ea typeface="Open Sans"/>
-              <a:cs typeface="Open Sans"/>
-              <a:sym typeface="Open Sans"/>
-            </a:endParaRPr>
           </a:p>
           <a:p>
             <a:pPr marL="457200" lvl="0" indent="0" algn="l" rtl="0">
@@ -37815,198 +38260,11 @@
         </p:txBody>
       </p:sp>
     </p:spTree>
-  </p:cSld>
-  <p:clrMapOvr>
-    <a:masterClrMapping/>
-  </p:clrMapOvr>
-</p:sld>
-</file>
-
-<file path=ppt/slides/slide9.xml><?xml version="1.0" encoding="utf-8"?>
-<p:sld xmlns:a="http://schemas.openxmlformats.org/drawingml/2006/main" xmlns:r="http://schemas.openxmlformats.org/officeDocument/2006/relationships" xmlns:p="http://schemas.openxmlformats.org/presentationml/2006/main">
-  <p:cSld>
-    <p:bg>
-      <p:bgPr>
-        <a:solidFill>
-          <a:srgbClr val="02B4E5"/>
-        </a:solidFill>
-        <a:effectLst/>
-      </p:bgPr>
-    </p:bg>
-    <p:spTree>
-      <p:nvGrpSpPr>
-        <p:cNvPr id="1" name="Shape 235"/>
-        <p:cNvGrpSpPr/>
-        <p:nvPr/>
-      </p:nvGrpSpPr>
-      <p:grpSpPr>
-        <a:xfrm>
-          <a:off x="0" y="0"/>
-          <a:ext cx="0" cy="0"/>
-          <a:chOff x="0" y="0"/>
-          <a:chExt cx="0" cy="0"/>
-        </a:xfrm>
-      </p:grpSpPr>
-      <p:sp>
-        <p:nvSpPr>
-          <p:cNvPr id="236" name="Google Shape;236;p60"/>
-          <p:cNvSpPr/>
-          <p:nvPr/>
-        </p:nvSpPr>
-        <p:spPr>
-          <a:xfrm>
-            <a:off x="1807121" y="4003549"/>
-            <a:ext cx="4158000" cy="2460000"/>
-          </a:xfrm>
-          <a:prstGeom prst="rect">
-            <a:avLst/>
-          </a:prstGeom>
-          <a:noFill/>
-          <a:ln>
-            <a:noFill/>
-          </a:ln>
-        </p:spPr>
-        <p:txBody>
-          <a:bodyPr spcFirstLastPara="1" wrap="square" lIns="26775" tIns="26775" rIns="26775" bIns="26775" anchor="t" anchorCtr="0">
-            <a:noAutofit/>
-          </a:bodyPr>
-          <a:lstStyle/>
-          <a:p>
-            <a:pPr marL="0" marR="0" lvl="0" indent="0" algn="ctr" rtl="0">
-              <a:lnSpc>
-                <a:spcPct val="150000"/>
-              </a:lnSpc>
-              <a:spcBef>
-                <a:spcPts val="0"/>
-              </a:spcBef>
-              <a:spcAft>
-                <a:spcPts val="0"/>
-              </a:spcAft>
-              <a:buClr>
-                <a:srgbClr val="FFFFFF"/>
-              </a:buClr>
-              <a:buFont typeface="Open Sans"/>
-              <a:buNone/>
-            </a:pPr>
-            <a:r>
-              <a:rPr lang="en" sz="3000" b="1">
-                <a:solidFill>
-                  <a:srgbClr val="FFFFFF"/>
-                </a:solidFill>
-                <a:latin typeface="Open Sans"/>
-                <a:ea typeface="Open Sans"/>
-                <a:cs typeface="Open Sans"/>
-                <a:sym typeface="Open Sans"/>
-              </a:rPr>
-              <a:t>Step 2</a:t>
-            </a:r>
-            <a:endParaRPr sz="3000" b="1">
-              <a:solidFill>
-                <a:srgbClr val="FFFFFF"/>
-              </a:solidFill>
-              <a:latin typeface="Open Sans"/>
-              <a:ea typeface="Open Sans"/>
-              <a:cs typeface="Open Sans"/>
-              <a:sym typeface="Open Sans"/>
-            </a:endParaRPr>
-          </a:p>
-          <a:p>
-            <a:pPr marL="0" marR="0" lvl="0" indent="0" algn="ctr" rtl="0">
-              <a:lnSpc>
-                <a:spcPct val="150000"/>
-              </a:lnSpc>
-              <a:spcBef>
-                <a:spcPts val="0"/>
-              </a:spcBef>
-              <a:spcAft>
-                <a:spcPts val="0"/>
-              </a:spcAft>
-              <a:buClr>
-                <a:srgbClr val="FFFFFF"/>
-              </a:buClr>
-              <a:buFont typeface="Open Sans"/>
-              <a:buNone/>
-            </a:pPr>
-            <a:r>
-              <a:rPr lang="en" sz="3000">
-                <a:solidFill>
-                  <a:srgbClr val="FFFFFF"/>
-                </a:solidFill>
-                <a:latin typeface="Open Sans"/>
-                <a:ea typeface="Open Sans"/>
-                <a:cs typeface="Open Sans"/>
-                <a:sym typeface="Open Sans"/>
-              </a:rPr>
-              <a:t>Relational Database Design</a:t>
-            </a:r>
-            <a:endParaRPr sz="3000">
-              <a:solidFill>
-                <a:srgbClr val="FFFFFF"/>
-              </a:solidFill>
-              <a:latin typeface="Open Sans"/>
-              <a:ea typeface="Open Sans"/>
-              <a:cs typeface="Open Sans"/>
-              <a:sym typeface="Open Sans"/>
-            </a:endParaRPr>
-          </a:p>
-        </p:txBody>
-      </p:sp>
-      <p:sp>
-        <p:nvSpPr>
-          <p:cNvPr id="237" name="Google Shape;237;p60"/>
-          <p:cNvSpPr/>
-          <p:nvPr/>
-        </p:nvSpPr>
-        <p:spPr>
-          <a:xfrm>
-            <a:off x="3582591" y="3663029"/>
-            <a:ext cx="607200" cy="74400"/>
-          </a:xfrm>
-          <a:prstGeom prst="rect">
-            <a:avLst/>
-          </a:prstGeom>
-          <a:solidFill>
-            <a:schemeClr val="lt1"/>
-          </a:solidFill>
-          <a:ln>
-            <a:noFill/>
-          </a:ln>
-        </p:spPr>
-        <p:txBody>
-          <a:bodyPr spcFirstLastPara="1" wrap="square" lIns="26775" tIns="26775" rIns="26775" bIns="26775" anchor="ctr" anchorCtr="0">
-            <a:noAutofit/>
-          </a:bodyPr>
-          <a:lstStyle/>
-          <a:p>
-            <a:pPr marL="0" marR="0" lvl="0" indent="0" algn="ctr" rtl="0">
-              <a:lnSpc>
-                <a:spcPct val="100000"/>
-              </a:lnSpc>
-              <a:spcBef>
-                <a:spcPts val="0"/>
-              </a:spcBef>
-              <a:spcAft>
-                <a:spcPts val="0"/>
-              </a:spcAft>
-              <a:buClr>
-                <a:srgbClr val="FFFFFF"/>
-              </a:buClr>
-              <a:buFont typeface="Helvetica Neue"/>
-              <a:buNone/>
-            </a:pPr>
-            <a:endParaRPr sz="1200" b="0" i="0" u="none" strike="noStrike" cap="none">
-              <a:solidFill>
-                <a:srgbClr val="02B4E5"/>
-              </a:solidFill>
-              <a:latin typeface="Helvetica Neue"/>
-              <a:ea typeface="Helvetica Neue"/>
-              <a:cs typeface="Helvetica Neue"/>
-              <a:sym typeface="Helvetica Neue"/>
-            </a:endParaRPr>
-          </a:p>
-        </p:txBody>
-      </p:sp>
-    </p:spTree>
+    <p:extLst>
+      <p:ext uri="{BB962C8B-B14F-4D97-AF65-F5344CB8AC3E}">
+        <p14:creationId xmlns:p14="http://schemas.microsoft.com/office/powerpoint/2010/main" val="1009116930"/>
+      </p:ext>
+    </p:extLst>
   </p:cSld>
   <p:clrMapOvr>
     <a:masterClrMapping/>
